--- a/Relatório/Apresentação.pptx
+++ b/Relatório/Apresentação.pptx
@@ -2,25 +2,42 @@
 <file path=ppt/presentation.xml><?xml version="1.0" encoding="utf-8"?>
 <p:presentation xmlns:a="http://schemas.openxmlformats.org/drawingml/2006/main" xmlns:r="http://schemas.openxmlformats.org/officeDocument/2006/relationships" xmlns:p="http://schemas.openxmlformats.org/presentationml/2006/main" saveSubsetFonts="1">
   <p:sldMasterIdLst>
-    <p:sldMasterId id="2147483648" r:id="rId1"/>
+    <p:sldMasterId id="2147483672" r:id="rId1"/>
   </p:sldMasterIdLst>
   <p:sldIdLst>
     <p:sldId id="256" r:id="rId2"/>
-    <p:sldId id="257" r:id="rId3"/>
-    <p:sldId id="258" r:id="rId4"/>
-    <p:sldId id="260" r:id="rId5"/>
-    <p:sldId id="261" r:id="rId6"/>
-    <p:sldId id="262" r:id="rId7"/>
-    <p:sldId id="263" r:id="rId8"/>
-    <p:sldId id="264" r:id="rId9"/>
+    <p:sldId id="288" r:id="rId3"/>
+    <p:sldId id="287" r:id="rId4"/>
+    <p:sldId id="257" r:id="rId5"/>
+    <p:sldId id="258" r:id="rId6"/>
+    <p:sldId id="267" r:id="rId7"/>
+    <p:sldId id="260" r:id="rId8"/>
+    <p:sldId id="268" r:id="rId9"/>
+    <p:sldId id="269" r:id="rId10"/>
+    <p:sldId id="270" r:id="rId11"/>
+    <p:sldId id="271" r:id="rId12"/>
+    <p:sldId id="272" r:id="rId13"/>
+    <p:sldId id="273" r:id="rId14"/>
+    <p:sldId id="274" r:id="rId15"/>
+    <p:sldId id="275" r:id="rId16"/>
+    <p:sldId id="277" r:id="rId17"/>
+    <p:sldId id="278" r:id="rId18"/>
+    <p:sldId id="279" r:id="rId19"/>
+    <p:sldId id="282" r:id="rId20"/>
+    <p:sldId id="280" r:id="rId21"/>
+    <p:sldId id="285" r:id="rId22"/>
+    <p:sldId id="284" r:id="rId23"/>
+    <p:sldId id="261" r:id="rId24"/>
+    <p:sldId id="262" r:id="rId25"/>
+    <p:sldId id="264" r:id="rId26"/>
   </p:sldIdLst>
   <p:sldSz cx="12192000" cy="6858000"/>
   <p:notesSz cx="6858000" cy="9144000"/>
   <p:defaultTextStyle>
     <a:defPPr>
-      <a:defRPr lang="pt-PT"/>
+      <a:defRPr lang="en-US"/>
     </a:defPPr>
-    <a:lvl1pPr marL="0" algn="l" defTabSz="914400" rtl="0" eaLnBrk="1" latinLnBrk="0" hangingPunct="1">
+    <a:lvl1pPr marL="0" algn="l" defTabSz="457200" rtl="0" eaLnBrk="1" latinLnBrk="0" hangingPunct="1">
       <a:defRPr sz="1800" kern="1200">
         <a:solidFill>
           <a:schemeClr val="tx1"/>
@@ -30,7 +47,7 @@
         <a:cs typeface="+mn-cs"/>
       </a:defRPr>
     </a:lvl1pPr>
-    <a:lvl2pPr marL="457200" algn="l" defTabSz="914400" rtl="0" eaLnBrk="1" latinLnBrk="0" hangingPunct="1">
+    <a:lvl2pPr marL="457200" algn="l" defTabSz="457200" rtl="0" eaLnBrk="1" latinLnBrk="0" hangingPunct="1">
       <a:defRPr sz="1800" kern="1200">
         <a:solidFill>
           <a:schemeClr val="tx1"/>
@@ -40,7 +57,7 @@
         <a:cs typeface="+mn-cs"/>
       </a:defRPr>
     </a:lvl2pPr>
-    <a:lvl3pPr marL="914400" algn="l" defTabSz="914400" rtl="0" eaLnBrk="1" latinLnBrk="0" hangingPunct="1">
+    <a:lvl3pPr marL="914400" algn="l" defTabSz="457200" rtl="0" eaLnBrk="1" latinLnBrk="0" hangingPunct="1">
       <a:defRPr sz="1800" kern="1200">
         <a:solidFill>
           <a:schemeClr val="tx1"/>
@@ -50,7 +67,7 @@
         <a:cs typeface="+mn-cs"/>
       </a:defRPr>
     </a:lvl3pPr>
-    <a:lvl4pPr marL="1371600" algn="l" defTabSz="914400" rtl="0" eaLnBrk="1" latinLnBrk="0" hangingPunct="1">
+    <a:lvl4pPr marL="1371600" algn="l" defTabSz="457200" rtl="0" eaLnBrk="1" latinLnBrk="0" hangingPunct="1">
       <a:defRPr sz="1800" kern="1200">
         <a:solidFill>
           <a:schemeClr val="tx1"/>
@@ -60,7 +77,7 @@
         <a:cs typeface="+mn-cs"/>
       </a:defRPr>
     </a:lvl4pPr>
-    <a:lvl5pPr marL="1828800" algn="l" defTabSz="914400" rtl="0" eaLnBrk="1" latinLnBrk="0" hangingPunct="1">
+    <a:lvl5pPr marL="1828800" algn="l" defTabSz="457200" rtl="0" eaLnBrk="1" latinLnBrk="0" hangingPunct="1">
       <a:defRPr sz="1800" kern="1200">
         <a:solidFill>
           <a:schemeClr val="tx1"/>
@@ -70,7 +87,7 @@
         <a:cs typeface="+mn-cs"/>
       </a:defRPr>
     </a:lvl5pPr>
-    <a:lvl6pPr marL="2286000" algn="l" defTabSz="914400" rtl="0" eaLnBrk="1" latinLnBrk="0" hangingPunct="1">
+    <a:lvl6pPr marL="2286000" algn="l" defTabSz="457200" rtl="0" eaLnBrk="1" latinLnBrk="0" hangingPunct="1">
       <a:defRPr sz="1800" kern="1200">
         <a:solidFill>
           <a:schemeClr val="tx1"/>
@@ -80,7 +97,7 @@
         <a:cs typeface="+mn-cs"/>
       </a:defRPr>
     </a:lvl6pPr>
-    <a:lvl7pPr marL="2743200" algn="l" defTabSz="914400" rtl="0" eaLnBrk="1" latinLnBrk="0" hangingPunct="1">
+    <a:lvl7pPr marL="2743200" algn="l" defTabSz="457200" rtl="0" eaLnBrk="1" latinLnBrk="0" hangingPunct="1">
       <a:defRPr sz="1800" kern="1200">
         <a:solidFill>
           <a:schemeClr val="tx1"/>
@@ -90,7 +107,7 @@
         <a:cs typeface="+mn-cs"/>
       </a:defRPr>
     </a:lvl7pPr>
-    <a:lvl8pPr marL="3200400" algn="l" defTabSz="914400" rtl="0" eaLnBrk="1" latinLnBrk="0" hangingPunct="1">
+    <a:lvl8pPr marL="3200400" algn="l" defTabSz="457200" rtl="0" eaLnBrk="1" latinLnBrk="0" hangingPunct="1">
       <a:defRPr sz="1800" kern="1200">
         <a:solidFill>
           <a:schemeClr val="tx1"/>
@@ -100,7 +117,7 @@
         <a:cs typeface="+mn-cs"/>
       </a:defRPr>
     </a:lvl8pPr>
-    <a:lvl9pPr marL="3657600" algn="l" defTabSz="914400" rtl="0" eaLnBrk="1" latinLnBrk="0" hangingPunct="1">
+    <a:lvl9pPr marL="3657600" algn="l" defTabSz="457200" rtl="0" eaLnBrk="1" latinLnBrk="0" hangingPunct="1">
       <a:defRPr sz="1800" kern="1200">
         <a:solidFill>
           <a:schemeClr val="tx1"/>
@@ -111,6 +128,11 @@
       </a:defRPr>
     </a:lvl9pPr>
   </p:defaultTextStyle>
+  <p:extLst>
+    <p:ext uri="{EFAFB233-063F-42B5-8137-9DF3F51BA10A}">
+      <p15:sldGuideLst xmlns:p15="http://schemas.microsoft.com/office/powerpoint/2012/main"/>
+    </p:ext>
+  </p:extLst>
 </p:presentation>
 </file>
 
@@ -133,13 +155,7 @@
       </p:grpSpPr>
       <p:sp>
         <p:nvSpPr>
-          <p:cNvPr id="2" name="Título 1">
-            <a:extLst>
-              <a:ext uri="{FF2B5EF4-FFF2-40B4-BE49-F238E27FC236}">
-                <a16:creationId xmlns:a16="http://schemas.microsoft.com/office/drawing/2014/main" id="{D2FE2CD2-EA08-47DF-BB53-9FE6D80166A0}"/>
-              </a:ext>
-            </a:extLst>
-          </p:cNvPr>
+          <p:cNvPr id="2" name="Title 1"/>
           <p:cNvSpPr>
             <a:spLocks noGrp="1"/>
           </p:cNvSpPr>
@@ -149,15 +165,17 @@
         </p:nvSpPr>
         <p:spPr>
           <a:xfrm>
-            <a:off x="1524000" y="1122363"/>
-            <a:ext cx="9144000" cy="2387600"/>
+            <a:off x="2493105" y="802298"/>
+            <a:ext cx="8561747" cy="2541431"/>
           </a:xfrm>
         </p:spPr>
         <p:txBody>
-          <a:bodyPr anchor="b"/>
+          <a:bodyPr bIns="0" anchor="b">
+            <a:normAutofit/>
+          </a:bodyPr>
           <a:lstStyle>
-            <a:lvl1pPr algn="ctr">
-              <a:defRPr sz="6000"/>
+            <a:lvl1pPr algn="l">
+              <a:defRPr sz="6600"/>
             </a:lvl1pPr>
           </a:lstStyle>
           <a:p>
@@ -165,18 +183,13 @@
               <a:rPr lang="pt-PT"/>
               <a:t>Clique para editar o estilo de título do Modelo Global</a:t>
             </a:r>
-          </a:p>
-        </p:txBody>
-      </p:sp>
-      <p:sp>
-        <p:nvSpPr>
-          <p:cNvPr id="3" name="Subtítulo 2">
-            <a:extLst>
-              <a:ext uri="{FF2B5EF4-FFF2-40B4-BE49-F238E27FC236}">
-                <a16:creationId xmlns:a16="http://schemas.microsoft.com/office/drawing/2014/main" id="{20499DC9-0964-45F1-BBE9-5781F384EE24}"/>
-              </a:ext>
-            </a:extLst>
-          </p:cNvPr>
+            <a:endParaRPr lang="en-US" dirty="0"/>
+          </a:p>
+        </p:txBody>
+      </p:sp>
+      <p:sp>
+        <p:nvSpPr>
+          <p:cNvPr id="3" name="Subtitle 2"/>
           <p:cNvSpPr>
             <a:spLocks noGrp="1"/>
           </p:cNvSpPr>
@@ -186,20 +199,26 @@
         </p:nvSpPr>
         <p:spPr>
           <a:xfrm>
-            <a:off x="1524000" y="3602038"/>
-            <a:ext cx="9144000" cy="1655762"/>
+            <a:off x="2493106" y="3531204"/>
+            <a:ext cx="8561746" cy="977621"/>
           </a:xfrm>
         </p:spPr>
         <p:txBody>
-          <a:bodyPr/>
+          <a:bodyPr tIns="91440" bIns="91440">
+            <a:normAutofit/>
+          </a:bodyPr>
           <a:lstStyle>
-            <a:lvl1pPr marL="0" indent="0" algn="ctr">
+            <a:lvl1pPr marL="0" indent="0" algn="l">
               <a:buNone/>
-              <a:defRPr sz="2400"/>
+              <a:defRPr sz="1800" b="0" cap="all" baseline="0">
+                <a:solidFill>
+                  <a:schemeClr val="tx1"/>
+                </a:solidFill>
+              </a:defRPr>
             </a:lvl1pPr>
             <a:lvl2pPr marL="457200" indent="0" algn="ctr">
               <a:buNone/>
-              <a:defRPr sz="2000"/>
+              <a:defRPr sz="1800"/>
             </a:lvl2pPr>
             <a:lvl3pPr marL="914400" indent="0" algn="ctr">
               <a:buNone/>
@@ -235,18 +254,13 @@
               <a:rPr lang="pt-PT"/>
               <a:t>Clique para editar o estilo de subtítulo do Modelo Global</a:t>
             </a:r>
-          </a:p>
-        </p:txBody>
-      </p:sp>
-      <p:sp>
-        <p:nvSpPr>
-          <p:cNvPr id="4" name="Marcador de Posição da Data 3">
-            <a:extLst>
-              <a:ext uri="{FF2B5EF4-FFF2-40B4-BE49-F238E27FC236}">
-                <a16:creationId xmlns:a16="http://schemas.microsoft.com/office/drawing/2014/main" id="{85644A60-B641-46E0-B6A7-FD92DA6D5C56}"/>
-              </a:ext>
-            </a:extLst>
-          </p:cNvPr>
+            <a:endParaRPr lang="en-US" dirty="0"/>
+          </a:p>
+        </p:txBody>
+      </p:sp>
+      <p:sp>
+        <p:nvSpPr>
+          <p:cNvPr id="4" name="Date Placeholder 3"/>
           <p:cNvSpPr>
             <a:spLocks noGrp="1"/>
           </p:cNvSpPr>
@@ -261,7 +275,7 @@
           <a:p>
             <a:fld id="{4013E98B-3435-411E-BF74-56304C5712BA}" type="datetimeFigureOut">
               <a:rPr lang="pt-PT" smtClean="0"/>
-              <a:t>06/12/2020</a:t>
+              <a:t>11/12/2020</a:t>
             </a:fld>
             <a:endParaRPr lang="pt-PT"/>
           </a:p>
@@ -269,13 +283,7 @@
       </p:sp>
       <p:sp>
         <p:nvSpPr>
-          <p:cNvPr id="5" name="Marcador de Posição do Rodapé 4">
-            <a:extLst>
-              <a:ext uri="{FF2B5EF4-FFF2-40B4-BE49-F238E27FC236}">
-                <a16:creationId xmlns:a16="http://schemas.microsoft.com/office/drawing/2014/main" id="{0BF23B48-87E5-45AB-B582-38DBA27C252A}"/>
-              </a:ext>
-            </a:extLst>
-          </p:cNvPr>
+          <p:cNvPr id="5" name="Footer Placeholder 4"/>
           <p:cNvSpPr>
             <a:spLocks noGrp="1"/>
           </p:cNvSpPr>
@@ -283,7 +291,12 @@
             <p:ph type="ftr" sz="quarter" idx="11"/>
           </p:nvPr>
         </p:nvSpPr>
-        <p:spPr/>
+        <p:spPr>
+          <a:xfrm>
+            <a:off x="2493105" y="329307"/>
+            <a:ext cx="4897310" cy="309201"/>
+          </a:xfrm>
+        </p:spPr>
         <p:txBody>
           <a:bodyPr/>
           <a:lstStyle/>
@@ -294,13 +307,7 @@
       </p:sp>
       <p:sp>
         <p:nvSpPr>
-          <p:cNvPr id="6" name="Marcador de Posição do Número do Diapositivo 5">
-            <a:extLst>
-              <a:ext uri="{FF2B5EF4-FFF2-40B4-BE49-F238E27FC236}">
-                <a16:creationId xmlns:a16="http://schemas.microsoft.com/office/drawing/2014/main" id="{B6EDA25A-42F5-4CA4-9C90-F9030B1771B3}"/>
-              </a:ext>
-            </a:extLst>
-          </p:cNvPr>
+          <p:cNvPr id="6" name="Slide Number Placeholder 5"/>
           <p:cNvSpPr>
             <a:spLocks noGrp="1"/>
           </p:cNvSpPr>
@@ -308,7 +315,12 @@
             <p:ph type="sldNum" sz="quarter" idx="12"/>
           </p:nvPr>
         </p:nvSpPr>
-        <p:spPr/>
+        <p:spPr>
+          <a:xfrm>
+            <a:off x="1437664" y="798973"/>
+            <a:ext cx="811019" cy="503578"/>
+          </a:xfrm>
+        </p:spPr>
         <p:txBody>
           <a:bodyPr/>
           <a:lstStyle/>
@@ -321,10 +333,47 @@
           </a:p>
         </p:txBody>
       </p:sp>
+      <p:cxnSp>
+        <p:nvCxnSpPr>
+          <p:cNvPr id="8" name="Straight Connector 7"/>
+          <p:cNvCxnSpPr/>
+          <p:nvPr/>
+        </p:nvCxnSpPr>
+        <p:spPr>
+          <a:xfrm>
+            <a:off x="2334637" y="798973"/>
+            <a:ext cx="0" cy="2544756"/>
+          </a:xfrm>
+          <a:prstGeom prst="line">
+            <a:avLst/>
+          </a:prstGeom>
+          <a:ln w="38100" cmpd="sng">
+            <a:solidFill>
+              <a:schemeClr val="accent1"/>
+            </a:solidFill>
+            <a:prstDash val="solid"/>
+            <a:tailEnd type="none"/>
+          </a:ln>
+        </p:spPr>
+        <p:style>
+          <a:lnRef idx="3">
+            <a:schemeClr val="accent1"/>
+          </a:lnRef>
+          <a:fillRef idx="0">
+            <a:schemeClr val="accent1"/>
+          </a:fillRef>
+          <a:effectRef idx="2">
+            <a:schemeClr val="accent1"/>
+          </a:effectRef>
+          <a:fontRef idx="minor">
+            <a:schemeClr val="tx1"/>
+          </a:fontRef>
+        </p:style>
+      </p:cxnSp>
     </p:spTree>
     <p:extLst>
       <p:ext uri="{BB962C8B-B14F-4D97-AF65-F5344CB8AC3E}">
-        <p14:creationId xmlns:p14="http://schemas.microsoft.com/office/powerpoint/2010/main" val="2835303753"/>
+        <p14:creationId xmlns:p14="http://schemas.microsoft.com/office/powerpoint/2010/main" val="1012871642"/>
       </p:ext>
     </p:extLst>
   </p:cSld>
@@ -353,13 +402,7 @@
       </p:grpSpPr>
       <p:sp>
         <p:nvSpPr>
-          <p:cNvPr id="2" name="Título 1">
-            <a:extLst>
-              <a:ext uri="{FF2B5EF4-FFF2-40B4-BE49-F238E27FC236}">
-                <a16:creationId xmlns:a16="http://schemas.microsoft.com/office/drawing/2014/main" id="{8B6610FE-3EDD-4B12-BE53-E36B5304AD20}"/>
-              </a:ext>
-            </a:extLst>
-          </p:cNvPr>
+          <p:cNvPr id="2" name="Title 1"/>
           <p:cNvSpPr>
             <a:spLocks noGrp="1"/>
           </p:cNvSpPr>
@@ -376,18 +419,13 @@
               <a:rPr lang="pt-PT"/>
               <a:t>Clique para editar o estilo de título do Modelo Global</a:t>
             </a:r>
-          </a:p>
-        </p:txBody>
-      </p:sp>
-      <p:sp>
-        <p:nvSpPr>
-          <p:cNvPr id="3" name="Marcador de Posição de Texto Vertical 2">
-            <a:extLst>
-              <a:ext uri="{FF2B5EF4-FFF2-40B4-BE49-F238E27FC236}">
-                <a16:creationId xmlns:a16="http://schemas.microsoft.com/office/drawing/2014/main" id="{A9EF3E0F-0400-4908-B6F7-AD09EB3B447B}"/>
-              </a:ext>
-            </a:extLst>
-          </p:cNvPr>
+            <a:endParaRPr lang="en-US" dirty="0"/>
+          </a:p>
+        </p:txBody>
+      </p:sp>
+      <p:sp>
+        <p:nvSpPr>
+          <p:cNvPr id="3" name="Vertical Text Placeholder 2"/>
           <p:cNvSpPr>
             <a:spLocks noGrp="1"/>
           </p:cNvSpPr>
@@ -433,18 +471,13 @@
               <a:rPr lang="pt-PT"/>
               <a:t>Quinto nível</a:t>
             </a:r>
-          </a:p>
-        </p:txBody>
-      </p:sp>
-      <p:sp>
-        <p:nvSpPr>
-          <p:cNvPr id="4" name="Marcador de Posição da Data 3">
-            <a:extLst>
-              <a:ext uri="{FF2B5EF4-FFF2-40B4-BE49-F238E27FC236}">
-                <a16:creationId xmlns:a16="http://schemas.microsoft.com/office/drawing/2014/main" id="{2891E990-8338-46C6-A7CF-7FF0EE79450E}"/>
-              </a:ext>
-            </a:extLst>
-          </p:cNvPr>
+            <a:endParaRPr lang="en-US" dirty="0"/>
+          </a:p>
+        </p:txBody>
+      </p:sp>
+      <p:sp>
+        <p:nvSpPr>
+          <p:cNvPr id="4" name="Date Placeholder 3"/>
           <p:cNvSpPr>
             <a:spLocks noGrp="1"/>
           </p:cNvSpPr>
@@ -459,7 +492,7 @@
           <a:p>
             <a:fld id="{4013E98B-3435-411E-BF74-56304C5712BA}" type="datetimeFigureOut">
               <a:rPr lang="pt-PT" smtClean="0"/>
-              <a:t>06/12/2020</a:t>
+              <a:t>11/12/2020</a:t>
             </a:fld>
             <a:endParaRPr lang="pt-PT"/>
           </a:p>
@@ -467,13 +500,7 @@
       </p:sp>
       <p:sp>
         <p:nvSpPr>
-          <p:cNvPr id="5" name="Marcador de Posição do Rodapé 4">
-            <a:extLst>
-              <a:ext uri="{FF2B5EF4-FFF2-40B4-BE49-F238E27FC236}">
-                <a16:creationId xmlns:a16="http://schemas.microsoft.com/office/drawing/2014/main" id="{BE561174-250E-4335-B688-8B8089B67595}"/>
-              </a:ext>
-            </a:extLst>
-          </p:cNvPr>
+          <p:cNvPr id="5" name="Footer Placeholder 4"/>
           <p:cNvSpPr>
             <a:spLocks noGrp="1"/>
           </p:cNvSpPr>
@@ -492,13 +519,7 @@
       </p:sp>
       <p:sp>
         <p:nvSpPr>
-          <p:cNvPr id="6" name="Marcador de Posição do Número do Diapositivo 5">
-            <a:extLst>
-              <a:ext uri="{FF2B5EF4-FFF2-40B4-BE49-F238E27FC236}">
-                <a16:creationId xmlns:a16="http://schemas.microsoft.com/office/drawing/2014/main" id="{DB49864B-15CC-4B0C-91C6-5CCEEC7ED430}"/>
-              </a:ext>
-            </a:extLst>
-          </p:cNvPr>
+          <p:cNvPr id="6" name="Slide Number Placeholder 5"/>
           <p:cNvSpPr>
             <a:spLocks noGrp="1"/>
           </p:cNvSpPr>
@@ -519,10 +540,47 @@
           </a:p>
         </p:txBody>
       </p:sp>
+      <p:cxnSp>
+        <p:nvCxnSpPr>
+          <p:cNvPr id="8" name="Straight Connector 7"/>
+          <p:cNvCxnSpPr/>
+          <p:nvPr/>
+        </p:nvCxnSpPr>
+        <p:spPr>
+          <a:xfrm>
+            <a:off x="1371687" y="798973"/>
+            <a:ext cx="0" cy="1067168"/>
+          </a:xfrm>
+          <a:prstGeom prst="line">
+            <a:avLst/>
+          </a:prstGeom>
+          <a:ln w="38100" cmpd="sng">
+            <a:solidFill>
+              <a:schemeClr val="accent1"/>
+            </a:solidFill>
+            <a:prstDash val="solid"/>
+            <a:tailEnd type="none"/>
+          </a:ln>
+        </p:spPr>
+        <p:style>
+          <a:lnRef idx="3">
+            <a:schemeClr val="accent1"/>
+          </a:lnRef>
+          <a:fillRef idx="0">
+            <a:schemeClr val="accent1"/>
+          </a:fillRef>
+          <a:effectRef idx="2">
+            <a:schemeClr val="accent1"/>
+          </a:effectRef>
+          <a:fontRef idx="minor">
+            <a:schemeClr val="tx1"/>
+          </a:fontRef>
+        </p:style>
+      </p:cxnSp>
     </p:spTree>
     <p:extLst>
       <p:ext uri="{BB962C8B-B14F-4D97-AF65-F5344CB8AC3E}">
-        <p14:creationId xmlns:p14="http://schemas.microsoft.com/office/powerpoint/2010/main" val="725695397"/>
+        <p14:creationId xmlns:p14="http://schemas.microsoft.com/office/powerpoint/2010/main" val="2686239062"/>
       </p:ext>
     </p:extLst>
   </p:cSld>
@@ -551,13 +609,7 @@
       </p:grpSpPr>
       <p:sp>
         <p:nvSpPr>
-          <p:cNvPr id="2" name="Título Vertical 1">
-            <a:extLst>
-              <a:ext uri="{FF2B5EF4-FFF2-40B4-BE49-F238E27FC236}">
-                <a16:creationId xmlns:a16="http://schemas.microsoft.com/office/drawing/2014/main" id="{D78499E5-5A15-4705-929D-EF8A5F9FF54B}"/>
-              </a:ext>
-            </a:extLst>
-          </p:cNvPr>
+          <p:cNvPr id="2" name="Vertical Title 1"/>
           <p:cNvSpPr>
             <a:spLocks noGrp="1"/>
           </p:cNvSpPr>
@@ -567,30 +619,29 @@
         </p:nvSpPr>
         <p:spPr>
           <a:xfrm>
-            <a:off x="8724900" y="365125"/>
-            <a:ext cx="2628900" cy="5811838"/>
+            <a:off x="9439111" y="883863"/>
+            <a:ext cx="1615742" cy="4574999"/>
           </a:xfrm>
         </p:spPr>
         <p:txBody>
           <a:bodyPr vert="eaVert"/>
-          <a:lstStyle/>
+          <a:lstStyle>
+            <a:lvl1pPr algn="l">
+              <a:defRPr/>
+            </a:lvl1pPr>
+          </a:lstStyle>
           <a:p>
             <a:r>
               <a:rPr lang="pt-PT"/>
               <a:t>Clique para editar o estilo de título do Modelo Global</a:t>
             </a:r>
-          </a:p>
-        </p:txBody>
-      </p:sp>
-      <p:sp>
-        <p:nvSpPr>
-          <p:cNvPr id="3" name="Marcador de Posição de Texto Vertical 2">
-            <a:extLst>
-              <a:ext uri="{FF2B5EF4-FFF2-40B4-BE49-F238E27FC236}">
-                <a16:creationId xmlns:a16="http://schemas.microsoft.com/office/drawing/2014/main" id="{B7213D63-5C8B-4168-B2C9-6C81D412BC9C}"/>
-              </a:ext>
-            </a:extLst>
-          </p:cNvPr>
+            <a:endParaRPr lang="en-US" dirty="0"/>
+          </a:p>
+        </p:txBody>
+      </p:sp>
+      <p:sp>
+        <p:nvSpPr>
+          <p:cNvPr id="3" name="Vertical Text Placeholder 2"/>
           <p:cNvSpPr>
             <a:spLocks noGrp="1"/>
           </p:cNvSpPr>
@@ -600,8 +651,8 @@
         </p:nvSpPr>
         <p:spPr>
           <a:xfrm>
-            <a:off x="838200" y="365125"/>
-            <a:ext cx="7734300" cy="5811838"/>
+            <a:off x="1534694" y="883863"/>
+            <a:ext cx="7738807" cy="4574999"/>
           </a:xfrm>
         </p:spPr>
         <p:txBody>
@@ -641,18 +692,13 @@
               <a:rPr lang="pt-PT"/>
               <a:t>Quinto nível</a:t>
             </a:r>
-          </a:p>
-        </p:txBody>
-      </p:sp>
-      <p:sp>
-        <p:nvSpPr>
-          <p:cNvPr id="4" name="Marcador de Posição da Data 3">
-            <a:extLst>
-              <a:ext uri="{FF2B5EF4-FFF2-40B4-BE49-F238E27FC236}">
-                <a16:creationId xmlns:a16="http://schemas.microsoft.com/office/drawing/2014/main" id="{B8864FDB-4531-489A-8741-F3B6510C9CFA}"/>
-              </a:ext>
-            </a:extLst>
-          </p:cNvPr>
+            <a:endParaRPr lang="en-US" dirty="0"/>
+          </a:p>
+        </p:txBody>
+      </p:sp>
+      <p:sp>
+        <p:nvSpPr>
+          <p:cNvPr id="4" name="Date Placeholder 3"/>
           <p:cNvSpPr>
             <a:spLocks noGrp="1"/>
           </p:cNvSpPr>
@@ -667,7 +713,7 @@
           <a:p>
             <a:fld id="{4013E98B-3435-411E-BF74-56304C5712BA}" type="datetimeFigureOut">
               <a:rPr lang="pt-PT" smtClean="0"/>
-              <a:t>06/12/2020</a:t>
+              <a:t>11/12/2020</a:t>
             </a:fld>
             <a:endParaRPr lang="pt-PT"/>
           </a:p>
@@ -675,13 +721,7 @@
       </p:sp>
       <p:sp>
         <p:nvSpPr>
-          <p:cNvPr id="5" name="Marcador de Posição do Rodapé 4">
-            <a:extLst>
-              <a:ext uri="{FF2B5EF4-FFF2-40B4-BE49-F238E27FC236}">
-                <a16:creationId xmlns:a16="http://schemas.microsoft.com/office/drawing/2014/main" id="{3A427A47-DAF9-405F-BA97-E39CFF453BA0}"/>
-              </a:ext>
-            </a:extLst>
-          </p:cNvPr>
+          <p:cNvPr id="5" name="Footer Placeholder 4"/>
           <p:cNvSpPr>
             <a:spLocks noGrp="1"/>
           </p:cNvSpPr>
@@ -700,13 +740,7 @@
       </p:sp>
       <p:sp>
         <p:nvSpPr>
-          <p:cNvPr id="6" name="Marcador de Posição do Número do Diapositivo 5">
-            <a:extLst>
-              <a:ext uri="{FF2B5EF4-FFF2-40B4-BE49-F238E27FC236}">
-                <a16:creationId xmlns:a16="http://schemas.microsoft.com/office/drawing/2014/main" id="{6FE41037-AD09-4A39-872C-026331EDD474}"/>
-              </a:ext>
-            </a:extLst>
-          </p:cNvPr>
+          <p:cNvPr id="6" name="Slide Number Placeholder 5"/>
           <p:cNvSpPr>
             <a:spLocks noGrp="1"/>
           </p:cNvSpPr>
@@ -727,10 +761,47 @@
           </a:p>
         </p:txBody>
       </p:sp>
+      <p:cxnSp>
+        <p:nvCxnSpPr>
+          <p:cNvPr id="8" name="Straight Connector 7"/>
+          <p:cNvCxnSpPr/>
+          <p:nvPr/>
+        </p:nvCxnSpPr>
+        <p:spPr>
+          <a:xfrm flipH="1">
+            <a:off x="9439111" y="719272"/>
+            <a:ext cx="1615742" cy="0"/>
+          </a:xfrm>
+          <a:prstGeom prst="line">
+            <a:avLst/>
+          </a:prstGeom>
+          <a:ln w="38100" cmpd="sng">
+            <a:solidFill>
+              <a:schemeClr val="accent1"/>
+            </a:solidFill>
+            <a:prstDash val="solid"/>
+            <a:tailEnd type="none"/>
+          </a:ln>
+        </p:spPr>
+        <p:style>
+          <a:lnRef idx="3">
+            <a:schemeClr val="accent1"/>
+          </a:lnRef>
+          <a:fillRef idx="0">
+            <a:schemeClr val="accent1"/>
+          </a:fillRef>
+          <a:effectRef idx="2">
+            <a:schemeClr val="accent1"/>
+          </a:effectRef>
+          <a:fontRef idx="minor">
+            <a:schemeClr val="tx1"/>
+          </a:fontRef>
+        </p:style>
+      </p:cxnSp>
     </p:spTree>
     <p:extLst>
       <p:ext uri="{BB962C8B-B14F-4D97-AF65-F5344CB8AC3E}">
-        <p14:creationId xmlns:p14="http://schemas.microsoft.com/office/powerpoint/2010/main" val="1724824065"/>
+        <p14:creationId xmlns:p14="http://schemas.microsoft.com/office/powerpoint/2010/main" val="2155853963"/>
       </p:ext>
     </p:extLst>
   </p:cSld>
@@ -759,13 +830,7 @@
       </p:grpSpPr>
       <p:sp>
         <p:nvSpPr>
-          <p:cNvPr id="2" name="Título 1">
-            <a:extLst>
-              <a:ext uri="{FF2B5EF4-FFF2-40B4-BE49-F238E27FC236}">
-                <a16:creationId xmlns:a16="http://schemas.microsoft.com/office/drawing/2014/main" id="{AAF48C6C-6A5D-41B7-AD9D-15071FF184AE}"/>
-              </a:ext>
-            </a:extLst>
-          </p:cNvPr>
+          <p:cNvPr id="2" name="Title 1"/>
           <p:cNvSpPr>
             <a:spLocks noGrp="1"/>
           </p:cNvSpPr>
@@ -782,18 +847,13 @@
               <a:rPr lang="pt-PT"/>
               <a:t>Clique para editar o estilo de título do Modelo Global</a:t>
             </a:r>
-          </a:p>
-        </p:txBody>
-      </p:sp>
-      <p:sp>
-        <p:nvSpPr>
-          <p:cNvPr id="3" name="Marcador de Posição de Conteúdo 2">
-            <a:extLst>
-              <a:ext uri="{FF2B5EF4-FFF2-40B4-BE49-F238E27FC236}">
-                <a16:creationId xmlns:a16="http://schemas.microsoft.com/office/drawing/2014/main" id="{1EF60022-DAF9-40C2-9B21-FA90B605399E}"/>
-              </a:ext>
-            </a:extLst>
-          </p:cNvPr>
+            <a:endParaRPr lang="en-US" dirty="0"/>
+          </a:p>
+        </p:txBody>
+      </p:sp>
+      <p:sp>
+        <p:nvSpPr>
+          <p:cNvPr id="3" name="Content Placeholder 2"/>
           <p:cNvSpPr>
             <a:spLocks noGrp="1"/>
           </p:cNvSpPr>
@@ -803,7 +863,7 @@
         </p:nvSpPr>
         <p:spPr/>
         <p:txBody>
-          <a:bodyPr/>
+          <a:bodyPr anchor="t"/>
           <a:lstStyle/>
           <a:p>
             <a:pPr lvl="0"/>
@@ -839,18 +899,13 @@
               <a:rPr lang="pt-PT"/>
               <a:t>Quinto nível</a:t>
             </a:r>
-          </a:p>
-        </p:txBody>
-      </p:sp>
-      <p:sp>
-        <p:nvSpPr>
-          <p:cNvPr id="4" name="Marcador de Posição da Data 3">
-            <a:extLst>
-              <a:ext uri="{FF2B5EF4-FFF2-40B4-BE49-F238E27FC236}">
-                <a16:creationId xmlns:a16="http://schemas.microsoft.com/office/drawing/2014/main" id="{7AC7DC86-9B93-4751-A30B-2370506DFC4B}"/>
-              </a:ext>
-            </a:extLst>
-          </p:cNvPr>
+            <a:endParaRPr lang="en-US" dirty="0"/>
+          </a:p>
+        </p:txBody>
+      </p:sp>
+      <p:sp>
+        <p:nvSpPr>
+          <p:cNvPr id="4" name="Date Placeholder 3"/>
           <p:cNvSpPr>
             <a:spLocks noGrp="1"/>
           </p:cNvSpPr>
@@ -865,7 +920,7 @@
           <a:p>
             <a:fld id="{4013E98B-3435-411E-BF74-56304C5712BA}" type="datetimeFigureOut">
               <a:rPr lang="pt-PT" smtClean="0"/>
-              <a:t>06/12/2020</a:t>
+              <a:t>11/12/2020</a:t>
             </a:fld>
             <a:endParaRPr lang="pt-PT"/>
           </a:p>
@@ -873,13 +928,7 @@
       </p:sp>
       <p:sp>
         <p:nvSpPr>
-          <p:cNvPr id="5" name="Marcador de Posição do Rodapé 4">
-            <a:extLst>
-              <a:ext uri="{FF2B5EF4-FFF2-40B4-BE49-F238E27FC236}">
-                <a16:creationId xmlns:a16="http://schemas.microsoft.com/office/drawing/2014/main" id="{D0C1D473-5FA6-4C2C-B02A-2A5420530FE7}"/>
-              </a:ext>
-            </a:extLst>
-          </p:cNvPr>
+          <p:cNvPr id="5" name="Footer Placeholder 4"/>
           <p:cNvSpPr>
             <a:spLocks noGrp="1"/>
           </p:cNvSpPr>
@@ -898,13 +947,7 @@
       </p:sp>
       <p:sp>
         <p:nvSpPr>
-          <p:cNvPr id="6" name="Marcador de Posição do Número do Diapositivo 5">
-            <a:extLst>
-              <a:ext uri="{FF2B5EF4-FFF2-40B4-BE49-F238E27FC236}">
-                <a16:creationId xmlns:a16="http://schemas.microsoft.com/office/drawing/2014/main" id="{D1093B22-F394-4A84-BFF2-4868AB910E4C}"/>
-              </a:ext>
-            </a:extLst>
-          </p:cNvPr>
+          <p:cNvPr id="6" name="Slide Number Placeholder 5"/>
           <p:cNvSpPr>
             <a:spLocks noGrp="1"/>
           </p:cNvSpPr>
@@ -925,10 +968,47 @@
           </a:p>
         </p:txBody>
       </p:sp>
+      <p:cxnSp>
+        <p:nvCxnSpPr>
+          <p:cNvPr id="8" name="Straight Connector 7"/>
+          <p:cNvCxnSpPr/>
+          <p:nvPr/>
+        </p:nvCxnSpPr>
+        <p:spPr>
+          <a:xfrm>
+            <a:off x="1371687" y="798973"/>
+            <a:ext cx="0" cy="1067168"/>
+          </a:xfrm>
+          <a:prstGeom prst="line">
+            <a:avLst/>
+          </a:prstGeom>
+          <a:ln w="38100" cmpd="sng">
+            <a:solidFill>
+              <a:schemeClr val="accent1"/>
+            </a:solidFill>
+            <a:prstDash val="solid"/>
+            <a:tailEnd type="none"/>
+          </a:ln>
+        </p:spPr>
+        <p:style>
+          <a:lnRef idx="3">
+            <a:schemeClr val="accent1"/>
+          </a:lnRef>
+          <a:fillRef idx="0">
+            <a:schemeClr val="accent1"/>
+          </a:fillRef>
+          <a:effectRef idx="2">
+            <a:schemeClr val="accent1"/>
+          </a:effectRef>
+          <a:fontRef idx="minor">
+            <a:schemeClr val="tx1"/>
+          </a:fontRef>
+        </p:style>
+      </p:cxnSp>
     </p:spTree>
     <p:extLst>
       <p:ext uri="{BB962C8B-B14F-4D97-AF65-F5344CB8AC3E}">
-        <p14:creationId xmlns:p14="http://schemas.microsoft.com/office/powerpoint/2010/main" val="2857668116"/>
+        <p14:creationId xmlns:p14="http://schemas.microsoft.com/office/powerpoint/2010/main" val="4004751094"/>
       </p:ext>
     </p:extLst>
   </p:cSld>
@@ -957,13 +1037,7 @@
       </p:grpSpPr>
       <p:sp>
         <p:nvSpPr>
-          <p:cNvPr id="2" name="Título 1">
-            <a:extLst>
-              <a:ext uri="{FF2B5EF4-FFF2-40B4-BE49-F238E27FC236}">
-                <a16:creationId xmlns:a16="http://schemas.microsoft.com/office/drawing/2014/main" id="{AB6590BF-B3CE-4851-AB5E-379AC18EEDEF}"/>
-              </a:ext>
-            </a:extLst>
-          </p:cNvPr>
+          <p:cNvPr id="2" name="Title 1"/>
           <p:cNvSpPr>
             <a:spLocks noGrp="1"/>
           </p:cNvSpPr>
@@ -973,15 +1047,17 @@
         </p:nvSpPr>
         <p:spPr>
           <a:xfrm>
-            <a:off x="831850" y="1709738"/>
-            <a:ext cx="10515600" cy="2852737"/>
+            <a:off x="1534813" y="1756130"/>
+            <a:ext cx="8562580" cy="1887950"/>
           </a:xfrm>
         </p:spPr>
         <p:txBody>
-          <a:bodyPr anchor="b"/>
+          <a:bodyPr anchor="b">
+            <a:normAutofit/>
+          </a:bodyPr>
           <a:lstStyle>
-            <a:lvl1pPr>
-              <a:defRPr sz="6000"/>
+            <a:lvl1pPr algn="l">
+              <a:defRPr sz="3600"/>
             </a:lvl1pPr>
           </a:lstStyle>
           <a:p>
@@ -989,18 +1065,13 @@
               <a:rPr lang="pt-PT"/>
               <a:t>Clique para editar o estilo de título do Modelo Global</a:t>
             </a:r>
-          </a:p>
-        </p:txBody>
-      </p:sp>
-      <p:sp>
-        <p:nvSpPr>
-          <p:cNvPr id="3" name="Marcador de Posição do Texto 2">
-            <a:extLst>
-              <a:ext uri="{FF2B5EF4-FFF2-40B4-BE49-F238E27FC236}">
-                <a16:creationId xmlns:a16="http://schemas.microsoft.com/office/drawing/2014/main" id="{C11B086A-C255-449D-9D71-0339AE491430}"/>
-              </a:ext>
-            </a:extLst>
-          </p:cNvPr>
+            <a:endParaRPr lang="en-US" dirty="0"/>
+          </a:p>
+        </p:txBody>
+      </p:sp>
+      <p:sp>
+        <p:nvSpPr>
+          <p:cNvPr id="3" name="Text Placeholder 2"/>
           <p:cNvSpPr>
             <a:spLocks noGrp="1"/>
           </p:cNvSpPr>
@@ -1010,26 +1081,26 @@
         </p:nvSpPr>
         <p:spPr>
           <a:xfrm>
-            <a:off x="831850" y="4589463"/>
-            <a:ext cx="10515600" cy="1500187"/>
+            <a:off x="1534695" y="3806195"/>
+            <a:ext cx="8549990" cy="1012929"/>
           </a:xfrm>
         </p:spPr>
         <p:txBody>
-          <a:bodyPr/>
+          <a:bodyPr tIns="91440">
+            <a:normAutofit/>
+          </a:bodyPr>
           <a:lstStyle>
-            <a:lvl1pPr marL="0" indent="0">
+            <a:lvl1pPr marL="0" indent="0" algn="l">
               <a:buNone/>
-              <a:defRPr sz="2400">
+              <a:defRPr sz="1800">
                 <a:solidFill>
-                  <a:schemeClr val="tx1">
-                    <a:tint val="75000"/>
-                  </a:schemeClr>
+                  <a:schemeClr val="tx1"/>
                 </a:solidFill>
               </a:defRPr>
             </a:lvl1pPr>
             <a:lvl2pPr marL="457200" indent="0">
               <a:buNone/>
-              <a:defRPr sz="2000">
+              <a:defRPr sz="1800">
                 <a:solidFill>
                   <a:schemeClr val="tx1">
                     <a:tint val="75000"/>
@@ -1119,13 +1190,7 @@
       </p:sp>
       <p:sp>
         <p:nvSpPr>
-          <p:cNvPr id="4" name="Marcador de Posição da Data 3">
-            <a:extLst>
-              <a:ext uri="{FF2B5EF4-FFF2-40B4-BE49-F238E27FC236}">
-                <a16:creationId xmlns:a16="http://schemas.microsoft.com/office/drawing/2014/main" id="{354250AF-83D7-4C41-A706-10985A0A6D09}"/>
-              </a:ext>
-            </a:extLst>
-          </p:cNvPr>
+          <p:cNvPr id="4" name="Date Placeholder 3"/>
           <p:cNvSpPr>
             <a:spLocks noGrp="1"/>
           </p:cNvSpPr>
@@ -1140,7 +1205,7 @@
           <a:p>
             <a:fld id="{4013E98B-3435-411E-BF74-56304C5712BA}" type="datetimeFigureOut">
               <a:rPr lang="pt-PT" smtClean="0"/>
-              <a:t>06/12/2020</a:t>
+              <a:t>11/12/2020</a:t>
             </a:fld>
             <a:endParaRPr lang="pt-PT"/>
           </a:p>
@@ -1148,13 +1213,7 @@
       </p:sp>
       <p:sp>
         <p:nvSpPr>
-          <p:cNvPr id="5" name="Marcador de Posição do Rodapé 4">
-            <a:extLst>
-              <a:ext uri="{FF2B5EF4-FFF2-40B4-BE49-F238E27FC236}">
-                <a16:creationId xmlns:a16="http://schemas.microsoft.com/office/drawing/2014/main" id="{3D7B1158-D775-4AD5-829C-9770A4D9F8EE}"/>
-              </a:ext>
-            </a:extLst>
-          </p:cNvPr>
+          <p:cNvPr id="5" name="Footer Placeholder 4"/>
           <p:cNvSpPr>
             <a:spLocks noGrp="1"/>
           </p:cNvSpPr>
@@ -1173,13 +1232,7 @@
       </p:sp>
       <p:sp>
         <p:nvSpPr>
-          <p:cNvPr id="6" name="Marcador de Posição do Número do Diapositivo 5">
-            <a:extLst>
-              <a:ext uri="{FF2B5EF4-FFF2-40B4-BE49-F238E27FC236}">
-                <a16:creationId xmlns:a16="http://schemas.microsoft.com/office/drawing/2014/main" id="{09A5DDCE-B73D-46E3-B1A2-4402E46F6507}"/>
-              </a:ext>
-            </a:extLst>
-          </p:cNvPr>
+          <p:cNvPr id="6" name="Slide Number Placeholder 5"/>
           <p:cNvSpPr>
             <a:spLocks noGrp="1"/>
           </p:cNvSpPr>
@@ -1200,10 +1253,47 @@
           </a:p>
         </p:txBody>
       </p:sp>
+      <p:cxnSp>
+        <p:nvCxnSpPr>
+          <p:cNvPr id="8" name="Straight Connector 7"/>
+          <p:cNvCxnSpPr/>
+          <p:nvPr/>
+        </p:nvCxnSpPr>
+        <p:spPr>
+          <a:xfrm>
+            <a:off x="1371687" y="798973"/>
+            <a:ext cx="0" cy="2845107"/>
+          </a:xfrm>
+          <a:prstGeom prst="line">
+            <a:avLst/>
+          </a:prstGeom>
+          <a:ln w="38100" cmpd="sng">
+            <a:solidFill>
+              <a:schemeClr val="accent1"/>
+            </a:solidFill>
+            <a:prstDash val="solid"/>
+            <a:tailEnd type="none"/>
+          </a:ln>
+        </p:spPr>
+        <p:style>
+          <a:lnRef idx="3">
+            <a:schemeClr val="accent1"/>
+          </a:lnRef>
+          <a:fillRef idx="0">
+            <a:schemeClr val="accent1"/>
+          </a:fillRef>
+          <a:effectRef idx="2">
+            <a:schemeClr val="accent1"/>
+          </a:effectRef>
+          <a:fontRef idx="minor">
+            <a:schemeClr val="tx1"/>
+          </a:fontRef>
+        </p:style>
+      </p:cxnSp>
     </p:spTree>
     <p:extLst>
       <p:ext uri="{BB962C8B-B14F-4D97-AF65-F5344CB8AC3E}">
-        <p14:creationId xmlns:p14="http://schemas.microsoft.com/office/powerpoint/2010/main" val="704169032"/>
+        <p14:creationId xmlns:p14="http://schemas.microsoft.com/office/powerpoint/2010/main" val="26492423"/>
       </p:ext>
     </p:extLst>
   </p:cSld>
@@ -1232,13 +1322,7 @@
       </p:grpSpPr>
       <p:sp>
         <p:nvSpPr>
-          <p:cNvPr id="2" name="Título 1">
-            <a:extLst>
-              <a:ext uri="{FF2B5EF4-FFF2-40B4-BE49-F238E27FC236}">
-                <a16:creationId xmlns:a16="http://schemas.microsoft.com/office/drawing/2014/main" id="{1541F151-C8CE-49BD-BCA1-574E6F9301EA}"/>
-              </a:ext>
-            </a:extLst>
-          </p:cNvPr>
+          <p:cNvPr id="2" name="Title 1"/>
           <p:cNvSpPr>
             <a:spLocks noGrp="1"/>
           </p:cNvSpPr>
@@ -1246,7 +1330,12 @@
             <p:ph type="title"/>
           </p:nvPr>
         </p:nvSpPr>
-        <p:spPr/>
+        <p:spPr>
+          <a:xfrm>
+            <a:off x="1534695" y="804889"/>
+            <a:ext cx="9520157" cy="1059305"/>
+          </a:xfrm>
+        </p:spPr>
         <p:txBody>
           <a:bodyPr/>
           <a:lstStyle/>
@@ -1255,18 +1344,13 @@
               <a:rPr lang="pt-PT"/>
               <a:t>Clique para editar o estilo de título do Modelo Global</a:t>
             </a:r>
-          </a:p>
-        </p:txBody>
-      </p:sp>
-      <p:sp>
-        <p:nvSpPr>
-          <p:cNvPr id="3" name="Marcador de Posição de Conteúdo 2">
-            <a:extLst>
-              <a:ext uri="{FF2B5EF4-FFF2-40B4-BE49-F238E27FC236}">
-                <a16:creationId xmlns:a16="http://schemas.microsoft.com/office/drawing/2014/main" id="{BA238D9A-0F0C-463E-96E6-FEB4F5040937}"/>
-              </a:ext>
-            </a:extLst>
-          </p:cNvPr>
+            <a:endParaRPr lang="en-US" dirty="0"/>
+          </a:p>
+        </p:txBody>
+      </p:sp>
+      <p:sp>
+        <p:nvSpPr>
+          <p:cNvPr id="3" name="Content Placeholder 2"/>
           <p:cNvSpPr>
             <a:spLocks noGrp="1"/>
           </p:cNvSpPr>
@@ -1276,8 +1360,8 @@
         </p:nvSpPr>
         <p:spPr>
           <a:xfrm>
-            <a:off x="838200" y="1825625"/>
-            <a:ext cx="5181600" cy="4351338"/>
+            <a:off x="1534695" y="2010878"/>
+            <a:ext cx="4608576" cy="3438144"/>
           </a:xfrm>
         </p:spPr>
         <p:txBody>
@@ -1317,18 +1401,13 @@
               <a:rPr lang="pt-PT"/>
               <a:t>Quinto nível</a:t>
             </a:r>
-          </a:p>
-        </p:txBody>
-      </p:sp>
-      <p:sp>
-        <p:nvSpPr>
-          <p:cNvPr id="4" name="Marcador de Posição de Conteúdo 3">
-            <a:extLst>
-              <a:ext uri="{FF2B5EF4-FFF2-40B4-BE49-F238E27FC236}">
-                <a16:creationId xmlns:a16="http://schemas.microsoft.com/office/drawing/2014/main" id="{6BC579E7-B3B4-433A-98AF-ECF00E4C074A}"/>
-              </a:ext>
-            </a:extLst>
-          </p:cNvPr>
+            <a:endParaRPr lang="en-US" dirty="0"/>
+          </a:p>
+        </p:txBody>
+      </p:sp>
+      <p:sp>
+        <p:nvSpPr>
+          <p:cNvPr id="4" name="Content Placeholder 3"/>
           <p:cNvSpPr>
             <a:spLocks noGrp="1"/>
           </p:cNvSpPr>
@@ -1338,8 +1417,8 @@
         </p:nvSpPr>
         <p:spPr>
           <a:xfrm>
-            <a:off x="6172200" y="1825625"/>
-            <a:ext cx="5181600" cy="4351338"/>
+            <a:off x="6454793" y="2017343"/>
+            <a:ext cx="4604130" cy="3441520"/>
           </a:xfrm>
         </p:spPr>
         <p:txBody>
@@ -1379,18 +1458,13 @@
               <a:rPr lang="pt-PT"/>
               <a:t>Quinto nível</a:t>
             </a:r>
-          </a:p>
-        </p:txBody>
-      </p:sp>
-      <p:sp>
-        <p:nvSpPr>
-          <p:cNvPr id="5" name="Marcador de Posição da Data 4">
-            <a:extLst>
-              <a:ext uri="{FF2B5EF4-FFF2-40B4-BE49-F238E27FC236}">
-                <a16:creationId xmlns:a16="http://schemas.microsoft.com/office/drawing/2014/main" id="{2020FCC3-2166-4B4E-93BA-FA90B24EFF52}"/>
-              </a:ext>
-            </a:extLst>
-          </p:cNvPr>
+            <a:endParaRPr lang="en-US" dirty="0"/>
+          </a:p>
+        </p:txBody>
+      </p:sp>
+      <p:sp>
+        <p:nvSpPr>
+          <p:cNvPr id="5" name="Date Placeholder 4"/>
           <p:cNvSpPr>
             <a:spLocks noGrp="1"/>
           </p:cNvSpPr>
@@ -1405,7 +1479,7 @@
           <a:p>
             <a:fld id="{4013E98B-3435-411E-BF74-56304C5712BA}" type="datetimeFigureOut">
               <a:rPr lang="pt-PT" smtClean="0"/>
-              <a:t>06/12/2020</a:t>
+              <a:t>11/12/2020</a:t>
             </a:fld>
             <a:endParaRPr lang="pt-PT"/>
           </a:p>
@@ -1413,13 +1487,7 @@
       </p:sp>
       <p:sp>
         <p:nvSpPr>
-          <p:cNvPr id="6" name="Marcador de Posição do Rodapé 5">
-            <a:extLst>
-              <a:ext uri="{FF2B5EF4-FFF2-40B4-BE49-F238E27FC236}">
-                <a16:creationId xmlns:a16="http://schemas.microsoft.com/office/drawing/2014/main" id="{B6966ADF-3C38-494D-8DC9-D7545A4F1934}"/>
-              </a:ext>
-            </a:extLst>
-          </p:cNvPr>
+          <p:cNvPr id="6" name="Footer Placeholder 5"/>
           <p:cNvSpPr>
             <a:spLocks noGrp="1"/>
           </p:cNvSpPr>
@@ -1438,13 +1506,7 @@
       </p:sp>
       <p:sp>
         <p:nvSpPr>
-          <p:cNvPr id="7" name="Marcador de Posição do Número do Diapositivo 6">
-            <a:extLst>
-              <a:ext uri="{FF2B5EF4-FFF2-40B4-BE49-F238E27FC236}">
-                <a16:creationId xmlns:a16="http://schemas.microsoft.com/office/drawing/2014/main" id="{D370D16F-E102-486D-B833-F3C8B87788B0}"/>
-              </a:ext>
-            </a:extLst>
-          </p:cNvPr>
+          <p:cNvPr id="7" name="Slide Number Placeholder 6"/>
           <p:cNvSpPr>
             <a:spLocks noGrp="1"/>
           </p:cNvSpPr>
@@ -1465,10 +1527,47 @@
           </a:p>
         </p:txBody>
       </p:sp>
+      <p:cxnSp>
+        <p:nvCxnSpPr>
+          <p:cNvPr id="9" name="Straight Connector 8"/>
+          <p:cNvCxnSpPr/>
+          <p:nvPr/>
+        </p:nvCxnSpPr>
+        <p:spPr>
+          <a:xfrm>
+            <a:off x="1371687" y="798973"/>
+            <a:ext cx="0" cy="1067168"/>
+          </a:xfrm>
+          <a:prstGeom prst="line">
+            <a:avLst/>
+          </a:prstGeom>
+          <a:ln w="38100" cmpd="sng">
+            <a:solidFill>
+              <a:schemeClr val="accent1"/>
+            </a:solidFill>
+            <a:prstDash val="solid"/>
+            <a:tailEnd type="none"/>
+          </a:ln>
+        </p:spPr>
+        <p:style>
+          <a:lnRef idx="3">
+            <a:schemeClr val="accent1"/>
+          </a:lnRef>
+          <a:fillRef idx="0">
+            <a:schemeClr val="accent1"/>
+          </a:fillRef>
+          <a:effectRef idx="2">
+            <a:schemeClr val="accent1"/>
+          </a:effectRef>
+          <a:fontRef idx="minor">
+            <a:schemeClr val="tx1"/>
+          </a:fontRef>
+        </p:style>
+      </p:cxnSp>
     </p:spTree>
     <p:extLst>
       <p:ext uri="{BB962C8B-B14F-4D97-AF65-F5344CB8AC3E}">
-        <p14:creationId xmlns:p14="http://schemas.microsoft.com/office/powerpoint/2010/main" val="1759906697"/>
+        <p14:creationId xmlns:p14="http://schemas.microsoft.com/office/powerpoint/2010/main" val="1016163511"/>
       </p:ext>
     </p:extLst>
   </p:cSld>
@@ -1497,13 +1596,7 @@
       </p:grpSpPr>
       <p:sp>
         <p:nvSpPr>
-          <p:cNvPr id="2" name="Título 1">
-            <a:extLst>
-              <a:ext uri="{FF2B5EF4-FFF2-40B4-BE49-F238E27FC236}">
-                <a16:creationId xmlns:a16="http://schemas.microsoft.com/office/drawing/2014/main" id="{5D61394A-62DB-4A80-93DB-04E3773366D9}"/>
-              </a:ext>
-            </a:extLst>
-          </p:cNvPr>
+          <p:cNvPr id="2" name="Title 1"/>
           <p:cNvSpPr>
             <a:spLocks noGrp="1"/>
           </p:cNvSpPr>
@@ -1513,8 +1606,8 @@
         </p:nvSpPr>
         <p:spPr>
           <a:xfrm>
-            <a:off x="839788" y="365125"/>
-            <a:ext cx="10515600" cy="1325563"/>
+            <a:off x="1534695" y="804163"/>
+            <a:ext cx="9520157" cy="1056319"/>
           </a:xfrm>
         </p:spPr>
         <p:txBody>
@@ -1525,18 +1618,13 @@
               <a:rPr lang="pt-PT"/>
               <a:t>Clique para editar o estilo de título do Modelo Global</a:t>
             </a:r>
-          </a:p>
-        </p:txBody>
-      </p:sp>
-      <p:sp>
-        <p:nvSpPr>
-          <p:cNvPr id="3" name="Marcador de Posição do Texto 2">
-            <a:extLst>
-              <a:ext uri="{FF2B5EF4-FFF2-40B4-BE49-F238E27FC236}">
-                <a16:creationId xmlns:a16="http://schemas.microsoft.com/office/drawing/2014/main" id="{1359A3D1-DD18-4DD7-A0E5-9FAD5AEACAC3}"/>
-              </a:ext>
-            </a:extLst>
-          </p:cNvPr>
+            <a:endParaRPr lang="en-US" dirty="0"/>
+          </a:p>
+        </p:txBody>
+      </p:sp>
+      <p:sp>
+        <p:nvSpPr>
+          <p:cNvPr id="3" name="Text Placeholder 2"/>
           <p:cNvSpPr>
             <a:spLocks noGrp="1"/>
           </p:cNvSpPr>
@@ -1546,16 +1634,25 @@
         </p:nvSpPr>
         <p:spPr>
           <a:xfrm>
-            <a:off x="839788" y="1681163"/>
-            <a:ext cx="5157787" cy="823912"/>
+            <a:off x="1534695" y="2019549"/>
+            <a:ext cx="4608576" cy="801943"/>
           </a:xfrm>
         </p:spPr>
         <p:txBody>
-          <a:bodyPr anchor="b"/>
+          <a:bodyPr anchor="b">
+            <a:normAutofit/>
+          </a:bodyPr>
           <a:lstStyle>
             <a:lvl1pPr marL="0" indent="0">
+              <a:lnSpc>
+                <a:spcPct val="100000"/>
+              </a:lnSpc>
               <a:buNone/>
-              <a:defRPr sz="2400" b="1"/>
+              <a:defRPr sz="2200" b="0" cap="all" baseline="0">
+                <a:solidFill>
+                  <a:schemeClr val="accent1"/>
+                </a:solidFill>
+              </a:defRPr>
             </a:lvl1pPr>
             <a:lvl2pPr marL="457200" indent="0">
               <a:buNone/>
@@ -1601,13 +1698,7 @@
       </p:sp>
       <p:sp>
         <p:nvSpPr>
-          <p:cNvPr id="4" name="Marcador de Posição de Conteúdo 3">
-            <a:extLst>
-              <a:ext uri="{FF2B5EF4-FFF2-40B4-BE49-F238E27FC236}">
-                <a16:creationId xmlns:a16="http://schemas.microsoft.com/office/drawing/2014/main" id="{5E52BD94-FE0D-4FC1-83EB-D9BC3F1195E7}"/>
-              </a:ext>
-            </a:extLst>
-          </p:cNvPr>
+          <p:cNvPr id="4" name="Content Placeholder 3"/>
           <p:cNvSpPr>
             <a:spLocks noGrp="1"/>
           </p:cNvSpPr>
@@ -1617,8 +1708,8 @@
         </p:nvSpPr>
         <p:spPr>
           <a:xfrm>
-            <a:off x="839788" y="2505075"/>
-            <a:ext cx="5157787" cy="3684588"/>
+            <a:off x="1534695" y="2824269"/>
+            <a:ext cx="4608576" cy="2644457"/>
           </a:xfrm>
         </p:spPr>
         <p:txBody>
@@ -1658,18 +1749,13 @@
               <a:rPr lang="pt-PT"/>
               <a:t>Quinto nível</a:t>
             </a:r>
-          </a:p>
-        </p:txBody>
-      </p:sp>
-      <p:sp>
-        <p:nvSpPr>
-          <p:cNvPr id="5" name="Marcador de Posição do Texto 4">
-            <a:extLst>
-              <a:ext uri="{FF2B5EF4-FFF2-40B4-BE49-F238E27FC236}">
-                <a16:creationId xmlns:a16="http://schemas.microsoft.com/office/drawing/2014/main" id="{E1A4E5DD-D41F-484A-8C49-4FB07EA5467F}"/>
-              </a:ext>
-            </a:extLst>
-          </p:cNvPr>
+            <a:endParaRPr lang="en-US" dirty="0"/>
+          </a:p>
+        </p:txBody>
+      </p:sp>
+      <p:sp>
+        <p:nvSpPr>
+          <p:cNvPr id="5" name="Text Placeholder 4"/>
           <p:cNvSpPr>
             <a:spLocks noGrp="1"/>
           </p:cNvSpPr>
@@ -1679,16 +1765,25 @@
         </p:nvSpPr>
         <p:spPr>
           <a:xfrm>
-            <a:off x="6172200" y="1681163"/>
-            <a:ext cx="5183188" cy="823912"/>
+            <a:off x="6454791" y="2023003"/>
+            <a:ext cx="4608576" cy="802237"/>
           </a:xfrm>
         </p:spPr>
         <p:txBody>
-          <a:bodyPr anchor="b"/>
+          <a:bodyPr anchor="b">
+            <a:normAutofit/>
+          </a:bodyPr>
           <a:lstStyle>
             <a:lvl1pPr marL="0" indent="0">
+              <a:lnSpc>
+                <a:spcPct val="100000"/>
+              </a:lnSpc>
               <a:buNone/>
-              <a:defRPr sz="2400" b="1"/>
+              <a:defRPr sz="2200" b="0" cap="all" baseline="0">
+                <a:solidFill>
+                  <a:schemeClr val="accent1"/>
+                </a:solidFill>
+              </a:defRPr>
             </a:lvl1pPr>
             <a:lvl2pPr marL="457200" indent="0">
               <a:buNone/>
@@ -1734,13 +1829,7 @@
       </p:sp>
       <p:sp>
         <p:nvSpPr>
-          <p:cNvPr id="6" name="Marcador de Posição de Conteúdo 5">
-            <a:extLst>
-              <a:ext uri="{FF2B5EF4-FFF2-40B4-BE49-F238E27FC236}">
-                <a16:creationId xmlns:a16="http://schemas.microsoft.com/office/drawing/2014/main" id="{F2F769CE-6FFE-46F7-8062-694C2BF78A70}"/>
-              </a:ext>
-            </a:extLst>
-          </p:cNvPr>
+          <p:cNvPr id="6" name="Content Placeholder 5"/>
           <p:cNvSpPr>
             <a:spLocks noGrp="1"/>
           </p:cNvSpPr>
@@ -1750,8 +1839,8 @@
         </p:nvSpPr>
         <p:spPr>
           <a:xfrm>
-            <a:off x="6172200" y="2505075"/>
-            <a:ext cx="5183188" cy="3684588"/>
+            <a:off x="6454792" y="2821491"/>
+            <a:ext cx="4608576" cy="2637371"/>
           </a:xfrm>
         </p:spPr>
         <p:txBody>
@@ -1791,18 +1880,13 @@
               <a:rPr lang="pt-PT"/>
               <a:t>Quinto nível</a:t>
             </a:r>
-          </a:p>
-        </p:txBody>
-      </p:sp>
-      <p:sp>
-        <p:nvSpPr>
-          <p:cNvPr id="7" name="Marcador de Posição da Data 6">
-            <a:extLst>
-              <a:ext uri="{FF2B5EF4-FFF2-40B4-BE49-F238E27FC236}">
-                <a16:creationId xmlns:a16="http://schemas.microsoft.com/office/drawing/2014/main" id="{F952F4BA-035F-4DCE-8D0E-8D91B3286C08}"/>
-              </a:ext>
-            </a:extLst>
-          </p:cNvPr>
+            <a:endParaRPr lang="en-US" dirty="0"/>
+          </a:p>
+        </p:txBody>
+      </p:sp>
+      <p:sp>
+        <p:nvSpPr>
+          <p:cNvPr id="7" name="Date Placeholder 6"/>
           <p:cNvSpPr>
             <a:spLocks noGrp="1"/>
           </p:cNvSpPr>
@@ -1817,7 +1901,7 @@
           <a:p>
             <a:fld id="{4013E98B-3435-411E-BF74-56304C5712BA}" type="datetimeFigureOut">
               <a:rPr lang="pt-PT" smtClean="0"/>
-              <a:t>06/12/2020</a:t>
+              <a:t>11/12/2020</a:t>
             </a:fld>
             <a:endParaRPr lang="pt-PT"/>
           </a:p>
@@ -1825,13 +1909,7 @@
       </p:sp>
       <p:sp>
         <p:nvSpPr>
-          <p:cNvPr id="8" name="Marcador de Posição do Rodapé 7">
-            <a:extLst>
-              <a:ext uri="{FF2B5EF4-FFF2-40B4-BE49-F238E27FC236}">
-                <a16:creationId xmlns:a16="http://schemas.microsoft.com/office/drawing/2014/main" id="{17BE43E2-24B8-4E26-AC9E-EDC8E4387C38}"/>
-              </a:ext>
-            </a:extLst>
-          </p:cNvPr>
+          <p:cNvPr id="8" name="Footer Placeholder 7"/>
           <p:cNvSpPr>
             <a:spLocks noGrp="1"/>
           </p:cNvSpPr>
@@ -1850,13 +1928,7 @@
       </p:sp>
       <p:sp>
         <p:nvSpPr>
-          <p:cNvPr id="9" name="Marcador de Posição do Número do Diapositivo 8">
-            <a:extLst>
-              <a:ext uri="{FF2B5EF4-FFF2-40B4-BE49-F238E27FC236}">
-                <a16:creationId xmlns:a16="http://schemas.microsoft.com/office/drawing/2014/main" id="{EE9994BD-9C91-4CBC-ADAC-8E31B4528E19}"/>
-              </a:ext>
-            </a:extLst>
-          </p:cNvPr>
+          <p:cNvPr id="9" name="Slide Number Placeholder 8"/>
           <p:cNvSpPr>
             <a:spLocks noGrp="1"/>
           </p:cNvSpPr>
@@ -1877,10 +1949,47 @@
           </a:p>
         </p:txBody>
       </p:sp>
+      <p:cxnSp>
+        <p:nvCxnSpPr>
+          <p:cNvPr id="11" name="Straight Connector 10"/>
+          <p:cNvCxnSpPr/>
+          <p:nvPr/>
+        </p:nvCxnSpPr>
+        <p:spPr>
+          <a:xfrm>
+            <a:off x="1371687" y="798973"/>
+            <a:ext cx="0" cy="1067168"/>
+          </a:xfrm>
+          <a:prstGeom prst="line">
+            <a:avLst/>
+          </a:prstGeom>
+          <a:ln w="38100" cmpd="sng">
+            <a:solidFill>
+              <a:schemeClr val="accent1"/>
+            </a:solidFill>
+            <a:prstDash val="solid"/>
+            <a:tailEnd type="none"/>
+          </a:ln>
+        </p:spPr>
+        <p:style>
+          <a:lnRef idx="3">
+            <a:schemeClr val="accent1"/>
+          </a:lnRef>
+          <a:fillRef idx="0">
+            <a:schemeClr val="accent1"/>
+          </a:fillRef>
+          <a:effectRef idx="2">
+            <a:schemeClr val="accent1"/>
+          </a:effectRef>
+          <a:fontRef idx="minor">
+            <a:schemeClr val="tx1"/>
+          </a:fontRef>
+        </p:style>
+      </p:cxnSp>
     </p:spTree>
     <p:extLst>
       <p:ext uri="{BB962C8B-B14F-4D97-AF65-F5344CB8AC3E}">
-        <p14:creationId xmlns:p14="http://schemas.microsoft.com/office/powerpoint/2010/main" val="973194696"/>
+        <p14:creationId xmlns:p14="http://schemas.microsoft.com/office/powerpoint/2010/main" val="2680273801"/>
       </p:ext>
     </p:extLst>
   </p:cSld>
@@ -1909,13 +2018,7 @@
       </p:grpSpPr>
       <p:sp>
         <p:nvSpPr>
-          <p:cNvPr id="2" name="Título 1">
-            <a:extLst>
-              <a:ext uri="{FF2B5EF4-FFF2-40B4-BE49-F238E27FC236}">
-                <a16:creationId xmlns:a16="http://schemas.microsoft.com/office/drawing/2014/main" id="{8EC9375F-061F-4C5C-B316-10197A972EA7}"/>
-              </a:ext>
-            </a:extLst>
-          </p:cNvPr>
+          <p:cNvPr id="2" name="Title 1"/>
           <p:cNvSpPr>
             <a:spLocks noGrp="1"/>
           </p:cNvSpPr>
@@ -1932,18 +2035,13 @@
               <a:rPr lang="pt-PT"/>
               <a:t>Clique para editar o estilo de título do Modelo Global</a:t>
             </a:r>
-          </a:p>
-        </p:txBody>
-      </p:sp>
-      <p:sp>
-        <p:nvSpPr>
-          <p:cNvPr id="3" name="Marcador de Posição da Data 2">
-            <a:extLst>
-              <a:ext uri="{FF2B5EF4-FFF2-40B4-BE49-F238E27FC236}">
-                <a16:creationId xmlns:a16="http://schemas.microsoft.com/office/drawing/2014/main" id="{7289F54D-4860-4E78-BCE0-F65E99328F32}"/>
-              </a:ext>
-            </a:extLst>
-          </p:cNvPr>
+            <a:endParaRPr lang="en-US" dirty="0"/>
+          </a:p>
+        </p:txBody>
+      </p:sp>
+      <p:sp>
+        <p:nvSpPr>
+          <p:cNvPr id="3" name="Date Placeholder 2"/>
           <p:cNvSpPr>
             <a:spLocks noGrp="1"/>
           </p:cNvSpPr>
@@ -1958,7 +2056,7 @@
           <a:p>
             <a:fld id="{4013E98B-3435-411E-BF74-56304C5712BA}" type="datetimeFigureOut">
               <a:rPr lang="pt-PT" smtClean="0"/>
-              <a:t>06/12/2020</a:t>
+              <a:t>11/12/2020</a:t>
             </a:fld>
             <a:endParaRPr lang="pt-PT"/>
           </a:p>
@@ -1966,13 +2064,7 @@
       </p:sp>
       <p:sp>
         <p:nvSpPr>
-          <p:cNvPr id="4" name="Marcador de Posição do Rodapé 3">
-            <a:extLst>
-              <a:ext uri="{FF2B5EF4-FFF2-40B4-BE49-F238E27FC236}">
-                <a16:creationId xmlns:a16="http://schemas.microsoft.com/office/drawing/2014/main" id="{DD58DD84-3510-4003-866E-D68071610955}"/>
-              </a:ext>
-            </a:extLst>
-          </p:cNvPr>
+          <p:cNvPr id="4" name="Footer Placeholder 3"/>
           <p:cNvSpPr>
             <a:spLocks noGrp="1"/>
           </p:cNvSpPr>
@@ -1991,13 +2083,7 @@
       </p:sp>
       <p:sp>
         <p:nvSpPr>
-          <p:cNvPr id="5" name="Marcador de Posição do Número do Diapositivo 4">
-            <a:extLst>
-              <a:ext uri="{FF2B5EF4-FFF2-40B4-BE49-F238E27FC236}">
-                <a16:creationId xmlns:a16="http://schemas.microsoft.com/office/drawing/2014/main" id="{6B973038-4156-424E-B18D-5CAECAECE8C8}"/>
-              </a:ext>
-            </a:extLst>
-          </p:cNvPr>
+          <p:cNvPr id="5" name="Slide Number Placeholder 4"/>
           <p:cNvSpPr>
             <a:spLocks noGrp="1"/>
           </p:cNvSpPr>
@@ -2018,10 +2104,47 @@
           </a:p>
         </p:txBody>
       </p:sp>
+      <p:cxnSp>
+        <p:nvCxnSpPr>
+          <p:cNvPr id="7" name="Straight Connector 6"/>
+          <p:cNvCxnSpPr/>
+          <p:nvPr/>
+        </p:nvCxnSpPr>
+        <p:spPr>
+          <a:xfrm>
+            <a:off x="1371687" y="798973"/>
+            <a:ext cx="0" cy="1067168"/>
+          </a:xfrm>
+          <a:prstGeom prst="line">
+            <a:avLst/>
+          </a:prstGeom>
+          <a:ln w="38100" cmpd="sng">
+            <a:solidFill>
+              <a:schemeClr val="accent1"/>
+            </a:solidFill>
+            <a:prstDash val="solid"/>
+            <a:tailEnd type="none"/>
+          </a:ln>
+        </p:spPr>
+        <p:style>
+          <a:lnRef idx="3">
+            <a:schemeClr val="accent1"/>
+          </a:lnRef>
+          <a:fillRef idx="0">
+            <a:schemeClr val="accent1"/>
+          </a:fillRef>
+          <a:effectRef idx="2">
+            <a:schemeClr val="accent1"/>
+          </a:effectRef>
+          <a:fontRef idx="minor">
+            <a:schemeClr val="tx1"/>
+          </a:fontRef>
+        </p:style>
+      </p:cxnSp>
     </p:spTree>
     <p:extLst>
       <p:ext uri="{BB962C8B-B14F-4D97-AF65-F5344CB8AC3E}">
-        <p14:creationId xmlns:p14="http://schemas.microsoft.com/office/powerpoint/2010/main" val="523174938"/>
+        <p14:creationId xmlns:p14="http://schemas.microsoft.com/office/powerpoint/2010/main" val="3243822790"/>
       </p:ext>
     </p:extLst>
   </p:cSld>
@@ -2050,13 +2173,7 @@
       </p:grpSpPr>
       <p:sp>
         <p:nvSpPr>
-          <p:cNvPr id="2" name="Marcador de Posição da Data 1">
-            <a:extLst>
-              <a:ext uri="{FF2B5EF4-FFF2-40B4-BE49-F238E27FC236}">
-                <a16:creationId xmlns:a16="http://schemas.microsoft.com/office/drawing/2014/main" id="{C9838B4A-C664-4C04-964D-3F6B6B38C341}"/>
-              </a:ext>
-            </a:extLst>
-          </p:cNvPr>
+          <p:cNvPr id="2" name="Date Placeholder 1"/>
           <p:cNvSpPr>
             <a:spLocks noGrp="1"/>
           </p:cNvSpPr>
@@ -2071,7 +2188,7 @@
           <a:p>
             <a:fld id="{4013E98B-3435-411E-BF74-56304C5712BA}" type="datetimeFigureOut">
               <a:rPr lang="pt-PT" smtClean="0"/>
-              <a:t>06/12/2020</a:t>
+              <a:t>11/12/2020</a:t>
             </a:fld>
             <a:endParaRPr lang="pt-PT"/>
           </a:p>
@@ -2079,13 +2196,7 @@
       </p:sp>
       <p:sp>
         <p:nvSpPr>
-          <p:cNvPr id="3" name="Marcador de Posição do Rodapé 2">
-            <a:extLst>
-              <a:ext uri="{FF2B5EF4-FFF2-40B4-BE49-F238E27FC236}">
-                <a16:creationId xmlns:a16="http://schemas.microsoft.com/office/drawing/2014/main" id="{CC13AC3D-4EE9-430E-BC19-A0B9F61F09A2}"/>
-              </a:ext>
-            </a:extLst>
-          </p:cNvPr>
+          <p:cNvPr id="3" name="Footer Placeholder 2"/>
           <p:cNvSpPr>
             <a:spLocks noGrp="1"/>
           </p:cNvSpPr>
@@ -2104,13 +2215,7 @@
       </p:sp>
       <p:sp>
         <p:nvSpPr>
-          <p:cNvPr id="4" name="Marcador de Posição do Número do Diapositivo 3">
-            <a:extLst>
-              <a:ext uri="{FF2B5EF4-FFF2-40B4-BE49-F238E27FC236}">
-                <a16:creationId xmlns:a16="http://schemas.microsoft.com/office/drawing/2014/main" id="{0D0B0672-F988-487B-9F29-817F55FD1934}"/>
-              </a:ext>
-            </a:extLst>
-          </p:cNvPr>
+          <p:cNvPr id="4" name="Slide Number Placeholder 3"/>
           <p:cNvSpPr>
             <a:spLocks noGrp="1"/>
           </p:cNvSpPr>
@@ -2134,7 +2239,7 @@
     </p:spTree>
     <p:extLst>
       <p:ext uri="{BB962C8B-B14F-4D97-AF65-F5344CB8AC3E}">
-        <p14:creationId xmlns:p14="http://schemas.microsoft.com/office/powerpoint/2010/main" val="3867828498"/>
+        <p14:creationId xmlns:p14="http://schemas.microsoft.com/office/powerpoint/2010/main" val="2459837125"/>
       </p:ext>
     </p:extLst>
   </p:cSld>
@@ -2163,13 +2268,7 @@
       </p:grpSpPr>
       <p:sp>
         <p:nvSpPr>
-          <p:cNvPr id="2" name="Título 1">
-            <a:extLst>
-              <a:ext uri="{FF2B5EF4-FFF2-40B4-BE49-F238E27FC236}">
-                <a16:creationId xmlns:a16="http://schemas.microsoft.com/office/drawing/2014/main" id="{A176F1BC-B4E9-4B82-929C-6FE29B11F685}"/>
-              </a:ext>
-            </a:extLst>
-          </p:cNvPr>
+          <p:cNvPr id="2" name="Title 1"/>
           <p:cNvSpPr>
             <a:spLocks noGrp="1"/>
           </p:cNvSpPr>
@@ -2179,15 +2278,17 @@
         </p:nvSpPr>
         <p:spPr>
           <a:xfrm>
-            <a:off x="839788" y="457200"/>
-            <a:ext cx="3932237" cy="1600200"/>
+            <a:off x="1534642" y="798973"/>
+            <a:ext cx="3183128" cy="2247117"/>
           </a:xfrm>
         </p:spPr>
         <p:txBody>
-          <a:bodyPr anchor="b"/>
+          <a:bodyPr anchor="b">
+            <a:normAutofit/>
+          </a:bodyPr>
           <a:lstStyle>
-            <a:lvl1pPr>
-              <a:defRPr sz="3200"/>
+            <a:lvl1pPr algn="l">
+              <a:defRPr sz="2400"/>
             </a:lvl1pPr>
           </a:lstStyle>
           <a:p>
@@ -2195,18 +2296,13 @@
               <a:rPr lang="pt-PT"/>
               <a:t>Clique para editar o estilo de título do Modelo Global</a:t>
             </a:r>
-          </a:p>
-        </p:txBody>
-      </p:sp>
-      <p:sp>
-        <p:nvSpPr>
-          <p:cNvPr id="3" name="Marcador de Posição de Conteúdo 2">
-            <a:extLst>
-              <a:ext uri="{FF2B5EF4-FFF2-40B4-BE49-F238E27FC236}">
-                <a16:creationId xmlns:a16="http://schemas.microsoft.com/office/drawing/2014/main" id="{B1AC192A-6848-4A5F-BA1A-AFC7F8B3D10C}"/>
-              </a:ext>
-            </a:extLst>
-          </p:cNvPr>
+            <a:endParaRPr lang="en-US" dirty="0"/>
+          </a:p>
+        </p:txBody>
+      </p:sp>
+      <p:sp>
+        <p:nvSpPr>
+          <p:cNvPr id="3" name="Content Placeholder 2"/>
           <p:cNvSpPr>
             <a:spLocks noGrp="1"/>
           </p:cNvSpPr>
@@ -2216,41 +2312,13 @@
         </p:nvSpPr>
         <p:spPr>
           <a:xfrm>
-            <a:off x="5183188" y="987425"/>
-            <a:ext cx="6172200" cy="4873625"/>
+            <a:off x="5043714" y="798974"/>
+            <a:ext cx="6012470" cy="4658826"/>
           </a:xfrm>
         </p:spPr>
         <p:txBody>
-          <a:bodyPr/>
-          <a:lstStyle>
-            <a:lvl1pPr>
-              <a:defRPr sz="3200"/>
-            </a:lvl1pPr>
-            <a:lvl2pPr>
-              <a:defRPr sz="2800"/>
-            </a:lvl2pPr>
-            <a:lvl3pPr>
-              <a:defRPr sz="2400"/>
-            </a:lvl3pPr>
-            <a:lvl4pPr>
-              <a:defRPr sz="2000"/>
-            </a:lvl4pPr>
-            <a:lvl5pPr>
-              <a:defRPr sz="2000"/>
-            </a:lvl5pPr>
-            <a:lvl6pPr>
-              <a:defRPr sz="2000"/>
-            </a:lvl6pPr>
-            <a:lvl7pPr>
-              <a:defRPr sz="2000"/>
-            </a:lvl7pPr>
-            <a:lvl8pPr>
-              <a:defRPr sz="2000"/>
-            </a:lvl8pPr>
-            <a:lvl9pPr>
-              <a:defRPr sz="2000"/>
-            </a:lvl9pPr>
-          </a:lstStyle>
+          <a:bodyPr anchor="ctr"/>
+          <a:lstStyle/>
           <a:p>
             <a:pPr lvl="0"/>
             <a:r>
@@ -2285,18 +2353,13 @@
               <a:rPr lang="pt-PT"/>
               <a:t>Quinto nível</a:t>
             </a:r>
-          </a:p>
-        </p:txBody>
-      </p:sp>
-      <p:sp>
-        <p:nvSpPr>
-          <p:cNvPr id="4" name="Marcador de Posição do Texto 3">
-            <a:extLst>
-              <a:ext uri="{FF2B5EF4-FFF2-40B4-BE49-F238E27FC236}">
-                <a16:creationId xmlns:a16="http://schemas.microsoft.com/office/drawing/2014/main" id="{89EAB9FA-6A9C-4EAD-B0E4-801CB2CBA7B4}"/>
-              </a:ext>
-            </a:extLst>
-          </p:cNvPr>
+            <a:endParaRPr lang="en-US" dirty="0"/>
+          </a:p>
+        </p:txBody>
+      </p:sp>
+      <p:sp>
+        <p:nvSpPr>
+          <p:cNvPr id="4" name="Text Placeholder 3"/>
           <p:cNvSpPr>
             <a:spLocks noGrp="1"/>
           </p:cNvSpPr>
@@ -2306,14 +2369,14 @@
         </p:nvSpPr>
         <p:spPr>
           <a:xfrm>
-            <a:off x="839788" y="2057400"/>
-            <a:ext cx="3932237" cy="3811588"/>
+            <a:off x="1534695" y="3205491"/>
+            <a:ext cx="3184989" cy="2248181"/>
           </a:xfrm>
         </p:spPr>
         <p:txBody>
           <a:bodyPr/>
           <a:lstStyle>
-            <a:lvl1pPr marL="0" indent="0">
+            <a:lvl1pPr marL="0" indent="0" algn="l">
               <a:buNone/>
               <a:defRPr sz="1600"/>
             </a:lvl1pPr>
@@ -2361,13 +2424,7 @@
       </p:sp>
       <p:sp>
         <p:nvSpPr>
-          <p:cNvPr id="5" name="Marcador de Posição da Data 4">
-            <a:extLst>
-              <a:ext uri="{FF2B5EF4-FFF2-40B4-BE49-F238E27FC236}">
-                <a16:creationId xmlns:a16="http://schemas.microsoft.com/office/drawing/2014/main" id="{98691847-3A87-45EB-906E-5B46DBB12301}"/>
-              </a:ext>
-            </a:extLst>
-          </p:cNvPr>
+          <p:cNvPr id="5" name="Date Placeholder 4"/>
           <p:cNvSpPr>
             <a:spLocks noGrp="1"/>
           </p:cNvSpPr>
@@ -2382,7 +2439,7 @@
           <a:p>
             <a:fld id="{4013E98B-3435-411E-BF74-56304C5712BA}" type="datetimeFigureOut">
               <a:rPr lang="pt-PT" smtClean="0"/>
-              <a:t>06/12/2020</a:t>
+              <a:t>11/12/2020</a:t>
             </a:fld>
             <a:endParaRPr lang="pt-PT"/>
           </a:p>
@@ -2390,13 +2447,7 @@
       </p:sp>
       <p:sp>
         <p:nvSpPr>
-          <p:cNvPr id="6" name="Marcador de Posição do Rodapé 5">
-            <a:extLst>
-              <a:ext uri="{FF2B5EF4-FFF2-40B4-BE49-F238E27FC236}">
-                <a16:creationId xmlns:a16="http://schemas.microsoft.com/office/drawing/2014/main" id="{727B502F-D541-4FA7-8099-6D9D11B0EE7A}"/>
-              </a:ext>
-            </a:extLst>
-          </p:cNvPr>
+          <p:cNvPr id="6" name="Footer Placeholder 5"/>
           <p:cNvSpPr>
             <a:spLocks noGrp="1"/>
           </p:cNvSpPr>
@@ -2415,13 +2466,7 @@
       </p:sp>
       <p:sp>
         <p:nvSpPr>
-          <p:cNvPr id="7" name="Marcador de Posição do Número do Diapositivo 6">
-            <a:extLst>
-              <a:ext uri="{FF2B5EF4-FFF2-40B4-BE49-F238E27FC236}">
-                <a16:creationId xmlns:a16="http://schemas.microsoft.com/office/drawing/2014/main" id="{184E036D-7C7A-47C1-A656-2F92D3C7E559}"/>
-              </a:ext>
-            </a:extLst>
-          </p:cNvPr>
+          <p:cNvPr id="7" name="Slide Number Placeholder 6"/>
           <p:cNvSpPr>
             <a:spLocks noGrp="1"/>
           </p:cNvSpPr>
@@ -2442,10 +2487,47 @@
           </a:p>
         </p:txBody>
       </p:sp>
+      <p:cxnSp>
+        <p:nvCxnSpPr>
+          <p:cNvPr id="9" name="Straight Connector 8"/>
+          <p:cNvCxnSpPr/>
+          <p:nvPr/>
+        </p:nvCxnSpPr>
+        <p:spPr>
+          <a:xfrm>
+            <a:off x="1371687" y="798973"/>
+            <a:ext cx="0" cy="2247117"/>
+          </a:xfrm>
+          <a:prstGeom prst="line">
+            <a:avLst/>
+          </a:prstGeom>
+          <a:ln w="38100" cmpd="sng">
+            <a:solidFill>
+              <a:schemeClr val="accent1"/>
+            </a:solidFill>
+            <a:prstDash val="solid"/>
+            <a:tailEnd type="none"/>
+          </a:ln>
+        </p:spPr>
+        <p:style>
+          <a:lnRef idx="3">
+            <a:schemeClr val="accent1"/>
+          </a:lnRef>
+          <a:fillRef idx="0">
+            <a:schemeClr val="accent1"/>
+          </a:fillRef>
+          <a:effectRef idx="2">
+            <a:schemeClr val="accent1"/>
+          </a:effectRef>
+          <a:fontRef idx="minor">
+            <a:schemeClr val="tx1"/>
+          </a:fontRef>
+        </p:style>
+      </p:cxnSp>
     </p:spTree>
     <p:extLst>
       <p:ext uri="{BB962C8B-B14F-4D97-AF65-F5344CB8AC3E}">
-        <p14:creationId xmlns:p14="http://schemas.microsoft.com/office/powerpoint/2010/main" val="2256551015"/>
+        <p14:creationId xmlns:p14="http://schemas.microsoft.com/office/powerpoint/2010/main" val="2295563071"/>
       </p:ext>
     </p:extLst>
   </p:cSld>
@@ -2472,15 +2554,147 @@
           <a:chExt cx="0" cy="0"/>
         </a:xfrm>
       </p:grpSpPr>
-      <p:sp>
-        <p:nvSpPr>
-          <p:cNvPr id="2" name="Título 1">
-            <a:extLst>
-              <a:ext uri="{FF2B5EF4-FFF2-40B4-BE49-F238E27FC236}">
-                <a16:creationId xmlns:a16="http://schemas.microsoft.com/office/drawing/2014/main" id="{E376C21E-6713-412C-9E17-194F5CDD3FB8}"/>
-              </a:ext>
-            </a:extLst>
-          </p:cNvPr>
+      <p:grpSp>
+        <p:nvGrpSpPr>
+          <p:cNvPr id="8" name="Group 7"/>
+          <p:cNvGrpSpPr/>
+          <p:nvPr/>
+        </p:nvGrpSpPr>
+        <p:grpSpPr>
+          <a:xfrm>
+            <a:off x="7477387" y="482170"/>
+            <a:ext cx="4074533" cy="5149101"/>
+            <a:chOff x="7477387" y="482170"/>
+            <a:chExt cx="4074533" cy="5149101"/>
+          </a:xfrm>
+        </p:grpSpPr>
+        <p:sp>
+          <p:nvSpPr>
+            <p:cNvPr id="18" name="Rectangle 17"/>
+            <p:cNvSpPr/>
+            <p:nvPr/>
+          </p:nvSpPr>
+          <p:spPr>
+            <a:xfrm>
+              <a:off x="7477387" y="482170"/>
+              <a:ext cx="4074533" cy="5149101"/>
+            </a:xfrm>
+            <a:prstGeom prst="rect">
+              <a:avLst/>
+            </a:prstGeom>
+            <a:gradFill>
+              <a:gsLst>
+                <a:gs pos="0">
+                  <a:schemeClr val="bg2">
+                    <a:lumMod val="10000"/>
+                  </a:schemeClr>
+                </a:gs>
+                <a:gs pos="100000">
+                  <a:schemeClr val="bg2">
+                    <a:lumMod val="10000"/>
+                  </a:schemeClr>
+                </a:gs>
+              </a:gsLst>
+            </a:gradFill>
+            <a:ln w="76200" cmpd="sng">
+              <a:noFill/>
+              <a:miter lim="800000"/>
+            </a:ln>
+            <a:effectLst>
+              <a:outerShdw blurRad="127000" dist="228600" dir="4740000" sx="98000" sy="98000" algn="tl" rotWithShape="0">
+                <a:srgbClr val="000000">
+                  <a:alpha val="34000"/>
+                </a:srgbClr>
+              </a:outerShdw>
+            </a:effectLst>
+            <a:scene3d>
+              <a:camera prst="orthographicFront"/>
+              <a:lightRig rig="threePt" dir="t"/>
+            </a:scene3d>
+            <a:sp3d prstMaterial="matte">
+              <a:bevelT w="133350" h="50800" prst="divot"/>
+            </a:sp3d>
+          </p:spPr>
+          <p:style>
+            <a:lnRef idx="1">
+              <a:schemeClr val="accent1"/>
+            </a:lnRef>
+            <a:fillRef idx="3">
+              <a:schemeClr val="accent1"/>
+            </a:fillRef>
+            <a:effectRef idx="2">
+              <a:schemeClr val="accent1"/>
+            </a:effectRef>
+            <a:fontRef idx="minor">
+              <a:schemeClr val="lt1"/>
+            </a:fontRef>
+          </p:style>
+        </p:sp>
+        <p:sp>
+          <p:nvSpPr>
+            <p:cNvPr id="19" name="Rectangle 18"/>
+            <p:cNvSpPr/>
+            <p:nvPr/>
+          </p:nvSpPr>
+          <p:spPr>
+            <a:xfrm>
+              <a:off x="7790446" y="812506"/>
+              <a:ext cx="3450289" cy="4466452"/>
+            </a:xfrm>
+            <a:prstGeom prst="rect">
+              <a:avLst/>
+            </a:prstGeom>
+            <a:gradFill>
+              <a:gsLst>
+                <a:gs pos="0">
+                  <a:srgbClr val="DADADA"/>
+                </a:gs>
+                <a:gs pos="100000">
+                  <a:srgbClr val="FFFFFE"/>
+                </a:gs>
+              </a:gsLst>
+              <a:lin ang="16200000" scaled="0"/>
+            </a:gradFill>
+            <a:ln w="50800" cmpd="sng">
+              <a:solidFill>
+                <a:srgbClr val="191919"/>
+              </a:solidFill>
+              <a:miter lim="800000"/>
+            </a:ln>
+            <a:effectLst>
+              <a:innerShdw blurRad="63500" dist="88900" dir="14100000">
+                <a:srgbClr val="000000">
+                  <a:alpha val="30000"/>
+                </a:srgbClr>
+              </a:innerShdw>
+            </a:effectLst>
+            <a:scene3d>
+              <a:camera prst="orthographicFront"/>
+              <a:lightRig rig="threePt" dir="t"/>
+            </a:scene3d>
+            <a:sp3d>
+              <a:bevelT prst="relaxedInset"/>
+            </a:sp3d>
+          </p:spPr>
+          <p:style>
+            <a:lnRef idx="1">
+              <a:schemeClr val="accent1"/>
+            </a:lnRef>
+            <a:fillRef idx="3">
+              <a:schemeClr val="accent1"/>
+            </a:fillRef>
+            <a:effectRef idx="2">
+              <a:schemeClr val="accent1"/>
+            </a:effectRef>
+            <a:fontRef idx="minor">
+              <a:schemeClr val="lt1"/>
+            </a:fontRef>
+          </p:style>
+        </p:sp>
+      </p:grpSp>
+      <p:sp>
+        <p:nvSpPr>
+          <p:cNvPr id="2" name="Title 1"/>
           <p:cNvSpPr>
             <a:spLocks noGrp="1"/>
           </p:cNvSpPr>
@@ -2490,12 +2704,14 @@
         </p:nvSpPr>
         <p:spPr>
           <a:xfrm>
-            <a:off x="839788" y="457200"/>
-            <a:ext cx="3932237" cy="1600200"/>
+            <a:off x="1535694" y="1129513"/>
+            <a:ext cx="5447840" cy="1830584"/>
           </a:xfrm>
         </p:spPr>
         <p:txBody>
-          <a:bodyPr anchor="b"/>
+          <a:bodyPr anchor="b">
+            <a:normAutofit/>
+          </a:bodyPr>
           <a:lstStyle>
             <a:lvl1pPr>
               <a:defRPr sz="3200"/>
@@ -2506,20 +2722,15 @@
               <a:rPr lang="pt-PT"/>
               <a:t>Clique para editar o estilo de título do Modelo Global</a:t>
             </a:r>
-          </a:p>
-        </p:txBody>
-      </p:sp>
-      <p:sp>
-        <p:nvSpPr>
-          <p:cNvPr id="3" name="Marcador de Posição da Imagem 2">
-            <a:extLst>
-              <a:ext uri="{FF2B5EF4-FFF2-40B4-BE49-F238E27FC236}">
-                <a16:creationId xmlns:a16="http://schemas.microsoft.com/office/drawing/2014/main" id="{223EEEDF-AF4A-40EC-A5E1-A1BAEC216B31}"/>
-              </a:ext>
-            </a:extLst>
-          </p:cNvPr>
-          <p:cNvSpPr>
-            <a:spLocks noGrp="1"/>
+            <a:endParaRPr lang="en-US" dirty="0"/>
+          </a:p>
+        </p:txBody>
+      </p:sp>
+      <p:sp>
+        <p:nvSpPr>
+          <p:cNvPr id="3" name="Picture Placeholder 2"/>
+          <p:cNvSpPr>
+            <a:spLocks noGrp="1" noChangeAspect="1"/>
           </p:cNvSpPr>
           <p:nvPr>
             <p:ph type="pic" idx="1"/>
@@ -2527,14 +2738,24 @@
         </p:nvSpPr>
         <p:spPr>
           <a:xfrm>
-            <a:off x="5183188" y="987425"/>
-            <a:ext cx="6172200" cy="4873625"/>
+            <a:off x="8124389" y="1122542"/>
+            <a:ext cx="2791171" cy="3866327"/>
           </a:xfrm>
+          <a:solidFill>
+            <a:schemeClr val="bg1">
+              <a:lumMod val="85000"/>
+            </a:schemeClr>
+          </a:solidFill>
+          <a:ln w="9525" cap="sq">
+            <a:noFill/>
+            <a:miter lim="800000"/>
+          </a:ln>
+          <a:effectLst/>
         </p:spPr>
         <p:txBody>
-          <a:bodyPr/>
+          <a:bodyPr anchor="t"/>
           <a:lstStyle>
-            <a:lvl1pPr marL="0" indent="0">
+            <a:lvl1pPr marL="0" indent="0" algn="ctr">
               <a:buNone/>
               <a:defRPr sz="3200"/>
             </a:lvl1pPr>
@@ -2572,19 +2793,17 @@
             </a:lvl9pPr>
           </a:lstStyle>
           <a:p>
-            <a:endParaRPr lang="pt-PT"/>
-          </a:p>
-        </p:txBody>
-      </p:sp>
-      <p:sp>
-        <p:nvSpPr>
-          <p:cNvPr id="4" name="Marcador de Posição do Texto 3">
-            <a:extLst>
-              <a:ext uri="{FF2B5EF4-FFF2-40B4-BE49-F238E27FC236}">
-                <a16:creationId xmlns:a16="http://schemas.microsoft.com/office/drawing/2014/main" id="{0B81E45C-E9B6-4D9B-9FC2-C34F8815E4E8}"/>
-              </a:ext>
-            </a:extLst>
-          </p:cNvPr>
+            <a:r>
+              <a:rPr lang="pt-PT"/>
+              <a:t>Clique no ícone para adicionar uma imagem</a:t>
+            </a:r>
+            <a:endParaRPr lang="en-US" dirty="0"/>
+          </a:p>
+        </p:txBody>
+      </p:sp>
+      <p:sp>
+        <p:nvSpPr>
+          <p:cNvPr id="4" name="Text Placeholder 3"/>
           <p:cNvSpPr>
             <a:spLocks noGrp="1"/>
           </p:cNvSpPr>
@@ -2594,16 +2813,18 @@
         </p:nvSpPr>
         <p:spPr>
           <a:xfrm>
-            <a:off x="839788" y="2057400"/>
-            <a:ext cx="3932237" cy="3811588"/>
+            <a:off x="1534695" y="3145992"/>
+            <a:ext cx="5440037" cy="2003742"/>
           </a:xfrm>
         </p:spPr>
         <p:txBody>
-          <a:bodyPr/>
+          <a:bodyPr>
+            <a:normAutofit/>
+          </a:bodyPr>
           <a:lstStyle>
-            <a:lvl1pPr marL="0" indent="0">
+            <a:lvl1pPr marL="0" indent="0" algn="l">
               <a:buNone/>
-              <a:defRPr sz="1600"/>
+              <a:defRPr sz="1800"/>
             </a:lvl1pPr>
             <a:lvl2pPr marL="457200" indent="0">
               <a:buNone/>
@@ -2649,13 +2870,7 @@
       </p:sp>
       <p:sp>
         <p:nvSpPr>
-          <p:cNvPr id="5" name="Marcador de Posição da Data 4">
-            <a:extLst>
-              <a:ext uri="{FF2B5EF4-FFF2-40B4-BE49-F238E27FC236}">
-                <a16:creationId xmlns:a16="http://schemas.microsoft.com/office/drawing/2014/main" id="{7F034902-03BC-46D3-9CA9-9F49AD2DEF89}"/>
-              </a:ext>
-            </a:extLst>
-          </p:cNvPr>
+          <p:cNvPr id="5" name="Date Placeholder 4"/>
           <p:cNvSpPr>
             <a:spLocks noGrp="1"/>
           </p:cNvSpPr>
@@ -2663,14 +2878,23 @@
             <p:ph type="dt" sz="half" idx="10"/>
           </p:nvPr>
         </p:nvSpPr>
-        <p:spPr/>
-        <p:txBody>
-          <a:bodyPr/>
-          <a:lstStyle/>
+        <p:spPr>
+          <a:xfrm>
+            <a:off x="1534695" y="5469856"/>
+            <a:ext cx="5440038" cy="320123"/>
+          </a:xfrm>
+        </p:spPr>
+        <p:txBody>
+          <a:bodyPr/>
+          <a:lstStyle>
+            <a:lvl1pPr algn="l">
+              <a:defRPr/>
+            </a:lvl1pPr>
+          </a:lstStyle>
           <a:p>
             <a:fld id="{4013E98B-3435-411E-BF74-56304C5712BA}" type="datetimeFigureOut">
               <a:rPr lang="pt-PT" smtClean="0"/>
-              <a:t>06/12/2020</a:t>
+              <a:t>11/12/2020</a:t>
             </a:fld>
             <a:endParaRPr lang="pt-PT"/>
           </a:p>
@@ -2678,13 +2902,7 @@
       </p:sp>
       <p:sp>
         <p:nvSpPr>
-          <p:cNvPr id="6" name="Marcador de Posição do Rodapé 5">
-            <a:extLst>
-              <a:ext uri="{FF2B5EF4-FFF2-40B4-BE49-F238E27FC236}">
-                <a16:creationId xmlns:a16="http://schemas.microsoft.com/office/drawing/2014/main" id="{35FCEB2C-6DAD-4D07-95FF-53FE86E655F1}"/>
-              </a:ext>
-            </a:extLst>
-          </p:cNvPr>
+          <p:cNvPr id="6" name="Footer Placeholder 5"/>
           <p:cNvSpPr>
             <a:spLocks noGrp="1"/>
           </p:cNvSpPr>
@@ -2692,7 +2910,12 @@
             <p:ph type="ftr" sz="quarter" idx="11"/>
           </p:nvPr>
         </p:nvSpPr>
-        <p:spPr/>
+        <p:spPr>
+          <a:xfrm>
+            <a:off x="1534910" y="318640"/>
+            <a:ext cx="5453475" cy="320931"/>
+          </a:xfrm>
+        </p:spPr>
         <p:txBody>
           <a:bodyPr/>
           <a:lstStyle/>
@@ -2703,13 +2926,7 @@
       </p:sp>
       <p:sp>
         <p:nvSpPr>
-          <p:cNvPr id="7" name="Marcador de Posição do Número do Diapositivo 6">
-            <a:extLst>
-              <a:ext uri="{FF2B5EF4-FFF2-40B4-BE49-F238E27FC236}">
-                <a16:creationId xmlns:a16="http://schemas.microsoft.com/office/drawing/2014/main" id="{BBE5D827-DDE1-4449-9826-BE21C7CC0CA3}"/>
-              </a:ext>
-            </a:extLst>
-          </p:cNvPr>
+          <p:cNvPr id="7" name="Slide Number Placeholder 6"/>
           <p:cNvSpPr>
             <a:spLocks noGrp="1"/>
           </p:cNvSpPr>
@@ -2730,10 +2947,47 @@
           </a:p>
         </p:txBody>
       </p:sp>
+      <p:cxnSp>
+        <p:nvCxnSpPr>
+          <p:cNvPr id="14" name="Straight Connector 13"/>
+          <p:cNvCxnSpPr/>
+          <p:nvPr/>
+        </p:nvCxnSpPr>
+        <p:spPr>
+          <a:xfrm>
+            <a:off x="1371687" y="798973"/>
+            <a:ext cx="0" cy="2161124"/>
+          </a:xfrm>
+          <a:prstGeom prst="line">
+            <a:avLst/>
+          </a:prstGeom>
+          <a:ln w="38100" cmpd="sng">
+            <a:solidFill>
+              <a:schemeClr val="accent1"/>
+            </a:solidFill>
+            <a:prstDash val="solid"/>
+            <a:tailEnd type="none"/>
+          </a:ln>
+        </p:spPr>
+        <p:style>
+          <a:lnRef idx="3">
+            <a:schemeClr val="accent1"/>
+          </a:lnRef>
+          <a:fillRef idx="0">
+            <a:schemeClr val="accent1"/>
+          </a:fillRef>
+          <a:effectRef idx="2">
+            <a:schemeClr val="accent1"/>
+          </a:effectRef>
+          <a:fontRef idx="minor">
+            <a:schemeClr val="tx1"/>
+          </a:fontRef>
+        </p:style>
+      </p:cxnSp>
     </p:spTree>
     <p:extLst>
       <p:ext uri="{BB962C8B-B14F-4D97-AF65-F5344CB8AC3E}">
-        <p14:creationId xmlns:p14="http://schemas.microsoft.com/office/powerpoint/2010/main" val="3202385797"/>
+        <p14:creationId xmlns:p14="http://schemas.microsoft.com/office/powerpoint/2010/main" val="2443159201"/>
       </p:ext>
     </p:extLst>
   </p:cSld>
@@ -2747,8 +3001,8 @@
 <p:sldMaster xmlns:a="http://schemas.openxmlformats.org/drawingml/2006/main" xmlns:r="http://schemas.openxmlformats.org/officeDocument/2006/relationships" xmlns:p="http://schemas.openxmlformats.org/presentationml/2006/main">
   <p:cSld>
     <p:bg>
-      <p:bgRef idx="1001">
-        <a:schemeClr val="bg1"/>
+      <p:bgRef idx="1003">
+        <a:schemeClr val="bg2"/>
       </p:bgRef>
     </p:bg>
     <p:spTree>
@@ -2767,139 +3021,195 @@
       </p:grpSpPr>
       <p:sp>
         <p:nvSpPr>
-          <p:cNvPr id="2" name="Marcador de Posição do Título 1">
-            <a:extLst>
-              <a:ext uri="{FF2B5EF4-FFF2-40B4-BE49-F238E27FC236}">
-                <a16:creationId xmlns:a16="http://schemas.microsoft.com/office/drawing/2014/main" id="{3715644D-7638-472E-AC28-F623DE28614F}"/>
-              </a:ext>
-            </a:extLst>
-          </p:cNvPr>
-          <p:cNvSpPr>
-            <a:spLocks noGrp="1"/>
-          </p:cNvSpPr>
-          <p:nvPr>
-            <p:ph type="title"/>
-          </p:nvPr>
+          <p:cNvPr id="9" name="Rectangle 8"/>
+          <p:cNvSpPr/>
+          <p:nvPr/>
         </p:nvSpPr>
         <p:spPr>
           <a:xfrm>
-            <a:off x="838200" y="365125"/>
-            <a:ext cx="10515600" cy="1325563"/>
+            <a:off x="0" y="2015732"/>
+            <a:ext cx="12192000" cy="4118829"/>
+          </a:xfrm>
+          <a:prstGeom prst="rect">
+            <a:avLst/>
+          </a:prstGeom>
+          <a:gradFill flip="none" rotWithShape="1">
+            <a:gsLst>
+              <a:gs pos="0">
+                <a:schemeClr val="bg2">
+                  <a:alpha val="0"/>
+                </a:schemeClr>
+              </a:gs>
+              <a:gs pos="100000">
+                <a:schemeClr val="bg2"/>
+              </a:gs>
+            </a:gsLst>
+            <a:lin ang="5400000" scaled="0"/>
+            <a:tileRect/>
+          </a:gradFill>
+          <a:ln>
+            <a:noFill/>
+          </a:ln>
+        </p:spPr>
+        <p:style>
+          <a:lnRef idx="2">
+            <a:schemeClr val="accent1">
+              <a:shade val="50000"/>
+            </a:schemeClr>
+          </a:lnRef>
+          <a:fillRef idx="1">
+            <a:schemeClr val="accent1"/>
+          </a:fillRef>
+          <a:effectRef idx="0">
+            <a:schemeClr val="accent1"/>
+          </a:effectRef>
+          <a:fontRef idx="minor">
+            <a:schemeClr val="lt1"/>
+          </a:fontRef>
+        </p:style>
+      </p:sp>
+      <p:pic>
+        <p:nvPicPr>
+          <p:cNvPr id="7" name="Picture 6"/>
+          <p:cNvPicPr>
+            <a:picLocks noChangeAspect="1"/>
+          </p:cNvPicPr>
+          <p:nvPr/>
+        </p:nvPicPr>
+        <p:blipFill rotWithShape="1">
+          <a:blip r:embed="rId13"/>
+          <a:srcRect t="2769" b="-2769"/>
+          <a:stretch/>
+        </p:blipFill>
+        <p:spPr>
+          <a:xfrm>
+            <a:off x="0" y="6135624"/>
+            <a:ext cx="12192000" cy="742950"/>
           </a:xfrm>
           <a:prstGeom prst="rect">
             <a:avLst/>
           </a:prstGeom>
         </p:spPr>
-        <p:txBody>
-          <a:bodyPr vert="horz" lIns="91440" tIns="45720" rIns="91440" bIns="45720" rtlCol="0" anchor="ctr">
-            <a:normAutofit/>
-          </a:bodyPr>
-          <a:lstStyle/>
-          <a:p>
-            <a:r>
-              <a:rPr lang="pt-PT"/>
-              <a:t>Clique para editar o estilo de título do Modelo Global</a:t>
-            </a:r>
-          </a:p>
-        </p:txBody>
-      </p:sp>
-      <p:sp>
-        <p:nvSpPr>
-          <p:cNvPr id="3" name="Marcador de Posição do Texto 2">
-            <a:extLst>
-              <a:ext uri="{FF2B5EF4-FFF2-40B4-BE49-F238E27FC236}">
-                <a16:creationId xmlns:a16="http://schemas.microsoft.com/office/drawing/2014/main" id="{0F4787AC-666C-4770-91FC-2E21DC9E3705}"/>
-              </a:ext>
-            </a:extLst>
-          </p:cNvPr>
-          <p:cNvSpPr>
-            <a:spLocks noGrp="1"/>
-          </p:cNvSpPr>
-          <p:nvPr>
-            <p:ph type="body" idx="1"/>
+      </p:pic>
+      <p:sp>
+        <p:nvSpPr>
+          <p:cNvPr id="2" name="Title Placeholder 1"/>
+          <p:cNvSpPr>
+            <a:spLocks noGrp="1"/>
+          </p:cNvSpPr>
+          <p:nvPr>
+            <p:ph type="title"/>
           </p:nvPr>
         </p:nvSpPr>
         <p:spPr>
           <a:xfrm>
-            <a:off x="838200" y="1825625"/>
-            <a:ext cx="10515600" cy="4351338"/>
+            <a:off x="1534696" y="804519"/>
+            <a:ext cx="9520158" cy="1049235"/>
           </a:xfrm>
           <a:prstGeom prst="rect">
             <a:avLst/>
           </a:prstGeom>
         </p:spPr>
         <p:txBody>
-          <a:bodyPr vert="horz" lIns="91440" tIns="45720" rIns="91440" bIns="45720" rtlCol="0">
+          <a:bodyPr vert="horz" lIns="91440" tIns="45720" rIns="91440" bIns="45720" rtlCol="0" anchor="b">
             <a:normAutofit/>
           </a:bodyPr>
           <a:lstStyle/>
           <a:p>
-            <a:pPr lvl="0"/>
             <a:r>
               <a:rPr lang="pt-PT"/>
-              <a:t>Clique para editar os estilos do texto de Modelo Global</a:t>
-            </a:r>
-          </a:p>
-          <a:p>
-            <a:pPr lvl="1"/>
-            <a:r>
-              <a:rPr lang="pt-PT"/>
-              <a:t>Segundo nível</a:t>
-            </a:r>
-          </a:p>
-          <a:p>
-            <a:pPr lvl="2"/>
-            <a:r>
-              <a:rPr lang="pt-PT"/>
-              <a:t>Terceiro nível</a:t>
-            </a:r>
-          </a:p>
-          <a:p>
-            <a:pPr lvl="3"/>
-            <a:r>
-              <a:rPr lang="pt-PT"/>
-              <a:t>Quarto nível</a:t>
-            </a:r>
-          </a:p>
-          <a:p>
-            <a:pPr lvl="4"/>
-            <a:r>
-              <a:rPr lang="pt-PT"/>
-              <a:t>Quinto nível</a:t>
-            </a:r>
-          </a:p>
-        </p:txBody>
-      </p:sp>
-      <p:sp>
-        <p:nvSpPr>
-          <p:cNvPr id="4" name="Marcador de Posição da Data 3">
-            <a:extLst>
-              <a:ext uri="{FF2B5EF4-FFF2-40B4-BE49-F238E27FC236}">
-                <a16:creationId xmlns:a16="http://schemas.microsoft.com/office/drawing/2014/main" id="{42617DB0-6A99-4A1D-A162-7EEAAB624BD1}"/>
-              </a:ext>
-            </a:extLst>
-          </p:cNvPr>
-          <p:cNvSpPr>
-            <a:spLocks noGrp="1"/>
-          </p:cNvSpPr>
-          <p:nvPr>
-            <p:ph type="dt" sz="half" idx="2"/>
+              <a:t>Clique para editar o estilo de título do Modelo Global</a:t>
+            </a:r>
+            <a:endParaRPr lang="en-US" dirty="0"/>
+          </a:p>
+        </p:txBody>
+      </p:sp>
+      <p:sp>
+        <p:nvSpPr>
+          <p:cNvPr id="3" name="Text Placeholder 2"/>
+          <p:cNvSpPr>
+            <a:spLocks noGrp="1"/>
+          </p:cNvSpPr>
+          <p:nvPr>
+            <p:ph type="body" idx="1"/>
           </p:nvPr>
         </p:nvSpPr>
         <p:spPr>
           <a:xfrm>
-            <a:off x="838200" y="6356350"/>
-            <a:ext cx="2743200" cy="365125"/>
+            <a:off x="1534696" y="2015732"/>
+            <a:ext cx="9520158" cy="3450613"/>
           </a:xfrm>
           <a:prstGeom prst="rect">
             <a:avLst/>
           </a:prstGeom>
         </p:spPr>
         <p:txBody>
+          <a:bodyPr vert="horz" lIns="91440" tIns="45720" rIns="91440" bIns="45720" rtlCol="0">
+            <a:normAutofit/>
+          </a:bodyPr>
+          <a:lstStyle/>
+          <a:p>
+            <a:pPr lvl="0"/>
+            <a:r>
+              <a:rPr lang="pt-PT"/>
+              <a:t>Clique para editar os estilos do texto de Modelo Global</a:t>
+            </a:r>
+          </a:p>
+          <a:p>
+            <a:pPr lvl="1"/>
+            <a:r>
+              <a:rPr lang="pt-PT"/>
+              <a:t>Segundo nível</a:t>
+            </a:r>
+          </a:p>
+          <a:p>
+            <a:pPr lvl="2"/>
+            <a:r>
+              <a:rPr lang="pt-PT"/>
+              <a:t>Terceiro nível</a:t>
+            </a:r>
+          </a:p>
+          <a:p>
+            <a:pPr lvl="3"/>
+            <a:r>
+              <a:rPr lang="pt-PT"/>
+              <a:t>Quarto nível</a:t>
+            </a:r>
+          </a:p>
+          <a:p>
+            <a:pPr lvl="4"/>
+            <a:r>
+              <a:rPr lang="pt-PT"/>
+              <a:t>Quinto nível</a:t>
+            </a:r>
+            <a:endParaRPr lang="en-US" dirty="0"/>
+          </a:p>
+        </p:txBody>
+      </p:sp>
+      <p:sp>
+        <p:nvSpPr>
+          <p:cNvPr id="4" name="Date Placeholder 3"/>
+          <p:cNvSpPr>
+            <a:spLocks noGrp="1"/>
+          </p:cNvSpPr>
+          <p:nvPr>
+            <p:ph type="dt" sz="half" idx="2"/>
+          </p:nvPr>
+        </p:nvSpPr>
+        <p:spPr>
+          <a:xfrm>
+            <a:off x="7554138" y="330370"/>
+            <a:ext cx="3500715" cy="309201"/>
+          </a:xfrm>
+          <a:prstGeom prst="rect">
+            <a:avLst/>
+          </a:prstGeom>
+        </p:spPr>
+        <p:txBody>
           <a:bodyPr vert="horz" lIns="91440" tIns="45720" rIns="91440" bIns="45720" rtlCol="0" anchor="ctr"/>
           <a:lstStyle>
-            <a:lvl1pPr algn="l">
-              <a:defRPr sz="1200">
+            <a:lvl1pPr algn="r">
+              <a:defRPr sz="1000">
                 <a:solidFill>
                   <a:schemeClr val="tx1">
                     <a:tint val="75000"/>
@@ -2911,7 +3221,7 @@
           <a:p>
             <a:fld id="{4013E98B-3435-411E-BF74-56304C5712BA}" type="datetimeFigureOut">
               <a:rPr lang="pt-PT" smtClean="0"/>
-              <a:t>06/12/2020</a:t>
+              <a:t>11/12/2020</a:t>
             </a:fld>
             <a:endParaRPr lang="pt-PT"/>
           </a:p>
@@ -2919,13 +3229,7 @@
       </p:sp>
       <p:sp>
         <p:nvSpPr>
-          <p:cNvPr id="5" name="Marcador de Posição do Rodapé 4">
-            <a:extLst>
-              <a:ext uri="{FF2B5EF4-FFF2-40B4-BE49-F238E27FC236}">
-                <a16:creationId xmlns:a16="http://schemas.microsoft.com/office/drawing/2014/main" id="{34E9946B-716D-493D-BCAF-2BE4EEB0BA37}"/>
-              </a:ext>
-            </a:extLst>
-          </p:cNvPr>
+          <p:cNvPr id="5" name="Footer Placeholder 4"/>
           <p:cNvSpPr>
             <a:spLocks noGrp="1"/>
           </p:cNvSpPr>
@@ -2935,8 +3239,8 @@
         </p:nvSpPr>
         <p:spPr>
           <a:xfrm>
-            <a:off x="4038600" y="6356350"/>
-            <a:ext cx="4114800" cy="365125"/>
+            <a:off x="1534695" y="329307"/>
+            <a:ext cx="5855719" cy="309201"/>
           </a:xfrm>
           <a:prstGeom prst="rect">
             <a:avLst/>
@@ -2945,8 +3249,8 @@
         <p:txBody>
           <a:bodyPr vert="horz" lIns="91440" tIns="45720" rIns="91440" bIns="45720" rtlCol="0" anchor="ctr"/>
           <a:lstStyle>
-            <a:lvl1pPr algn="ctr">
-              <a:defRPr sz="1200">
+            <a:lvl1pPr algn="l">
+              <a:defRPr sz="1000">
                 <a:solidFill>
                   <a:schemeClr val="tx1">
                     <a:tint val="75000"/>
@@ -2962,13 +3266,7 @@
       </p:sp>
       <p:sp>
         <p:nvSpPr>
-          <p:cNvPr id="6" name="Marcador de Posição do Número do Diapositivo 5">
-            <a:extLst>
-              <a:ext uri="{FF2B5EF4-FFF2-40B4-BE49-F238E27FC236}">
-                <a16:creationId xmlns:a16="http://schemas.microsoft.com/office/drawing/2014/main" id="{C87C0324-5826-4AD1-9969-27DABFED5318}"/>
-              </a:ext>
-            </a:extLst>
-          </p:cNvPr>
+          <p:cNvPr id="6" name="Slide Number Placeholder 5"/>
           <p:cNvSpPr>
             <a:spLocks noGrp="1"/>
           </p:cNvSpPr>
@@ -2978,22 +3276,20 @@
         </p:nvSpPr>
         <p:spPr>
           <a:xfrm>
-            <a:off x="8610600" y="6356350"/>
-            <a:ext cx="2743200" cy="365125"/>
+            <a:off x="480060" y="798973"/>
+            <a:ext cx="811019" cy="503578"/>
           </a:xfrm>
           <a:prstGeom prst="rect">
             <a:avLst/>
           </a:prstGeom>
         </p:spPr>
         <p:txBody>
-          <a:bodyPr vert="horz" lIns="91440" tIns="45720" rIns="91440" bIns="45720" rtlCol="0" anchor="ctr"/>
+          <a:bodyPr vert="horz" lIns="91440" tIns="45720" rIns="91440" bIns="45720" rtlCol="0" anchor="t"/>
           <a:lstStyle>
             <a:lvl1pPr algn="r">
-              <a:defRPr sz="1200">
+              <a:defRPr sz="2800">
                 <a:solidFill>
-                  <a:schemeClr val="tx1">
-                    <a:tint val="75000"/>
-                  </a:schemeClr>
+                  <a:schemeClr val="accent1"/>
                 </a:solidFill>
               </a:defRPr>
             </a:lvl1pPr>
@@ -3007,26 +3303,63 @@
           </a:p>
         </p:txBody>
       </p:sp>
+      <p:cxnSp>
+        <p:nvCxnSpPr>
+          <p:cNvPr id="12" name="Straight Connector 11"/>
+          <p:cNvCxnSpPr/>
+          <p:nvPr/>
+        </p:nvCxnSpPr>
+        <p:spPr>
+          <a:xfrm>
+            <a:off x="0" y="6141705"/>
+            <a:ext cx="12192000" cy="0"/>
+          </a:xfrm>
+          <a:prstGeom prst="line">
+            <a:avLst/>
+          </a:prstGeom>
+          <a:ln w="12700">
+            <a:solidFill>
+              <a:srgbClr val="000001">
+                <a:alpha val="20000"/>
+              </a:srgbClr>
+            </a:solidFill>
+          </a:ln>
+        </p:spPr>
+        <p:style>
+          <a:lnRef idx="1">
+            <a:schemeClr val="accent1"/>
+          </a:lnRef>
+          <a:fillRef idx="0">
+            <a:schemeClr val="accent1"/>
+          </a:fillRef>
+          <a:effectRef idx="0">
+            <a:schemeClr val="accent1"/>
+          </a:effectRef>
+          <a:fontRef idx="minor">
+            <a:schemeClr val="tx1"/>
+          </a:fontRef>
+        </p:style>
+      </p:cxnSp>
     </p:spTree>
     <p:extLst>
       <p:ext uri="{BB962C8B-B14F-4D97-AF65-F5344CB8AC3E}">
-        <p14:creationId xmlns:p14="http://schemas.microsoft.com/office/powerpoint/2010/main" val="779394621"/>
+        <p14:creationId xmlns:p14="http://schemas.microsoft.com/office/powerpoint/2010/main" val="1839653970"/>
       </p:ext>
     </p:extLst>
   </p:cSld>
   <p:clrMap bg1="lt1" tx1="dk1" bg2="lt2" tx2="dk2" accent1="accent1" accent2="accent2" accent3="accent3" accent4="accent4" accent5="accent5" accent6="accent6" hlink="hlink" folHlink="folHlink"/>
   <p:sldLayoutIdLst>
-    <p:sldLayoutId id="2147483649" r:id="rId1"/>
-    <p:sldLayoutId id="2147483650" r:id="rId2"/>
-    <p:sldLayoutId id="2147483651" r:id="rId3"/>
-    <p:sldLayoutId id="2147483652" r:id="rId4"/>
-    <p:sldLayoutId id="2147483653" r:id="rId5"/>
-    <p:sldLayoutId id="2147483654" r:id="rId6"/>
-    <p:sldLayoutId id="2147483655" r:id="rId7"/>
-    <p:sldLayoutId id="2147483656" r:id="rId8"/>
-    <p:sldLayoutId id="2147483657" r:id="rId9"/>
-    <p:sldLayoutId id="2147483658" r:id="rId10"/>
-    <p:sldLayoutId id="2147483659" r:id="rId11"/>
+    <p:sldLayoutId id="2147483673" r:id="rId1"/>
+    <p:sldLayoutId id="2147483674" r:id="rId2"/>
+    <p:sldLayoutId id="2147483675" r:id="rId3"/>
+    <p:sldLayoutId id="2147483676" r:id="rId4"/>
+    <p:sldLayoutId id="2147483677" r:id="rId5"/>
+    <p:sldLayoutId id="2147483678" r:id="rId6"/>
+    <p:sldLayoutId id="2147483679" r:id="rId7"/>
+    <p:sldLayoutId id="2147483680" r:id="rId8"/>
+    <p:sldLayoutId id="2147483681" r:id="rId9"/>
+    <p:sldLayoutId id="2147483682" r:id="rId10"/>
+    <p:sldLayoutId id="2147483683" r:id="rId11"/>
   </p:sldLayoutIdLst>
   <p:txStyles>
     <p:titleStyle>
@@ -3038,10 +3371,11 @@
           <a:spcPct val="0"/>
         </a:spcBef>
         <a:buNone/>
-        <a:defRPr sz="4400" kern="1200">
+        <a:defRPr sz="3200" b="0" i="0" kern="1200" cap="none">
           <a:solidFill>
             <a:schemeClr val="tx1"/>
           </a:solidFill>
+          <a:effectLst/>
           <a:latin typeface="+mj-lt"/>
           <a:ea typeface="+mj-ea"/>
           <a:cs typeface="+mj-cs"/>
@@ -3051,17 +3385,22 @@
     <p:bodyStyle>
       <a:lvl1pPr marL="228600" indent="-228600" algn="l" defTabSz="914400" rtl="0" eaLnBrk="1" latinLnBrk="0" hangingPunct="1">
         <a:lnSpc>
-          <a:spcPct val="90000"/>
+          <a:spcPct val="120000"/>
         </a:lnSpc>
         <a:spcBef>
           <a:spcPts val="1000"/>
         </a:spcBef>
+        <a:buClr>
+          <a:schemeClr val="accent1"/>
+        </a:buClr>
+        <a:buSzPct val="100000"/>
         <a:buFont typeface="Arial" panose="020B0604020202020204" pitchFamily="34" charset="0"/>
         <a:buChar char="•"/>
-        <a:defRPr sz="2800" kern="1200">
+        <a:defRPr sz="2000" kern="1200">
           <a:solidFill>
             <a:schemeClr val="tx1"/>
           </a:solidFill>
+          <a:effectLst/>
           <a:latin typeface="+mn-lt"/>
           <a:ea typeface="+mn-ea"/>
           <a:cs typeface="+mn-cs"/>
@@ -3069,17 +3408,22 @@
       </a:lvl1pPr>
       <a:lvl2pPr marL="685800" indent="-228600" algn="l" defTabSz="914400" rtl="0" eaLnBrk="1" latinLnBrk="0" hangingPunct="1">
         <a:lnSpc>
-          <a:spcPct val="90000"/>
+          <a:spcPct val="120000"/>
         </a:lnSpc>
         <a:spcBef>
           <a:spcPts val="500"/>
         </a:spcBef>
+        <a:buClr>
+          <a:schemeClr val="accent1"/>
+        </a:buClr>
+        <a:buSzPct val="100000"/>
         <a:buFont typeface="Arial" panose="020B0604020202020204" pitchFamily="34" charset="0"/>
         <a:buChar char="•"/>
-        <a:defRPr sz="2400" kern="1200">
+        <a:defRPr sz="1800" kern="1200" cap="none" baseline="0">
           <a:solidFill>
             <a:schemeClr val="tx1"/>
           </a:solidFill>
+          <a:effectLst/>
           <a:latin typeface="+mn-lt"/>
           <a:ea typeface="+mn-ea"/>
           <a:cs typeface="+mn-cs"/>
@@ -3087,17 +3431,22 @@
       </a:lvl2pPr>
       <a:lvl3pPr marL="1143000" indent="-228600" algn="l" defTabSz="914400" rtl="0" eaLnBrk="1" latinLnBrk="0" hangingPunct="1">
         <a:lnSpc>
-          <a:spcPct val="90000"/>
+          <a:spcPct val="120000"/>
         </a:lnSpc>
         <a:spcBef>
           <a:spcPts val="500"/>
         </a:spcBef>
+        <a:buClr>
+          <a:schemeClr val="accent1"/>
+        </a:buClr>
+        <a:buSzPct val="100000"/>
         <a:buFont typeface="Arial" panose="020B0604020202020204" pitchFamily="34" charset="0"/>
         <a:buChar char="•"/>
-        <a:defRPr sz="2000" kern="1200">
+        <a:defRPr sz="1600" kern="1200">
           <a:solidFill>
             <a:schemeClr val="tx1"/>
           </a:solidFill>
+          <a:effectLst/>
           <a:latin typeface="+mn-lt"/>
           <a:ea typeface="+mn-ea"/>
           <a:cs typeface="+mn-cs"/>
@@ -3105,17 +3454,22 @@
       </a:lvl3pPr>
       <a:lvl4pPr marL="1600200" indent="-228600" algn="l" defTabSz="914400" rtl="0" eaLnBrk="1" latinLnBrk="0" hangingPunct="1">
         <a:lnSpc>
-          <a:spcPct val="90000"/>
+          <a:spcPct val="120000"/>
         </a:lnSpc>
         <a:spcBef>
           <a:spcPts val="500"/>
         </a:spcBef>
+        <a:buClr>
+          <a:schemeClr val="accent1"/>
+        </a:buClr>
+        <a:buSzPct val="100000"/>
         <a:buFont typeface="Arial" panose="020B0604020202020204" pitchFamily="34" charset="0"/>
         <a:buChar char="•"/>
-        <a:defRPr sz="1800" kern="1200">
+        <a:defRPr sz="1400" kern="1200" cap="none" baseline="0">
           <a:solidFill>
             <a:schemeClr val="tx1"/>
           </a:solidFill>
+          <a:effectLst/>
           <a:latin typeface="+mn-lt"/>
           <a:ea typeface="+mn-ea"/>
           <a:cs typeface="+mn-cs"/>
@@ -3123,17 +3477,22 @@
       </a:lvl4pPr>
       <a:lvl5pPr marL="2057400" indent="-228600" algn="l" defTabSz="914400" rtl="0" eaLnBrk="1" latinLnBrk="0" hangingPunct="1">
         <a:lnSpc>
-          <a:spcPct val="90000"/>
+          <a:spcPct val="120000"/>
         </a:lnSpc>
         <a:spcBef>
           <a:spcPts val="500"/>
         </a:spcBef>
+        <a:buClr>
+          <a:schemeClr val="accent1"/>
+        </a:buClr>
+        <a:buSzPct val="100000"/>
         <a:buFont typeface="Arial" panose="020B0604020202020204" pitchFamily="34" charset="0"/>
         <a:buChar char="•"/>
-        <a:defRPr sz="1800" kern="1200">
+        <a:defRPr sz="1200" kern="1200">
           <a:solidFill>
             <a:schemeClr val="tx1"/>
           </a:solidFill>
+          <a:effectLst/>
           <a:latin typeface="+mn-lt"/>
           <a:ea typeface="+mn-ea"/>
           <a:cs typeface="+mn-cs"/>
@@ -3141,17 +3500,22 @@
       </a:lvl5pPr>
       <a:lvl6pPr marL="2514600" indent="-228600" algn="l" defTabSz="914400" rtl="0" eaLnBrk="1" latinLnBrk="0" hangingPunct="1">
         <a:lnSpc>
-          <a:spcPct val="90000"/>
+          <a:spcPct val="120000"/>
         </a:lnSpc>
         <a:spcBef>
           <a:spcPts val="500"/>
         </a:spcBef>
+        <a:buClr>
+          <a:schemeClr val="accent1"/>
+        </a:buClr>
+        <a:buSzPct val="100000"/>
         <a:buFont typeface="Arial" panose="020B0604020202020204" pitchFamily="34" charset="0"/>
         <a:buChar char="•"/>
-        <a:defRPr sz="1800" kern="1200">
+        <a:defRPr sz="1200" kern="1200">
           <a:solidFill>
             <a:schemeClr val="tx1"/>
           </a:solidFill>
+          <a:effectLst/>
           <a:latin typeface="+mn-lt"/>
           <a:ea typeface="+mn-ea"/>
           <a:cs typeface="+mn-cs"/>
@@ -3159,17 +3523,22 @@
       </a:lvl6pPr>
       <a:lvl7pPr marL="2971800" indent="-228600" algn="l" defTabSz="914400" rtl="0" eaLnBrk="1" latinLnBrk="0" hangingPunct="1">
         <a:lnSpc>
-          <a:spcPct val="90000"/>
+          <a:spcPct val="120000"/>
         </a:lnSpc>
         <a:spcBef>
           <a:spcPts val="500"/>
         </a:spcBef>
+        <a:buClr>
+          <a:schemeClr val="accent1"/>
+        </a:buClr>
+        <a:buSzPct val="100000"/>
         <a:buFont typeface="Arial" panose="020B0604020202020204" pitchFamily="34" charset="0"/>
         <a:buChar char="•"/>
-        <a:defRPr sz="1800" kern="1200">
+        <a:defRPr sz="1200" kern="1200">
           <a:solidFill>
             <a:schemeClr val="tx1"/>
           </a:solidFill>
+          <a:effectLst/>
           <a:latin typeface="+mn-lt"/>
           <a:ea typeface="+mn-ea"/>
           <a:cs typeface="+mn-cs"/>
@@ -3177,17 +3546,22 @@
       </a:lvl7pPr>
       <a:lvl8pPr marL="3429000" indent="-228600" algn="l" defTabSz="914400" rtl="0" eaLnBrk="1" latinLnBrk="0" hangingPunct="1">
         <a:lnSpc>
-          <a:spcPct val="90000"/>
+          <a:spcPct val="120000"/>
         </a:lnSpc>
         <a:spcBef>
           <a:spcPts val="500"/>
         </a:spcBef>
+        <a:buClr>
+          <a:schemeClr val="accent1"/>
+        </a:buClr>
+        <a:buSzPct val="100000"/>
         <a:buFont typeface="Arial" panose="020B0604020202020204" pitchFamily="34" charset="0"/>
         <a:buChar char="•"/>
-        <a:defRPr sz="1800" kern="1200">
+        <a:defRPr sz="1200" kern="1200" baseline="0">
           <a:solidFill>
             <a:schemeClr val="tx1"/>
           </a:solidFill>
+          <a:effectLst/>
           <a:latin typeface="+mn-lt"/>
           <a:ea typeface="+mn-ea"/>
           <a:cs typeface="+mn-cs"/>
@@ -3195,17 +3569,22 @@
       </a:lvl8pPr>
       <a:lvl9pPr marL="3886200" indent="-228600" algn="l" defTabSz="914400" rtl="0" eaLnBrk="1" latinLnBrk="0" hangingPunct="1">
         <a:lnSpc>
-          <a:spcPct val="90000"/>
+          <a:spcPct val="120000"/>
         </a:lnSpc>
         <a:spcBef>
           <a:spcPts val="500"/>
         </a:spcBef>
+        <a:buClr>
+          <a:schemeClr val="accent1"/>
+        </a:buClr>
+        <a:buSzPct val="100000"/>
         <a:buFont typeface="Arial" panose="020B0604020202020204" pitchFamily="34" charset="0"/>
         <a:buChar char="•"/>
-        <a:defRPr sz="1800" kern="1200">
+        <a:defRPr sz="1200" kern="1200" baseline="0">
           <a:solidFill>
             <a:schemeClr val="tx1"/>
           </a:solidFill>
+          <a:effectLst/>
           <a:latin typeface="+mn-lt"/>
           <a:ea typeface="+mn-ea"/>
           <a:cs typeface="+mn-cs"/>
@@ -3214,7 +3593,7 @@
     </p:bodyStyle>
     <p:otherStyle>
       <a:defPPr>
-        <a:defRPr lang="pt-PT"/>
+        <a:defRPr lang="en-US"/>
       </a:defPPr>
       <a:lvl1pPr marL="0" algn="l" defTabSz="914400" rtl="0" eaLnBrk="1" latinLnBrk="0" hangingPunct="1">
         <a:defRPr sz="1800" kern="1200">
@@ -3349,7 +3728,10 @@
           <a:bodyPr/>
           <a:lstStyle/>
           <a:p>
-            <a:endParaRPr lang="pt-PT" dirty="0"/>
+            <a:r>
+              <a:rPr lang="pt-PT" dirty="0"/>
+              <a:t>Programação distribuída</a:t>
+            </a:r>
           </a:p>
         </p:txBody>
       </p:sp>
@@ -3371,10 +3753,27 @@
         </p:nvSpPr>
         <p:spPr/>
         <p:txBody>
-          <a:bodyPr/>
-          <a:lstStyle/>
-          <a:p>
-            <a:endParaRPr lang="pt-PT"/>
+          <a:bodyPr>
+            <a:normAutofit fontScale="62500" lnSpcReduction="20000"/>
+          </a:bodyPr>
+          <a:lstStyle/>
+          <a:p>
+            <a:r>
+              <a:rPr lang="pt-PT" dirty="0"/>
+              <a:t>Trabalho realizado por:</a:t>
+            </a:r>
+          </a:p>
+          <a:p>
+            <a:r>
+              <a:rPr lang="pt-PT" dirty="0"/>
+              <a:t>Leandro Adão Fidalgo, a2017017144</a:t>
+            </a:r>
+          </a:p>
+          <a:p>
+            <a:r>
+              <a:rPr lang="pt-PT" dirty="0"/>
+              <a:t>Pedro dos Santos Alves, a2019112789</a:t>
+            </a:r>
           </a:p>
         </p:txBody>
       </p:sp>
@@ -3382,6 +3781,1381 @@
     <p:extLst>
       <p:ext uri="{BB962C8B-B14F-4D97-AF65-F5344CB8AC3E}">
         <p14:creationId xmlns:p14="http://schemas.microsoft.com/office/powerpoint/2010/main" val="1004823786"/>
+      </p:ext>
+    </p:extLst>
+  </p:cSld>
+  <p:clrMapOvr>
+    <a:masterClrMapping/>
+  </p:clrMapOvr>
+</p:sld>
+</file>
+
+<file path=ppt/slides/slide10.xml><?xml version="1.0" encoding="utf-8"?>
+<p:sld xmlns:a="http://schemas.openxmlformats.org/drawingml/2006/main" xmlns:r="http://schemas.openxmlformats.org/officeDocument/2006/relationships" xmlns:p="http://schemas.openxmlformats.org/presentationml/2006/main">
+  <p:cSld>
+    <p:spTree>
+      <p:nvGrpSpPr>
+        <p:cNvPr id="1" name=""/>
+        <p:cNvGrpSpPr/>
+        <p:nvPr/>
+      </p:nvGrpSpPr>
+      <p:grpSpPr>
+        <a:xfrm>
+          <a:off x="0" y="0"/>
+          <a:ext cx="0" cy="0"/>
+          <a:chOff x="0" y="0"/>
+          <a:chExt cx="0" cy="0"/>
+        </a:xfrm>
+      </p:grpSpPr>
+      <p:sp>
+        <p:nvSpPr>
+          <p:cNvPr id="2" name="Título 1">
+            <a:extLst>
+              <a:ext uri="{FF2B5EF4-FFF2-40B4-BE49-F238E27FC236}">
+                <a16:creationId xmlns:a16="http://schemas.microsoft.com/office/drawing/2014/main" id="{A9BB6277-7A10-4BD1-8B5C-634EA0141CF7}"/>
+              </a:ext>
+            </a:extLst>
+          </p:cNvPr>
+          <p:cNvSpPr>
+            <a:spLocks noGrp="1"/>
+          </p:cNvSpPr>
+          <p:nvPr>
+            <p:ph type="title"/>
+          </p:nvPr>
+        </p:nvSpPr>
+        <p:spPr/>
+        <p:txBody>
+          <a:bodyPr/>
+          <a:lstStyle/>
+          <a:p>
+            <a:r>
+              <a:rPr lang="pt-PT" dirty="0"/>
+              <a:t>Estrutura das mensagens trocadas</a:t>
+            </a:r>
+          </a:p>
+        </p:txBody>
+      </p:sp>
+      <p:sp>
+        <p:nvSpPr>
+          <p:cNvPr id="3" name="Marcador de Posição de Conteúdo 2">
+            <a:extLst>
+              <a:ext uri="{FF2B5EF4-FFF2-40B4-BE49-F238E27FC236}">
+                <a16:creationId xmlns:a16="http://schemas.microsoft.com/office/drawing/2014/main" id="{CDA8360A-A176-4E87-AD9D-7B892C0716CB}"/>
+              </a:ext>
+            </a:extLst>
+          </p:cNvPr>
+          <p:cNvSpPr>
+            <a:spLocks noGrp="1"/>
+          </p:cNvSpPr>
+          <p:nvPr>
+            <p:ph idx="1"/>
+          </p:nvPr>
+        </p:nvSpPr>
+        <p:spPr/>
+        <p:txBody>
+          <a:bodyPr/>
+          <a:lstStyle/>
+          <a:p>
+            <a:r>
+              <a:rPr lang="pt-PT" dirty="0"/>
+              <a:t>Todos os pedidos entre cliente-servidor e servidor-servidor são efetuados através da classe </a:t>
+            </a:r>
+            <a:r>
+              <a:rPr lang="pt-PT" dirty="0" err="1"/>
+              <a:t>Command</a:t>
+            </a:r>
+            <a:r>
+              <a:rPr lang="pt-PT" dirty="0"/>
+              <a:t>.</a:t>
+            </a:r>
+          </a:p>
+        </p:txBody>
+      </p:sp>
+      <p:pic>
+        <p:nvPicPr>
+          <p:cNvPr id="5" name="Imagem 4">
+            <a:extLst>
+              <a:ext uri="{FF2B5EF4-FFF2-40B4-BE49-F238E27FC236}">
+                <a16:creationId xmlns:a16="http://schemas.microsoft.com/office/drawing/2014/main" id="{CF483582-B8D3-43D7-91A9-60DC10281271}"/>
+              </a:ext>
+            </a:extLst>
+          </p:cNvPr>
+          <p:cNvPicPr>
+            <a:picLocks noChangeAspect="1"/>
+          </p:cNvPicPr>
+          <p:nvPr/>
+        </p:nvPicPr>
+        <p:blipFill>
+          <a:blip r:embed="rId2"/>
+          <a:stretch>
+            <a:fillRect/>
+          </a:stretch>
+        </p:blipFill>
+        <p:spPr>
+          <a:xfrm>
+            <a:off x="4113279" y="2926742"/>
+            <a:ext cx="3965441" cy="3126739"/>
+          </a:xfrm>
+          <a:prstGeom prst="rect">
+            <a:avLst/>
+          </a:prstGeom>
+        </p:spPr>
+      </p:pic>
+    </p:spTree>
+    <p:extLst>
+      <p:ext uri="{BB962C8B-B14F-4D97-AF65-F5344CB8AC3E}">
+        <p14:creationId xmlns:p14="http://schemas.microsoft.com/office/powerpoint/2010/main" val="3538157223"/>
+      </p:ext>
+    </p:extLst>
+  </p:cSld>
+  <p:clrMapOvr>
+    <a:masterClrMapping/>
+  </p:clrMapOvr>
+</p:sld>
+</file>
+
+<file path=ppt/slides/slide11.xml><?xml version="1.0" encoding="utf-8"?>
+<p:sld xmlns:a="http://schemas.openxmlformats.org/drawingml/2006/main" xmlns:r="http://schemas.openxmlformats.org/officeDocument/2006/relationships" xmlns:p="http://schemas.openxmlformats.org/presentationml/2006/main">
+  <p:cSld>
+    <p:spTree>
+      <p:nvGrpSpPr>
+        <p:cNvPr id="1" name=""/>
+        <p:cNvGrpSpPr/>
+        <p:nvPr/>
+      </p:nvGrpSpPr>
+      <p:grpSpPr>
+        <a:xfrm>
+          <a:off x="0" y="0"/>
+          <a:ext cx="0" cy="0"/>
+          <a:chOff x="0" y="0"/>
+          <a:chExt cx="0" cy="0"/>
+        </a:xfrm>
+      </p:grpSpPr>
+      <p:sp>
+        <p:nvSpPr>
+          <p:cNvPr id="2" name="Título 1">
+            <a:extLst>
+              <a:ext uri="{FF2B5EF4-FFF2-40B4-BE49-F238E27FC236}">
+                <a16:creationId xmlns:a16="http://schemas.microsoft.com/office/drawing/2014/main" id="{F6922C70-B376-4F05-A8AB-62A2ACD53E13}"/>
+              </a:ext>
+            </a:extLst>
+          </p:cNvPr>
+          <p:cNvSpPr>
+            <a:spLocks noGrp="1"/>
+          </p:cNvSpPr>
+          <p:nvPr>
+            <p:ph type="title"/>
+          </p:nvPr>
+        </p:nvSpPr>
+        <p:spPr/>
+        <p:txBody>
+          <a:bodyPr/>
+          <a:lstStyle/>
+          <a:p>
+            <a:r>
+              <a:rPr lang="pt-PT" dirty="0" err="1"/>
+              <a:t>Threads</a:t>
+            </a:r>
+            <a:endParaRPr lang="pt-PT" dirty="0"/>
+          </a:p>
+        </p:txBody>
+      </p:sp>
+      <p:sp>
+        <p:nvSpPr>
+          <p:cNvPr id="3" name="Marcador de Posição de Conteúdo 2">
+            <a:extLst>
+              <a:ext uri="{FF2B5EF4-FFF2-40B4-BE49-F238E27FC236}">
+                <a16:creationId xmlns:a16="http://schemas.microsoft.com/office/drawing/2014/main" id="{47A7995E-4291-42E6-8E86-B9AC356AB1D6}"/>
+              </a:ext>
+            </a:extLst>
+          </p:cNvPr>
+          <p:cNvSpPr>
+            <a:spLocks noGrp="1"/>
+          </p:cNvSpPr>
+          <p:nvPr>
+            <p:ph idx="1"/>
+          </p:nvPr>
+        </p:nvSpPr>
+        <p:spPr/>
+        <p:txBody>
+          <a:bodyPr/>
+          <a:lstStyle/>
+          <a:p>
+            <a:r>
+              <a:rPr lang="pt-PT" dirty="0"/>
+              <a:t>Recurso a um conjunto apropriado de </a:t>
+            </a:r>
+            <a:r>
+              <a:rPr lang="pt-PT" dirty="0" err="1"/>
+              <a:t>threads</a:t>
+            </a:r>
+            <a:r>
+              <a:rPr lang="pt-PT" dirty="0"/>
+              <a:t> nos clientes e servidores para suportar diversas tarefas de um modo concorrente e assíncrono.</a:t>
+            </a:r>
+          </a:p>
+        </p:txBody>
+      </p:sp>
+      <p:pic>
+        <p:nvPicPr>
+          <p:cNvPr id="9" name="Imagem 8">
+            <a:extLst>
+              <a:ext uri="{FF2B5EF4-FFF2-40B4-BE49-F238E27FC236}">
+                <a16:creationId xmlns:a16="http://schemas.microsoft.com/office/drawing/2014/main" id="{6E4BEC04-1C61-41DA-A90B-63C84DD9C13D}"/>
+              </a:ext>
+            </a:extLst>
+          </p:cNvPr>
+          <p:cNvPicPr>
+            <a:picLocks noChangeAspect="1"/>
+          </p:cNvPicPr>
+          <p:nvPr/>
+        </p:nvPicPr>
+        <p:blipFill>
+          <a:blip r:embed="rId2"/>
+          <a:stretch>
+            <a:fillRect/>
+          </a:stretch>
+        </p:blipFill>
+        <p:spPr>
+          <a:xfrm>
+            <a:off x="1534696" y="3017037"/>
+            <a:ext cx="6173061" cy="1448002"/>
+          </a:xfrm>
+          <a:prstGeom prst="rect">
+            <a:avLst/>
+          </a:prstGeom>
+          <a:solidFill>
+            <a:srgbClr val="FFFFFF">
+              <a:shade val="85000"/>
+            </a:srgbClr>
+          </a:solidFill>
+          <a:ln w="88900" cap="sq">
+            <a:solidFill>
+              <a:srgbClr val="FFFFFF"/>
+            </a:solidFill>
+            <a:miter lim="800000"/>
+          </a:ln>
+          <a:effectLst>
+            <a:outerShdw blurRad="55000" dist="18000" dir="5400000" algn="tl" rotWithShape="0">
+              <a:srgbClr val="000000">
+                <a:alpha val="40000"/>
+              </a:srgbClr>
+            </a:outerShdw>
+          </a:effectLst>
+          <a:scene3d>
+            <a:camera prst="orthographicFront"/>
+            <a:lightRig rig="twoPt" dir="t">
+              <a:rot lat="0" lon="0" rev="7200000"/>
+            </a:lightRig>
+          </a:scene3d>
+          <a:sp3d>
+            <a:bevelT w="25400" h="19050"/>
+            <a:contourClr>
+              <a:srgbClr val="FFFFFF"/>
+            </a:contourClr>
+          </a:sp3d>
+        </p:spPr>
+      </p:pic>
+      <p:pic>
+        <p:nvPicPr>
+          <p:cNvPr id="5" name="Imagem 4">
+            <a:extLst>
+              <a:ext uri="{FF2B5EF4-FFF2-40B4-BE49-F238E27FC236}">
+                <a16:creationId xmlns:a16="http://schemas.microsoft.com/office/drawing/2014/main" id="{1F823977-FF25-4348-9ACC-A89E26829AA5}"/>
+              </a:ext>
+            </a:extLst>
+          </p:cNvPr>
+          <p:cNvPicPr>
+            <a:picLocks noChangeAspect="1"/>
+          </p:cNvPicPr>
+          <p:nvPr/>
+        </p:nvPicPr>
+        <p:blipFill>
+          <a:blip r:embed="rId3"/>
+          <a:stretch>
+            <a:fillRect/>
+          </a:stretch>
+        </p:blipFill>
+        <p:spPr>
+          <a:xfrm>
+            <a:off x="8729428" y="2986276"/>
+            <a:ext cx="2325426" cy="2325426"/>
+          </a:xfrm>
+          <a:prstGeom prst="rect">
+            <a:avLst/>
+          </a:prstGeom>
+        </p:spPr>
+      </p:pic>
+    </p:spTree>
+    <p:extLst>
+      <p:ext uri="{BB962C8B-B14F-4D97-AF65-F5344CB8AC3E}">
+        <p14:creationId xmlns:p14="http://schemas.microsoft.com/office/powerpoint/2010/main" val="2278513037"/>
+      </p:ext>
+    </p:extLst>
+  </p:cSld>
+  <p:clrMapOvr>
+    <a:masterClrMapping/>
+  </p:clrMapOvr>
+</p:sld>
+</file>
+
+<file path=ppt/slides/slide12.xml><?xml version="1.0" encoding="utf-8"?>
+<p:sld xmlns:a="http://schemas.openxmlformats.org/drawingml/2006/main" xmlns:r="http://schemas.openxmlformats.org/officeDocument/2006/relationships" xmlns:p="http://schemas.openxmlformats.org/presentationml/2006/main">
+  <p:cSld>
+    <p:spTree>
+      <p:nvGrpSpPr>
+        <p:cNvPr id="1" name=""/>
+        <p:cNvGrpSpPr/>
+        <p:nvPr/>
+      </p:nvGrpSpPr>
+      <p:grpSpPr>
+        <a:xfrm>
+          <a:off x="0" y="0"/>
+          <a:ext cx="0" cy="0"/>
+          <a:chOff x="0" y="0"/>
+          <a:chExt cx="0" cy="0"/>
+        </a:xfrm>
+      </p:grpSpPr>
+      <p:sp>
+        <p:nvSpPr>
+          <p:cNvPr id="2" name="Título 1">
+            <a:extLst>
+              <a:ext uri="{FF2B5EF4-FFF2-40B4-BE49-F238E27FC236}">
+                <a16:creationId xmlns:a16="http://schemas.microsoft.com/office/drawing/2014/main" id="{A67EBD12-787A-4961-9125-C51C366BBA0D}"/>
+              </a:ext>
+            </a:extLst>
+          </p:cNvPr>
+          <p:cNvSpPr>
+            <a:spLocks noGrp="1"/>
+          </p:cNvSpPr>
+          <p:nvPr>
+            <p:ph type="title"/>
+          </p:nvPr>
+        </p:nvSpPr>
+        <p:spPr/>
+        <p:txBody>
+          <a:bodyPr/>
+          <a:lstStyle/>
+          <a:p>
+            <a:r>
+              <a:rPr lang="pt-PT" dirty="0"/>
+              <a:t>Arquitetura de software</a:t>
+            </a:r>
+          </a:p>
+        </p:txBody>
+      </p:sp>
+      <p:sp>
+        <p:nvSpPr>
+          <p:cNvPr id="3" name="Marcador de Posição de Conteúdo 2">
+            <a:extLst>
+              <a:ext uri="{FF2B5EF4-FFF2-40B4-BE49-F238E27FC236}">
+                <a16:creationId xmlns:a16="http://schemas.microsoft.com/office/drawing/2014/main" id="{59B07DAF-02E9-4817-A666-FD57DD184F17}"/>
+              </a:ext>
+            </a:extLst>
+          </p:cNvPr>
+          <p:cNvSpPr>
+            <a:spLocks noGrp="1"/>
+          </p:cNvSpPr>
+          <p:nvPr>
+            <p:ph idx="1"/>
+          </p:nvPr>
+        </p:nvSpPr>
+        <p:spPr/>
+        <p:txBody>
+          <a:bodyPr/>
+          <a:lstStyle/>
+          <a:p>
+            <a:r>
+              <a:rPr lang="pt-PT" dirty="0"/>
+              <a:t>Alguma separação, em termos da arquitetura de software, da lógica da comunicação (e das </a:t>
+            </a:r>
+            <a:r>
+              <a:rPr lang="pt-PT" dirty="0" err="1"/>
+              <a:t>queries</a:t>
+            </a:r>
+            <a:r>
+              <a:rPr lang="pt-PT" dirty="0"/>
+              <a:t> à BD).</a:t>
+            </a:r>
+          </a:p>
+        </p:txBody>
+      </p:sp>
+      <p:pic>
+        <p:nvPicPr>
+          <p:cNvPr id="7" name="Imagem 6">
+            <a:extLst>
+              <a:ext uri="{FF2B5EF4-FFF2-40B4-BE49-F238E27FC236}">
+                <a16:creationId xmlns:a16="http://schemas.microsoft.com/office/drawing/2014/main" id="{48D8C976-64DC-4C4A-938C-EEB4E27C31AE}"/>
+              </a:ext>
+            </a:extLst>
+          </p:cNvPr>
+          <p:cNvPicPr>
+            <a:picLocks noChangeAspect="1"/>
+          </p:cNvPicPr>
+          <p:nvPr/>
+        </p:nvPicPr>
+        <p:blipFill>
+          <a:blip r:embed="rId2"/>
+          <a:stretch>
+            <a:fillRect/>
+          </a:stretch>
+        </p:blipFill>
+        <p:spPr>
+          <a:xfrm>
+            <a:off x="1534696" y="3438579"/>
+            <a:ext cx="2857899" cy="2581635"/>
+          </a:xfrm>
+          <a:prstGeom prst="rect">
+            <a:avLst/>
+          </a:prstGeom>
+        </p:spPr>
+      </p:pic>
+      <p:pic>
+        <p:nvPicPr>
+          <p:cNvPr id="9" name="Imagem 8">
+            <a:extLst>
+              <a:ext uri="{FF2B5EF4-FFF2-40B4-BE49-F238E27FC236}">
+                <a16:creationId xmlns:a16="http://schemas.microsoft.com/office/drawing/2014/main" id="{CD84CEC6-AE03-45C9-B8E5-197929CE1A3B}"/>
+              </a:ext>
+            </a:extLst>
+          </p:cNvPr>
+          <p:cNvPicPr>
+            <a:picLocks noChangeAspect="1"/>
+          </p:cNvPicPr>
+          <p:nvPr/>
+        </p:nvPicPr>
+        <p:blipFill>
+          <a:blip r:embed="rId3"/>
+          <a:stretch>
+            <a:fillRect/>
+          </a:stretch>
+        </p:blipFill>
+        <p:spPr>
+          <a:xfrm>
+            <a:off x="5058562" y="2821378"/>
+            <a:ext cx="2009872" cy="3816041"/>
+          </a:xfrm>
+          <a:prstGeom prst="rect">
+            <a:avLst/>
+          </a:prstGeom>
+        </p:spPr>
+      </p:pic>
+      <p:pic>
+        <p:nvPicPr>
+          <p:cNvPr id="11" name="Imagem 10">
+            <a:extLst>
+              <a:ext uri="{FF2B5EF4-FFF2-40B4-BE49-F238E27FC236}">
+                <a16:creationId xmlns:a16="http://schemas.microsoft.com/office/drawing/2014/main" id="{FF439A22-E4B5-40F4-85CB-BD8D7C6F6016}"/>
+              </a:ext>
+            </a:extLst>
+          </p:cNvPr>
+          <p:cNvPicPr>
+            <a:picLocks noChangeAspect="1"/>
+          </p:cNvPicPr>
+          <p:nvPr/>
+        </p:nvPicPr>
+        <p:blipFill>
+          <a:blip r:embed="rId4"/>
+          <a:stretch>
+            <a:fillRect/>
+          </a:stretch>
+        </p:blipFill>
+        <p:spPr>
+          <a:xfrm>
+            <a:off x="8496765" y="2856050"/>
+            <a:ext cx="2558089" cy="3746695"/>
+          </a:xfrm>
+          <a:prstGeom prst="rect">
+            <a:avLst/>
+          </a:prstGeom>
+        </p:spPr>
+      </p:pic>
+    </p:spTree>
+    <p:extLst>
+      <p:ext uri="{BB962C8B-B14F-4D97-AF65-F5344CB8AC3E}">
+        <p14:creationId xmlns:p14="http://schemas.microsoft.com/office/powerpoint/2010/main" val="1679601756"/>
+      </p:ext>
+    </p:extLst>
+  </p:cSld>
+  <p:clrMapOvr>
+    <a:masterClrMapping/>
+  </p:clrMapOvr>
+</p:sld>
+</file>
+
+<file path=ppt/slides/slide13.xml><?xml version="1.0" encoding="utf-8"?>
+<p:sld xmlns:a="http://schemas.openxmlformats.org/drawingml/2006/main" xmlns:r="http://schemas.openxmlformats.org/officeDocument/2006/relationships" xmlns:p="http://schemas.openxmlformats.org/presentationml/2006/main">
+  <p:cSld>
+    <p:spTree>
+      <p:nvGrpSpPr>
+        <p:cNvPr id="1" name=""/>
+        <p:cNvGrpSpPr/>
+        <p:nvPr/>
+      </p:nvGrpSpPr>
+      <p:grpSpPr>
+        <a:xfrm>
+          <a:off x="0" y="0"/>
+          <a:ext cx="0" cy="0"/>
+          <a:chOff x="0" y="0"/>
+          <a:chExt cx="0" cy="0"/>
+        </a:xfrm>
+      </p:grpSpPr>
+      <p:sp>
+        <p:nvSpPr>
+          <p:cNvPr id="2" name="Título 1">
+            <a:extLst>
+              <a:ext uri="{FF2B5EF4-FFF2-40B4-BE49-F238E27FC236}">
+                <a16:creationId xmlns:a16="http://schemas.microsoft.com/office/drawing/2014/main" id="{D4A82F22-739D-4280-9EC1-89AD24BA1778}"/>
+              </a:ext>
+            </a:extLst>
+          </p:cNvPr>
+          <p:cNvSpPr>
+            <a:spLocks noGrp="1"/>
+          </p:cNvSpPr>
+          <p:nvPr>
+            <p:ph type="title"/>
+          </p:nvPr>
+        </p:nvSpPr>
+        <p:spPr/>
+        <p:txBody>
+          <a:bodyPr/>
+          <a:lstStyle/>
+          <a:p>
+            <a:r>
+              <a:rPr lang="pt-PT" dirty="0"/>
+              <a:t>Redireccionamento de um cliente</a:t>
+            </a:r>
+          </a:p>
+        </p:txBody>
+      </p:sp>
+      <p:sp>
+        <p:nvSpPr>
+          <p:cNvPr id="3" name="Marcador de Posição de Conteúdo 2">
+            <a:extLst>
+              <a:ext uri="{FF2B5EF4-FFF2-40B4-BE49-F238E27FC236}">
+                <a16:creationId xmlns:a16="http://schemas.microsoft.com/office/drawing/2014/main" id="{D32FBA83-64FE-46FB-A865-3402892A648A}"/>
+              </a:ext>
+            </a:extLst>
+          </p:cNvPr>
+          <p:cNvSpPr>
+            <a:spLocks noGrp="1"/>
+          </p:cNvSpPr>
+          <p:nvPr>
+            <p:ph idx="1"/>
+          </p:nvPr>
+        </p:nvSpPr>
+        <p:spPr/>
+        <p:txBody>
+          <a:bodyPr/>
+          <a:lstStyle/>
+          <a:p>
+            <a:r>
+              <a:rPr lang="pt-PT" dirty="0"/>
+              <a:t>Redireccionamento de um cliente para um servidor com menos clientes ligados.</a:t>
+            </a:r>
+          </a:p>
+        </p:txBody>
+      </p:sp>
+      <p:pic>
+        <p:nvPicPr>
+          <p:cNvPr id="5" name="Imagem 4">
+            <a:extLst>
+              <a:ext uri="{FF2B5EF4-FFF2-40B4-BE49-F238E27FC236}">
+                <a16:creationId xmlns:a16="http://schemas.microsoft.com/office/drawing/2014/main" id="{6FC7E58C-6378-4003-B62C-750DE45A7902}"/>
+              </a:ext>
+            </a:extLst>
+          </p:cNvPr>
+          <p:cNvPicPr>
+            <a:picLocks noChangeAspect="1"/>
+          </p:cNvPicPr>
+          <p:nvPr/>
+        </p:nvPicPr>
+        <p:blipFill>
+          <a:blip r:embed="rId2"/>
+          <a:stretch>
+            <a:fillRect/>
+          </a:stretch>
+        </p:blipFill>
+        <p:spPr>
+          <a:xfrm>
+            <a:off x="1792005" y="2512135"/>
+            <a:ext cx="8607990" cy="4201610"/>
+          </a:xfrm>
+          <a:prstGeom prst="rect">
+            <a:avLst/>
+          </a:prstGeom>
+        </p:spPr>
+      </p:pic>
+    </p:spTree>
+    <p:extLst>
+      <p:ext uri="{BB962C8B-B14F-4D97-AF65-F5344CB8AC3E}">
+        <p14:creationId xmlns:p14="http://schemas.microsoft.com/office/powerpoint/2010/main" val="3328308525"/>
+      </p:ext>
+    </p:extLst>
+  </p:cSld>
+  <p:clrMapOvr>
+    <a:masterClrMapping/>
+  </p:clrMapOvr>
+</p:sld>
+</file>
+
+<file path=ppt/slides/slide14.xml><?xml version="1.0" encoding="utf-8"?>
+<p:sld xmlns:a="http://schemas.openxmlformats.org/drawingml/2006/main" xmlns:r="http://schemas.openxmlformats.org/officeDocument/2006/relationships" xmlns:p="http://schemas.openxmlformats.org/presentationml/2006/main">
+  <p:cSld>
+    <p:spTree>
+      <p:nvGrpSpPr>
+        <p:cNvPr id="1" name=""/>
+        <p:cNvGrpSpPr/>
+        <p:nvPr/>
+      </p:nvGrpSpPr>
+      <p:grpSpPr>
+        <a:xfrm>
+          <a:off x="0" y="0"/>
+          <a:ext cx="0" cy="0"/>
+          <a:chOff x="0" y="0"/>
+          <a:chExt cx="0" cy="0"/>
+        </a:xfrm>
+      </p:grpSpPr>
+      <p:sp>
+        <p:nvSpPr>
+          <p:cNvPr id="2" name="Título 1">
+            <a:extLst>
+              <a:ext uri="{FF2B5EF4-FFF2-40B4-BE49-F238E27FC236}">
+                <a16:creationId xmlns:a16="http://schemas.microsoft.com/office/drawing/2014/main" id="{AD74E1B9-E920-48C0-B17E-DB58ECF1F738}"/>
+              </a:ext>
+            </a:extLst>
+          </p:cNvPr>
+          <p:cNvSpPr>
+            <a:spLocks noGrp="1"/>
+          </p:cNvSpPr>
+          <p:nvPr>
+            <p:ph type="title"/>
+          </p:nvPr>
+        </p:nvSpPr>
+        <p:spPr/>
+        <p:txBody>
+          <a:bodyPr/>
+          <a:lstStyle/>
+          <a:p>
+            <a:r>
+              <a:rPr lang="pt-PT" dirty="0"/>
+              <a:t>Registo</a:t>
+            </a:r>
+          </a:p>
+        </p:txBody>
+      </p:sp>
+      <p:sp>
+        <p:nvSpPr>
+          <p:cNvPr id="7" name="Marcador de Posição de Conteúdo 6">
+            <a:extLst>
+              <a:ext uri="{FF2B5EF4-FFF2-40B4-BE49-F238E27FC236}">
+                <a16:creationId xmlns:a16="http://schemas.microsoft.com/office/drawing/2014/main" id="{1479180D-75B7-4B52-A694-967ACB835ACA}"/>
+              </a:ext>
+            </a:extLst>
+          </p:cNvPr>
+          <p:cNvSpPr>
+            <a:spLocks noGrp="1"/>
+          </p:cNvSpPr>
+          <p:nvPr>
+            <p:ph idx="1"/>
+          </p:nvPr>
+        </p:nvSpPr>
+        <p:spPr>
+          <a:xfrm>
+            <a:off x="6434356" y="2015732"/>
+            <a:ext cx="4620498" cy="3913464"/>
+          </a:xfrm>
+        </p:spPr>
+        <p:txBody>
+          <a:bodyPr/>
+          <a:lstStyle/>
+          <a:p>
+            <a:r>
+              <a:rPr lang="pt-PT" dirty="0"/>
+              <a:t>Primeiro verifica se o utilizador já existe, de seguida caso este não exista, cria o utilizador tal como demonstrado na figura abaixo. </a:t>
+            </a:r>
+          </a:p>
+        </p:txBody>
+      </p:sp>
+      <p:pic>
+        <p:nvPicPr>
+          <p:cNvPr id="9" name="Imagem 8">
+            <a:extLst>
+              <a:ext uri="{FF2B5EF4-FFF2-40B4-BE49-F238E27FC236}">
+                <a16:creationId xmlns:a16="http://schemas.microsoft.com/office/drawing/2014/main" id="{51FD64D8-57E7-491B-A757-10366BB8A307}"/>
+              </a:ext>
+            </a:extLst>
+          </p:cNvPr>
+          <p:cNvPicPr>
+            <a:picLocks noChangeAspect="1"/>
+          </p:cNvPicPr>
+          <p:nvPr/>
+        </p:nvPicPr>
+        <p:blipFill>
+          <a:blip r:embed="rId2"/>
+          <a:stretch>
+            <a:fillRect/>
+          </a:stretch>
+        </p:blipFill>
+        <p:spPr>
+          <a:xfrm>
+            <a:off x="1534696" y="2015732"/>
+            <a:ext cx="4726217" cy="3913464"/>
+          </a:xfrm>
+          <a:prstGeom prst="rect">
+            <a:avLst/>
+          </a:prstGeom>
+        </p:spPr>
+      </p:pic>
+    </p:spTree>
+    <p:extLst>
+      <p:ext uri="{BB962C8B-B14F-4D97-AF65-F5344CB8AC3E}">
+        <p14:creationId xmlns:p14="http://schemas.microsoft.com/office/powerpoint/2010/main" val="2694048291"/>
+      </p:ext>
+    </p:extLst>
+  </p:cSld>
+  <p:clrMapOvr>
+    <a:masterClrMapping/>
+  </p:clrMapOvr>
+</p:sld>
+</file>
+
+<file path=ppt/slides/slide15.xml><?xml version="1.0" encoding="utf-8"?>
+<p:sld xmlns:a="http://schemas.openxmlformats.org/drawingml/2006/main" xmlns:r="http://schemas.openxmlformats.org/officeDocument/2006/relationships" xmlns:p="http://schemas.openxmlformats.org/presentationml/2006/main">
+  <p:cSld>
+    <p:spTree>
+      <p:nvGrpSpPr>
+        <p:cNvPr id="1" name=""/>
+        <p:cNvGrpSpPr/>
+        <p:nvPr/>
+      </p:nvGrpSpPr>
+      <p:grpSpPr>
+        <a:xfrm>
+          <a:off x="0" y="0"/>
+          <a:ext cx="0" cy="0"/>
+          <a:chOff x="0" y="0"/>
+          <a:chExt cx="0" cy="0"/>
+        </a:xfrm>
+      </p:grpSpPr>
+      <p:sp>
+        <p:nvSpPr>
+          <p:cNvPr id="2" name="Título 1">
+            <a:extLst>
+              <a:ext uri="{FF2B5EF4-FFF2-40B4-BE49-F238E27FC236}">
+                <a16:creationId xmlns:a16="http://schemas.microsoft.com/office/drawing/2014/main" id="{9F905E8A-AD7F-4283-9313-49DA89930F5D}"/>
+              </a:ext>
+            </a:extLst>
+          </p:cNvPr>
+          <p:cNvSpPr>
+            <a:spLocks noGrp="1"/>
+          </p:cNvSpPr>
+          <p:nvPr>
+            <p:ph type="title"/>
+          </p:nvPr>
+        </p:nvSpPr>
+        <p:spPr/>
+        <p:txBody>
+          <a:bodyPr/>
+          <a:lstStyle/>
+          <a:p>
+            <a:r>
+              <a:rPr lang="pt-PT" dirty="0"/>
+              <a:t>Autenticação</a:t>
+            </a:r>
+          </a:p>
+        </p:txBody>
+      </p:sp>
+      <p:sp>
+        <p:nvSpPr>
+          <p:cNvPr id="3" name="Marcador de Posição de Conteúdo 2">
+            <a:extLst>
+              <a:ext uri="{FF2B5EF4-FFF2-40B4-BE49-F238E27FC236}">
+                <a16:creationId xmlns:a16="http://schemas.microsoft.com/office/drawing/2014/main" id="{34017467-9D03-41E8-8FF1-BFAEBB29D6BA}"/>
+              </a:ext>
+            </a:extLst>
+          </p:cNvPr>
+          <p:cNvSpPr>
+            <a:spLocks noGrp="1"/>
+          </p:cNvSpPr>
+          <p:nvPr>
+            <p:ph idx="1"/>
+          </p:nvPr>
+        </p:nvSpPr>
+        <p:spPr>
+          <a:xfrm>
+            <a:off x="5745969" y="1853754"/>
+            <a:ext cx="4530545" cy="3450613"/>
+          </a:xfrm>
+        </p:spPr>
+        <p:txBody>
+          <a:bodyPr/>
+          <a:lstStyle/>
+          <a:p>
+            <a:r>
+              <a:rPr lang="pt-PT" dirty="0"/>
+              <a:t>Primeiro verifica se o utilizador já existe, de seguida verifica se a password está correta, finalmente verifica se o utilizador já fez login.</a:t>
+            </a:r>
+          </a:p>
+        </p:txBody>
+      </p:sp>
+      <p:pic>
+        <p:nvPicPr>
+          <p:cNvPr id="7" name="Imagem 6">
+            <a:extLst>
+              <a:ext uri="{FF2B5EF4-FFF2-40B4-BE49-F238E27FC236}">
+                <a16:creationId xmlns:a16="http://schemas.microsoft.com/office/drawing/2014/main" id="{8B919B9D-A3C1-45D5-89C9-A295D4CEE25F}"/>
+              </a:ext>
+            </a:extLst>
+          </p:cNvPr>
+          <p:cNvPicPr>
+            <a:picLocks noChangeAspect="1"/>
+          </p:cNvPicPr>
+          <p:nvPr/>
+        </p:nvPicPr>
+        <p:blipFill>
+          <a:blip r:embed="rId2"/>
+          <a:stretch>
+            <a:fillRect/>
+          </a:stretch>
+        </p:blipFill>
+        <p:spPr>
+          <a:xfrm>
+            <a:off x="1534696" y="1853754"/>
+            <a:ext cx="4127873" cy="4281135"/>
+          </a:xfrm>
+          <a:prstGeom prst="rect">
+            <a:avLst/>
+          </a:prstGeom>
+        </p:spPr>
+      </p:pic>
+    </p:spTree>
+    <p:extLst>
+      <p:ext uri="{BB962C8B-B14F-4D97-AF65-F5344CB8AC3E}">
+        <p14:creationId xmlns:p14="http://schemas.microsoft.com/office/powerpoint/2010/main" val="1946158133"/>
+      </p:ext>
+    </p:extLst>
+  </p:cSld>
+  <p:clrMapOvr>
+    <a:masterClrMapping/>
+  </p:clrMapOvr>
+</p:sld>
+</file>
+
+<file path=ppt/slides/slide16.xml><?xml version="1.0" encoding="utf-8"?>
+<p:sld xmlns:a="http://schemas.openxmlformats.org/drawingml/2006/main" xmlns:r="http://schemas.openxmlformats.org/officeDocument/2006/relationships" xmlns:p="http://schemas.openxmlformats.org/presentationml/2006/main">
+  <p:cSld>
+    <p:spTree>
+      <p:nvGrpSpPr>
+        <p:cNvPr id="1" name=""/>
+        <p:cNvGrpSpPr/>
+        <p:nvPr/>
+      </p:nvGrpSpPr>
+      <p:grpSpPr>
+        <a:xfrm>
+          <a:off x="0" y="0"/>
+          <a:ext cx="0" cy="0"/>
+          <a:chOff x="0" y="0"/>
+          <a:chExt cx="0" cy="0"/>
+        </a:xfrm>
+      </p:grpSpPr>
+      <p:sp>
+        <p:nvSpPr>
+          <p:cNvPr id="2" name="Título 1">
+            <a:extLst>
+              <a:ext uri="{FF2B5EF4-FFF2-40B4-BE49-F238E27FC236}">
+                <a16:creationId xmlns:a16="http://schemas.microsoft.com/office/drawing/2014/main" id="{DFC68434-BB15-4902-8238-65AB7B7DF557}"/>
+              </a:ext>
+            </a:extLst>
+          </p:cNvPr>
+          <p:cNvSpPr>
+            <a:spLocks noGrp="1"/>
+          </p:cNvSpPr>
+          <p:nvPr>
+            <p:ph type="title"/>
+          </p:nvPr>
+        </p:nvSpPr>
+        <p:spPr/>
+        <p:txBody>
+          <a:bodyPr/>
+          <a:lstStyle/>
+          <a:p>
+            <a:r>
+              <a:rPr lang="pt-PT" dirty="0"/>
+              <a:t>Canais</a:t>
+            </a:r>
+          </a:p>
+        </p:txBody>
+      </p:sp>
+      <p:sp>
+        <p:nvSpPr>
+          <p:cNvPr id="3" name="Marcador de Posição de Conteúdo 2">
+            <a:extLst>
+              <a:ext uri="{FF2B5EF4-FFF2-40B4-BE49-F238E27FC236}">
+                <a16:creationId xmlns:a16="http://schemas.microsoft.com/office/drawing/2014/main" id="{E92F7A9C-1324-4FAE-98E8-B98BC7318681}"/>
+              </a:ext>
+            </a:extLst>
+          </p:cNvPr>
+          <p:cNvSpPr>
+            <a:spLocks noGrp="1"/>
+          </p:cNvSpPr>
+          <p:nvPr>
+            <p:ph idx="1"/>
+          </p:nvPr>
+        </p:nvSpPr>
+        <p:spPr/>
+        <p:txBody>
+          <a:bodyPr/>
+          <a:lstStyle/>
+          <a:p>
+            <a:r>
+              <a:rPr lang="pt-PT" dirty="0"/>
+              <a:t>Criação, edição e eliminação de canais, apenas pelos respetivos criadores. Abaixo segue o exemplo da criação de um canal.</a:t>
+            </a:r>
+          </a:p>
+        </p:txBody>
+      </p:sp>
+      <p:pic>
+        <p:nvPicPr>
+          <p:cNvPr id="5" name="Imagem 4">
+            <a:extLst>
+              <a:ext uri="{FF2B5EF4-FFF2-40B4-BE49-F238E27FC236}">
+                <a16:creationId xmlns:a16="http://schemas.microsoft.com/office/drawing/2014/main" id="{8F107879-3804-434B-8406-98780F1B7A52}"/>
+              </a:ext>
+            </a:extLst>
+          </p:cNvPr>
+          <p:cNvPicPr>
+            <a:picLocks noChangeAspect="1"/>
+          </p:cNvPicPr>
+          <p:nvPr/>
+        </p:nvPicPr>
+        <p:blipFill>
+          <a:blip r:embed="rId2"/>
+          <a:stretch>
+            <a:fillRect/>
+          </a:stretch>
+        </p:blipFill>
+        <p:spPr>
+          <a:xfrm>
+            <a:off x="2882172" y="2812871"/>
+            <a:ext cx="6427656" cy="3240610"/>
+          </a:xfrm>
+          <a:prstGeom prst="rect">
+            <a:avLst/>
+          </a:prstGeom>
+        </p:spPr>
+      </p:pic>
+    </p:spTree>
+    <p:extLst>
+      <p:ext uri="{BB962C8B-B14F-4D97-AF65-F5344CB8AC3E}">
+        <p14:creationId xmlns:p14="http://schemas.microsoft.com/office/powerpoint/2010/main" val="2144548291"/>
+      </p:ext>
+    </p:extLst>
+  </p:cSld>
+  <p:clrMapOvr>
+    <a:masterClrMapping/>
+  </p:clrMapOvr>
+</p:sld>
+</file>
+
+<file path=ppt/slides/slide17.xml><?xml version="1.0" encoding="utf-8"?>
+<p:sld xmlns:a="http://schemas.openxmlformats.org/drawingml/2006/main" xmlns:r="http://schemas.openxmlformats.org/officeDocument/2006/relationships" xmlns:p="http://schemas.openxmlformats.org/presentationml/2006/main">
+  <p:cSld>
+    <p:spTree>
+      <p:nvGrpSpPr>
+        <p:cNvPr id="1" name=""/>
+        <p:cNvGrpSpPr/>
+        <p:nvPr/>
+      </p:nvGrpSpPr>
+      <p:grpSpPr>
+        <a:xfrm>
+          <a:off x="0" y="0"/>
+          <a:ext cx="0" cy="0"/>
+          <a:chOff x="0" y="0"/>
+          <a:chExt cx="0" cy="0"/>
+        </a:xfrm>
+      </p:grpSpPr>
+      <p:sp>
+        <p:nvSpPr>
+          <p:cNvPr id="2" name="Título 1">
+            <a:extLst>
+              <a:ext uri="{FF2B5EF4-FFF2-40B4-BE49-F238E27FC236}">
+                <a16:creationId xmlns:a16="http://schemas.microsoft.com/office/drawing/2014/main" id="{411316F3-8023-4A0C-9990-465B70E0EFEA}"/>
+              </a:ext>
+            </a:extLst>
+          </p:cNvPr>
+          <p:cNvSpPr>
+            <a:spLocks noGrp="1"/>
+          </p:cNvSpPr>
+          <p:nvPr>
+            <p:ph type="title"/>
+          </p:nvPr>
+        </p:nvSpPr>
+        <p:spPr/>
+        <p:txBody>
+          <a:bodyPr/>
+          <a:lstStyle/>
+          <a:p>
+            <a:r>
+              <a:rPr lang="pt-PT" dirty="0"/>
+              <a:t>Aderir a um canal </a:t>
+            </a:r>
+          </a:p>
+        </p:txBody>
+      </p:sp>
+      <p:sp>
+        <p:nvSpPr>
+          <p:cNvPr id="3" name="Marcador de Posição de Conteúdo 2">
+            <a:extLst>
+              <a:ext uri="{FF2B5EF4-FFF2-40B4-BE49-F238E27FC236}">
+                <a16:creationId xmlns:a16="http://schemas.microsoft.com/office/drawing/2014/main" id="{F6E7A603-3564-4E7F-9372-4723C325DA67}"/>
+              </a:ext>
+            </a:extLst>
+          </p:cNvPr>
+          <p:cNvSpPr>
+            <a:spLocks noGrp="1"/>
+          </p:cNvSpPr>
+          <p:nvPr>
+            <p:ph idx="1"/>
+          </p:nvPr>
+        </p:nvSpPr>
+        <p:spPr/>
+        <p:txBody>
+          <a:bodyPr/>
+          <a:lstStyle/>
+          <a:p>
+            <a:r>
+              <a:rPr lang="pt-PT" dirty="0"/>
+              <a:t>Primeiro verifica se o utilizador é o criador do canal ou se não existe password ou se já se encontra neste canal, senão verifica se a password introduzida está correta. </a:t>
+            </a:r>
+          </a:p>
+        </p:txBody>
+      </p:sp>
+      <p:pic>
+        <p:nvPicPr>
+          <p:cNvPr id="5" name="Imagem 4">
+            <a:extLst>
+              <a:ext uri="{FF2B5EF4-FFF2-40B4-BE49-F238E27FC236}">
+                <a16:creationId xmlns:a16="http://schemas.microsoft.com/office/drawing/2014/main" id="{FFAD72B5-8366-4B24-BA94-3FD26881A100}"/>
+              </a:ext>
+            </a:extLst>
+          </p:cNvPr>
+          <p:cNvPicPr>
+            <a:picLocks noChangeAspect="1"/>
+          </p:cNvPicPr>
+          <p:nvPr/>
+        </p:nvPicPr>
+        <p:blipFill>
+          <a:blip r:embed="rId2"/>
+          <a:stretch>
+            <a:fillRect/>
+          </a:stretch>
+        </p:blipFill>
+        <p:spPr>
+          <a:xfrm>
+            <a:off x="5248961" y="2939620"/>
+            <a:ext cx="5805893" cy="3113861"/>
+          </a:xfrm>
+          <a:prstGeom prst="rect">
+            <a:avLst/>
+          </a:prstGeom>
+        </p:spPr>
+      </p:pic>
+    </p:spTree>
+    <p:extLst>
+      <p:ext uri="{BB962C8B-B14F-4D97-AF65-F5344CB8AC3E}">
+        <p14:creationId xmlns:p14="http://schemas.microsoft.com/office/powerpoint/2010/main" val="2175733730"/>
+      </p:ext>
+    </p:extLst>
+  </p:cSld>
+  <p:clrMapOvr>
+    <a:masterClrMapping/>
+  </p:clrMapOvr>
+</p:sld>
+</file>
+
+<file path=ppt/slides/slide18.xml><?xml version="1.0" encoding="utf-8"?>
+<p:sld xmlns:a="http://schemas.openxmlformats.org/drawingml/2006/main" xmlns:r="http://schemas.openxmlformats.org/officeDocument/2006/relationships" xmlns:p="http://schemas.openxmlformats.org/presentationml/2006/main">
+  <p:cSld>
+    <p:spTree>
+      <p:nvGrpSpPr>
+        <p:cNvPr id="1" name=""/>
+        <p:cNvGrpSpPr/>
+        <p:nvPr/>
+      </p:nvGrpSpPr>
+      <p:grpSpPr>
+        <a:xfrm>
+          <a:off x="0" y="0"/>
+          <a:ext cx="0" cy="0"/>
+          <a:chOff x="0" y="0"/>
+          <a:chExt cx="0" cy="0"/>
+        </a:xfrm>
+      </p:grpSpPr>
+      <p:sp>
+        <p:nvSpPr>
+          <p:cNvPr id="2" name="Título 1">
+            <a:extLst>
+              <a:ext uri="{FF2B5EF4-FFF2-40B4-BE49-F238E27FC236}">
+                <a16:creationId xmlns:a16="http://schemas.microsoft.com/office/drawing/2014/main" id="{3BFFF0D8-D903-4CAF-832C-A86206258301}"/>
+              </a:ext>
+            </a:extLst>
+          </p:cNvPr>
+          <p:cNvSpPr>
+            <a:spLocks noGrp="1"/>
+          </p:cNvSpPr>
+          <p:nvPr>
+            <p:ph type="title"/>
+          </p:nvPr>
+        </p:nvSpPr>
+        <p:spPr/>
+        <p:txBody>
+          <a:bodyPr/>
+          <a:lstStyle/>
+          <a:p>
+            <a:r>
+              <a:rPr lang="pt-PT" dirty="0"/>
+              <a:t>Envio e receção de mensagens</a:t>
+            </a:r>
+          </a:p>
+        </p:txBody>
+      </p:sp>
+      <p:sp>
+        <p:nvSpPr>
+          <p:cNvPr id="3" name="Marcador de Posição de Conteúdo 2">
+            <a:extLst>
+              <a:ext uri="{FF2B5EF4-FFF2-40B4-BE49-F238E27FC236}">
+                <a16:creationId xmlns:a16="http://schemas.microsoft.com/office/drawing/2014/main" id="{44B6DE7C-1358-4F3F-95F3-0C9A872B5CDC}"/>
+              </a:ext>
+            </a:extLst>
+          </p:cNvPr>
+          <p:cNvSpPr>
+            <a:spLocks noGrp="1"/>
+          </p:cNvSpPr>
+          <p:nvPr>
+            <p:ph idx="1"/>
+          </p:nvPr>
+        </p:nvSpPr>
+        <p:spPr/>
+        <p:txBody>
+          <a:bodyPr/>
+          <a:lstStyle/>
+          <a:p>
+            <a:r>
+              <a:rPr lang="pt-PT" dirty="0"/>
+              <a:t>Envio e receção de mensagens (individual e canal).</a:t>
+            </a:r>
+          </a:p>
+        </p:txBody>
+      </p:sp>
+      <p:pic>
+        <p:nvPicPr>
+          <p:cNvPr id="5" name="Imagem 4">
+            <a:extLst>
+              <a:ext uri="{FF2B5EF4-FFF2-40B4-BE49-F238E27FC236}">
+                <a16:creationId xmlns:a16="http://schemas.microsoft.com/office/drawing/2014/main" id="{5BF8F286-C382-413B-8F79-3B88265A294B}"/>
+              </a:ext>
+            </a:extLst>
+          </p:cNvPr>
+          <p:cNvPicPr>
+            <a:picLocks noChangeAspect="1"/>
+          </p:cNvPicPr>
+          <p:nvPr/>
+        </p:nvPicPr>
+        <p:blipFill>
+          <a:blip r:embed="rId2"/>
+          <a:stretch>
+            <a:fillRect/>
+          </a:stretch>
+        </p:blipFill>
+        <p:spPr>
+          <a:xfrm>
+            <a:off x="1534697" y="2604277"/>
+            <a:ext cx="5078044" cy="3701273"/>
+          </a:xfrm>
+          <a:prstGeom prst="rect">
+            <a:avLst/>
+          </a:prstGeom>
+        </p:spPr>
+      </p:pic>
+      <p:pic>
+        <p:nvPicPr>
+          <p:cNvPr id="7" name="Imagem 6">
+            <a:extLst>
+              <a:ext uri="{FF2B5EF4-FFF2-40B4-BE49-F238E27FC236}">
+                <a16:creationId xmlns:a16="http://schemas.microsoft.com/office/drawing/2014/main" id="{2DFCAA79-0BDF-4C5D-B654-A36C5B445D35}"/>
+              </a:ext>
+            </a:extLst>
+          </p:cNvPr>
+          <p:cNvPicPr>
+            <a:picLocks noChangeAspect="1"/>
+          </p:cNvPicPr>
+          <p:nvPr/>
+        </p:nvPicPr>
+        <p:blipFill>
+          <a:blip r:embed="rId3"/>
+          <a:stretch>
+            <a:fillRect/>
+          </a:stretch>
+        </p:blipFill>
+        <p:spPr>
+          <a:xfrm>
+            <a:off x="6626335" y="2390775"/>
+            <a:ext cx="4473457" cy="4381500"/>
+          </a:xfrm>
+          <a:prstGeom prst="rect">
+            <a:avLst/>
+          </a:prstGeom>
+        </p:spPr>
+      </p:pic>
+    </p:spTree>
+    <p:extLst>
+      <p:ext uri="{BB962C8B-B14F-4D97-AF65-F5344CB8AC3E}">
+        <p14:creationId xmlns:p14="http://schemas.microsoft.com/office/powerpoint/2010/main" val="3864939940"/>
+      </p:ext>
+    </p:extLst>
+  </p:cSld>
+  <p:clrMapOvr>
+    <a:masterClrMapping/>
+  </p:clrMapOvr>
+</p:sld>
+</file>
+
+<file path=ppt/slides/slide19.xml><?xml version="1.0" encoding="utf-8"?>
+<p:sld xmlns:a="http://schemas.openxmlformats.org/drawingml/2006/main" xmlns:r="http://schemas.openxmlformats.org/officeDocument/2006/relationships" xmlns:p="http://schemas.openxmlformats.org/presentationml/2006/main">
+  <p:cSld>
+    <p:spTree>
+      <p:nvGrpSpPr>
+        <p:cNvPr id="1" name=""/>
+        <p:cNvGrpSpPr/>
+        <p:nvPr/>
+      </p:nvGrpSpPr>
+      <p:grpSpPr>
+        <a:xfrm>
+          <a:off x="0" y="0"/>
+          <a:ext cx="0" cy="0"/>
+          <a:chOff x="0" y="0"/>
+          <a:chExt cx="0" cy="0"/>
+        </a:xfrm>
+      </p:grpSpPr>
+      <p:sp>
+        <p:nvSpPr>
+          <p:cNvPr id="2" name="Título 1">
+            <a:extLst>
+              <a:ext uri="{FF2B5EF4-FFF2-40B4-BE49-F238E27FC236}">
+                <a16:creationId xmlns:a16="http://schemas.microsoft.com/office/drawing/2014/main" id="{FB7261E8-C323-41CC-81B5-52DBD8E64959}"/>
+              </a:ext>
+            </a:extLst>
+          </p:cNvPr>
+          <p:cNvSpPr>
+            <a:spLocks noGrp="1"/>
+          </p:cNvSpPr>
+          <p:nvPr>
+            <p:ph type="title"/>
+          </p:nvPr>
+        </p:nvSpPr>
+        <p:spPr/>
+        <p:txBody>
+          <a:bodyPr/>
+          <a:lstStyle/>
+          <a:p>
+            <a:r>
+              <a:rPr lang="pt-PT" dirty="0"/>
+              <a:t>Consultar mensagens</a:t>
+            </a:r>
+          </a:p>
+        </p:txBody>
+      </p:sp>
+      <p:sp>
+        <p:nvSpPr>
+          <p:cNvPr id="3" name="Marcador de Posição de Conteúdo 2">
+            <a:extLst>
+              <a:ext uri="{FF2B5EF4-FFF2-40B4-BE49-F238E27FC236}">
+                <a16:creationId xmlns:a16="http://schemas.microsoft.com/office/drawing/2014/main" id="{4F60F288-4356-4DD9-A6F7-247125C07BA9}"/>
+              </a:ext>
+            </a:extLst>
+          </p:cNvPr>
+          <p:cNvSpPr>
+            <a:spLocks noGrp="1"/>
+          </p:cNvSpPr>
+          <p:nvPr>
+            <p:ph idx="1"/>
+          </p:nvPr>
+        </p:nvSpPr>
+        <p:spPr/>
+        <p:txBody>
+          <a:bodyPr/>
+          <a:lstStyle/>
+          <a:p>
+            <a:r>
+              <a:rPr lang="pt-PT" dirty="0"/>
+              <a:t>Consultar todas as mensagens incluindo os ficheiros (canal ou individual).</a:t>
+            </a:r>
+          </a:p>
+        </p:txBody>
+      </p:sp>
+      <p:pic>
+        <p:nvPicPr>
+          <p:cNvPr id="5" name="Imagem 4">
+            <a:extLst>
+              <a:ext uri="{FF2B5EF4-FFF2-40B4-BE49-F238E27FC236}">
+                <a16:creationId xmlns:a16="http://schemas.microsoft.com/office/drawing/2014/main" id="{0AEC7422-3A0D-45C3-8F02-2A4F28B79518}"/>
+              </a:ext>
+            </a:extLst>
+          </p:cNvPr>
+          <p:cNvPicPr>
+            <a:picLocks noChangeAspect="1"/>
+          </p:cNvPicPr>
+          <p:nvPr/>
+        </p:nvPicPr>
+        <p:blipFill>
+          <a:blip r:embed="rId2"/>
+          <a:stretch>
+            <a:fillRect/>
+          </a:stretch>
+        </p:blipFill>
+        <p:spPr>
+          <a:xfrm>
+            <a:off x="1130021" y="2619375"/>
+            <a:ext cx="5164754" cy="3234081"/>
+          </a:xfrm>
+          <a:prstGeom prst="rect">
+            <a:avLst/>
+          </a:prstGeom>
+        </p:spPr>
+      </p:pic>
+      <p:pic>
+        <p:nvPicPr>
+          <p:cNvPr id="9" name="Imagem 8">
+            <a:extLst>
+              <a:ext uri="{FF2B5EF4-FFF2-40B4-BE49-F238E27FC236}">
+                <a16:creationId xmlns:a16="http://schemas.microsoft.com/office/drawing/2014/main" id="{95D3A8E3-6BE2-43B6-9B2C-AF674547EEA4}"/>
+              </a:ext>
+            </a:extLst>
+          </p:cNvPr>
+          <p:cNvPicPr>
+            <a:picLocks noChangeAspect="1"/>
+          </p:cNvPicPr>
+          <p:nvPr/>
+        </p:nvPicPr>
+        <p:blipFill>
+          <a:blip r:embed="rId3"/>
+          <a:stretch>
+            <a:fillRect/>
+          </a:stretch>
+        </p:blipFill>
+        <p:spPr>
+          <a:xfrm>
+            <a:off x="6315075" y="3079292"/>
+            <a:ext cx="4844554" cy="1626144"/>
+          </a:xfrm>
+          <a:prstGeom prst="rect">
+            <a:avLst/>
+          </a:prstGeom>
+        </p:spPr>
+      </p:pic>
+    </p:spTree>
+    <p:extLst>
+      <p:ext uri="{BB962C8B-B14F-4D97-AF65-F5344CB8AC3E}">
+        <p14:creationId xmlns:p14="http://schemas.microsoft.com/office/powerpoint/2010/main" val="3049052788"/>
       </p:ext>
     </p:extLst>
   </p:cSld>
@@ -3413,7 +5187,7 @@
           <p:cNvPr id="2" name="Título 1">
             <a:extLst>
               <a:ext uri="{FF2B5EF4-FFF2-40B4-BE49-F238E27FC236}">
-                <a16:creationId xmlns:a16="http://schemas.microsoft.com/office/drawing/2014/main" id="{29388662-36CC-4392-A956-32E8D4D369B3}"/>
+                <a16:creationId xmlns:a16="http://schemas.microsoft.com/office/drawing/2014/main" id="{C2AF3021-35D0-4DA5-951F-007FEDA42EF3}"/>
               </a:ext>
             </a:extLst>
           </p:cNvPr>
@@ -3431,7 +5205,7 @@
           <a:p>
             <a:r>
               <a:rPr lang="pt-PT" dirty="0"/>
-              <a:t>aspetos não especificados no enunciado</a:t>
+              <a:t>Índice</a:t>
             </a:r>
           </a:p>
         </p:txBody>
@@ -3441,7 +5215,7 @@
           <p:cNvPr id="3" name="Marcador de Posição de Conteúdo 2">
             <a:extLst>
               <a:ext uri="{FF2B5EF4-FFF2-40B4-BE49-F238E27FC236}">
-                <a16:creationId xmlns:a16="http://schemas.microsoft.com/office/drawing/2014/main" id="{43BC0A49-397A-4478-B8F4-26B045E49A6A}"/>
+                <a16:creationId xmlns:a16="http://schemas.microsoft.com/office/drawing/2014/main" id="{8B1FDAE1-9A7B-4D12-BD52-F89F896E46A9}"/>
               </a:ext>
             </a:extLst>
           </p:cNvPr>
@@ -3454,17 +5228,749 @@
         </p:nvSpPr>
         <p:spPr/>
         <p:txBody>
-          <a:bodyPr/>
-          <a:lstStyle/>
-          <a:p>
-            <a:endParaRPr lang="pt-PT"/>
+          <a:bodyPr>
+            <a:normAutofit/>
+          </a:bodyPr>
+          <a:lstStyle/>
+          <a:p>
+            <a:pPr>
+              <a:lnSpc>
+                <a:spcPct val="100000"/>
+              </a:lnSpc>
+              <a:spcBef>
+                <a:spcPts val="600"/>
+              </a:spcBef>
+            </a:pPr>
+            <a:r>
+              <a:rPr lang="pt-PT" sz="1700" dirty="0"/>
+              <a:t>Aspetos não especificados no enunciado;</a:t>
+            </a:r>
+          </a:p>
+          <a:p>
+            <a:pPr>
+              <a:lnSpc>
+                <a:spcPct val="100000"/>
+              </a:lnSpc>
+              <a:spcBef>
+                <a:spcPts val="600"/>
+              </a:spcBef>
+            </a:pPr>
+            <a:r>
+              <a:rPr lang="pt-PT" sz="1700" dirty="0"/>
+              <a:t>Tratamento de erros;</a:t>
+            </a:r>
+          </a:p>
+          <a:p>
+            <a:pPr>
+              <a:lnSpc>
+                <a:spcPct val="100000"/>
+              </a:lnSpc>
+              <a:spcBef>
+                <a:spcPts val="600"/>
+              </a:spcBef>
+            </a:pPr>
+            <a:r>
+              <a:rPr lang="pt-PT" sz="1700" dirty="0"/>
+              <a:t>Consistência entre servidores;</a:t>
+            </a:r>
+          </a:p>
+          <a:p>
+            <a:pPr>
+              <a:lnSpc>
+                <a:spcPct val="100000"/>
+              </a:lnSpc>
+              <a:spcBef>
+                <a:spcPts val="600"/>
+              </a:spcBef>
+            </a:pPr>
+            <a:r>
+              <a:rPr lang="pt-PT" sz="1700" dirty="0"/>
+              <a:t>Sincronização de BD e ficheiros;</a:t>
+            </a:r>
+          </a:p>
+          <a:p>
+            <a:pPr>
+              <a:lnSpc>
+                <a:spcPct val="100000"/>
+              </a:lnSpc>
+              <a:spcBef>
+                <a:spcPts val="600"/>
+              </a:spcBef>
+            </a:pPr>
+            <a:r>
+              <a:rPr lang="pt-PT" sz="1700" dirty="0"/>
+              <a:t>Receção de vários ficheiros disseminados;</a:t>
+            </a:r>
+          </a:p>
+          <a:p>
+            <a:pPr>
+              <a:lnSpc>
+                <a:spcPct val="100000"/>
+              </a:lnSpc>
+              <a:spcBef>
+                <a:spcPts val="600"/>
+              </a:spcBef>
+            </a:pPr>
+            <a:r>
+              <a:rPr lang="pt-PT" sz="1700" dirty="0"/>
+              <a:t>Estrutura das mensagens trocadas;</a:t>
+            </a:r>
+          </a:p>
+          <a:p>
+            <a:pPr>
+              <a:lnSpc>
+                <a:spcPct val="100000"/>
+              </a:lnSpc>
+              <a:spcBef>
+                <a:spcPts val="600"/>
+              </a:spcBef>
+            </a:pPr>
+            <a:r>
+              <a:rPr lang="pt-PT" sz="1700" dirty="0" err="1"/>
+              <a:t>Threads</a:t>
+            </a:r>
+            <a:r>
+              <a:rPr lang="pt-PT" sz="1700" dirty="0"/>
+              <a:t>;</a:t>
+            </a:r>
+          </a:p>
+          <a:p>
+            <a:pPr>
+              <a:lnSpc>
+                <a:spcPct val="100000"/>
+              </a:lnSpc>
+              <a:spcBef>
+                <a:spcPts val="600"/>
+              </a:spcBef>
+            </a:pPr>
+            <a:r>
+              <a:rPr lang="pt-PT" sz="1700" dirty="0"/>
+              <a:t>Arquitetura de software;</a:t>
+            </a:r>
+          </a:p>
+          <a:p>
+            <a:pPr>
+              <a:lnSpc>
+                <a:spcPct val="100000"/>
+              </a:lnSpc>
+              <a:spcBef>
+                <a:spcPts val="600"/>
+              </a:spcBef>
+            </a:pPr>
+            <a:r>
+              <a:rPr lang="pt-PT" sz="1700" dirty="0"/>
+              <a:t>Redireccionamento de um cliente;</a:t>
+            </a:r>
+          </a:p>
+          <a:p>
+            <a:pPr>
+              <a:lnSpc>
+                <a:spcPct val="100000"/>
+              </a:lnSpc>
+              <a:spcBef>
+                <a:spcPts val="600"/>
+              </a:spcBef>
+            </a:pPr>
+            <a:r>
+              <a:rPr lang="pt-PT" sz="1700" dirty="0"/>
+              <a:t>Registo;</a:t>
+            </a:r>
+          </a:p>
+          <a:p>
+            <a:endParaRPr lang="pt-PT" dirty="0"/>
           </a:p>
         </p:txBody>
       </p:sp>
     </p:spTree>
     <p:extLst>
       <p:ext uri="{BB962C8B-B14F-4D97-AF65-F5344CB8AC3E}">
-        <p14:creationId xmlns:p14="http://schemas.microsoft.com/office/powerpoint/2010/main" val="54847469"/>
+        <p14:creationId xmlns:p14="http://schemas.microsoft.com/office/powerpoint/2010/main" val="86162290"/>
+      </p:ext>
+    </p:extLst>
+  </p:cSld>
+  <p:clrMapOvr>
+    <a:masterClrMapping/>
+  </p:clrMapOvr>
+</p:sld>
+</file>
+
+<file path=ppt/slides/slide20.xml><?xml version="1.0" encoding="utf-8"?>
+<p:sld xmlns:a="http://schemas.openxmlformats.org/drawingml/2006/main" xmlns:r="http://schemas.openxmlformats.org/officeDocument/2006/relationships" xmlns:p="http://schemas.openxmlformats.org/presentationml/2006/main">
+  <p:cSld>
+    <p:spTree>
+      <p:nvGrpSpPr>
+        <p:cNvPr id="1" name=""/>
+        <p:cNvGrpSpPr/>
+        <p:nvPr/>
+      </p:nvGrpSpPr>
+      <p:grpSpPr>
+        <a:xfrm>
+          <a:off x="0" y="0"/>
+          <a:ext cx="0" cy="0"/>
+          <a:chOff x="0" y="0"/>
+          <a:chExt cx="0" cy="0"/>
+        </a:xfrm>
+      </p:grpSpPr>
+      <p:sp>
+        <p:nvSpPr>
+          <p:cNvPr id="2" name="Título 1">
+            <a:extLst>
+              <a:ext uri="{FF2B5EF4-FFF2-40B4-BE49-F238E27FC236}">
+                <a16:creationId xmlns:a16="http://schemas.microsoft.com/office/drawing/2014/main" id="{BEBBAE51-4D84-47D2-AC19-7ADAA51648B0}"/>
+              </a:ext>
+            </a:extLst>
+          </p:cNvPr>
+          <p:cNvSpPr>
+            <a:spLocks noGrp="1"/>
+          </p:cNvSpPr>
+          <p:nvPr>
+            <p:ph type="title"/>
+          </p:nvPr>
+        </p:nvSpPr>
+        <p:spPr/>
+        <p:txBody>
+          <a:bodyPr/>
+          <a:lstStyle/>
+          <a:p>
+            <a:r>
+              <a:rPr lang="pt-PT" dirty="0"/>
+              <a:t>Gestão de ficheiros com nomes idênticos</a:t>
+            </a:r>
+          </a:p>
+        </p:txBody>
+      </p:sp>
+      <p:sp>
+        <p:nvSpPr>
+          <p:cNvPr id="3" name="Marcador de Posição de Conteúdo 2">
+            <a:extLst>
+              <a:ext uri="{FF2B5EF4-FFF2-40B4-BE49-F238E27FC236}">
+                <a16:creationId xmlns:a16="http://schemas.microsoft.com/office/drawing/2014/main" id="{2A7EF0AB-D3E5-46F0-8CB1-13B86A015100}"/>
+              </a:ext>
+            </a:extLst>
+          </p:cNvPr>
+          <p:cNvSpPr>
+            <a:spLocks noGrp="1"/>
+          </p:cNvSpPr>
+          <p:nvPr>
+            <p:ph idx="1"/>
+          </p:nvPr>
+        </p:nvSpPr>
+        <p:spPr/>
+        <p:txBody>
+          <a:bodyPr/>
+          <a:lstStyle/>
+          <a:p>
+            <a:r>
+              <a:rPr lang="pt-PT" dirty="0"/>
+              <a:t>Para que cada ficheiro enviado para o servidor possa ter nomes iguais decidimos utilizar um identificador único universal (UUID).</a:t>
+            </a:r>
+          </a:p>
+        </p:txBody>
+      </p:sp>
+    </p:spTree>
+    <p:extLst>
+      <p:ext uri="{BB962C8B-B14F-4D97-AF65-F5344CB8AC3E}">
+        <p14:creationId xmlns:p14="http://schemas.microsoft.com/office/powerpoint/2010/main" val="1333527632"/>
+      </p:ext>
+    </p:extLst>
+  </p:cSld>
+  <p:clrMapOvr>
+    <a:masterClrMapping/>
+  </p:clrMapOvr>
+</p:sld>
+</file>
+
+<file path=ppt/slides/slide21.xml><?xml version="1.0" encoding="utf-8"?>
+<p:sld xmlns:a="http://schemas.openxmlformats.org/drawingml/2006/main" xmlns:r="http://schemas.openxmlformats.org/officeDocument/2006/relationships" xmlns:p="http://schemas.openxmlformats.org/presentationml/2006/main">
+  <p:cSld>
+    <p:spTree>
+      <p:nvGrpSpPr>
+        <p:cNvPr id="1" name=""/>
+        <p:cNvGrpSpPr/>
+        <p:nvPr/>
+      </p:nvGrpSpPr>
+      <p:grpSpPr>
+        <a:xfrm>
+          <a:off x="0" y="0"/>
+          <a:ext cx="0" cy="0"/>
+          <a:chOff x="0" y="0"/>
+          <a:chExt cx="0" cy="0"/>
+        </a:xfrm>
+      </p:grpSpPr>
+      <p:sp>
+        <p:nvSpPr>
+          <p:cNvPr id="2" name="Título 1">
+            <a:extLst>
+              <a:ext uri="{FF2B5EF4-FFF2-40B4-BE49-F238E27FC236}">
+                <a16:creationId xmlns:a16="http://schemas.microsoft.com/office/drawing/2014/main" id="{9DEDDC68-1A4A-4706-9167-ABF25F9E3180}"/>
+              </a:ext>
+            </a:extLst>
+          </p:cNvPr>
+          <p:cNvSpPr>
+            <a:spLocks noGrp="1"/>
+          </p:cNvSpPr>
+          <p:nvPr>
+            <p:ph type="title"/>
+          </p:nvPr>
+        </p:nvSpPr>
+        <p:spPr/>
+        <p:txBody>
+          <a:bodyPr/>
+          <a:lstStyle/>
+          <a:p>
+            <a:r>
+              <a:rPr lang="pt-PT" dirty="0"/>
+              <a:t>Upload de ficheiros</a:t>
+            </a:r>
+          </a:p>
+        </p:txBody>
+      </p:sp>
+      <p:sp>
+        <p:nvSpPr>
+          <p:cNvPr id="3" name="Marcador de Posição de Conteúdo 2">
+            <a:extLst>
+              <a:ext uri="{FF2B5EF4-FFF2-40B4-BE49-F238E27FC236}">
+                <a16:creationId xmlns:a16="http://schemas.microsoft.com/office/drawing/2014/main" id="{0090F5BC-94C8-48BB-B120-9CB6F75DCAC0}"/>
+              </a:ext>
+            </a:extLst>
+          </p:cNvPr>
+          <p:cNvSpPr>
+            <a:spLocks noGrp="1"/>
+          </p:cNvSpPr>
+          <p:nvPr>
+            <p:ph idx="1"/>
+          </p:nvPr>
+        </p:nvSpPr>
+        <p:spPr/>
+        <p:txBody>
+          <a:bodyPr/>
+          <a:lstStyle/>
+          <a:p>
+            <a:r>
+              <a:rPr lang="pt-PT" dirty="0"/>
+              <a:t>Upload de ficheiros pelos clientes nos respetivos servidores (individual e grupo).</a:t>
+            </a:r>
+          </a:p>
+        </p:txBody>
+      </p:sp>
+      <p:pic>
+        <p:nvPicPr>
+          <p:cNvPr id="5" name="Imagem 4">
+            <a:extLst>
+              <a:ext uri="{FF2B5EF4-FFF2-40B4-BE49-F238E27FC236}">
+                <a16:creationId xmlns:a16="http://schemas.microsoft.com/office/drawing/2014/main" id="{CD9B8C36-5A2A-4AE8-9FC9-AE5D1056205F}"/>
+              </a:ext>
+            </a:extLst>
+          </p:cNvPr>
+          <p:cNvPicPr>
+            <a:picLocks noChangeAspect="1"/>
+          </p:cNvPicPr>
+          <p:nvPr/>
+        </p:nvPicPr>
+        <p:blipFill>
+          <a:blip r:embed="rId2"/>
+          <a:stretch>
+            <a:fillRect/>
+          </a:stretch>
+        </p:blipFill>
+        <p:spPr>
+          <a:xfrm>
+            <a:off x="2967743" y="2533649"/>
+            <a:ext cx="6256514" cy="4071807"/>
+          </a:xfrm>
+          <a:prstGeom prst="rect">
+            <a:avLst/>
+          </a:prstGeom>
+        </p:spPr>
+      </p:pic>
+    </p:spTree>
+    <p:extLst>
+      <p:ext uri="{BB962C8B-B14F-4D97-AF65-F5344CB8AC3E}">
+        <p14:creationId xmlns:p14="http://schemas.microsoft.com/office/powerpoint/2010/main" val="1873544667"/>
+      </p:ext>
+    </p:extLst>
+  </p:cSld>
+  <p:clrMapOvr>
+    <a:masterClrMapping/>
+  </p:clrMapOvr>
+</p:sld>
+</file>
+
+<file path=ppt/slides/slide22.xml><?xml version="1.0" encoding="utf-8"?>
+<p:sld xmlns:a="http://schemas.openxmlformats.org/drawingml/2006/main" xmlns:r="http://schemas.openxmlformats.org/officeDocument/2006/relationships" xmlns:p="http://schemas.openxmlformats.org/presentationml/2006/main">
+  <p:cSld>
+    <p:spTree>
+      <p:nvGrpSpPr>
+        <p:cNvPr id="1" name=""/>
+        <p:cNvGrpSpPr/>
+        <p:nvPr/>
+      </p:nvGrpSpPr>
+      <p:grpSpPr>
+        <a:xfrm>
+          <a:off x="0" y="0"/>
+          <a:ext cx="0" cy="0"/>
+          <a:chOff x="0" y="0"/>
+          <a:chExt cx="0" cy="0"/>
+        </a:xfrm>
+      </p:grpSpPr>
+      <p:sp>
+        <p:nvSpPr>
+          <p:cNvPr id="2" name="Título 1">
+            <a:extLst>
+              <a:ext uri="{FF2B5EF4-FFF2-40B4-BE49-F238E27FC236}">
+                <a16:creationId xmlns:a16="http://schemas.microsoft.com/office/drawing/2014/main" id="{D2233FA1-F5F4-4A0C-B85D-696FFB9695DB}"/>
+              </a:ext>
+            </a:extLst>
+          </p:cNvPr>
+          <p:cNvSpPr>
+            <a:spLocks noGrp="1"/>
+          </p:cNvSpPr>
+          <p:nvPr>
+            <p:ph type="title"/>
+          </p:nvPr>
+        </p:nvSpPr>
+        <p:spPr/>
+        <p:txBody>
+          <a:bodyPr/>
+          <a:lstStyle/>
+          <a:p>
+            <a:r>
+              <a:rPr lang="pt-PT" dirty="0"/>
+              <a:t>Download de ficheiros</a:t>
+            </a:r>
+          </a:p>
+        </p:txBody>
+      </p:sp>
+      <p:sp>
+        <p:nvSpPr>
+          <p:cNvPr id="3" name="Marcador de Posição de Conteúdo 2">
+            <a:extLst>
+              <a:ext uri="{FF2B5EF4-FFF2-40B4-BE49-F238E27FC236}">
+                <a16:creationId xmlns:a16="http://schemas.microsoft.com/office/drawing/2014/main" id="{AD72DDB5-9689-4609-B652-7A0E965DF9FC}"/>
+              </a:ext>
+            </a:extLst>
+          </p:cNvPr>
+          <p:cNvSpPr>
+            <a:spLocks noGrp="1"/>
+          </p:cNvSpPr>
+          <p:nvPr>
+            <p:ph idx="1"/>
+          </p:nvPr>
+        </p:nvSpPr>
+        <p:spPr>
+          <a:xfrm>
+            <a:off x="6276974" y="2015732"/>
+            <a:ext cx="4777879" cy="3450613"/>
+          </a:xfrm>
+        </p:spPr>
+        <p:txBody>
+          <a:bodyPr/>
+          <a:lstStyle/>
+          <a:p>
+            <a:r>
+              <a:rPr lang="pt-PT" dirty="0"/>
+              <a:t>Download de ficheiros pelos clientes (individual ou de um grupo a que pertence).</a:t>
+            </a:r>
+          </a:p>
+        </p:txBody>
+      </p:sp>
+      <p:pic>
+        <p:nvPicPr>
+          <p:cNvPr id="5" name="Imagem 4">
+            <a:extLst>
+              <a:ext uri="{FF2B5EF4-FFF2-40B4-BE49-F238E27FC236}">
+                <a16:creationId xmlns:a16="http://schemas.microsoft.com/office/drawing/2014/main" id="{6930DBF8-5843-486D-B724-257F2ED6CD30}"/>
+              </a:ext>
+            </a:extLst>
+          </p:cNvPr>
+          <p:cNvPicPr>
+            <a:picLocks noChangeAspect="1"/>
+          </p:cNvPicPr>
+          <p:nvPr/>
+        </p:nvPicPr>
+        <p:blipFill>
+          <a:blip r:embed="rId2"/>
+          <a:stretch>
+            <a:fillRect/>
+          </a:stretch>
+        </p:blipFill>
+        <p:spPr>
+          <a:xfrm>
+            <a:off x="1534696" y="1853754"/>
+            <a:ext cx="4460918" cy="4880421"/>
+          </a:xfrm>
+          <a:prstGeom prst="rect">
+            <a:avLst/>
+          </a:prstGeom>
+        </p:spPr>
+      </p:pic>
+    </p:spTree>
+    <p:extLst>
+      <p:ext uri="{BB962C8B-B14F-4D97-AF65-F5344CB8AC3E}">
+        <p14:creationId xmlns:p14="http://schemas.microsoft.com/office/powerpoint/2010/main" val="3000881421"/>
+      </p:ext>
+    </p:extLst>
+  </p:cSld>
+  <p:clrMapOvr>
+    <a:masterClrMapping/>
+  </p:clrMapOvr>
+</p:sld>
+</file>
+
+<file path=ppt/slides/slide23.xml><?xml version="1.0" encoding="utf-8"?>
+<p:sld xmlns:a="http://schemas.openxmlformats.org/drawingml/2006/main" xmlns:r="http://schemas.openxmlformats.org/officeDocument/2006/relationships" xmlns:p="http://schemas.openxmlformats.org/presentationml/2006/main">
+  <p:cSld>
+    <p:spTree>
+      <p:nvGrpSpPr>
+        <p:cNvPr id="1" name=""/>
+        <p:cNvGrpSpPr/>
+        <p:nvPr/>
+      </p:nvGrpSpPr>
+      <p:grpSpPr>
+        <a:xfrm>
+          <a:off x="0" y="0"/>
+          <a:ext cx="0" cy="0"/>
+          <a:chOff x="0" y="0"/>
+          <a:chExt cx="0" cy="0"/>
+        </a:xfrm>
+      </p:grpSpPr>
+      <p:sp>
+        <p:nvSpPr>
+          <p:cNvPr id="2" name="Título 1">
+            <a:extLst>
+              <a:ext uri="{FF2B5EF4-FFF2-40B4-BE49-F238E27FC236}">
+                <a16:creationId xmlns:a16="http://schemas.microsoft.com/office/drawing/2014/main" id="{773A07E0-0419-4307-AD87-E9220D507BC5}"/>
+              </a:ext>
+            </a:extLst>
+          </p:cNvPr>
+          <p:cNvSpPr>
+            <a:spLocks noGrp="1"/>
+          </p:cNvSpPr>
+          <p:nvPr>
+            <p:ph type="title"/>
+          </p:nvPr>
+        </p:nvSpPr>
+        <p:spPr/>
+        <p:txBody>
+          <a:bodyPr/>
+          <a:lstStyle/>
+          <a:p>
+            <a:r>
+              <a:rPr lang="pt-PT" dirty="0"/>
+              <a:t>Modelo lógico da base de dados</a:t>
+            </a:r>
+          </a:p>
+        </p:txBody>
+      </p:sp>
+      <p:pic>
+        <p:nvPicPr>
+          <p:cNvPr id="4" name="Marcador de Posição de Conteúdo 3">
+            <a:extLst>
+              <a:ext uri="{FF2B5EF4-FFF2-40B4-BE49-F238E27FC236}">
+                <a16:creationId xmlns:a16="http://schemas.microsoft.com/office/drawing/2014/main" id="{585E7C08-E32A-49CE-B1BF-69CC163C9CE9}"/>
+              </a:ext>
+            </a:extLst>
+          </p:cNvPr>
+          <p:cNvPicPr>
+            <a:picLocks noGrp="1" noChangeAspect="1"/>
+          </p:cNvPicPr>
+          <p:nvPr>
+            <p:ph idx="1"/>
+          </p:nvPr>
+        </p:nvPicPr>
+        <p:blipFill>
+          <a:blip r:embed="rId2"/>
+          <a:stretch>
+            <a:fillRect/>
+          </a:stretch>
+        </p:blipFill>
+        <p:spPr>
+          <a:xfrm>
+            <a:off x="1670923" y="2049681"/>
+            <a:ext cx="8850153" cy="3881336"/>
+          </a:xfrm>
+          <a:prstGeom prst="rect">
+            <a:avLst/>
+          </a:prstGeom>
+        </p:spPr>
+      </p:pic>
+    </p:spTree>
+    <p:extLst>
+      <p:ext uri="{BB962C8B-B14F-4D97-AF65-F5344CB8AC3E}">
+        <p14:creationId xmlns:p14="http://schemas.microsoft.com/office/powerpoint/2010/main" val="3430908574"/>
+      </p:ext>
+    </p:extLst>
+  </p:cSld>
+  <p:clrMapOvr>
+    <a:masterClrMapping/>
+  </p:clrMapOvr>
+</p:sld>
+</file>
+
+<file path=ppt/slides/slide24.xml><?xml version="1.0" encoding="utf-8"?>
+<p:sld xmlns:a="http://schemas.openxmlformats.org/drawingml/2006/main" xmlns:r="http://schemas.openxmlformats.org/officeDocument/2006/relationships" xmlns:p="http://schemas.openxmlformats.org/presentationml/2006/main">
+  <p:cSld>
+    <p:spTree>
+      <p:nvGrpSpPr>
+        <p:cNvPr id="1" name=""/>
+        <p:cNvGrpSpPr/>
+        <p:nvPr/>
+      </p:nvGrpSpPr>
+      <p:grpSpPr>
+        <a:xfrm>
+          <a:off x="0" y="0"/>
+          <a:ext cx="0" cy="0"/>
+          <a:chOff x="0" y="0"/>
+          <a:chExt cx="0" cy="0"/>
+        </a:xfrm>
+      </p:grpSpPr>
+      <p:sp>
+        <p:nvSpPr>
+          <p:cNvPr id="2" name="Título 1">
+            <a:extLst>
+              <a:ext uri="{FF2B5EF4-FFF2-40B4-BE49-F238E27FC236}">
+                <a16:creationId xmlns:a16="http://schemas.microsoft.com/office/drawing/2014/main" id="{9F28E7DB-E685-4054-B250-D7E946B11B30}"/>
+              </a:ext>
+            </a:extLst>
+          </p:cNvPr>
+          <p:cNvSpPr>
+            <a:spLocks noGrp="1"/>
+          </p:cNvSpPr>
+          <p:nvPr>
+            <p:ph type="title"/>
+          </p:nvPr>
+        </p:nvSpPr>
+        <p:spPr/>
+        <p:txBody>
+          <a:bodyPr/>
+          <a:lstStyle/>
+          <a:p>
+            <a:r>
+              <a:rPr lang="pt-PT" dirty="0"/>
+              <a:t>Modelo físico da base de dados</a:t>
+            </a:r>
+          </a:p>
+        </p:txBody>
+      </p:sp>
+      <p:pic>
+        <p:nvPicPr>
+          <p:cNvPr id="4" name="Marcador de Posição de Conteúdo 3">
+            <a:extLst>
+              <a:ext uri="{FF2B5EF4-FFF2-40B4-BE49-F238E27FC236}">
+                <a16:creationId xmlns:a16="http://schemas.microsoft.com/office/drawing/2014/main" id="{CF7B91FC-FC75-4C01-A182-18F54A82CF8A}"/>
+              </a:ext>
+            </a:extLst>
+          </p:cNvPr>
+          <p:cNvPicPr>
+            <a:picLocks noGrp="1" noChangeAspect="1"/>
+          </p:cNvPicPr>
+          <p:nvPr>
+            <p:ph idx="1"/>
+          </p:nvPr>
+        </p:nvPicPr>
+        <p:blipFill>
+          <a:blip r:embed="rId2"/>
+          <a:stretch>
+            <a:fillRect/>
+          </a:stretch>
+        </p:blipFill>
+        <p:spPr>
+          <a:xfrm>
+            <a:off x="2189450" y="2016124"/>
+            <a:ext cx="7813099" cy="3928277"/>
+          </a:xfrm>
+          <a:prstGeom prst="rect">
+            <a:avLst/>
+          </a:prstGeom>
+        </p:spPr>
+      </p:pic>
+    </p:spTree>
+    <p:extLst>
+      <p:ext uri="{BB962C8B-B14F-4D97-AF65-F5344CB8AC3E}">
+        <p14:creationId xmlns:p14="http://schemas.microsoft.com/office/powerpoint/2010/main" val="423488093"/>
+      </p:ext>
+    </p:extLst>
+  </p:cSld>
+  <p:clrMapOvr>
+    <a:masterClrMapping/>
+  </p:clrMapOvr>
+</p:sld>
+</file>
+
+<file path=ppt/slides/slide25.xml><?xml version="1.0" encoding="utf-8"?>
+<p:sld xmlns:a="http://schemas.openxmlformats.org/drawingml/2006/main" xmlns:r="http://schemas.openxmlformats.org/officeDocument/2006/relationships" xmlns:p="http://schemas.openxmlformats.org/presentationml/2006/main">
+  <p:cSld>
+    <p:spTree>
+      <p:nvGrpSpPr>
+        <p:cNvPr id="1" name=""/>
+        <p:cNvGrpSpPr/>
+        <p:nvPr/>
+      </p:nvGrpSpPr>
+      <p:grpSpPr>
+        <a:xfrm>
+          <a:off x="0" y="0"/>
+          <a:ext cx="0" cy="0"/>
+          <a:chOff x="0" y="0"/>
+          <a:chExt cx="0" cy="0"/>
+        </a:xfrm>
+      </p:grpSpPr>
+      <p:sp>
+        <p:nvSpPr>
+          <p:cNvPr id="2" name="Título 1">
+            <a:extLst>
+              <a:ext uri="{FF2B5EF4-FFF2-40B4-BE49-F238E27FC236}">
+                <a16:creationId xmlns:a16="http://schemas.microsoft.com/office/drawing/2014/main" id="{6B97BAEA-35F5-4BDF-B2F5-E92FCF1BD55F}"/>
+              </a:ext>
+            </a:extLst>
+          </p:cNvPr>
+          <p:cNvSpPr>
+            <a:spLocks noGrp="1"/>
+          </p:cNvSpPr>
+          <p:nvPr>
+            <p:ph type="title"/>
+          </p:nvPr>
+        </p:nvSpPr>
+        <p:spPr/>
+        <p:txBody>
+          <a:bodyPr/>
+          <a:lstStyle/>
+          <a:p>
+            <a:r>
+              <a:rPr lang="pt-PT" dirty="0"/>
+              <a:t>Manual de utilizador</a:t>
+            </a:r>
+          </a:p>
+        </p:txBody>
+      </p:sp>
+      <p:sp>
+        <p:nvSpPr>
+          <p:cNvPr id="3" name="Marcador de Posição de Conteúdo 2">
+            <a:extLst>
+              <a:ext uri="{FF2B5EF4-FFF2-40B4-BE49-F238E27FC236}">
+                <a16:creationId xmlns:a16="http://schemas.microsoft.com/office/drawing/2014/main" id="{B64A6539-4485-4534-9F15-86BED41F8376}"/>
+              </a:ext>
+            </a:extLst>
+          </p:cNvPr>
+          <p:cNvSpPr>
+            <a:spLocks noGrp="1"/>
+          </p:cNvSpPr>
+          <p:nvPr>
+            <p:ph idx="1"/>
+          </p:nvPr>
+        </p:nvSpPr>
+        <p:spPr/>
+        <p:txBody>
+          <a:bodyPr/>
+          <a:lstStyle/>
+          <a:p>
+            <a:endParaRPr lang="pt-PT" dirty="0"/>
+          </a:p>
+        </p:txBody>
+      </p:sp>
+    </p:spTree>
+    <p:extLst>
+      <p:ext uri="{BB962C8B-B14F-4D97-AF65-F5344CB8AC3E}">
+        <p14:creationId xmlns:p14="http://schemas.microsoft.com/office/powerpoint/2010/main" val="4009965058"/>
       </p:ext>
     </p:extLst>
   </p:cSld>
@@ -3496,7 +6002,7 @@
           <p:cNvPr id="2" name="Título 1">
             <a:extLst>
               <a:ext uri="{FF2B5EF4-FFF2-40B4-BE49-F238E27FC236}">
-                <a16:creationId xmlns:a16="http://schemas.microsoft.com/office/drawing/2014/main" id="{2927C9BF-FB38-4296-86C9-07FD2946D0DF}"/>
+                <a16:creationId xmlns:a16="http://schemas.microsoft.com/office/drawing/2014/main" id="{8D36EAF8-772A-4772-85BC-71E884281565}"/>
               </a:ext>
             </a:extLst>
           </p:cNvPr>
@@ -3513,8 +6019,8 @@
           <a:lstStyle/>
           <a:p>
             <a:r>
-              <a:rPr lang="pt-PT"/>
-              <a:t>tratamento de erros</a:t>
+              <a:rPr lang="pt-PT" dirty="0"/>
+              <a:t>Índice</a:t>
             </a:r>
           </a:p>
         </p:txBody>
@@ -3524,7 +6030,7 @@
           <p:cNvPr id="3" name="Marcador de Posição de Conteúdo 2">
             <a:extLst>
               <a:ext uri="{FF2B5EF4-FFF2-40B4-BE49-F238E27FC236}">
-                <a16:creationId xmlns:a16="http://schemas.microsoft.com/office/drawing/2014/main" id="{CDED65F5-843A-401B-8ED9-35E784B5AC45}"/>
+                <a16:creationId xmlns:a16="http://schemas.microsoft.com/office/drawing/2014/main" id="{B1ED622E-E5D0-4DFE-8988-7BCD1B2FBB4F}"/>
               </a:ext>
             </a:extLst>
           </p:cNvPr>
@@ -3537,17 +6043,170 @@
         </p:nvSpPr>
         <p:spPr/>
         <p:txBody>
-          <a:bodyPr/>
-          <a:lstStyle/>
-          <a:p>
-            <a:endParaRPr lang="pt-PT"/>
+          <a:bodyPr>
+            <a:noAutofit/>
+          </a:bodyPr>
+          <a:lstStyle/>
+          <a:p>
+            <a:pPr>
+              <a:lnSpc>
+                <a:spcPct val="110000"/>
+              </a:lnSpc>
+              <a:spcBef>
+                <a:spcPts val="600"/>
+              </a:spcBef>
+            </a:pPr>
+            <a:r>
+              <a:rPr lang="pt-PT" sz="1700" dirty="0"/>
+              <a:t>Autenticação;</a:t>
+            </a:r>
+          </a:p>
+          <a:p>
+            <a:pPr>
+              <a:lnSpc>
+                <a:spcPct val="110000"/>
+              </a:lnSpc>
+              <a:spcBef>
+                <a:spcPts val="600"/>
+              </a:spcBef>
+            </a:pPr>
+            <a:r>
+              <a:rPr lang="pt-PT" sz="1700" dirty="0"/>
+              <a:t>Canais;</a:t>
+            </a:r>
+          </a:p>
+          <a:p>
+            <a:pPr>
+              <a:lnSpc>
+                <a:spcPct val="110000"/>
+              </a:lnSpc>
+              <a:spcBef>
+                <a:spcPts val="600"/>
+              </a:spcBef>
+            </a:pPr>
+            <a:r>
+              <a:rPr lang="pt-PT" sz="1700" dirty="0"/>
+              <a:t>Aderir a um canal ;</a:t>
+            </a:r>
+          </a:p>
+          <a:p>
+            <a:pPr>
+              <a:lnSpc>
+                <a:spcPct val="110000"/>
+              </a:lnSpc>
+              <a:spcBef>
+                <a:spcPts val="600"/>
+              </a:spcBef>
+            </a:pPr>
+            <a:r>
+              <a:rPr lang="pt-PT" sz="1700" dirty="0"/>
+              <a:t>Envio e receção de mensagens;</a:t>
+            </a:r>
+          </a:p>
+          <a:p>
+            <a:pPr>
+              <a:lnSpc>
+                <a:spcPct val="110000"/>
+              </a:lnSpc>
+              <a:spcBef>
+                <a:spcPts val="600"/>
+              </a:spcBef>
+            </a:pPr>
+            <a:r>
+              <a:rPr lang="pt-PT" sz="1700" dirty="0"/>
+              <a:t>Consultar mensagens;</a:t>
+            </a:r>
+          </a:p>
+          <a:p>
+            <a:pPr>
+              <a:lnSpc>
+                <a:spcPct val="110000"/>
+              </a:lnSpc>
+              <a:spcBef>
+                <a:spcPts val="600"/>
+              </a:spcBef>
+            </a:pPr>
+            <a:r>
+              <a:rPr lang="pt-PT" sz="1700" dirty="0"/>
+              <a:t>Gestão de ficheiros com nomes idênticos;</a:t>
+            </a:r>
+          </a:p>
+          <a:p>
+            <a:pPr>
+              <a:lnSpc>
+                <a:spcPct val="110000"/>
+              </a:lnSpc>
+              <a:spcBef>
+                <a:spcPts val="600"/>
+              </a:spcBef>
+            </a:pPr>
+            <a:r>
+              <a:rPr lang="pt-PT" sz="1700" dirty="0"/>
+              <a:t>Upload de ficheiros;</a:t>
+            </a:r>
+          </a:p>
+          <a:p>
+            <a:pPr>
+              <a:lnSpc>
+                <a:spcPct val="110000"/>
+              </a:lnSpc>
+              <a:spcBef>
+                <a:spcPts val="600"/>
+              </a:spcBef>
+            </a:pPr>
+            <a:r>
+              <a:rPr lang="pt-PT" sz="1700" dirty="0"/>
+              <a:t>Download de ficheiros;</a:t>
+            </a:r>
+          </a:p>
+          <a:p>
+            <a:pPr>
+              <a:lnSpc>
+                <a:spcPct val="110000"/>
+              </a:lnSpc>
+              <a:spcBef>
+                <a:spcPts val="600"/>
+              </a:spcBef>
+            </a:pPr>
+            <a:r>
+              <a:rPr lang="pt-PT" sz="1700" dirty="0"/>
+              <a:t>Modelo lógico da base de dados;</a:t>
+            </a:r>
+          </a:p>
+          <a:p>
+            <a:pPr>
+              <a:lnSpc>
+                <a:spcPct val="110000"/>
+              </a:lnSpc>
+              <a:spcBef>
+                <a:spcPts val="600"/>
+              </a:spcBef>
+            </a:pPr>
+            <a:r>
+              <a:rPr lang="pt-PT" sz="1700" dirty="0"/>
+              <a:t>Modelo físico da base de dados;</a:t>
+            </a:r>
+          </a:p>
+          <a:p>
+            <a:pPr>
+              <a:lnSpc>
+                <a:spcPct val="110000"/>
+              </a:lnSpc>
+              <a:spcBef>
+                <a:spcPts val="600"/>
+              </a:spcBef>
+            </a:pPr>
+            <a:r>
+              <a:rPr lang="pt-PT" sz="1700" dirty="0"/>
+              <a:t>Manual de utilização.</a:t>
+            </a:r>
           </a:p>
         </p:txBody>
       </p:sp>
     </p:spTree>
     <p:extLst>
       <p:ext uri="{BB962C8B-B14F-4D97-AF65-F5344CB8AC3E}">
-        <p14:creationId xmlns:p14="http://schemas.microsoft.com/office/powerpoint/2010/main" val="228970069"/>
+        <p14:creationId xmlns:p14="http://schemas.microsoft.com/office/powerpoint/2010/main" val="4285011652"/>
       </p:ext>
     </p:extLst>
   </p:cSld>
@@ -3579,7 +6238,7 @@
           <p:cNvPr id="2" name="Título 1">
             <a:extLst>
               <a:ext uri="{FF2B5EF4-FFF2-40B4-BE49-F238E27FC236}">
-                <a16:creationId xmlns:a16="http://schemas.microsoft.com/office/drawing/2014/main" id="{1B73B415-B697-4402-A9AC-39FDCCD6E1AD}"/>
+                <a16:creationId xmlns:a16="http://schemas.microsoft.com/office/drawing/2014/main" id="{29388662-36CC-4392-A956-32E8D4D369B3}"/>
               </a:ext>
             </a:extLst>
           </p:cNvPr>
@@ -3597,7 +6256,7 @@
           <a:p>
             <a:r>
               <a:rPr lang="pt-PT" dirty="0"/>
-              <a:t>pormenores de implementação</a:t>
+              <a:t>Aspetos não especificados no enunciado</a:t>
             </a:r>
           </a:p>
         </p:txBody>
@@ -3607,7 +6266,7 @@
           <p:cNvPr id="3" name="Marcador de Posição de Conteúdo 2">
             <a:extLst>
               <a:ext uri="{FF2B5EF4-FFF2-40B4-BE49-F238E27FC236}">
-                <a16:creationId xmlns:a16="http://schemas.microsoft.com/office/drawing/2014/main" id="{213F184F-28E2-42E5-AB92-C0181C3D0E3D}"/>
+                <a16:creationId xmlns:a16="http://schemas.microsoft.com/office/drawing/2014/main" id="{43BC0A49-397A-4478-B8F4-26B045E49A6A}"/>
               </a:ext>
             </a:extLst>
           </p:cNvPr>
@@ -3623,14 +6282,27 @@
           <a:bodyPr/>
           <a:lstStyle/>
           <a:p>
-            <a:endParaRPr lang="pt-PT"/>
+            <a:r>
+              <a:rPr lang="pt-PT" dirty="0"/>
+              <a:t>Projeto comum onde as classes são partilhadas entre o servidor e o cliente (biblioteca).</a:t>
+            </a:r>
+          </a:p>
+          <a:p>
+            <a:pPr lvl="1"/>
+            <a:r>
+              <a:rPr lang="pt-PT" dirty="0"/>
+              <a:t>Foram criados comandos para auxiliar os pedidos entre cliente-servidor e servidor-servidor.</a:t>
+            </a:r>
+          </a:p>
+          <a:p>
+            <a:endParaRPr lang="pt-PT" dirty="0"/>
           </a:p>
         </p:txBody>
       </p:sp>
     </p:spTree>
     <p:extLst>
       <p:ext uri="{BB962C8B-B14F-4D97-AF65-F5344CB8AC3E}">
-        <p14:creationId xmlns:p14="http://schemas.microsoft.com/office/powerpoint/2010/main" val="3525998449"/>
+        <p14:creationId xmlns:p14="http://schemas.microsoft.com/office/powerpoint/2010/main" val="54847469"/>
       </p:ext>
     </p:extLst>
   </p:cSld>
@@ -3662,7 +6334,7 @@
           <p:cNvPr id="2" name="Título 1">
             <a:extLst>
               <a:ext uri="{FF2B5EF4-FFF2-40B4-BE49-F238E27FC236}">
-                <a16:creationId xmlns:a16="http://schemas.microsoft.com/office/drawing/2014/main" id="{773A07E0-0419-4307-AD87-E9220D507BC5}"/>
+                <a16:creationId xmlns:a16="http://schemas.microsoft.com/office/drawing/2014/main" id="{2927C9BF-FB38-4296-86C9-07FD2946D0DF}"/>
               </a:ext>
             </a:extLst>
           </p:cNvPr>
@@ -3680,7 +6352,7 @@
           <a:p>
             <a:r>
               <a:rPr lang="pt-PT" dirty="0"/>
-              <a:t>diagrama de entidade relacionamento</a:t>
+              <a:t>Tratamento de erros</a:t>
             </a:r>
           </a:p>
         </p:txBody>
@@ -3690,7 +6362,7 @@
           <p:cNvPr id="3" name="Marcador de Posição de Conteúdo 2">
             <a:extLst>
               <a:ext uri="{FF2B5EF4-FFF2-40B4-BE49-F238E27FC236}">
-                <a16:creationId xmlns:a16="http://schemas.microsoft.com/office/drawing/2014/main" id="{292BE70E-092D-477C-958A-8954B8708E90}"/>
+                <a16:creationId xmlns:a16="http://schemas.microsoft.com/office/drawing/2014/main" id="{CDED65F5-843A-401B-8ED9-35E784B5AC45}"/>
               </a:ext>
             </a:extLst>
           </p:cNvPr>
@@ -3706,14 +6378,79 @@
           <a:bodyPr/>
           <a:lstStyle/>
           <a:p>
-            <a:endParaRPr lang="pt-PT"/>
-          </a:p>
-        </p:txBody>
-      </p:sp>
+            <a:r>
+              <a:rPr lang="pt-PT" dirty="0"/>
+              <a:t>A maioria dos erros do cliente são demonstrados em </a:t>
+            </a:r>
+            <a:r>
+              <a:rPr lang="pt-PT" dirty="0" err="1"/>
+              <a:t>dialogs</a:t>
+            </a:r>
+            <a:r>
+              <a:rPr lang="pt-PT" dirty="0"/>
+              <a:t>.</a:t>
+            </a:r>
+          </a:p>
+          <a:p>
+            <a:r>
+              <a:rPr lang="pt-PT" dirty="0"/>
+              <a:t>A maioria dos erros do servidor são demonstrados na consola.</a:t>
+            </a:r>
+          </a:p>
+          <a:p>
+            <a:r>
+              <a:rPr lang="pt-PT" dirty="0"/>
+              <a:t>Abaixo está demonstrado a implementação do </a:t>
+            </a:r>
+            <a:r>
+              <a:rPr lang="pt-PT" dirty="0" err="1"/>
+              <a:t>failover</a:t>
+            </a:r>
+            <a:r>
+              <a:rPr lang="pt-PT" dirty="0"/>
+              <a:t>.</a:t>
+            </a:r>
+          </a:p>
+          <a:p>
+            <a:pPr lvl="1"/>
+            <a:endParaRPr lang="pt-PT" dirty="0"/>
+          </a:p>
+        </p:txBody>
+      </p:sp>
+      <p:pic>
+        <p:nvPicPr>
+          <p:cNvPr id="5" name="Imagem 4">
+            <a:extLst>
+              <a:ext uri="{FF2B5EF4-FFF2-40B4-BE49-F238E27FC236}">
+                <a16:creationId xmlns:a16="http://schemas.microsoft.com/office/drawing/2014/main" id="{449916A9-5F8A-4B52-80DC-DDACA106767D}"/>
+              </a:ext>
+            </a:extLst>
+          </p:cNvPr>
+          <p:cNvPicPr>
+            <a:picLocks noChangeAspect="1"/>
+          </p:cNvPicPr>
+          <p:nvPr/>
+        </p:nvPicPr>
+        <p:blipFill>
+          <a:blip r:embed="rId2"/>
+          <a:stretch>
+            <a:fillRect/>
+          </a:stretch>
+        </p:blipFill>
+        <p:spPr>
+          <a:xfrm>
+            <a:off x="3423864" y="3613558"/>
+            <a:ext cx="5344271" cy="1781424"/>
+          </a:xfrm>
+          <a:prstGeom prst="rect">
+            <a:avLst/>
+          </a:prstGeom>
+        </p:spPr>
+      </p:pic>
     </p:spTree>
     <p:extLst>
       <p:ext uri="{BB962C8B-B14F-4D97-AF65-F5344CB8AC3E}">
-        <p14:creationId xmlns:p14="http://schemas.microsoft.com/office/powerpoint/2010/main" val="3430908574"/>
+        <p14:creationId xmlns:p14="http://schemas.microsoft.com/office/powerpoint/2010/main" val="228970069"/>
       </p:ext>
     </p:extLst>
   </p:cSld>
@@ -3745,7 +6482,7 @@
           <p:cNvPr id="2" name="Título 1">
             <a:extLst>
               <a:ext uri="{FF2B5EF4-FFF2-40B4-BE49-F238E27FC236}">
-                <a16:creationId xmlns:a16="http://schemas.microsoft.com/office/drawing/2014/main" id="{9F28E7DB-E685-4054-B250-D7E946B11B30}"/>
+                <a16:creationId xmlns:a16="http://schemas.microsoft.com/office/drawing/2014/main" id="{3B9B7FC2-BA82-47C7-8EE5-884F3F51AB47}"/>
               </a:ext>
             </a:extLst>
           </p:cNvPr>
@@ -3763,7 +6500,7 @@
           <a:p>
             <a:r>
               <a:rPr lang="pt-PT" dirty="0"/>
-              <a:t>Modelo físico das bases de dados</a:t>
+              <a:t>Tratamento de erros</a:t>
             </a:r>
           </a:p>
         </p:txBody>
@@ -3773,7 +6510,7 @@
           <p:cNvPr id="3" name="Marcador de Posição de Conteúdo 2">
             <a:extLst>
               <a:ext uri="{FF2B5EF4-FFF2-40B4-BE49-F238E27FC236}">
-                <a16:creationId xmlns:a16="http://schemas.microsoft.com/office/drawing/2014/main" id="{B68AAE9F-C453-4C9B-8CA4-72F7EE0E1524}"/>
+                <a16:creationId xmlns:a16="http://schemas.microsoft.com/office/drawing/2014/main" id="{3DE07055-2D7B-487A-946A-D315CD9F5D5F}"/>
               </a:ext>
             </a:extLst>
           </p:cNvPr>
@@ -3789,14 +6526,123 @@
           <a:bodyPr/>
           <a:lstStyle/>
           <a:p>
-            <a:endParaRPr lang="pt-PT"/>
-          </a:p>
-        </p:txBody>
-      </p:sp>
+            <a:r>
+              <a:rPr lang="pt-PT" dirty="0"/>
+              <a:t>Mecanismo de </a:t>
+            </a:r>
+            <a:r>
+              <a:rPr lang="pt-PT" dirty="0" err="1"/>
+              <a:t>heartbeat</a:t>
+            </a:r>
+            <a:r>
+              <a:rPr lang="pt-PT" dirty="0"/>
+              <a:t> dos servers (</a:t>
+            </a:r>
+            <a:r>
+              <a:rPr lang="pt-PT" dirty="0" err="1"/>
+              <a:t>ping</a:t>
+            </a:r>
+            <a:r>
+              <a:rPr lang="pt-PT" dirty="0"/>
+              <a:t>).</a:t>
+            </a:r>
+          </a:p>
+        </p:txBody>
+      </p:sp>
+      <p:pic>
+        <p:nvPicPr>
+          <p:cNvPr id="5" name="Imagem 4">
+            <a:extLst>
+              <a:ext uri="{FF2B5EF4-FFF2-40B4-BE49-F238E27FC236}">
+                <a16:creationId xmlns:a16="http://schemas.microsoft.com/office/drawing/2014/main" id="{1A968DE7-D241-4811-A490-7A35F167AC0B}"/>
+              </a:ext>
+            </a:extLst>
+          </p:cNvPr>
+          <p:cNvPicPr>
+            <a:picLocks noChangeAspect="1"/>
+          </p:cNvPicPr>
+          <p:nvPr/>
+        </p:nvPicPr>
+        <p:blipFill>
+          <a:blip r:embed="rId2"/>
+          <a:stretch>
+            <a:fillRect/>
+          </a:stretch>
+        </p:blipFill>
+        <p:spPr>
+          <a:xfrm>
+            <a:off x="981511" y="2401844"/>
+            <a:ext cx="3948431" cy="3651637"/>
+          </a:xfrm>
+          <a:prstGeom prst="rect">
+            <a:avLst/>
+          </a:prstGeom>
+        </p:spPr>
+      </p:pic>
+      <p:pic>
+        <p:nvPicPr>
+          <p:cNvPr id="7" name="Imagem 6">
+            <a:extLst>
+              <a:ext uri="{FF2B5EF4-FFF2-40B4-BE49-F238E27FC236}">
+                <a16:creationId xmlns:a16="http://schemas.microsoft.com/office/drawing/2014/main" id="{3333CB62-12C9-4D43-AAE5-36552CA94F41}"/>
+              </a:ext>
+            </a:extLst>
+          </p:cNvPr>
+          <p:cNvPicPr>
+            <a:picLocks noChangeAspect="1"/>
+          </p:cNvPicPr>
+          <p:nvPr/>
+        </p:nvPicPr>
+        <p:blipFill>
+          <a:blip r:embed="rId3"/>
+          <a:stretch>
+            <a:fillRect/>
+          </a:stretch>
+        </p:blipFill>
+        <p:spPr>
+          <a:xfrm>
+            <a:off x="5198928" y="2559773"/>
+            <a:ext cx="6525536" cy="1181265"/>
+          </a:xfrm>
+          <a:prstGeom prst="rect">
+            <a:avLst/>
+          </a:prstGeom>
+        </p:spPr>
+      </p:pic>
+      <p:pic>
+        <p:nvPicPr>
+          <p:cNvPr id="9" name="Imagem 8">
+            <a:extLst>
+              <a:ext uri="{FF2B5EF4-FFF2-40B4-BE49-F238E27FC236}">
+                <a16:creationId xmlns:a16="http://schemas.microsoft.com/office/drawing/2014/main" id="{CE63C514-DC04-47E4-9FBE-7F9A8C002183}"/>
+              </a:ext>
+            </a:extLst>
+          </p:cNvPr>
+          <p:cNvPicPr>
+            <a:picLocks noChangeAspect="1"/>
+          </p:cNvPicPr>
+          <p:nvPr/>
+        </p:nvPicPr>
+        <p:blipFill>
+          <a:blip r:embed="rId4"/>
+          <a:stretch>
+            <a:fillRect/>
+          </a:stretch>
+        </p:blipFill>
+        <p:spPr>
+          <a:xfrm>
+            <a:off x="5737020" y="4004087"/>
+            <a:ext cx="5029902" cy="1819529"/>
+          </a:xfrm>
+          <a:prstGeom prst="rect">
+            <a:avLst/>
+          </a:prstGeom>
+        </p:spPr>
+      </p:pic>
     </p:spTree>
     <p:extLst>
       <p:ext uri="{BB962C8B-B14F-4D97-AF65-F5344CB8AC3E}">
-        <p14:creationId xmlns:p14="http://schemas.microsoft.com/office/powerpoint/2010/main" val="423488093"/>
+        <p14:creationId xmlns:p14="http://schemas.microsoft.com/office/powerpoint/2010/main" val="1312715941"/>
       </p:ext>
     </p:extLst>
   </p:cSld>
@@ -3828,7 +6674,7 @@
           <p:cNvPr id="2" name="Título 1">
             <a:extLst>
               <a:ext uri="{FF2B5EF4-FFF2-40B4-BE49-F238E27FC236}">
-                <a16:creationId xmlns:a16="http://schemas.microsoft.com/office/drawing/2014/main" id="{76E75AB0-AD98-43AA-887B-31327E862153}"/>
+                <a16:creationId xmlns:a16="http://schemas.microsoft.com/office/drawing/2014/main" id="{1B73B415-B697-4402-A9AC-39FDCCD6E1AD}"/>
               </a:ext>
             </a:extLst>
           </p:cNvPr>
@@ -3846,7 +6692,7 @@
           <a:p>
             <a:r>
               <a:rPr lang="pt-PT" dirty="0"/>
-              <a:t>diagramas temporais</a:t>
+              <a:t>Consistência entre servidores</a:t>
             </a:r>
           </a:p>
         </p:txBody>
@@ -3856,7 +6702,7 @@
           <p:cNvPr id="3" name="Marcador de Posição de Conteúdo 2">
             <a:extLst>
               <a:ext uri="{FF2B5EF4-FFF2-40B4-BE49-F238E27FC236}">
-                <a16:creationId xmlns:a16="http://schemas.microsoft.com/office/drawing/2014/main" id="{9811341B-D9F8-46BD-8D05-5691869FB3DF}"/>
+                <a16:creationId xmlns:a16="http://schemas.microsoft.com/office/drawing/2014/main" id="{213F184F-28E2-42E5-AB92-C0181C3D0E3D}"/>
               </a:ext>
             </a:extLst>
           </p:cNvPr>
@@ -3872,14 +6718,56 @@
           <a:bodyPr/>
           <a:lstStyle/>
           <a:p>
-            <a:endParaRPr lang="pt-PT"/>
-          </a:p>
-        </p:txBody>
-      </p:sp>
+            <a:pPr algn="just"/>
+            <a:r>
+              <a:rPr lang="pt-PT" dirty="0"/>
+              <a:t>Todos os pedidos do cliente, com a exceção do download, são transmitidos para os outros servidores através do </a:t>
+            </a:r>
+            <a:r>
+              <a:rPr lang="pt-PT" dirty="0" err="1"/>
+              <a:t>multicast</a:t>
+            </a:r>
+            <a:r>
+              <a:rPr lang="pt-PT" dirty="0"/>
+              <a:t> as alterações efetuadas para manter as bases de dados atualizadas e consistentes, assim como os ficheiros.</a:t>
+            </a:r>
+          </a:p>
+        </p:txBody>
+      </p:sp>
+      <p:pic>
+        <p:nvPicPr>
+          <p:cNvPr id="5" name="Imagem 4">
+            <a:extLst>
+              <a:ext uri="{FF2B5EF4-FFF2-40B4-BE49-F238E27FC236}">
+                <a16:creationId xmlns:a16="http://schemas.microsoft.com/office/drawing/2014/main" id="{AF0E57F3-E266-4631-854F-9EE906CD32F2}"/>
+              </a:ext>
+            </a:extLst>
+          </p:cNvPr>
+          <p:cNvPicPr>
+            <a:picLocks noChangeAspect="1"/>
+          </p:cNvPicPr>
+          <p:nvPr/>
+        </p:nvPicPr>
+        <p:blipFill>
+          <a:blip r:embed="rId2"/>
+          <a:stretch>
+            <a:fillRect/>
+          </a:stretch>
+        </p:blipFill>
+        <p:spPr>
+          <a:xfrm>
+            <a:off x="3380996" y="3399132"/>
+            <a:ext cx="5430008" cy="2067213"/>
+          </a:xfrm>
+          <a:prstGeom prst="rect">
+            <a:avLst/>
+          </a:prstGeom>
+        </p:spPr>
+      </p:pic>
     </p:spTree>
     <p:extLst>
       <p:ext uri="{BB962C8B-B14F-4D97-AF65-F5344CB8AC3E}">
-        <p14:creationId xmlns:p14="http://schemas.microsoft.com/office/powerpoint/2010/main" val="1466256535"/>
+        <p14:creationId xmlns:p14="http://schemas.microsoft.com/office/powerpoint/2010/main" val="3525998449"/>
       </p:ext>
     </p:extLst>
   </p:cSld>
@@ -3911,7 +6799,7 @@
           <p:cNvPr id="2" name="Título 1">
             <a:extLst>
               <a:ext uri="{FF2B5EF4-FFF2-40B4-BE49-F238E27FC236}">
-                <a16:creationId xmlns:a16="http://schemas.microsoft.com/office/drawing/2014/main" id="{6B97BAEA-35F5-4BDF-B2F5-E92FCF1BD55F}"/>
+                <a16:creationId xmlns:a16="http://schemas.microsoft.com/office/drawing/2014/main" id="{16CDB45D-1E22-4B14-9C43-EA99A5AF5AE7}"/>
               </a:ext>
             </a:extLst>
           </p:cNvPr>
@@ -3928,8 +6816,8 @@
           <a:lstStyle/>
           <a:p>
             <a:r>
-              <a:rPr lang="pt-PT"/>
-              <a:t>manual de utilizador</a:t>
+              <a:rPr lang="pt-PT" dirty="0"/>
+              <a:t>Sincronização de BD e ficheiros</a:t>
             </a:r>
           </a:p>
         </p:txBody>
@@ -3939,7 +6827,7 @@
           <p:cNvPr id="3" name="Marcador de Posição de Conteúdo 2">
             <a:extLst>
               <a:ext uri="{FF2B5EF4-FFF2-40B4-BE49-F238E27FC236}">
-                <a16:creationId xmlns:a16="http://schemas.microsoft.com/office/drawing/2014/main" id="{B64A6539-4485-4534-9F15-86BED41F8376}"/>
+                <a16:creationId xmlns:a16="http://schemas.microsoft.com/office/drawing/2014/main" id="{AF67126A-6293-4FF1-B0B1-36DCF79945B9}"/>
               </a:ext>
             </a:extLst>
           </p:cNvPr>
@@ -3955,14 +6843,195 @@
           <a:bodyPr/>
           <a:lstStyle/>
           <a:p>
-            <a:endParaRPr lang="pt-PT"/>
-          </a:p>
-        </p:txBody>
-      </p:sp>
+            <a:pPr algn="just"/>
+            <a:r>
+              <a:rPr lang="pt-PT" dirty="0"/>
+              <a:t>A sincronização de um servidor que arranca e deteta a presença de outro(s) já operacional(ais).</a:t>
+            </a:r>
+          </a:p>
+        </p:txBody>
+      </p:sp>
+      <p:pic>
+        <p:nvPicPr>
+          <p:cNvPr id="7" name="Imagem 6">
+            <a:extLst>
+              <a:ext uri="{FF2B5EF4-FFF2-40B4-BE49-F238E27FC236}">
+                <a16:creationId xmlns:a16="http://schemas.microsoft.com/office/drawing/2014/main" id="{34DAEC74-8573-4DEB-A95D-FB4F7E8B4C46}"/>
+              </a:ext>
+            </a:extLst>
+          </p:cNvPr>
+          <p:cNvPicPr>
+            <a:picLocks noChangeAspect="1"/>
+          </p:cNvPicPr>
+          <p:nvPr/>
+        </p:nvPicPr>
+        <p:blipFill>
+          <a:blip r:embed="rId2"/>
+          <a:stretch>
+            <a:fillRect/>
+          </a:stretch>
+        </p:blipFill>
+        <p:spPr>
+          <a:xfrm>
+            <a:off x="3066546" y="2827090"/>
+            <a:ext cx="6058907" cy="3902509"/>
+          </a:xfrm>
+          <a:prstGeom prst="rect">
+            <a:avLst/>
+          </a:prstGeom>
+        </p:spPr>
+      </p:pic>
     </p:spTree>
     <p:extLst>
       <p:ext uri="{BB962C8B-B14F-4D97-AF65-F5344CB8AC3E}">
-        <p14:creationId xmlns:p14="http://schemas.microsoft.com/office/powerpoint/2010/main" val="4009965058"/>
+        <p14:creationId xmlns:p14="http://schemas.microsoft.com/office/powerpoint/2010/main" val="3954397881"/>
+      </p:ext>
+    </p:extLst>
+  </p:cSld>
+  <p:clrMapOvr>
+    <a:masterClrMapping/>
+  </p:clrMapOvr>
+</p:sld>
+</file>
+
+<file path=ppt/slides/slide9.xml><?xml version="1.0" encoding="utf-8"?>
+<p:sld xmlns:a="http://schemas.openxmlformats.org/drawingml/2006/main" xmlns:r="http://schemas.openxmlformats.org/officeDocument/2006/relationships" xmlns:p="http://schemas.openxmlformats.org/presentationml/2006/main">
+  <p:cSld>
+    <p:spTree>
+      <p:nvGrpSpPr>
+        <p:cNvPr id="1" name=""/>
+        <p:cNvGrpSpPr/>
+        <p:nvPr/>
+      </p:nvGrpSpPr>
+      <p:grpSpPr>
+        <a:xfrm>
+          <a:off x="0" y="0"/>
+          <a:ext cx="0" cy="0"/>
+          <a:chOff x="0" y="0"/>
+          <a:chExt cx="0" cy="0"/>
+        </a:xfrm>
+      </p:grpSpPr>
+      <p:sp>
+        <p:nvSpPr>
+          <p:cNvPr id="2" name="Título 1">
+            <a:extLst>
+              <a:ext uri="{FF2B5EF4-FFF2-40B4-BE49-F238E27FC236}">
+                <a16:creationId xmlns:a16="http://schemas.microsoft.com/office/drawing/2014/main" id="{B28D3FF8-2EDD-4891-9355-890648883CFF}"/>
+              </a:ext>
+            </a:extLst>
+          </p:cNvPr>
+          <p:cNvSpPr>
+            <a:spLocks noGrp="1"/>
+          </p:cNvSpPr>
+          <p:nvPr>
+            <p:ph type="title"/>
+          </p:nvPr>
+        </p:nvSpPr>
+        <p:spPr/>
+        <p:txBody>
+          <a:bodyPr/>
+          <a:lstStyle/>
+          <a:p>
+            <a:r>
+              <a:rPr lang="pt-PT" dirty="0"/>
+              <a:t>Receção de vários ficheiros disseminados</a:t>
+            </a:r>
+          </a:p>
+        </p:txBody>
+      </p:sp>
+      <p:sp>
+        <p:nvSpPr>
+          <p:cNvPr id="3" name="Marcador de Posição de Conteúdo 2">
+            <a:extLst>
+              <a:ext uri="{FF2B5EF4-FFF2-40B4-BE49-F238E27FC236}">
+                <a16:creationId xmlns:a16="http://schemas.microsoft.com/office/drawing/2014/main" id="{DC3F82AE-7819-4E58-BEAA-BC5E459668F5}"/>
+              </a:ext>
+            </a:extLst>
+          </p:cNvPr>
+          <p:cNvSpPr>
+            <a:spLocks noGrp="1"/>
+          </p:cNvSpPr>
+          <p:nvPr>
+            <p:ph idx="1"/>
+          </p:nvPr>
+        </p:nvSpPr>
+        <p:spPr/>
+        <p:txBody>
+          <a:bodyPr/>
+          <a:lstStyle/>
+          <a:p>
+            <a:pPr algn="just"/>
+            <a:r>
+              <a:rPr lang="pt-PT" dirty="0"/>
+              <a:t>Capacidade em processar a receção de vários ficheiros disseminados via UDP nos servidores.</a:t>
+            </a:r>
+          </a:p>
+        </p:txBody>
+      </p:sp>
+      <p:pic>
+        <p:nvPicPr>
+          <p:cNvPr id="5" name="Imagem 4">
+            <a:extLst>
+              <a:ext uri="{FF2B5EF4-FFF2-40B4-BE49-F238E27FC236}">
+                <a16:creationId xmlns:a16="http://schemas.microsoft.com/office/drawing/2014/main" id="{167ED0A1-5FBC-487A-8B85-05B25D62A9C5}"/>
+              </a:ext>
+            </a:extLst>
+          </p:cNvPr>
+          <p:cNvPicPr>
+            <a:picLocks noChangeAspect="1"/>
+          </p:cNvPicPr>
+          <p:nvPr/>
+        </p:nvPicPr>
+        <p:blipFill>
+          <a:blip r:embed="rId2"/>
+          <a:stretch>
+            <a:fillRect/>
+          </a:stretch>
+        </p:blipFill>
+        <p:spPr>
+          <a:xfrm>
+            <a:off x="1534696" y="2905510"/>
+            <a:ext cx="6335515" cy="1653653"/>
+          </a:xfrm>
+          <a:prstGeom prst="rect">
+            <a:avLst/>
+          </a:prstGeom>
+        </p:spPr>
+      </p:pic>
+      <p:pic>
+        <p:nvPicPr>
+          <p:cNvPr id="9" name="Imagem 8">
+            <a:extLst>
+              <a:ext uri="{FF2B5EF4-FFF2-40B4-BE49-F238E27FC236}">
+                <a16:creationId xmlns:a16="http://schemas.microsoft.com/office/drawing/2014/main" id="{4B92A627-C6CE-4AB6-8385-66E9CBE3E04E}"/>
+              </a:ext>
+            </a:extLst>
+          </p:cNvPr>
+          <p:cNvPicPr>
+            <a:picLocks noChangeAspect="1"/>
+          </p:cNvPicPr>
+          <p:nvPr/>
+        </p:nvPicPr>
+        <p:blipFill>
+          <a:blip r:embed="rId3"/>
+          <a:stretch>
+            <a:fillRect/>
+          </a:stretch>
+        </p:blipFill>
+        <p:spPr>
+          <a:xfrm>
+            <a:off x="5068138" y="4622334"/>
+            <a:ext cx="5978328" cy="2061271"/>
+          </a:xfrm>
+          <a:prstGeom prst="rect">
+            <a:avLst/>
+          </a:prstGeom>
+        </p:spPr>
+      </p:pic>
+    </p:spTree>
+    <p:extLst>
+      <p:ext uri="{BB962C8B-B14F-4D97-AF65-F5344CB8AC3E}">
+        <p14:creationId xmlns:p14="http://schemas.microsoft.com/office/powerpoint/2010/main" val="2850081683"/>
       </p:ext>
     </p:extLst>
   </p:cSld>
@@ -3973,9 +7042,9 @@
 </file>
 
 <file path=ppt/theme/theme1.xml><?xml version="1.0" encoding="utf-8"?>
-<a:theme xmlns:a="http://schemas.openxmlformats.org/drawingml/2006/main" name="Tema do Office">
+<a:theme xmlns:a="http://schemas.openxmlformats.org/drawingml/2006/main" name="Galeria">
   <a:themeElements>
-    <a:clrScheme name="Office">
+    <a:clrScheme name="Galeria">
       <a:dk1>
         <a:sysClr val="windowText" lastClr="000000"/>
       </a:dk1>
@@ -3983,39 +7052,39 @@
         <a:sysClr val="window" lastClr="FFFFFF"/>
       </a:lt1>
       <a:dk2>
-        <a:srgbClr val="44546A"/>
+        <a:srgbClr val="454545"/>
       </a:dk2>
       <a:lt2>
-        <a:srgbClr val="E7E6E6"/>
+        <a:srgbClr val="EDEBE7"/>
       </a:lt2>
       <a:accent1>
-        <a:srgbClr val="4472C4"/>
+        <a:srgbClr val="5FA534"/>
       </a:accent1>
       <a:accent2>
-        <a:srgbClr val="ED7D31"/>
+        <a:srgbClr val="DCAB34"/>
       </a:accent2>
       <a:accent3>
-        <a:srgbClr val="A5A5A5"/>
+        <a:srgbClr val="D26D23"/>
       </a:accent3>
       <a:accent4>
-        <a:srgbClr val="FFC000"/>
+        <a:srgbClr val="972323"/>
       </a:accent4>
       <a:accent5>
-        <a:srgbClr val="5B9BD5"/>
+        <a:srgbClr val="236797"/>
       </a:accent5>
       <a:accent6>
-        <a:srgbClr val="70AD47"/>
+        <a:srgbClr val="2FB6C6"/>
       </a:accent6>
       <a:hlink>
-        <a:srgbClr val="0563C1"/>
+        <a:srgbClr val="8FC639"/>
       </a:hlink>
       <a:folHlink>
-        <a:srgbClr val="954F72"/>
+        <a:srgbClr val="E7C272"/>
       </a:folHlink>
     </a:clrScheme>
-    <a:fontScheme name="Office">
+    <a:fontScheme name="Galeria">
       <a:majorFont>
-        <a:latin typeface="Calibri Light" panose="020F0302020204030204"/>
+        <a:latin typeface="Palatino Linotype" panose="02040502050505030304"/>
         <a:ea typeface=""/>
         <a:cs typeface=""/>
         <a:font script="Jpan" typeface="游ゴシック Light"/>
@@ -4048,26 +7117,9 @@
         <a:font script="Viet" typeface="Times New Roman"/>
         <a:font script="Uigh" typeface="Microsoft Uighur"/>
         <a:font script="Geor" typeface="Sylfaen"/>
-        <a:font script="Armn" typeface="Arial"/>
-        <a:font script="Bugi" typeface="Leelawadee UI"/>
-        <a:font script="Bopo" typeface="Microsoft JhengHei"/>
-        <a:font script="Java" typeface="Javanese Text"/>
-        <a:font script="Lisu" typeface="Segoe UI"/>
-        <a:font script="Mymr" typeface="Myanmar Text"/>
-        <a:font script="Nkoo" typeface="Ebrima"/>
-        <a:font script="Olck" typeface="Nirmala UI"/>
-        <a:font script="Osma" typeface="Ebrima"/>
-        <a:font script="Phag" typeface="Phagspa"/>
-        <a:font script="Syrn" typeface="Estrangelo Edessa"/>
-        <a:font script="Syrj" typeface="Estrangelo Edessa"/>
-        <a:font script="Syre" typeface="Estrangelo Edessa"/>
-        <a:font script="Sora" typeface="Nirmala UI"/>
-        <a:font script="Tale" typeface="Microsoft Tai Le"/>
-        <a:font script="Talu" typeface="Microsoft New Tai Lue"/>
-        <a:font script="Tfng" typeface="Ebrima"/>
       </a:majorFont>
       <a:minorFont>
-        <a:latin typeface="Calibri" panose="020F0502020204030204"/>
+        <a:latin typeface="Palatino Linotype" panose="02040502050505030304"/>
         <a:ea typeface=""/>
         <a:cs typeface=""/>
         <a:font script="Jpan" typeface="游ゴシック"/>
@@ -4100,26 +7152,9 @@
         <a:font script="Viet" typeface="Arial"/>
         <a:font script="Uigh" typeface="Microsoft Uighur"/>
         <a:font script="Geor" typeface="Sylfaen"/>
-        <a:font script="Armn" typeface="Arial"/>
-        <a:font script="Bugi" typeface="Leelawadee UI"/>
-        <a:font script="Bopo" typeface="Microsoft JhengHei"/>
-        <a:font script="Java" typeface="Javanese Text"/>
-        <a:font script="Lisu" typeface="Segoe UI"/>
-        <a:font script="Mymr" typeface="Myanmar Text"/>
-        <a:font script="Nkoo" typeface="Ebrima"/>
-        <a:font script="Olck" typeface="Nirmala UI"/>
-        <a:font script="Osma" typeface="Ebrima"/>
-        <a:font script="Phag" typeface="Phagspa"/>
-        <a:font script="Syrn" typeface="Estrangelo Edessa"/>
-        <a:font script="Syrj" typeface="Estrangelo Edessa"/>
-        <a:font script="Syre" typeface="Estrangelo Edessa"/>
-        <a:font script="Sora" typeface="Nirmala UI"/>
-        <a:font script="Tale" typeface="Microsoft Tai Le"/>
-        <a:font script="Talu" typeface="Microsoft New Tai Lue"/>
-        <a:font script="Tfng" typeface="Ebrima"/>
       </a:minorFont>
     </a:fontScheme>
-    <a:fmtScheme name="Office">
+    <a:fmtScheme name="Galeria">
       <a:fillStyleLst>
         <a:solidFill>
           <a:schemeClr val="phClr"/>
@@ -4128,23 +7163,18 @@
           <a:gsLst>
             <a:gs pos="0">
               <a:schemeClr val="phClr">
+                <a:tint val="54000"/>
+                <a:alpha val="100000"/>
+                <a:satMod val="105000"/>
                 <a:lumMod val="110000"/>
-                <a:satMod val="105000"/>
-                <a:tint val="67000"/>
-              </a:schemeClr>
-            </a:gs>
-            <a:gs pos="50000">
-              <a:schemeClr val="phClr">
-                <a:lumMod val="105000"/>
-                <a:satMod val="103000"/>
-                <a:tint val="73000"/>
               </a:schemeClr>
             </a:gs>
             <a:gs pos="100000">
               <a:schemeClr val="phClr">
-                <a:lumMod val="105000"/>
+                <a:tint val="78000"/>
+                <a:alpha val="92000"/>
                 <a:satMod val="109000"/>
-                <a:tint val="81000"/>
+                <a:lumMod val="100000"/>
               </a:schemeClr>
             </a:gs>
           </a:gsLst>
@@ -4154,23 +7184,23 @@
           <a:gsLst>
             <a:gs pos="0">
               <a:schemeClr val="phClr">
-                <a:satMod val="103000"/>
-                <a:lumMod val="102000"/>
-                <a:tint val="94000"/>
+                <a:tint val="98000"/>
+                <a:satMod val="110000"/>
+                <a:lumMod val="104000"/>
               </a:schemeClr>
             </a:gs>
-            <a:gs pos="50000">
+            <a:gs pos="69000">
               <a:schemeClr val="phClr">
-                <a:satMod val="110000"/>
-                <a:lumMod val="100000"/>
-                <a:shade val="100000"/>
+                <a:shade val="88000"/>
+                <a:satMod val="130000"/>
+                <a:lumMod val="92000"/>
               </a:schemeClr>
             </a:gs>
             <a:gs pos="100000">
               <a:schemeClr val="phClr">
-                <a:lumMod val="99000"/>
-                <a:satMod val="120000"/>
                 <a:shade val="78000"/>
+                <a:satMod val="130000"/>
+                <a:lumMod val="92000"/>
               </a:schemeClr>
             </a:gs>
           </a:gsLst>
@@ -4178,26 +7208,23 @@
         </a:gradFill>
       </a:fillStyleLst>
       <a:lnStyleLst>
-        <a:ln w="6350" cap="flat" cmpd="sng" algn="ctr">
+        <a:ln w="9525" cap="flat" cmpd="sng" algn="ctr">
           <a:solidFill>
             <a:schemeClr val="phClr"/>
           </a:solidFill>
           <a:prstDash val="solid"/>
-          <a:miter lim="800000"/>
         </a:ln>
-        <a:ln w="12700" cap="flat" cmpd="sng" algn="ctr">
+        <a:ln w="15875" cap="flat" cmpd="sng" algn="ctr">
           <a:solidFill>
             <a:schemeClr val="phClr"/>
           </a:solidFill>
           <a:prstDash val="solid"/>
-          <a:miter lim="800000"/>
         </a:ln>
-        <a:ln w="19050" cap="flat" cmpd="sng" algn="ctr">
+        <a:ln w="22225" cap="flat" cmpd="sng" algn="ctr">
           <a:solidFill>
             <a:schemeClr val="phClr"/>
           </a:solidFill>
           <a:prstDash val="solid"/>
-          <a:miter lim="800000"/>
         </a:ln>
       </a:lnStyleLst>
       <a:effectStyleLst>
@@ -4209,12 +7236,23 @@
         </a:effectStyle>
         <a:effectStyle>
           <a:effectLst>
-            <a:outerShdw blurRad="57150" dist="19050" dir="5400000" algn="ctr" rotWithShape="0">
+            <a:outerShdw blurRad="50800" dist="50800" dir="5400000" sx="96000" sy="96000" rotWithShape="0">
               <a:srgbClr val="000000">
-                <a:alpha val="63000"/>
+                <a:alpha val="48000"/>
               </a:srgbClr>
             </a:outerShdw>
           </a:effectLst>
+          <a:scene3d>
+            <a:camera prst="orthographicFront">
+              <a:rot lat="0" lon="0" rev="0"/>
+            </a:camera>
+            <a:lightRig rig="balanced" dir="t">
+              <a:rot lat="0" lon="0" rev="1080000"/>
+            </a:lightRig>
+          </a:scene3d>
+          <a:sp3d>
+            <a:bevelT w="38100" h="12700" prst="softRound"/>
+          </a:sp3d>
         </a:effectStyle>
       </a:effectStyleLst>
       <a:bgFillStyleLst>
@@ -4222,37 +7260,26 @@
           <a:schemeClr val="phClr"/>
         </a:solidFill>
         <a:solidFill>
-          <a:schemeClr val="phClr">
-            <a:tint val="95000"/>
-            <a:satMod val="170000"/>
-          </a:schemeClr>
+          <a:schemeClr val="phClr"/>
         </a:solidFill>
         <a:gradFill rotWithShape="1">
           <a:gsLst>
             <a:gs pos="0">
               <a:schemeClr val="phClr">
-                <a:tint val="93000"/>
-                <a:satMod val="150000"/>
-                <a:shade val="98000"/>
-                <a:lumMod val="102000"/>
-              </a:schemeClr>
-            </a:gs>
-            <a:gs pos="50000">
-              <a:schemeClr val="phClr">
-                <a:tint val="98000"/>
-                <a:satMod val="130000"/>
-                <a:shade val="90000"/>
-                <a:lumMod val="103000"/>
+                <a:tint val="94000"/>
+                <a:satMod val="80000"/>
+                <a:lumMod val="106000"/>
               </a:schemeClr>
             </a:gs>
             <a:gs pos="100000">
               <a:schemeClr val="phClr">
-                <a:shade val="63000"/>
-                <a:satMod val="120000"/>
+                <a:shade val="80000"/>
               </a:schemeClr>
             </a:gs>
           </a:gsLst>
-          <a:lin ang="5400000" scaled="0"/>
+          <a:path path="circle">
+            <a:fillToRect l="43000" r="43000" b="100000"/>
+          </a:path>
         </a:gradFill>
       </a:bgFillStyleLst>
     </a:fmtScheme>
@@ -4261,7 +7288,7 @@
   <a:extraClrSchemeLst/>
   <a:extLst>
     <a:ext uri="{05A4C25C-085E-4340-85A3-A5531E510DB2}">
-      <thm15:themeFamily xmlns:thm15="http://schemas.microsoft.com/office/thememl/2012/main" name="Office Theme" id="{62F939B6-93AF-4DB8-9C6B-D6C7DFDC589F}" vid="{4A3C46E8-61CC-4603-A589-7422A47A8E4A}"/>
+      <thm15:themeFamily xmlns:thm15="http://schemas.microsoft.com/office/thememl/2012/main" name="Gallery" id="{BBFCD31E-59A1-489D-B089-A3EAD7CAE12E}" vid="{AC464412-510E-4F2B-8947-A0DDBD028997}"/>
     </a:ext>
   </a:extLst>
 </a:theme>

--- a/Relatório/Apresentação.pptx
+++ b/Relatório/Apresentação.pptx
@@ -1,35 +1,38 @@
 
 <file path=ppt/presentation.xml><?xml version="1.0" encoding="utf-8"?>
-<p:presentation xmlns:a="http://schemas.openxmlformats.org/drawingml/2006/main" xmlns:r="http://schemas.openxmlformats.org/officeDocument/2006/relationships" xmlns:p="http://schemas.openxmlformats.org/presentationml/2006/main" saveSubsetFonts="1">
+<p:presentation xmlns:a="http://schemas.openxmlformats.org/drawingml/2006/main" xmlns:r="http://schemas.openxmlformats.org/officeDocument/2006/relationships" xmlns:p="http://schemas.openxmlformats.org/presentationml/2006/main">
   <p:sldMasterIdLst>
-    <p:sldMasterId id="2147483672" r:id="rId1"/>
+    <p:sldMasterId id="2147483648" r:id="rId1"/>
   </p:sldMasterIdLst>
   <p:sldIdLst>
-    <p:sldId id="256" r:id="rId2"/>
-    <p:sldId id="288" r:id="rId3"/>
-    <p:sldId id="287" r:id="rId4"/>
-    <p:sldId id="257" r:id="rId5"/>
-    <p:sldId id="258" r:id="rId6"/>
-    <p:sldId id="267" r:id="rId7"/>
-    <p:sldId id="260" r:id="rId8"/>
-    <p:sldId id="268" r:id="rId9"/>
-    <p:sldId id="269" r:id="rId10"/>
-    <p:sldId id="270" r:id="rId11"/>
-    <p:sldId id="271" r:id="rId12"/>
-    <p:sldId id="272" r:id="rId13"/>
-    <p:sldId id="273" r:id="rId14"/>
-    <p:sldId id="274" r:id="rId15"/>
-    <p:sldId id="275" r:id="rId16"/>
-    <p:sldId id="277" r:id="rId17"/>
-    <p:sldId id="278" r:id="rId18"/>
-    <p:sldId id="279" r:id="rId19"/>
-    <p:sldId id="282" r:id="rId20"/>
-    <p:sldId id="280" r:id="rId21"/>
-    <p:sldId id="285" r:id="rId22"/>
-    <p:sldId id="284" r:id="rId23"/>
-    <p:sldId id="261" r:id="rId24"/>
-    <p:sldId id="262" r:id="rId25"/>
-    <p:sldId id="264" r:id="rId26"/>
+    <p:sldId id="256" r:id="rId3"/>
+    <p:sldId id="288" r:id="rId4"/>
+    <p:sldId id="287" r:id="rId5"/>
+    <p:sldId id="257" r:id="rId6"/>
+    <p:sldId id="258" r:id="rId7"/>
+    <p:sldId id="267" r:id="rId8"/>
+    <p:sldId id="260" r:id="rId9"/>
+    <p:sldId id="268" r:id="rId10"/>
+    <p:sldId id="269" r:id="rId11"/>
+    <p:sldId id="270" r:id="rId12"/>
+    <p:sldId id="271" r:id="rId13"/>
+    <p:sldId id="272" r:id="rId14"/>
+    <p:sldId id="273" r:id="rId15"/>
+    <p:sldId id="274" r:id="rId16"/>
+    <p:sldId id="275" r:id="rId17"/>
+    <p:sldId id="277" r:id="rId18"/>
+    <p:sldId id="278" r:id="rId19"/>
+    <p:sldId id="279" r:id="rId20"/>
+    <p:sldId id="282" r:id="rId21"/>
+    <p:sldId id="280" r:id="rId22"/>
+    <p:sldId id="285" r:id="rId23"/>
+    <p:sldId id="284" r:id="rId24"/>
+    <p:sldId id="261" r:id="rId25"/>
+    <p:sldId id="262" r:id="rId26"/>
+    <p:sldId id="313" r:id="rId27"/>
+    <p:sldId id="264" r:id="rId28"/>
+    <p:sldId id="312" r:id="rId29"/>
+    <p:sldId id="314" r:id="rId30"/>
   </p:sldIdLst>
   <p:sldSz cx="12192000" cy="6858000"/>
   <p:notesSz cx="6858000" cy="9144000"/>
@@ -128,11 +131,6 @@
       </a:defRPr>
     </a:lvl9pPr>
   </p:defaultTextStyle>
-  <p:extLst>
-    <p:ext uri="{EFAFB233-063F-42B5-8137-9DF3F51BA10A}">
-      <p15:sldGuideLst xmlns:p15="http://schemas.microsoft.com/office/powerpoint/2012/main"/>
-    </p:ext>
-  </p:extLst>
 </p:presentation>
 </file>
 
@@ -160,7 +158,7 @@
             <a:spLocks noGrp="1"/>
           </p:cNvSpPr>
           <p:nvPr>
-            <p:ph type="ctrTitle"/>
+            <p:ph type="ctrTitle" hasCustomPrompt="1"/>
           </p:nvPr>
         </p:nvSpPr>
         <p:spPr>
@@ -194,7 +192,7 @@
             <a:spLocks noGrp="1"/>
           </p:cNvSpPr>
           <p:nvPr>
-            <p:ph type="subTitle" idx="1"/>
+            <p:ph type="subTitle" idx="1" hasCustomPrompt="1"/>
           </p:nvPr>
         </p:nvSpPr>
         <p:spPr>
@@ -275,7 +273,6 @@
           <a:p>
             <a:fld id="{4013E98B-3435-411E-BF74-56304C5712BA}" type="datetimeFigureOut">
               <a:rPr lang="pt-PT" smtClean="0"/>
-              <a:t>11/12/2020</a:t>
             </a:fld>
             <a:endParaRPr lang="pt-PT"/>
           </a:p>
@@ -327,7 +324,6 @@
           <a:p>
             <a:fld id="{AC8A20C6-7604-4FF9-8676-1997B649D241}" type="slidenum">
               <a:rPr lang="pt-PT" smtClean="0"/>
-              <a:t>‹nº›</a:t>
             </a:fld>
             <a:endParaRPr lang="pt-PT"/>
           </a:p>
@@ -371,11 +367,6 @@
         </p:style>
       </p:cxnSp>
     </p:spTree>
-    <p:extLst>
-      <p:ext uri="{BB962C8B-B14F-4D97-AF65-F5344CB8AC3E}">
-        <p14:creationId xmlns:p14="http://schemas.microsoft.com/office/powerpoint/2010/main" val="1012871642"/>
-      </p:ext>
-    </p:extLst>
   </p:cSld>
   <p:clrMapOvr>
     <a:masterClrMapping/>
@@ -407,7 +398,7 @@
             <a:spLocks noGrp="1"/>
           </p:cNvSpPr>
           <p:nvPr>
-            <p:ph type="title"/>
+            <p:ph type="title" hasCustomPrompt="1"/>
           </p:nvPr>
         </p:nvSpPr>
         <p:spPr/>
@@ -430,7 +421,7 @@
             <a:spLocks noGrp="1"/>
           </p:cNvSpPr>
           <p:nvPr>
-            <p:ph type="body" orient="vert" idx="1"/>
+            <p:ph type="body" orient="vert" idx="1" hasCustomPrompt="1"/>
           </p:nvPr>
         </p:nvSpPr>
         <p:spPr/>
@@ -443,6 +434,7 @@
               <a:rPr lang="pt-PT"/>
               <a:t>Clique para editar os estilos do texto de Modelo Global</a:t>
             </a:r>
+            <a:endParaRPr lang="pt-PT"/>
           </a:p>
           <a:p>
             <a:pPr lvl="1"/>
@@ -450,6 +442,7 @@
               <a:rPr lang="pt-PT"/>
               <a:t>Segundo nível</a:t>
             </a:r>
+            <a:endParaRPr lang="pt-PT"/>
           </a:p>
           <a:p>
             <a:pPr lvl="2"/>
@@ -457,6 +450,7 @@
               <a:rPr lang="pt-PT"/>
               <a:t>Terceiro nível</a:t>
             </a:r>
+            <a:endParaRPr lang="pt-PT"/>
           </a:p>
           <a:p>
             <a:pPr lvl="3"/>
@@ -464,6 +458,7 @@
               <a:rPr lang="pt-PT"/>
               <a:t>Quarto nível</a:t>
             </a:r>
+            <a:endParaRPr lang="pt-PT"/>
           </a:p>
           <a:p>
             <a:pPr lvl="4"/>
@@ -492,7 +487,6 @@
           <a:p>
             <a:fld id="{4013E98B-3435-411E-BF74-56304C5712BA}" type="datetimeFigureOut">
               <a:rPr lang="pt-PT" smtClean="0"/>
-              <a:t>11/12/2020</a:t>
             </a:fld>
             <a:endParaRPr lang="pt-PT"/>
           </a:p>
@@ -534,7 +528,6 @@
           <a:p>
             <a:fld id="{AC8A20C6-7604-4FF9-8676-1997B649D241}" type="slidenum">
               <a:rPr lang="pt-PT" smtClean="0"/>
-              <a:t>‹nº›</a:t>
             </a:fld>
             <a:endParaRPr lang="pt-PT"/>
           </a:p>
@@ -578,11 +571,6 @@
         </p:style>
       </p:cxnSp>
     </p:spTree>
-    <p:extLst>
-      <p:ext uri="{BB962C8B-B14F-4D97-AF65-F5344CB8AC3E}">
-        <p14:creationId xmlns:p14="http://schemas.microsoft.com/office/powerpoint/2010/main" val="2686239062"/>
-      </p:ext>
-    </p:extLst>
   </p:cSld>
   <p:clrMapOvr>
     <a:masterClrMapping/>
@@ -614,7 +602,7 @@
             <a:spLocks noGrp="1"/>
           </p:cNvSpPr>
           <p:nvPr>
-            <p:ph type="title" orient="vert"/>
+            <p:ph type="title" orient="vert" hasCustomPrompt="1"/>
           </p:nvPr>
         </p:nvSpPr>
         <p:spPr>
@@ -646,7 +634,7 @@
             <a:spLocks noGrp="1"/>
           </p:cNvSpPr>
           <p:nvPr>
-            <p:ph type="body" orient="vert" idx="1"/>
+            <p:ph type="body" orient="vert" idx="1" hasCustomPrompt="1"/>
           </p:nvPr>
         </p:nvSpPr>
         <p:spPr>
@@ -664,6 +652,7 @@
               <a:rPr lang="pt-PT"/>
               <a:t>Clique para editar os estilos do texto de Modelo Global</a:t>
             </a:r>
+            <a:endParaRPr lang="pt-PT"/>
           </a:p>
           <a:p>
             <a:pPr lvl="1"/>
@@ -671,6 +660,7 @@
               <a:rPr lang="pt-PT"/>
               <a:t>Segundo nível</a:t>
             </a:r>
+            <a:endParaRPr lang="pt-PT"/>
           </a:p>
           <a:p>
             <a:pPr lvl="2"/>
@@ -678,6 +668,7 @@
               <a:rPr lang="pt-PT"/>
               <a:t>Terceiro nível</a:t>
             </a:r>
+            <a:endParaRPr lang="pt-PT"/>
           </a:p>
           <a:p>
             <a:pPr lvl="3"/>
@@ -685,6 +676,7 @@
               <a:rPr lang="pt-PT"/>
               <a:t>Quarto nível</a:t>
             </a:r>
+            <a:endParaRPr lang="pt-PT"/>
           </a:p>
           <a:p>
             <a:pPr lvl="4"/>
@@ -713,7 +705,6 @@
           <a:p>
             <a:fld id="{4013E98B-3435-411E-BF74-56304C5712BA}" type="datetimeFigureOut">
               <a:rPr lang="pt-PT" smtClean="0"/>
-              <a:t>11/12/2020</a:t>
             </a:fld>
             <a:endParaRPr lang="pt-PT"/>
           </a:p>
@@ -755,7 +746,6 @@
           <a:p>
             <a:fld id="{AC8A20C6-7604-4FF9-8676-1997B649D241}" type="slidenum">
               <a:rPr lang="pt-PT" smtClean="0"/>
-              <a:t>‹nº›</a:t>
             </a:fld>
             <a:endParaRPr lang="pt-PT"/>
           </a:p>
@@ -799,11 +789,6 @@
         </p:style>
       </p:cxnSp>
     </p:spTree>
-    <p:extLst>
-      <p:ext uri="{BB962C8B-B14F-4D97-AF65-F5344CB8AC3E}">
-        <p14:creationId xmlns:p14="http://schemas.microsoft.com/office/powerpoint/2010/main" val="2155853963"/>
-      </p:ext>
-    </p:extLst>
   </p:cSld>
   <p:clrMapOvr>
     <a:masterClrMapping/>
@@ -835,7 +820,7 @@
             <a:spLocks noGrp="1"/>
           </p:cNvSpPr>
           <p:nvPr>
-            <p:ph type="title"/>
+            <p:ph type="title" hasCustomPrompt="1"/>
           </p:nvPr>
         </p:nvSpPr>
         <p:spPr/>
@@ -858,7 +843,7 @@
             <a:spLocks noGrp="1"/>
           </p:cNvSpPr>
           <p:nvPr>
-            <p:ph idx="1"/>
+            <p:ph idx="1" hasCustomPrompt="1"/>
           </p:nvPr>
         </p:nvSpPr>
         <p:spPr/>
@@ -871,6 +856,7 @@
               <a:rPr lang="pt-PT"/>
               <a:t>Clique para editar os estilos do texto de Modelo Global</a:t>
             </a:r>
+            <a:endParaRPr lang="pt-PT"/>
           </a:p>
           <a:p>
             <a:pPr lvl="1"/>
@@ -878,6 +864,7 @@
               <a:rPr lang="pt-PT"/>
               <a:t>Segundo nível</a:t>
             </a:r>
+            <a:endParaRPr lang="pt-PT"/>
           </a:p>
           <a:p>
             <a:pPr lvl="2"/>
@@ -885,6 +872,7 @@
               <a:rPr lang="pt-PT"/>
               <a:t>Terceiro nível</a:t>
             </a:r>
+            <a:endParaRPr lang="pt-PT"/>
           </a:p>
           <a:p>
             <a:pPr lvl="3"/>
@@ -892,6 +880,7 @@
               <a:rPr lang="pt-PT"/>
               <a:t>Quarto nível</a:t>
             </a:r>
+            <a:endParaRPr lang="pt-PT"/>
           </a:p>
           <a:p>
             <a:pPr lvl="4"/>
@@ -920,7 +909,6 @@
           <a:p>
             <a:fld id="{4013E98B-3435-411E-BF74-56304C5712BA}" type="datetimeFigureOut">
               <a:rPr lang="pt-PT" smtClean="0"/>
-              <a:t>11/12/2020</a:t>
             </a:fld>
             <a:endParaRPr lang="pt-PT"/>
           </a:p>
@@ -962,7 +950,6 @@
           <a:p>
             <a:fld id="{AC8A20C6-7604-4FF9-8676-1997B649D241}" type="slidenum">
               <a:rPr lang="pt-PT" smtClean="0"/>
-              <a:t>‹nº›</a:t>
             </a:fld>
             <a:endParaRPr lang="pt-PT"/>
           </a:p>
@@ -1006,11 +993,6 @@
         </p:style>
       </p:cxnSp>
     </p:spTree>
-    <p:extLst>
-      <p:ext uri="{BB962C8B-B14F-4D97-AF65-F5344CB8AC3E}">
-        <p14:creationId xmlns:p14="http://schemas.microsoft.com/office/powerpoint/2010/main" val="4004751094"/>
-      </p:ext>
-    </p:extLst>
   </p:cSld>
   <p:clrMapOvr>
     <a:masterClrMapping/>
@@ -1042,7 +1024,7 @@
             <a:spLocks noGrp="1"/>
           </p:cNvSpPr>
           <p:nvPr>
-            <p:ph type="title"/>
+            <p:ph type="title" hasCustomPrompt="1"/>
           </p:nvPr>
         </p:nvSpPr>
         <p:spPr>
@@ -1076,7 +1058,7 @@
             <a:spLocks noGrp="1"/>
           </p:cNvSpPr>
           <p:nvPr>
-            <p:ph type="body" idx="1"/>
+            <p:ph type="body" idx="1" hasCustomPrompt="1"/>
           </p:nvPr>
         </p:nvSpPr>
         <p:spPr>
@@ -1185,6 +1167,7 @@
               <a:rPr lang="pt-PT"/>
               <a:t>Clique para editar os estilos do texto de Modelo Global</a:t>
             </a:r>
+            <a:endParaRPr lang="pt-PT"/>
           </a:p>
         </p:txBody>
       </p:sp>
@@ -1205,7 +1188,6 @@
           <a:p>
             <a:fld id="{4013E98B-3435-411E-BF74-56304C5712BA}" type="datetimeFigureOut">
               <a:rPr lang="pt-PT" smtClean="0"/>
-              <a:t>11/12/2020</a:t>
             </a:fld>
             <a:endParaRPr lang="pt-PT"/>
           </a:p>
@@ -1247,7 +1229,6 @@
           <a:p>
             <a:fld id="{AC8A20C6-7604-4FF9-8676-1997B649D241}" type="slidenum">
               <a:rPr lang="pt-PT" smtClean="0"/>
-              <a:t>‹nº›</a:t>
             </a:fld>
             <a:endParaRPr lang="pt-PT"/>
           </a:p>
@@ -1291,11 +1272,6 @@
         </p:style>
       </p:cxnSp>
     </p:spTree>
-    <p:extLst>
-      <p:ext uri="{BB962C8B-B14F-4D97-AF65-F5344CB8AC3E}">
-        <p14:creationId xmlns:p14="http://schemas.microsoft.com/office/powerpoint/2010/main" val="26492423"/>
-      </p:ext>
-    </p:extLst>
   </p:cSld>
   <p:clrMapOvr>
     <a:masterClrMapping/>
@@ -1327,7 +1303,7 @@
             <a:spLocks noGrp="1"/>
           </p:cNvSpPr>
           <p:nvPr>
-            <p:ph type="title"/>
+            <p:ph type="title" hasCustomPrompt="1"/>
           </p:nvPr>
         </p:nvSpPr>
         <p:spPr>
@@ -1355,7 +1331,7 @@
             <a:spLocks noGrp="1"/>
           </p:cNvSpPr>
           <p:nvPr>
-            <p:ph sz="half" idx="1"/>
+            <p:ph sz="half" idx="1" hasCustomPrompt="1"/>
           </p:nvPr>
         </p:nvSpPr>
         <p:spPr>
@@ -1373,6 +1349,7 @@
               <a:rPr lang="pt-PT"/>
               <a:t>Clique para editar os estilos do texto de Modelo Global</a:t>
             </a:r>
+            <a:endParaRPr lang="pt-PT"/>
           </a:p>
           <a:p>
             <a:pPr lvl="1"/>
@@ -1380,6 +1357,7 @@
               <a:rPr lang="pt-PT"/>
               <a:t>Segundo nível</a:t>
             </a:r>
+            <a:endParaRPr lang="pt-PT"/>
           </a:p>
           <a:p>
             <a:pPr lvl="2"/>
@@ -1387,6 +1365,7 @@
               <a:rPr lang="pt-PT"/>
               <a:t>Terceiro nível</a:t>
             </a:r>
+            <a:endParaRPr lang="pt-PT"/>
           </a:p>
           <a:p>
             <a:pPr lvl="3"/>
@@ -1394,6 +1373,7 @@
               <a:rPr lang="pt-PT"/>
               <a:t>Quarto nível</a:t>
             </a:r>
+            <a:endParaRPr lang="pt-PT"/>
           </a:p>
           <a:p>
             <a:pPr lvl="4"/>
@@ -1412,7 +1392,7 @@
             <a:spLocks noGrp="1"/>
           </p:cNvSpPr>
           <p:nvPr>
-            <p:ph sz="half" idx="2"/>
+            <p:ph sz="half" idx="2" hasCustomPrompt="1"/>
           </p:nvPr>
         </p:nvSpPr>
         <p:spPr>
@@ -1430,6 +1410,7 @@
               <a:rPr lang="pt-PT"/>
               <a:t>Clique para editar os estilos do texto de Modelo Global</a:t>
             </a:r>
+            <a:endParaRPr lang="pt-PT"/>
           </a:p>
           <a:p>
             <a:pPr lvl="1"/>
@@ -1437,6 +1418,7 @@
               <a:rPr lang="pt-PT"/>
               <a:t>Segundo nível</a:t>
             </a:r>
+            <a:endParaRPr lang="pt-PT"/>
           </a:p>
           <a:p>
             <a:pPr lvl="2"/>
@@ -1444,6 +1426,7 @@
               <a:rPr lang="pt-PT"/>
               <a:t>Terceiro nível</a:t>
             </a:r>
+            <a:endParaRPr lang="pt-PT"/>
           </a:p>
           <a:p>
             <a:pPr lvl="3"/>
@@ -1451,6 +1434,7 @@
               <a:rPr lang="pt-PT"/>
               <a:t>Quarto nível</a:t>
             </a:r>
+            <a:endParaRPr lang="pt-PT"/>
           </a:p>
           <a:p>
             <a:pPr lvl="4"/>
@@ -1479,7 +1463,6 @@
           <a:p>
             <a:fld id="{4013E98B-3435-411E-BF74-56304C5712BA}" type="datetimeFigureOut">
               <a:rPr lang="pt-PT" smtClean="0"/>
-              <a:t>11/12/2020</a:t>
             </a:fld>
             <a:endParaRPr lang="pt-PT"/>
           </a:p>
@@ -1521,7 +1504,6 @@
           <a:p>
             <a:fld id="{AC8A20C6-7604-4FF9-8676-1997B649D241}" type="slidenum">
               <a:rPr lang="pt-PT" smtClean="0"/>
-              <a:t>‹nº›</a:t>
             </a:fld>
             <a:endParaRPr lang="pt-PT"/>
           </a:p>
@@ -1565,11 +1547,6 @@
         </p:style>
       </p:cxnSp>
     </p:spTree>
-    <p:extLst>
-      <p:ext uri="{BB962C8B-B14F-4D97-AF65-F5344CB8AC3E}">
-        <p14:creationId xmlns:p14="http://schemas.microsoft.com/office/powerpoint/2010/main" val="1016163511"/>
-      </p:ext>
-    </p:extLst>
   </p:cSld>
   <p:clrMapOvr>
     <a:masterClrMapping/>
@@ -1601,7 +1578,7 @@
             <a:spLocks noGrp="1"/>
           </p:cNvSpPr>
           <p:nvPr>
-            <p:ph type="title"/>
+            <p:ph type="title" hasCustomPrompt="1"/>
           </p:nvPr>
         </p:nvSpPr>
         <p:spPr>
@@ -1629,7 +1606,7 @@
             <a:spLocks noGrp="1"/>
           </p:cNvSpPr>
           <p:nvPr>
-            <p:ph type="body" idx="1"/>
+            <p:ph type="body" idx="1" hasCustomPrompt="1"/>
           </p:nvPr>
         </p:nvSpPr>
         <p:spPr>
@@ -1693,6 +1670,7 @@
               <a:rPr lang="pt-PT"/>
               <a:t>Clique para editar os estilos do texto de Modelo Global</a:t>
             </a:r>
+            <a:endParaRPr lang="pt-PT"/>
           </a:p>
         </p:txBody>
       </p:sp>
@@ -1703,7 +1681,7 @@
             <a:spLocks noGrp="1"/>
           </p:cNvSpPr>
           <p:nvPr>
-            <p:ph sz="half" idx="2"/>
+            <p:ph sz="half" idx="2" hasCustomPrompt="1"/>
           </p:nvPr>
         </p:nvSpPr>
         <p:spPr>
@@ -1721,6 +1699,7 @@
               <a:rPr lang="pt-PT"/>
               <a:t>Clique para editar os estilos do texto de Modelo Global</a:t>
             </a:r>
+            <a:endParaRPr lang="pt-PT"/>
           </a:p>
           <a:p>
             <a:pPr lvl="1"/>
@@ -1728,6 +1707,7 @@
               <a:rPr lang="pt-PT"/>
               <a:t>Segundo nível</a:t>
             </a:r>
+            <a:endParaRPr lang="pt-PT"/>
           </a:p>
           <a:p>
             <a:pPr lvl="2"/>
@@ -1735,6 +1715,7 @@
               <a:rPr lang="pt-PT"/>
               <a:t>Terceiro nível</a:t>
             </a:r>
+            <a:endParaRPr lang="pt-PT"/>
           </a:p>
           <a:p>
             <a:pPr lvl="3"/>
@@ -1742,6 +1723,7 @@
               <a:rPr lang="pt-PT"/>
               <a:t>Quarto nível</a:t>
             </a:r>
+            <a:endParaRPr lang="pt-PT"/>
           </a:p>
           <a:p>
             <a:pPr lvl="4"/>
@@ -1760,7 +1742,7 @@
             <a:spLocks noGrp="1"/>
           </p:cNvSpPr>
           <p:nvPr>
-            <p:ph type="body" sz="quarter" idx="3"/>
+            <p:ph type="body" sz="quarter" idx="3" hasCustomPrompt="1"/>
           </p:nvPr>
         </p:nvSpPr>
         <p:spPr>
@@ -1824,6 +1806,7 @@
               <a:rPr lang="pt-PT"/>
               <a:t>Clique para editar os estilos do texto de Modelo Global</a:t>
             </a:r>
+            <a:endParaRPr lang="pt-PT"/>
           </a:p>
         </p:txBody>
       </p:sp>
@@ -1834,7 +1817,7 @@
             <a:spLocks noGrp="1"/>
           </p:cNvSpPr>
           <p:nvPr>
-            <p:ph sz="quarter" idx="4"/>
+            <p:ph sz="quarter" idx="4" hasCustomPrompt="1"/>
           </p:nvPr>
         </p:nvSpPr>
         <p:spPr>
@@ -1852,6 +1835,7 @@
               <a:rPr lang="pt-PT"/>
               <a:t>Clique para editar os estilos do texto de Modelo Global</a:t>
             </a:r>
+            <a:endParaRPr lang="pt-PT"/>
           </a:p>
           <a:p>
             <a:pPr lvl="1"/>
@@ -1859,6 +1843,7 @@
               <a:rPr lang="pt-PT"/>
               <a:t>Segundo nível</a:t>
             </a:r>
+            <a:endParaRPr lang="pt-PT"/>
           </a:p>
           <a:p>
             <a:pPr lvl="2"/>
@@ -1866,6 +1851,7 @@
               <a:rPr lang="pt-PT"/>
               <a:t>Terceiro nível</a:t>
             </a:r>
+            <a:endParaRPr lang="pt-PT"/>
           </a:p>
           <a:p>
             <a:pPr lvl="3"/>
@@ -1873,6 +1859,7 @@
               <a:rPr lang="pt-PT"/>
               <a:t>Quarto nível</a:t>
             </a:r>
+            <a:endParaRPr lang="pt-PT"/>
           </a:p>
           <a:p>
             <a:pPr lvl="4"/>
@@ -1901,7 +1888,6 @@
           <a:p>
             <a:fld id="{4013E98B-3435-411E-BF74-56304C5712BA}" type="datetimeFigureOut">
               <a:rPr lang="pt-PT" smtClean="0"/>
-              <a:t>11/12/2020</a:t>
             </a:fld>
             <a:endParaRPr lang="pt-PT"/>
           </a:p>
@@ -1943,7 +1929,6 @@
           <a:p>
             <a:fld id="{AC8A20C6-7604-4FF9-8676-1997B649D241}" type="slidenum">
               <a:rPr lang="pt-PT" smtClean="0"/>
-              <a:t>‹nº›</a:t>
             </a:fld>
             <a:endParaRPr lang="pt-PT"/>
           </a:p>
@@ -1987,11 +1972,6 @@
         </p:style>
       </p:cxnSp>
     </p:spTree>
-    <p:extLst>
-      <p:ext uri="{BB962C8B-B14F-4D97-AF65-F5344CB8AC3E}">
-        <p14:creationId xmlns:p14="http://schemas.microsoft.com/office/powerpoint/2010/main" val="2680273801"/>
-      </p:ext>
-    </p:extLst>
   </p:cSld>
   <p:clrMapOvr>
     <a:masterClrMapping/>
@@ -2023,7 +2003,7 @@
             <a:spLocks noGrp="1"/>
           </p:cNvSpPr>
           <p:nvPr>
-            <p:ph type="title"/>
+            <p:ph type="title" hasCustomPrompt="1"/>
           </p:nvPr>
         </p:nvSpPr>
         <p:spPr/>
@@ -2056,7 +2036,6 @@
           <a:p>
             <a:fld id="{4013E98B-3435-411E-BF74-56304C5712BA}" type="datetimeFigureOut">
               <a:rPr lang="pt-PT" smtClean="0"/>
-              <a:t>11/12/2020</a:t>
             </a:fld>
             <a:endParaRPr lang="pt-PT"/>
           </a:p>
@@ -2098,7 +2077,6 @@
           <a:p>
             <a:fld id="{AC8A20C6-7604-4FF9-8676-1997B649D241}" type="slidenum">
               <a:rPr lang="pt-PT" smtClean="0"/>
-              <a:t>‹nº›</a:t>
             </a:fld>
             <a:endParaRPr lang="pt-PT"/>
           </a:p>
@@ -2142,11 +2120,6 @@
         </p:style>
       </p:cxnSp>
     </p:spTree>
-    <p:extLst>
-      <p:ext uri="{BB962C8B-B14F-4D97-AF65-F5344CB8AC3E}">
-        <p14:creationId xmlns:p14="http://schemas.microsoft.com/office/powerpoint/2010/main" val="3243822790"/>
-      </p:ext>
-    </p:extLst>
   </p:cSld>
   <p:clrMapOvr>
     <a:masterClrMapping/>
@@ -2188,7 +2161,6 @@
           <a:p>
             <a:fld id="{4013E98B-3435-411E-BF74-56304C5712BA}" type="datetimeFigureOut">
               <a:rPr lang="pt-PT" smtClean="0"/>
-              <a:t>11/12/2020</a:t>
             </a:fld>
             <a:endParaRPr lang="pt-PT"/>
           </a:p>
@@ -2230,18 +2202,12 @@
           <a:p>
             <a:fld id="{AC8A20C6-7604-4FF9-8676-1997B649D241}" type="slidenum">
               <a:rPr lang="pt-PT" smtClean="0"/>
-              <a:t>‹nº›</a:t>
             </a:fld>
             <a:endParaRPr lang="pt-PT"/>
           </a:p>
         </p:txBody>
       </p:sp>
     </p:spTree>
-    <p:extLst>
-      <p:ext uri="{BB962C8B-B14F-4D97-AF65-F5344CB8AC3E}">
-        <p14:creationId xmlns:p14="http://schemas.microsoft.com/office/powerpoint/2010/main" val="2459837125"/>
-      </p:ext>
-    </p:extLst>
   </p:cSld>
   <p:clrMapOvr>
     <a:masterClrMapping/>
@@ -2273,7 +2239,7 @@
             <a:spLocks noGrp="1"/>
           </p:cNvSpPr>
           <p:nvPr>
-            <p:ph type="title"/>
+            <p:ph type="title" hasCustomPrompt="1"/>
           </p:nvPr>
         </p:nvSpPr>
         <p:spPr>
@@ -2307,7 +2273,7 @@
             <a:spLocks noGrp="1"/>
           </p:cNvSpPr>
           <p:nvPr>
-            <p:ph idx="1"/>
+            <p:ph idx="1" hasCustomPrompt="1"/>
           </p:nvPr>
         </p:nvSpPr>
         <p:spPr>
@@ -2325,6 +2291,7 @@
               <a:rPr lang="pt-PT"/>
               <a:t>Clique para editar os estilos do texto de Modelo Global</a:t>
             </a:r>
+            <a:endParaRPr lang="pt-PT"/>
           </a:p>
           <a:p>
             <a:pPr lvl="1"/>
@@ -2332,6 +2299,7 @@
               <a:rPr lang="pt-PT"/>
               <a:t>Segundo nível</a:t>
             </a:r>
+            <a:endParaRPr lang="pt-PT"/>
           </a:p>
           <a:p>
             <a:pPr lvl="2"/>
@@ -2339,6 +2307,7 @@
               <a:rPr lang="pt-PT"/>
               <a:t>Terceiro nível</a:t>
             </a:r>
+            <a:endParaRPr lang="pt-PT"/>
           </a:p>
           <a:p>
             <a:pPr lvl="3"/>
@@ -2346,6 +2315,7 @@
               <a:rPr lang="pt-PT"/>
               <a:t>Quarto nível</a:t>
             </a:r>
+            <a:endParaRPr lang="pt-PT"/>
           </a:p>
           <a:p>
             <a:pPr lvl="4"/>
@@ -2364,7 +2334,7 @@
             <a:spLocks noGrp="1"/>
           </p:cNvSpPr>
           <p:nvPr>
-            <p:ph type="body" sz="half" idx="2"/>
+            <p:ph type="body" sz="half" idx="2" hasCustomPrompt="1"/>
           </p:nvPr>
         </p:nvSpPr>
         <p:spPr>
@@ -2419,6 +2389,7 @@
               <a:rPr lang="pt-PT"/>
               <a:t>Clique para editar os estilos do texto de Modelo Global</a:t>
             </a:r>
+            <a:endParaRPr lang="pt-PT"/>
           </a:p>
         </p:txBody>
       </p:sp>
@@ -2439,7 +2410,6 @@
           <a:p>
             <a:fld id="{4013E98B-3435-411E-BF74-56304C5712BA}" type="datetimeFigureOut">
               <a:rPr lang="pt-PT" smtClean="0"/>
-              <a:t>11/12/2020</a:t>
             </a:fld>
             <a:endParaRPr lang="pt-PT"/>
           </a:p>
@@ -2481,7 +2451,6 @@
           <a:p>
             <a:fld id="{AC8A20C6-7604-4FF9-8676-1997B649D241}" type="slidenum">
               <a:rPr lang="pt-PT" smtClean="0"/>
-              <a:t>‹nº›</a:t>
             </a:fld>
             <a:endParaRPr lang="pt-PT"/>
           </a:p>
@@ -2525,11 +2494,6 @@
         </p:style>
       </p:cxnSp>
     </p:spTree>
-    <p:extLst>
-      <p:ext uri="{BB962C8B-B14F-4D97-AF65-F5344CB8AC3E}">
-        <p14:creationId xmlns:p14="http://schemas.microsoft.com/office/powerpoint/2010/main" val="2295563071"/>
-      </p:ext>
-    </p:extLst>
   </p:cSld>
   <p:clrMapOvr>
     <a:masterClrMapping/>
@@ -2699,7 +2663,7 @@
             <a:spLocks noGrp="1"/>
           </p:cNvSpPr>
           <p:nvPr>
-            <p:ph type="title"/>
+            <p:ph type="title" hasCustomPrompt="1"/>
           </p:nvPr>
         </p:nvSpPr>
         <p:spPr>
@@ -2808,7 +2772,7 @@
             <a:spLocks noGrp="1"/>
           </p:cNvSpPr>
           <p:nvPr>
-            <p:ph type="body" sz="half" idx="2"/>
+            <p:ph type="body" sz="half" idx="2" hasCustomPrompt="1"/>
           </p:nvPr>
         </p:nvSpPr>
         <p:spPr>
@@ -2865,6 +2829,7 @@
               <a:rPr lang="pt-PT"/>
               <a:t>Clique para editar os estilos do texto de Modelo Global</a:t>
             </a:r>
+            <a:endParaRPr lang="pt-PT"/>
           </a:p>
         </p:txBody>
       </p:sp>
@@ -2894,7 +2859,6 @@
           <a:p>
             <a:fld id="{4013E98B-3435-411E-BF74-56304C5712BA}" type="datetimeFigureOut">
               <a:rPr lang="pt-PT" smtClean="0"/>
-              <a:t>11/12/2020</a:t>
             </a:fld>
             <a:endParaRPr lang="pt-PT"/>
           </a:p>
@@ -2941,7 +2905,6 @@
           <a:p>
             <a:fld id="{AC8A20C6-7604-4FF9-8676-1997B649D241}" type="slidenum">
               <a:rPr lang="pt-PT" smtClean="0"/>
-              <a:t>‹nº›</a:t>
             </a:fld>
             <a:endParaRPr lang="pt-PT"/>
           </a:p>
@@ -2985,11 +2948,6 @@
         </p:style>
       </p:cxnSp>
     </p:spTree>
-    <p:extLst>
-      <p:ext uri="{BB962C8B-B14F-4D97-AF65-F5344CB8AC3E}">
-        <p14:creationId xmlns:p14="http://schemas.microsoft.com/office/powerpoint/2010/main" val="2443159201"/>
-      </p:ext>
-    </p:extLst>
   </p:cSld>
   <p:clrMapOvr>
     <a:masterClrMapping/>
@@ -3077,9 +3035,11 @@
           <p:nvPr/>
         </p:nvPicPr>
         <p:blipFill rotWithShape="1">
-          <a:blip r:embed="rId13"/>
+          <a:blip r:embed="rId12"/>
           <a:srcRect t="2769" b="-2769"/>
-          <a:stretch/>
+          <a:stretch>
+            <a:fillRect/>
+          </a:stretch>
         </p:blipFill>
         <p:spPr>
           <a:xfrm>
@@ -3154,6 +3114,7 @@
               <a:rPr lang="pt-PT"/>
               <a:t>Clique para editar os estilos do texto de Modelo Global</a:t>
             </a:r>
+            <a:endParaRPr lang="pt-PT"/>
           </a:p>
           <a:p>
             <a:pPr lvl="1"/>
@@ -3161,6 +3122,7 @@
               <a:rPr lang="pt-PT"/>
               <a:t>Segundo nível</a:t>
             </a:r>
+            <a:endParaRPr lang="pt-PT"/>
           </a:p>
           <a:p>
             <a:pPr lvl="2"/>
@@ -3168,6 +3130,7 @@
               <a:rPr lang="pt-PT"/>
               <a:t>Terceiro nível</a:t>
             </a:r>
+            <a:endParaRPr lang="pt-PT"/>
           </a:p>
           <a:p>
             <a:pPr lvl="3"/>
@@ -3175,6 +3138,7 @@
               <a:rPr lang="pt-PT"/>
               <a:t>Quarto nível</a:t>
             </a:r>
+            <a:endParaRPr lang="pt-PT"/>
           </a:p>
           <a:p>
             <a:pPr lvl="4"/>
@@ -3221,7 +3185,6 @@
           <a:p>
             <a:fld id="{4013E98B-3435-411E-BF74-56304C5712BA}" type="datetimeFigureOut">
               <a:rPr lang="pt-PT" smtClean="0"/>
-              <a:t>11/12/2020</a:t>
             </a:fld>
             <a:endParaRPr lang="pt-PT"/>
           </a:p>
@@ -3297,7 +3260,6 @@
           <a:p>
             <a:fld id="{AC8A20C6-7604-4FF9-8676-1997B649D241}" type="slidenum">
               <a:rPr lang="pt-PT" smtClean="0"/>
-              <a:t>‹nº›</a:t>
             </a:fld>
             <a:endParaRPr lang="pt-PT"/>
           </a:p>
@@ -3341,25 +3303,20 @@
         </p:style>
       </p:cxnSp>
     </p:spTree>
-    <p:extLst>
-      <p:ext uri="{BB962C8B-B14F-4D97-AF65-F5344CB8AC3E}">
-        <p14:creationId xmlns:p14="http://schemas.microsoft.com/office/powerpoint/2010/main" val="1839653970"/>
-      </p:ext>
-    </p:extLst>
   </p:cSld>
   <p:clrMap bg1="lt1" tx1="dk1" bg2="lt2" tx2="dk2" accent1="accent1" accent2="accent2" accent3="accent3" accent4="accent4" accent5="accent5" accent6="accent6" hlink="hlink" folHlink="folHlink"/>
   <p:sldLayoutIdLst>
-    <p:sldLayoutId id="2147483673" r:id="rId1"/>
-    <p:sldLayoutId id="2147483674" r:id="rId2"/>
-    <p:sldLayoutId id="2147483675" r:id="rId3"/>
-    <p:sldLayoutId id="2147483676" r:id="rId4"/>
-    <p:sldLayoutId id="2147483677" r:id="rId5"/>
-    <p:sldLayoutId id="2147483678" r:id="rId6"/>
-    <p:sldLayoutId id="2147483679" r:id="rId7"/>
-    <p:sldLayoutId id="2147483680" r:id="rId8"/>
-    <p:sldLayoutId id="2147483681" r:id="rId9"/>
-    <p:sldLayoutId id="2147483682" r:id="rId10"/>
-    <p:sldLayoutId id="2147483683" r:id="rId11"/>
+    <p:sldLayoutId id="2147483649" r:id="rId1"/>
+    <p:sldLayoutId id="2147483650" r:id="rId2"/>
+    <p:sldLayoutId id="2147483651" r:id="rId3"/>
+    <p:sldLayoutId id="2147483652" r:id="rId4"/>
+    <p:sldLayoutId id="2147483653" r:id="rId5"/>
+    <p:sldLayoutId id="2147483654" r:id="rId6"/>
+    <p:sldLayoutId id="2147483655" r:id="rId7"/>
+    <p:sldLayoutId id="2147483656" r:id="rId8"/>
+    <p:sldLayoutId id="2147483657" r:id="rId9"/>
+    <p:sldLayoutId id="2147483658" r:id="rId10"/>
+    <p:sldLayoutId id="2147483659" r:id="rId11"/>
   </p:sldLayoutIdLst>
   <p:txStyles>
     <p:titleStyle>
@@ -3709,13 +3666,7 @@
       </p:grpSpPr>
       <p:sp>
         <p:nvSpPr>
-          <p:cNvPr id="2" name="Título 1">
-            <a:extLst>
-              <a:ext uri="{FF2B5EF4-FFF2-40B4-BE49-F238E27FC236}">
-                <a16:creationId xmlns:a16="http://schemas.microsoft.com/office/drawing/2014/main" id="{FFD9F0C6-63B5-4770-AF46-A8E7E6287DBA}"/>
-              </a:ext>
-            </a:extLst>
-          </p:cNvPr>
+          <p:cNvPr id="2" name="Título 1"/>
           <p:cNvSpPr>
             <a:spLocks noGrp="1"/>
           </p:cNvSpPr>
@@ -3732,18 +3683,13 @@
               <a:rPr lang="pt-PT" dirty="0"/>
               <a:t>Programação distribuída</a:t>
             </a:r>
-          </a:p>
-        </p:txBody>
-      </p:sp>
-      <p:sp>
-        <p:nvSpPr>
-          <p:cNvPr id="3" name="Subtítulo 2">
-            <a:extLst>
-              <a:ext uri="{FF2B5EF4-FFF2-40B4-BE49-F238E27FC236}">
-                <a16:creationId xmlns:a16="http://schemas.microsoft.com/office/drawing/2014/main" id="{4FB85CE0-D16B-4667-A148-8E026B6B47BF}"/>
-              </a:ext>
-            </a:extLst>
-          </p:cNvPr>
+            <a:endParaRPr lang="pt-PT" dirty="0"/>
+          </a:p>
+        </p:txBody>
+      </p:sp>
+      <p:sp>
+        <p:nvSpPr>
+          <p:cNvPr id="3" name="Subtítulo 2"/>
           <p:cNvSpPr>
             <a:spLocks noGrp="1"/>
           </p:cNvSpPr>
@@ -3762,27 +3708,25 @@
               <a:rPr lang="pt-PT" dirty="0"/>
               <a:t>Trabalho realizado por:</a:t>
             </a:r>
+            <a:endParaRPr lang="pt-PT" dirty="0"/>
           </a:p>
           <a:p>
             <a:r>
               <a:rPr lang="pt-PT" dirty="0"/>
               <a:t>Leandro Adão Fidalgo, a2017017144</a:t>
             </a:r>
+            <a:endParaRPr lang="pt-PT" dirty="0"/>
           </a:p>
           <a:p>
             <a:r>
               <a:rPr lang="pt-PT" dirty="0"/>
               <a:t>Pedro dos Santos Alves, a2019112789</a:t>
             </a:r>
+            <a:endParaRPr lang="pt-PT" dirty="0"/>
           </a:p>
         </p:txBody>
       </p:sp>
     </p:spTree>
-    <p:extLst>
-      <p:ext uri="{BB962C8B-B14F-4D97-AF65-F5344CB8AC3E}">
-        <p14:creationId xmlns:p14="http://schemas.microsoft.com/office/powerpoint/2010/main" val="1004823786"/>
-      </p:ext>
-    </p:extLst>
   </p:cSld>
   <p:clrMapOvr>
     <a:masterClrMapping/>
@@ -3809,13 +3753,7 @@
       </p:grpSpPr>
       <p:sp>
         <p:nvSpPr>
-          <p:cNvPr id="2" name="Título 1">
-            <a:extLst>
-              <a:ext uri="{FF2B5EF4-FFF2-40B4-BE49-F238E27FC236}">
-                <a16:creationId xmlns:a16="http://schemas.microsoft.com/office/drawing/2014/main" id="{A9BB6277-7A10-4BD1-8B5C-634EA0141CF7}"/>
-              </a:ext>
-            </a:extLst>
-          </p:cNvPr>
+          <p:cNvPr id="2" name="Título 1"/>
           <p:cNvSpPr>
             <a:spLocks noGrp="1"/>
           </p:cNvSpPr>
@@ -3832,18 +3770,13 @@
               <a:rPr lang="pt-PT" dirty="0"/>
               <a:t>Estrutura das mensagens trocadas</a:t>
             </a:r>
-          </a:p>
-        </p:txBody>
-      </p:sp>
-      <p:sp>
-        <p:nvSpPr>
-          <p:cNvPr id="3" name="Marcador de Posição de Conteúdo 2">
-            <a:extLst>
-              <a:ext uri="{FF2B5EF4-FFF2-40B4-BE49-F238E27FC236}">
-                <a16:creationId xmlns:a16="http://schemas.microsoft.com/office/drawing/2014/main" id="{CDA8360A-A176-4E87-AD9D-7B892C0716CB}"/>
-              </a:ext>
-            </a:extLst>
-          </p:cNvPr>
+            <a:endParaRPr lang="pt-PT" dirty="0"/>
+          </a:p>
+        </p:txBody>
+      </p:sp>
+      <p:sp>
+        <p:nvSpPr>
+          <p:cNvPr id="3" name="Marcador de Posição de Conteúdo 2"/>
           <p:cNvSpPr>
             <a:spLocks noGrp="1"/>
           </p:cNvSpPr>
@@ -3868,25 +3801,20 @@
               <a:rPr lang="pt-PT" dirty="0"/>
               <a:t>.</a:t>
             </a:r>
+            <a:endParaRPr lang="pt-PT" dirty="0"/>
           </a:p>
         </p:txBody>
       </p:sp>
       <p:pic>
         <p:nvPicPr>
-          <p:cNvPr id="5" name="Imagem 4">
-            <a:extLst>
-              <a:ext uri="{FF2B5EF4-FFF2-40B4-BE49-F238E27FC236}">
-                <a16:creationId xmlns:a16="http://schemas.microsoft.com/office/drawing/2014/main" id="{CF483582-B8D3-43D7-91A9-60DC10281271}"/>
-              </a:ext>
-            </a:extLst>
-          </p:cNvPr>
+          <p:cNvPr id="5" name="Imagem 4"/>
           <p:cNvPicPr>
             <a:picLocks noChangeAspect="1"/>
           </p:cNvPicPr>
           <p:nvPr/>
         </p:nvPicPr>
         <p:blipFill>
-          <a:blip r:embed="rId2"/>
+          <a:blip r:embed="rId1"/>
           <a:stretch>
             <a:fillRect/>
           </a:stretch>
@@ -3902,11 +3830,6 @@
         </p:spPr>
       </p:pic>
     </p:spTree>
-    <p:extLst>
-      <p:ext uri="{BB962C8B-B14F-4D97-AF65-F5344CB8AC3E}">
-        <p14:creationId xmlns:p14="http://schemas.microsoft.com/office/powerpoint/2010/main" val="3538157223"/>
-      </p:ext>
-    </p:extLst>
   </p:cSld>
   <p:clrMapOvr>
     <a:masterClrMapping/>
@@ -3933,13 +3856,7 @@
       </p:grpSpPr>
       <p:sp>
         <p:nvSpPr>
-          <p:cNvPr id="2" name="Título 1">
-            <a:extLst>
-              <a:ext uri="{FF2B5EF4-FFF2-40B4-BE49-F238E27FC236}">
-                <a16:creationId xmlns:a16="http://schemas.microsoft.com/office/drawing/2014/main" id="{F6922C70-B376-4F05-A8AB-62A2ACD53E13}"/>
-              </a:ext>
-            </a:extLst>
-          </p:cNvPr>
+          <p:cNvPr id="2" name="Título 1"/>
           <p:cNvSpPr>
             <a:spLocks noGrp="1"/>
           </p:cNvSpPr>
@@ -3962,13 +3879,7 @@
       </p:sp>
       <p:sp>
         <p:nvSpPr>
-          <p:cNvPr id="3" name="Marcador de Posição de Conteúdo 2">
-            <a:extLst>
-              <a:ext uri="{FF2B5EF4-FFF2-40B4-BE49-F238E27FC236}">
-                <a16:creationId xmlns:a16="http://schemas.microsoft.com/office/drawing/2014/main" id="{47A7995E-4291-42E6-8E86-B9AC356AB1D6}"/>
-              </a:ext>
-            </a:extLst>
-          </p:cNvPr>
+          <p:cNvPr id="3" name="Marcador de Posição de Conteúdo 2"/>
           <p:cNvSpPr>
             <a:spLocks noGrp="1"/>
           </p:cNvSpPr>
@@ -3993,25 +3904,20 @@
               <a:rPr lang="pt-PT" dirty="0"/>
               <a:t> nos clientes e servidores para suportar diversas tarefas de um modo concorrente e assíncrono.</a:t>
             </a:r>
+            <a:endParaRPr lang="pt-PT" dirty="0"/>
           </a:p>
         </p:txBody>
       </p:sp>
       <p:pic>
         <p:nvPicPr>
-          <p:cNvPr id="9" name="Imagem 8">
-            <a:extLst>
-              <a:ext uri="{FF2B5EF4-FFF2-40B4-BE49-F238E27FC236}">
-                <a16:creationId xmlns:a16="http://schemas.microsoft.com/office/drawing/2014/main" id="{6E4BEC04-1C61-41DA-A90B-63C84DD9C13D}"/>
-              </a:ext>
-            </a:extLst>
-          </p:cNvPr>
+          <p:cNvPr id="9" name="Imagem 8"/>
           <p:cNvPicPr>
             <a:picLocks noChangeAspect="1"/>
           </p:cNvPicPr>
           <p:nvPr/>
         </p:nvPicPr>
         <p:blipFill>
-          <a:blip r:embed="rId2"/>
+          <a:blip r:embed="rId1"/>
           <a:stretch>
             <a:fillRect/>
           </a:stretch>
@@ -4034,6 +3940,8 @@
               <a:srgbClr val="FFFFFF"/>
             </a:solidFill>
             <a:miter lim="800000"/>
+            <a:headEnd/>
+            <a:tailEnd/>
           </a:ln>
           <a:effectLst>
             <a:outerShdw blurRad="55000" dist="18000" dir="5400000" algn="tl" rotWithShape="0">
@@ -4058,20 +3966,14 @@
       </p:pic>
       <p:pic>
         <p:nvPicPr>
-          <p:cNvPr id="5" name="Imagem 4">
-            <a:extLst>
-              <a:ext uri="{FF2B5EF4-FFF2-40B4-BE49-F238E27FC236}">
-                <a16:creationId xmlns:a16="http://schemas.microsoft.com/office/drawing/2014/main" id="{1F823977-FF25-4348-9ACC-A89E26829AA5}"/>
-              </a:ext>
-            </a:extLst>
-          </p:cNvPr>
+          <p:cNvPr id="5" name="Imagem 4"/>
           <p:cNvPicPr>
             <a:picLocks noChangeAspect="1"/>
           </p:cNvPicPr>
           <p:nvPr/>
         </p:nvPicPr>
         <p:blipFill>
-          <a:blip r:embed="rId3"/>
+          <a:blip r:embed="rId2"/>
           <a:stretch>
             <a:fillRect/>
           </a:stretch>
@@ -4087,11 +3989,6 @@
         </p:spPr>
       </p:pic>
     </p:spTree>
-    <p:extLst>
-      <p:ext uri="{BB962C8B-B14F-4D97-AF65-F5344CB8AC3E}">
-        <p14:creationId xmlns:p14="http://schemas.microsoft.com/office/powerpoint/2010/main" val="2278513037"/>
-      </p:ext>
-    </p:extLst>
   </p:cSld>
   <p:clrMapOvr>
     <a:masterClrMapping/>
@@ -4118,13 +4015,7 @@
       </p:grpSpPr>
       <p:sp>
         <p:nvSpPr>
-          <p:cNvPr id="2" name="Título 1">
-            <a:extLst>
-              <a:ext uri="{FF2B5EF4-FFF2-40B4-BE49-F238E27FC236}">
-                <a16:creationId xmlns:a16="http://schemas.microsoft.com/office/drawing/2014/main" id="{A67EBD12-787A-4961-9125-C51C366BBA0D}"/>
-              </a:ext>
-            </a:extLst>
-          </p:cNvPr>
+          <p:cNvPr id="2" name="Título 1"/>
           <p:cNvSpPr>
             <a:spLocks noGrp="1"/>
           </p:cNvSpPr>
@@ -4141,18 +4032,13 @@
               <a:rPr lang="pt-PT" dirty="0"/>
               <a:t>Arquitetura de software</a:t>
             </a:r>
-          </a:p>
-        </p:txBody>
-      </p:sp>
-      <p:sp>
-        <p:nvSpPr>
-          <p:cNvPr id="3" name="Marcador de Posição de Conteúdo 2">
-            <a:extLst>
-              <a:ext uri="{FF2B5EF4-FFF2-40B4-BE49-F238E27FC236}">
-                <a16:creationId xmlns:a16="http://schemas.microsoft.com/office/drawing/2014/main" id="{59B07DAF-02E9-4817-A666-FD57DD184F17}"/>
-              </a:ext>
-            </a:extLst>
-          </p:cNvPr>
+            <a:endParaRPr lang="pt-PT" dirty="0"/>
+          </a:p>
+        </p:txBody>
+      </p:sp>
+      <p:sp>
+        <p:nvSpPr>
+          <p:cNvPr id="3" name="Marcador de Posição de Conteúdo 2"/>
           <p:cNvSpPr>
             <a:spLocks noGrp="1"/>
           </p:cNvSpPr>
@@ -4177,18 +4063,37 @@
               <a:rPr lang="pt-PT" dirty="0"/>
               <a:t> à BD).</a:t>
             </a:r>
+            <a:endParaRPr lang="pt-PT" dirty="0"/>
           </a:p>
         </p:txBody>
       </p:sp>
       <p:pic>
         <p:nvPicPr>
-          <p:cNvPr id="7" name="Imagem 6">
-            <a:extLst>
-              <a:ext uri="{FF2B5EF4-FFF2-40B4-BE49-F238E27FC236}">
-                <a16:creationId xmlns:a16="http://schemas.microsoft.com/office/drawing/2014/main" id="{48D8C976-64DC-4C4A-938C-EEB4E27C31AE}"/>
-              </a:ext>
-            </a:extLst>
-          </p:cNvPr>
+          <p:cNvPr id="7" name="Imagem 6"/>
+          <p:cNvPicPr>
+            <a:picLocks noChangeAspect="1"/>
+          </p:cNvPicPr>
+          <p:nvPr/>
+        </p:nvPicPr>
+        <p:blipFill>
+          <a:blip r:embed="rId1"/>
+          <a:stretch>
+            <a:fillRect/>
+          </a:stretch>
+        </p:blipFill>
+        <p:spPr>
+          <a:xfrm>
+            <a:off x="1534696" y="3438579"/>
+            <a:ext cx="2857899" cy="2581635"/>
+          </a:xfrm>
+          <a:prstGeom prst="rect">
+            <a:avLst/>
+          </a:prstGeom>
+        </p:spPr>
+      </p:pic>
+      <p:pic>
+        <p:nvPicPr>
+          <p:cNvPr id="9" name="Imagem 8"/>
           <p:cNvPicPr>
             <a:picLocks noChangeAspect="1"/>
           </p:cNvPicPr>
@@ -4202,8 +4107,8 @@
         </p:blipFill>
         <p:spPr>
           <a:xfrm>
-            <a:off x="1534696" y="3438579"/>
-            <a:ext cx="2857899" cy="2581635"/>
+            <a:off x="5058562" y="2821378"/>
+            <a:ext cx="2009872" cy="3816041"/>
           </a:xfrm>
           <a:prstGeom prst="rect">
             <a:avLst/>
@@ -4212,13 +4117,7 @@
       </p:pic>
       <p:pic>
         <p:nvPicPr>
-          <p:cNvPr id="9" name="Imagem 8">
-            <a:extLst>
-              <a:ext uri="{FF2B5EF4-FFF2-40B4-BE49-F238E27FC236}">
-                <a16:creationId xmlns:a16="http://schemas.microsoft.com/office/drawing/2014/main" id="{CD84CEC6-AE03-45C9-B8E5-197929CE1A3B}"/>
-              </a:ext>
-            </a:extLst>
-          </p:cNvPr>
+          <p:cNvPr id="11" name="Imagem 10"/>
           <p:cNvPicPr>
             <a:picLocks noChangeAspect="1"/>
           </p:cNvPicPr>
@@ -4232,50 +4131,15 @@
         </p:blipFill>
         <p:spPr>
           <a:xfrm>
-            <a:off x="5058562" y="2821378"/>
-            <a:ext cx="2009872" cy="3816041"/>
+            <a:off x="8496765" y="2856050"/>
+            <a:ext cx="2558089" cy="3746695"/>
           </a:xfrm>
           <a:prstGeom prst="rect">
             <a:avLst/>
           </a:prstGeom>
         </p:spPr>
       </p:pic>
-      <p:pic>
-        <p:nvPicPr>
-          <p:cNvPr id="11" name="Imagem 10">
-            <a:extLst>
-              <a:ext uri="{FF2B5EF4-FFF2-40B4-BE49-F238E27FC236}">
-                <a16:creationId xmlns:a16="http://schemas.microsoft.com/office/drawing/2014/main" id="{FF439A22-E4B5-40F4-85CB-BD8D7C6F6016}"/>
-              </a:ext>
-            </a:extLst>
-          </p:cNvPr>
-          <p:cNvPicPr>
-            <a:picLocks noChangeAspect="1"/>
-          </p:cNvPicPr>
-          <p:nvPr/>
-        </p:nvPicPr>
-        <p:blipFill>
-          <a:blip r:embed="rId4"/>
-          <a:stretch>
-            <a:fillRect/>
-          </a:stretch>
-        </p:blipFill>
-        <p:spPr>
-          <a:xfrm>
-            <a:off x="8496765" y="2856050"/>
-            <a:ext cx="2558089" cy="3746695"/>
-          </a:xfrm>
-          <a:prstGeom prst="rect">
-            <a:avLst/>
-          </a:prstGeom>
-        </p:spPr>
-      </p:pic>
     </p:spTree>
-    <p:extLst>
-      <p:ext uri="{BB962C8B-B14F-4D97-AF65-F5344CB8AC3E}">
-        <p14:creationId xmlns:p14="http://schemas.microsoft.com/office/powerpoint/2010/main" val="1679601756"/>
-      </p:ext>
-    </p:extLst>
   </p:cSld>
   <p:clrMapOvr>
     <a:masterClrMapping/>
@@ -4302,13 +4166,7 @@
       </p:grpSpPr>
       <p:sp>
         <p:nvSpPr>
-          <p:cNvPr id="2" name="Título 1">
-            <a:extLst>
-              <a:ext uri="{FF2B5EF4-FFF2-40B4-BE49-F238E27FC236}">
-                <a16:creationId xmlns:a16="http://schemas.microsoft.com/office/drawing/2014/main" id="{D4A82F22-739D-4280-9EC1-89AD24BA1778}"/>
-              </a:ext>
-            </a:extLst>
-          </p:cNvPr>
+          <p:cNvPr id="2" name="Título 1"/>
           <p:cNvSpPr>
             <a:spLocks noGrp="1"/>
           </p:cNvSpPr>
@@ -4325,18 +4183,13 @@
               <a:rPr lang="pt-PT" dirty="0"/>
               <a:t>Redireccionamento de um cliente</a:t>
             </a:r>
-          </a:p>
-        </p:txBody>
-      </p:sp>
-      <p:sp>
-        <p:nvSpPr>
-          <p:cNvPr id="3" name="Marcador de Posição de Conteúdo 2">
-            <a:extLst>
-              <a:ext uri="{FF2B5EF4-FFF2-40B4-BE49-F238E27FC236}">
-                <a16:creationId xmlns:a16="http://schemas.microsoft.com/office/drawing/2014/main" id="{D32FBA83-64FE-46FB-A865-3402892A648A}"/>
-              </a:ext>
-            </a:extLst>
-          </p:cNvPr>
+            <a:endParaRPr lang="pt-PT" dirty="0"/>
+          </a:p>
+        </p:txBody>
+      </p:sp>
+      <p:sp>
+        <p:nvSpPr>
+          <p:cNvPr id="3" name="Marcador de Posição de Conteúdo 2"/>
           <p:cNvSpPr>
             <a:spLocks noGrp="1"/>
           </p:cNvSpPr>
@@ -4353,25 +4206,20 @@
               <a:rPr lang="pt-PT" dirty="0"/>
               <a:t>Redireccionamento de um cliente para um servidor com menos clientes ligados.</a:t>
             </a:r>
+            <a:endParaRPr lang="pt-PT" dirty="0"/>
           </a:p>
         </p:txBody>
       </p:sp>
       <p:pic>
         <p:nvPicPr>
-          <p:cNvPr id="5" name="Imagem 4">
-            <a:extLst>
-              <a:ext uri="{FF2B5EF4-FFF2-40B4-BE49-F238E27FC236}">
-                <a16:creationId xmlns:a16="http://schemas.microsoft.com/office/drawing/2014/main" id="{6FC7E58C-6378-4003-B62C-750DE45A7902}"/>
-              </a:ext>
-            </a:extLst>
-          </p:cNvPr>
+          <p:cNvPr id="5" name="Imagem 4"/>
           <p:cNvPicPr>
             <a:picLocks noChangeAspect="1"/>
           </p:cNvPicPr>
           <p:nvPr/>
         </p:nvPicPr>
         <p:blipFill>
-          <a:blip r:embed="rId2"/>
+          <a:blip r:embed="rId1"/>
           <a:stretch>
             <a:fillRect/>
           </a:stretch>
@@ -4387,11 +4235,6 @@
         </p:spPr>
       </p:pic>
     </p:spTree>
-    <p:extLst>
-      <p:ext uri="{BB962C8B-B14F-4D97-AF65-F5344CB8AC3E}">
-        <p14:creationId xmlns:p14="http://schemas.microsoft.com/office/powerpoint/2010/main" val="3328308525"/>
-      </p:ext>
-    </p:extLst>
   </p:cSld>
   <p:clrMapOvr>
     <a:masterClrMapping/>
@@ -4418,13 +4261,7 @@
       </p:grpSpPr>
       <p:sp>
         <p:nvSpPr>
-          <p:cNvPr id="2" name="Título 1">
-            <a:extLst>
-              <a:ext uri="{FF2B5EF4-FFF2-40B4-BE49-F238E27FC236}">
-                <a16:creationId xmlns:a16="http://schemas.microsoft.com/office/drawing/2014/main" id="{AD74E1B9-E920-48C0-B17E-DB58ECF1F738}"/>
-              </a:ext>
-            </a:extLst>
-          </p:cNvPr>
+          <p:cNvPr id="2" name="Título 1"/>
           <p:cNvSpPr>
             <a:spLocks noGrp="1"/>
           </p:cNvSpPr>
@@ -4441,18 +4278,13 @@
               <a:rPr lang="pt-PT" dirty="0"/>
               <a:t>Registo</a:t>
             </a:r>
-          </a:p>
-        </p:txBody>
-      </p:sp>
-      <p:sp>
-        <p:nvSpPr>
-          <p:cNvPr id="7" name="Marcador de Posição de Conteúdo 6">
-            <a:extLst>
-              <a:ext uri="{FF2B5EF4-FFF2-40B4-BE49-F238E27FC236}">
-                <a16:creationId xmlns:a16="http://schemas.microsoft.com/office/drawing/2014/main" id="{1479180D-75B7-4B52-A694-967ACB835ACA}"/>
-              </a:ext>
-            </a:extLst>
-          </p:cNvPr>
+            <a:endParaRPr lang="pt-PT" dirty="0"/>
+          </a:p>
+        </p:txBody>
+      </p:sp>
+      <p:sp>
+        <p:nvSpPr>
+          <p:cNvPr id="7" name="Marcador de Posição de Conteúdo 6"/>
           <p:cNvSpPr>
             <a:spLocks noGrp="1"/>
           </p:cNvSpPr>
@@ -4474,25 +4306,20 @@
               <a:rPr lang="pt-PT" dirty="0"/>
               <a:t>Primeiro verifica se o utilizador já existe, de seguida caso este não exista, cria o utilizador tal como demonstrado na figura abaixo. </a:t>
             </a:r>
+            <a:endParaRPr lang="pt-PT" dirty="0"/>
           </a:p>
         </p:txBody>
       </p:sp>
       <p:pic>
         <p:nvPicPr>
-          <p:cNvPr id="9" name="Imagem 8">
-            <a:extLst>
-              <a:ext uri="{FF2B5EF4-FFF2-40B4-BE49-F238E27FC236}">
-                <a16:creationId xmlns:a16="http://schemas.microsoft.com/office/drawing/2014/main" id="{51FD64D8-57E7-491B-A757-10366BB8A307}"/>
-              </a:ext>
-            </a:extLst>
-          </p:cNvPr>
+          <p:cNvPr id="9" name="Imagem 8"/>
           <p:cNvPicPr>
             <a:picLocks noChangeAspect="1"/>
           </p:cNvPicPr>
           <p:nvPr/>
         </p:nvPicPr>
         <p:blipFill>
-          <a:blip r:embed="rId2"/>
+          <a:blip r:embed="rId1"/>
           <a:stretch>
             <a:fillRect/>
           </a:stretch>
@@ -4508,11 +4335,6 @@
         </p:spPr>
       </p:pic>
     </p:spTree>
-    <p:extLst>
-      <p:ext uri="{BB962C8B-B14F-4D97-AF65-F5344CB8AC3E}">
-        <p14:creationId xmlns:p14="http://schemas.microsoft.com/office/powerpoint/2010/main" val="2694048291"/>
-      </p:ext>
-    </p:extLst>
   </p:cSld>
   <p:clrMapOvr>
     <a:masterClrMapping/>
@@ -4539,13 +4361,7 @@
       </p:grpSpPr>
       <p:sp>
         <p:nvSpPr>
-          <p:cNvPr id="2" name="Título 1">
-            <a:extLst>
-              <a:ext uri="{FF2B5EF4-FFF2-40B4-BE49-F238E27FC236}">
-                <a16:creationId xmlns:a16="http://schemas.microsoft.com/office/drawing/2014/main" id="{9F905E8A-AD7F-4283-9313-49DA89930F5D}"/>
-              </a:ext>
-            </a:extLst>
-          </p:cNvPr>
+          <p:cNvPr id="2" name="Título 1"/>
           <p:cNvSpPr>
             <a:spLocks noGrp="1"/>
           </p:cNvSpPr>
@@ -4562,18 +4378,13 @@
               <a:rPr lang="pt-PT" dirty="0"/>
               <a:t>Autenticação</a:t>
             </a:r>
-          </a:p>
-        </p:txBody>
-      </p:sp>
-      <p:sp>
-        <p:nvSpPr>
-          <p:cNvPr id="3" name="Marcador de Posição de Conteúdo 2">
-            <a:extLst>
-              <a:ext uri="{FF2B5EF4-FFF2-40B4-BE49-F238E27FC236}">
-                <a16:creationId xmlns:a16="http://schemas.microsoft.com/office/drawing/2014/main" id="{34017467-9D03-41E8-8FF1-BFAEBB29D6BA}"/>
-              </a:ext>
-            </a:extLst>
-          </p:cNvPr>
+            <a:endParaRPr lang="pt-PT" dirty="0"/>
+          </a:p>
+        </p:txBody>
+      </p:sp>
+      <p:sp>
+        <p:nvSpPr>
+          <p:cNvPr id="3" name="Marcador de Posição de Conteúdo 2"/>
           <p:cNvSpPr>
             <a:spLocks noGrp="1"/>
           </p:cNvSpPr>
@@ -4595,25 +4406,20 @@
               <a:rPr lang="pt-PT" dirty="0"/>
               <a:t>Primeiro verifica se o utilizador já existe, de seguida verifica se a password está correta, finalmente verifica se o utilizador já fez login.</a:t>
             </a:r>
+            <a:endParaRPr lang="pt-PT" dirty="0"/>
           </a:p>
         </p:txBody>
       </p:sp>
       <p:pic>
         <p:nvPicPr>
-          <p:cNvPr id="7" name="Imagem 6">
-            <a:extLst>
-              <a:ext uri="{FF2B5EF4-FFF2-40B4-BE49-F238E27FC236}">
-                <a16:creationId xmlns:a16="http://schemas.microsoft.com/office/drawing/2014/main" id="{8B919B9D-A3C1-45D5-89C9-A295D4CEE25F}"/>
-              </a:ext>
-            </a:extLst>
-          </p:cNvPr>
+          <p:cNvPr id="7" name="Imagem 6"/>
           <p:cNvPicPr>
             <a:picLocks noChangeAspect="1"/>
           </p:cNvPicPr>
           <p:nvPr/>
         </p:nvPicPr>
         <p:blipFill>
-          <a:blip r:embed="rId2"/>
+          <a:blip r:embed="rId1"/>
           <a:stretch>
             <a:fillRect/>
           </a:stretch>
@@ -4629,11 +4435,6 @@
         </p:spPr>
       </p:pic>
     </p:spTree>
-    <p:extLst>
-      <p:ext uri="{BB962C8B-B14F-4D97-AF65-F5344CB8AC3E}">
-        <p14:creationId xmlns:p14="http://schemas.microsoft.com/office/powerpoint/2010/main" val="1946158133"/>
-      </p:ext>
-    </p:extLst>
   </p:cSld>
   <p:clrMapOvr>
     <a:masterClrMapping/>
@@ -4660,13 +4461,7 @@
       </p:grpSpPr>
       <p:sp>
         <p:nvSpPr>
-          <p:cNvPr id="2" name="Título 1">
-            <a:extLst>
-              <a:ext uri="{FF2B5EF4-FFF2-40B4-BE49-F238E27FC236}">
-                <a16:creationId xmlns:a16="http://schemas.microsoft.com/office/drawing/2014/main" id="{DFC68434-BB15-4902-8238-65AB7B7DF557}"/>
-              </a:ext>
-            </a:extLst>
-          </p:cNvPr>
+          <p:cNvPr id="2" name="Título 1"/>
           <p:cNvSpPr>
             <a:spLocks noGrp="1"/>
           </p:cNvSpPr>
@@ -4683,18 +4478,13 @@
               <a:rPr lang="pt-PT" dirty="0"/>
               <a:t>Canais</a:t>
             </a:r>
-          </a:p>
-        </p:txBody>
-      </p:sp>
-      <p:sp>
-        <p:nvSpPr>
-          <p:cNvPr id="3" name="Marcador de Posição de Conteúdo 2">
-            <a:extLst>
-              <a:ext uri="{FF2B5EF4-FFF2-40B4-BE49-F238E27FC236}">
-                <a16:creationId xmlns:a16="http://schemas.microsoft.com/office/drawing/2014/main" id="{E92F7A9C-1324-4FAE-98E8-B98BC7318681}"/>
-              </a:ext>
-            </a:extLst>
-          </p:cNvPr>
+            <a:endParaRPr lang="pt-PT" dirty="0"/>
+          </a:p>
+        </p:txBody>
+      </p:sp>
+      <p:sp>
+        <p:nvSpPr>
+          <p:cNvPr id="3" name="Marcador de Posição de Conteúdo 2"/>
           <p:cNvSpPr>
             <a:spLocks noGrp="1"/>
           </p:cNvSpPr>
@@ -4711,25 +4501,20 @@
               <a:rPr lang="pt-PT" dirty="0"/>
               <a:t>Criação, edição e eliminação de canais, apenas pelos respetivos criadores. Abaixo segue o exemplo da criação de um canal.</a:t>
             </a:r>
+            <a:endParaRPr lang="pt-PT" dirty="0"/>
           </a:p>
         </p:txBody>
       </p:sp>
       <p:pic>
         <p:nvPicPr>
-          <p:cNvPr id="5" name="Imagem 4">
-            <a:extLst>
-              <a:ext uri="{FF2B5EF4-FFF2-40B4-BE49-F238E27FC236}">
-                <a16:creationId xmlns:a16="http://schemas.microsoft.com/office/drawing/2014/main" id="{8F107879-3804-434B-8406-98780F1B7A52}"/>
-              </a:ext>
-            </a:extLst>
-          </p:cNvPr>
+          <p:cNvPr id="5" name="Imagem 4"/>
           <p:cNvPicPr>
             <a:picLocks noChangeAspect="1"/>
           </p:cNvPicPr>
           <p:nvPr/>
         </p:nvPicPr>
         <p:blipFill>
-          <a:blip r:embed="rId2"/>
+          <a:blip r:embed="rId1"/>
           <a:stretch>
             <a:fillRect/>
           </a:stretch>
@@ -4745,11 +4530,6 @@
         </p:spPr>
       </p:pic>
     </p:spTree>
-    <p:extLst>
-      <p:ext uri="{BB962C8B-B14F-4D97-AF65-F5344CB8AC3E}">
-        <p14:creationId xmlns:p14="http://schemas.microsoft.com/office/powerpoint/2010/main" val="2144548291"/>
-      </p:ext>
-    </p:extLst>
   </p:cSld>
   <p:clrMapOvr>
     <a:masterClrMapping/>
@@ -4776,13 +4556,7 @@
       </p:grpSpPr>
       <p:sp>
         <p:nvSpPr>
-          <p:cNvPr id="2" name="Título 1">
-            <a:extLst>
-              <a:ext uri="{FF2B5EF4-FFF2-40B4-BE49-F238E27FC236}">
-                <a16:creationId xmlns:a16="http://schemas.microsoft.com/office/drawing/2014/main" id="{411316F3-8023-4A0C-9990-465B70E0EFEA}"/>
-              </a:ext>
-            </a:extLst>
-          </p:cNvPr>
+          <p:cNvPr id="2" name="Título 1"/>
           <p:cNvSpPr>
             <a:spLocks noGrp="1"/>
           </p:cNvSpPr>
@@ -4799,18 +4573,13 @@
               <a:rPr lang="pt-PT" dirty="0"/>
               <a:t>Aderir a um canal </a:t>
             </a:r>
-          </a:p>
-        </p:txBody>
-      </p:sp>
-      <p:sp>
-        <p:nvSpPr>
-          <p:cNvPr id="3" name="Marcador de Posição de Conteúdo 2">
-            <a:extLst>
-              <a:ext uri="{FF2B5EF4-FFF2-40B4-BE49-F238E27FC236}">
-                <a16:creationId xmlns:a16="http://schemas.microsoft.com/office/drawing/2014/main" id="{F6E7A603-3564-4E7F-9372-4723C325DA67}"/>
-              </a:ext>
-            </a:extLst>
-          </p:cNvPr>
+            <a:endParaRPr lang="pt-PT" dirty="0"/>
+          </a:p>
+        </p:txBody>
+      </p:sp>
+      <p:sp>
+        <p:nvSpPr>
+          <p:cNvPr id="3" name="Marcador de Posição de Conteúdo 2"/>
           <p:cNvSpPr>
             <a:spLocks noGrp="1"/>
           </p:cNvSpPr>
@@ -4827,25 +4596,20 @@
               <a:rPr lang="pt-PT" dirty="0"/>
               <a:t>Primeiro verifica se o utilizador é o criador do canal ou se não existe password ou se já se encontra neste canal, senão verifica se a password introduzida está correta. </a:t>
             </a:r>
+            <a:endParaRPr lang="pt-PT" dirty="0"/>
           </a:p>
         </p:txBody>
       </p:sp>
       <p:pic>
         <p:nvPicPr>
-          <p:cNvPr id="5" name="Imagem 4">
-            <a:extLst>
-              <a:ext uri="{FF2B5EF4-FFF2-40B4-BE49-F238E27FC236}">
-                <a16:creationId xmlns:a16="http://schemas.microsoft.com/office/drawing/2014/main" id="{FFAD72B5-8366-4B24-BA94-3FD26881A100}"/>
-              </a:ext>
-            </a:extLst>
-          </p:cNvPr>
+          <p:cNvPr id="5" name="Imagem 4"/>
           <p:cNvPicPr>
             <a:picLocks noChangeAspect="1"/>
           </p:cNvPicPr>
           <p:nvPr/>
         </p:nvPicPr>
         <p:blipFill>
-          <a:blip r:embed="rId2"/>
+          <a:blip r:embed="rId1"/>
           <a:stretch>
             <a:fillRect/>
           </a:stretch>
@@ -4861,11 +4625,6 @@
         </p:spPr>
       </p:pic>
     </p:spTree>
-    <p:extLst>
-      <p:ext uri="{BB962C8B-B14F-4D97-AF65-F5344CB8AC3E}">
-        <p14:creationId xmlns:p14="http://schemas.microsoft.com/office/powerpoint/2010/main" val="2175733730"/>
-      </p:ext>
-    </p:extLst>
   </p:cSld>
   <p:clrMapOvr>
     <a:masterClrMapping/>
@@ -4892,13 +4651,7 @@
       </p:grpSpPr>
       <p:sp>
         <p:nvSpPr>
-          <p:cNvPr id="2" name="Título 1">
-            <a:extLst>
-              <a:ext uri="{FF2B5EF4-FFF2-40B4-BE49-F238E27FC236}">
-                <a16:creationId xmlns:a16="http://schemas.microsoft.com/office/drawing/2014/main" id="{3BFFF0D8-D903-4CAF-832C-A86206258301}"/>
-              </a:ext>
-            </a:extLst>
-          </p:cNvPr>
+          <p:cNvPr id="2" name="Título 1"/>
           <p:cNvSpPr>
             <a:spLocks noGrp="1"/>
           </p:cNvSpPr>
@@ -4915,18 +4668,13 @@
               <a:rPr lang="pt-PT" dirty="0"/>
               <a:t>Envio e receção de mensagens</a:t>
             </a:r>
-          </a:p>
-        </p:txBody>
-      </p:sp>
-      <p:sp>
-        <p:nvSpPr>
-          <p:cNvPr id="3" name="Marcador de Posição de Conteúdo 2">
-            <a:extLst>
-              <a:ext uri="{FF2B5EF4-FFF2-40B4-BE49-F238E27FC236}">
-                <a16:creationId xmlns:a16="http://schemas.microsoft.com/office/drawing/2014/main" id="{44B6DE7C-1358-4F3F-95F3-0C9A872B5CDC}"/>
-              </a:ext>
-            </a:extLst>
-          </p:cNvPr>
+            <a:endParaRPr lang="pt-PT" dirty="0"/>
+          </a:p>
+        </p:txBody>
+      </p:sp>
+      <p:sp>
+        <p:nvSpPr>
+          <p:cNvPr id="3" name="Marcador de Posição de Conteúdo 2"/>
           <p:cNvSpPr>
             <a:spLocks noGrp="1"/>
           </p:cNvSpPr>
@@ -4943,18 +4691,37 @@
               <a:rPr lang="pt-PT" dirty="0"/>
               <a:t>Envio e receção de mensagens (individual e canal).</a:t>
             </a:r>
+            <a:endParaRPr lang="pt-PT" dirty="0"/>
           </a:p>
         </p:txBody>
       </p:sp>
       <p:pic>
         <p:nvPicPr>
-          <p:cNvPr id="5" name="Imagem 4">
-            <a:extLst>
-              <a:ext uri="{FF2B5EF4-FFF2-40B4-BE49-F238E27FC236}">
-                <a16:creationId xmlns:a16="http://schemas.microsoft.com/office/drawing/2014/main" id="{5BF8F286-C382-413B-8F79-3B88265A294B}"/>
-              </a:ext>
-            </a:extLst>
-          </p:cNvPr>
+          <p:cNvPr id="5" name="Imagem 4"/>
+          <p:cNvPicPr>
+            <a:picLocks noChangeAspect="1"/>
+          </p:cNvPicPr>
+          <p:nvPr/>
+        </p:nvPicPr>
+        <p:blipFill>
+          <a:blip r:embed="rId1"/>
+          <a:stretch>
+            <a:fillRect/>
+          </a:stretch>
+        </p:blipFill>
+        <p:spPr>
+          <a:xfrm>
+            <a:off x="1534697" y="2604277"/>
+            <a:ext cx="5078044" cy="3701273"/>
+          </a:xfrm>
+          <a:prstGeom prst="rect">
+            <a:avLst/>
+          </a:prstGeom>
+        </p:spPr>
+      </p:pic>
+      <p:pic>
+        <p:nvPicPr>
+          <p:cNvPr id="7" name="Imagem 6"/>
           <p:cNvPicPr>
             <a:picLocks noChangeAspect="1"/>
           </p:cNvPicPr>
@@ -4968,50 +4735,15 @@
         </p:blipFill>
         <p:spPr>
           <a:xfrm>
-            <a:off x="1534697" y="2604277"/>
-            <a:ext cx="5078044" cy="3701273"/>
+            <a:off x="6626335" y="2390775"/>
+            <a:ext cx="4473457" cy="4381500"/>
           </a:xfrm>
           <a:prstGeom prst="rect">
             <a:avLst/>
           </a:prstGeom>
         </p:spPr>
       </p:pic>
-      <p:pic>
-        <p:nvPicPr>
-          <p:cNvPr id="7" name="Imagem 6">
-            <a:extLst>
-              <a:ext uri="{FF2B5EF4-FFF2-40B4-BE49-F238E27FC236}">
-                <a16:creationId xmlns:a16="http://schemas.microsoft.com/office/drawing/2014/main" id="{2DFCAA79-0BDF-4C5D-B654-A36C5B445D35}"/>
-              </a:ext>
-            </a:extLst>
-          </p:cNvPr>
-          <p:cNvPicPr>
-            <a:picLocks noChangeAspect="1"/>
-          </p:cNvPicPr>
-          <p:nvPr/>
-        </p:nvPicPr>
-        <p:blipFill>
-          <a:blip r:embed="rId3"/>
-          <a:stretch>
-            <a:fillRect/>
-          </a:stretch>
-        </p:blipFill>
-        <p:spPr>
-          <a:xfrm>
-            <a:off x="6626335" y="2390775"/>
-            <a:ext cx="4473457" cy="4381500"/>
-          </a:xfrm>
-          <a:prstGeom prst="rect">
-            <a:avLst/>
-          </a:prstGeom>
-        </p:spPr>
-      </p:pic>
     </p:spTree>
-    <p:extLst>
-      <p:ext uri="{BB962C8B-B14F-4D97-AF65-F5344CB8AC3E}">
-        <p14:creationId xmlns:p14="http://schemas.microsoft.com/office/powerpoint/2010/main" val="3864939940"/>
-      </p:ext>
-    </p:extLst>
   </p:cSld>
   <p:clrMapOvr>
     <a:masterClrMapping/>
@@ -5038,13 +4770,7 @@
       </p:grpSpPr>
       <p:sp>
         <p:nvSpPr>
-          <p:cNvPr id="2" name="Título 1">
-            <a:extLst>
-              <a:ext uri="{FF2B5EF4-FFF2-40B4-BE49-F238E27FC236}">
-                <a16:creationId xmlns:a16="http://schemas.microsoft.com/office/drawing/2014/main" id="{FB7261E8-C323-41CC-81B5-52DBD8E64959}"/>
-              </a:ext>
-            </a:extLst>
-          </p:cNvPr>
+          <p:cNvPr id="2" name="Título 1"/>
           <p:cNvSpPr>
             <a:spLocks noGrp="1"/>
           </p:cNvSpPr>
@@ -5061,18 +4787,13 @@
               <a:rPr lang="pt-PT" dirty="0"/>
               <a:t>Consultar mensagens</a:t>
             </a:r>
-          </a:p>
-        </p:txBody>
-      </p:sp>
-      <p:sp>
-        <p:nvSpPr>
-          <p:cNvPr id="3" name="Marcador de Posição de Conteúdo 2">
-            <a:extLst>
-              <a:ext uri="{FF2B5EF4-FFF2-40B4-BE49-F238E27FC236}">
-                <a16:creationId xmlns:a16="http://schemas.microsoft.com/office/drawing/2014/main" id="{4F60F288-4356-4DD9-A6F7-247125C07BA9}"/>
-              </a:ext>
-            </a:extLst>
-          </p:cNvPr>
+            <a:endParaRPr lang="pt-PT" dirty="0"/>
+          </a:p>
+        </p:txBody>
+      </p:sp>
+      <p:sp>
+        <p:nvSpPr>
+          <p:cNvPr id="3" name="Marcador de Posição de Conteúdo 2"/>
           <p:cNvSpPr>
             <a:spLocks noGrp="1"/>
           </p:cNvSpPr>
@@ -5089,18 +4810,37 @@
               <a:rPr lang="pt-PT" dirty="0"/>
               <a:t>Consultar todas as mensagens incluindo os ficheiros (canal ou individual).</a:t>
             </a:r>
+            <a:endParaRPr lang="pt-PT" dirty="0"/>
           </a:p>
         </p:txBody>
       </p:sp>
       <p:pic>
         <p:nvPicPr>
-          <p:cNvPr id="5" name="Imagem 4">
-            <a:extLst>
-              <a:ext uri="{FF2B5EF4-FFF2-40B4-BE49-F238E27FC236}">
-                <a16:creationId xmlns:a16="http://schemas.microsoft.com/office/drawing/2014/main" id="{0AEC7422-3A0D-45C3-8F02-2A4F28B79518}"/>
-              </a:ext>
-            </a:extLst>
-          </p:cNvPr>
+          <p:cNvPr id="5" name="Imagem 4"/>
+          <p:cNvPicPr>
+            <a:picLocks noChangeAspect="1"/>
+          </p:cNvPicPr>
+          <p:nvPr/>
+        </p:nvPicPr>
+        <p:blipFill>
+          <a:blip r:embed="rId1"/>
+          <a:stretch>
+            <a:fillRect/>
+          </a:stretch>
+        </p:blipFill>
+        <p:spPr>
+          <a:xfrm>
+            <a:off x="1130021" y="2619375"/>
+            <a:ext cx="5164754" cy="3234081"/>
+          </a:xfrm>
+          <a:prstGeom prst="rect">
+            <a:avLst/>
+          </a:prstGeom>
+        </p:spPr>
+      </p:pic>
+      <p:pic>
+        <p:nvPicPr>
+          <p:cNvPr id="9" name="Imagem 8"/>
           <p:cNvPicPr>
             <a:picLocks noChangeAspect="1"/>
           </p:cNvPicPr>
@@ -5114,50 +4854,15 @@
         </p:blipFill>
         <p:spPr>
           <a:xfrm>
-            <a:off x="1130021" y="2619375"/>
-            <a:ext cx="5164754" cy="3234081"/>
+            <a:off x="6315075" y="3079292"/>
+            <a:ext cx="4844554" cy="1626144"/>
           </a:xfrm>
           <a:prstGeom prst="rect">
             <a:avLst/>
           </a:prstGeom>
         </p:spPr>
       </p:pic>
-      <p:pic>
-        <p:nvPicPr>
-          <p:cNvPr id="9" name="Imagem 8">
-            <a:extLst>
-              <a:ext uri="{FF2B5EF4-FFF2-40B4-BE49-F238E27FC236}">
-                <a16:creationId xmlns:a16="http://schemas.microsoft.com/office/drawing/2014/main" id="{95D3A8E3-6BE2-43B6-9B2C-AF674547EEA4}"/>
-              </a:ext>
-            </a:extLst>
-          </p:cNvPr>
-          <p:cNvPicPr>
-            <a:picLocks noChangeAspect="1"/>
-          </p:cNvPicPr>
-          <p:nvPr/>
-        </p:nvPicPr>
-        <p:blipFill>
-          <a:blip r:embed="rId3"/>
-          <a:stretch>
-            <a:fillRect/>
-          </a:stretch>
-        </p:blipFill>
-        <p:spPr>
-          <a:xfrm>
-            <a:off x="6315075" y="3079292"/>
-            <a:ext cx="4844554" cy="1626144"/>
-          </a:xfrm>
-          <a:prstGeom prst="rect">
-            <a:avLst/>
-          </a:prstGeom>
-        </p:spPr>
-      </p:pic>
     </p:spTree>
-    <p:extLst>
-      <p:ext uri="{BB962C8B-B14F-4D97-AF65-F5344CB8AC3E}">
-        <p14:creationId xmlns:p14="http://schemas.microsoft.com/office/powerpoint/2010/main" val="3049052788"/>
-      </p:ext>
-    </p:extLst>
   </p:cSld>
   <p:clrMapOvr>
     <a:masterClrMapping/>
@@ -5184,13 +4889,7 @@
       </p:grpSpPr>
       <p:sp>
         <p:nvSpPr>
-          <p:cNvPr id="2" name="Título 1">
-            <a:extLst>
-              <a:ext uri="{FF2B5EF4-FFF2-40B4-BE49-F238E27FC236}">
-                <a16:creationId xmlns:a16="http://schemas.microsoft.com/office/drawing/2014/main" id="{C2AF3021-35D0-4DA5-951F-007FEDA42EF3}"/>
-              </a:ext>
-            </a:extLst>
-          </p:cNvPr>
+          <p:cNvPr id="2" name="Título 1"/>
           <p:cNvSpPr>
             <a:spLocks noGrp="1"/>
           </p:cNvSpPr>
@@ -5207,18 +4906,13 @@
               <a:rPr lang="pt-PT" dirty="0"/>
               <a:t>Índice</a:t>
             </a:r>
-          </a:p>
-        </p:txBody>
-      </p:sp>
-      <p:sp>
-        <p:nvSpPr>
-          <p:cNvPr id="3" name="Marcador de Posição de Conteúdo 2">
-            <a:extLst>
-              <a:ext uri="{FF2B5EF4-FFF2-40B4-BE49-F238E27FC236}">
-                <a16:creationId xmlns:a16="http://schemas.microsoft.com/office/drawing/2014/main" id="{8B1FDAE1-9A7B-4D12-BD52-F89F896E46A9}"/>
-              </a:ext>
-            </a:extLst>
-          </p:cNvPr>
+            <a:endParaRPr lang="pt-PT" dirty="0"/>
+          </a:p>
+        </p:txBody>
+      </p:sp>
+      <p:sp>
+        <p:nvSpPr>
+          <p:cNvPr id="3" name="Marcador de Posição de Conteúdo 2"/>
           <p:cNvSpPr>
             <a:spLocks noGrp="1"/>
           </p:cNvSpPr>
@@ -5245,6 +4939,7 @@
               <a:rPr lang="pt-PT" sz="1700" dirty="0"/>
               <a:t>Aspetos não especificados no enunciado;</a:t>
             </a:r>
+            <a:endParaRPr lang="pt-PT" sz="1700" dirty="0"/>
           </a:p>
           <a:p>
             <a:pPr>
@@ -5259,6 +4954,7 @@
               <a:rPr lang="pt-PT" sz="1700" dirty="0"/>
               <a:t>Tratamento de erros;</a:t>
             </a:r>
+            <a:endParaRPr lang="pt-PT" sz="1700" dirty="0"/>
           </a:p>
           <a:p>
             <a:pPr>
@@ -5273,6 +4969,7 @@
               <a:rPr lang="pt-PT" sz="1700" dirty="0"/>
               <a:t>Consistência entre servidores;</a:t>
             </a:r>
+            <a:endParaRPr lang="pt-PT" sz="1700" dirty="0"/>
           </a:p>
           <a:p>
             <a:pPr>
@@ -5287,6 +4984,7 @@
               <a:rPr lang="pt-PT" sz="1700" dirty="0"/>
               <a:t>Sincronização de BD e ficheiros;</a:t>
             </a:r>
+            <a:endParaRPr lang="pt-PT" sz="1700" dirty="0"/>
           </a:p>
           <a:p>
             <a:pPr>
@@ -5301,6 +4999,7 @@
               <a:rPr lang="pt-PT" sz="1700" dirty="0"/>
               <a:t>Receção de vários ficheiros disseminados;</a:t>
             </a:r>
+            <a:endParaRPr lang="pt-PT" sz="1700" dirty="0"/>
           </a:p>
           <a:p>
             <a:pPr>
@@ -5315,6 +5014,7 @@
               <a:rPr lang="pt-PT" sz="1700" dirty="0"/>
               <a:t>Estrutura das mensagens trocadas;</a:t>
             </a:r>
+            <a:endParaRPr lang="pt-PT" sz="1700" dirty="0"/>
           </a:p>
           <a:p>
             <a:pPr>
@@ -5333,6 +5033,7 @@
               <a:rPr lang="pt-PT" sz="1700" dirty="0"/>
               <a:t>;</a:t>
             </a:r>
+            <a:endParaRPr lang="pt-PT" sz="1700" dirty="0"/>
           </a:p>
           <a:p>
             <a:pPr>
@@ -5347,6 +5048,7 @@
               <a:rPr lang="pt-PT" sz="1700" dirty="0"/>
               <a:t>Arquitetura de software;</a:t>
             </a:r>
+            <a:endParaRPr lang="pt-PT" sz="1700" dirty="0"/>
           </a:p>
           <a:p>
             <a:pPr>
@@ -5361,6 +5063,7 @@
               <a:rPr lang="pt-PT" sz="1700" dirty="0"/>
               <a:t>Redireccionamento de um cliente;</a:t>
             </a:r>
+            <a:endParaRPr lang="pt-PT" sz="1700" dirty="0"/>
           </a:p>
           <a:p>
             <a:pPr>
@@ -5375,6 +5078,7 @@
               <a:rPr lang="pt-PT" sz="1700" dirty="0"/>
               <a:t>Registo;</a:t>
             </a:r>
+            <a:endParaRPr lang="pt-PT" sz="1700" dirty="0"/>
           </a:p>
           <a:p>
             <a:endParaRPr lang="pt-PT" dirty="0"/>
@@ -5382,11 +5086,6 @@
         </p:txBody>
       </p:sp>
     </p:spTree>
-    <p:extLst>
-      <p:ext uri="{BB962C8B-B14F-4D97-AF65-F5344CB8AC3E}">
-        <p14:creationId xmlns:p14="http://schemas.microsoft.com/office/powerpoint/2010/main" val="86162290"/>
-      </p:ext>
-    </p:extLst>
   </p:cSld>
   <p:clrMapOvr>
     <a:masterClrMapping/>
@@ -5413,13 +5112,7 @@
       </p:grpSpPr>
       <p:sp>
         <p:nvSpPr>
-          <p:cNvPr id="2" name="Título 1">
-            <a:extLst>
-              <a:ext uri="{FF2B5EF4-FFF2-40B4-BE49-F238E27FC236}">
-                <a16:creationId xmlns:a16="http://schemas.microsoft.com/office/drawing/2014/main" id="{BEBBAE51-4D84-47D2-AC19-7ADAA51648B0}"/>
-              </a:ext>
-            </a:extLst>
-          </p:cNvPr>
+          <p:cNvPr id="2" name="Título 1"/>
           <p:cNvSpPr>
             <a:spLocks noGrp="1"/>
           </p:cNvSpPr>
@@ -5436,18 +5129,13 @@
               <a:rPr lang="pt-PT" dirty="0"/>
               <a:t>Gestão de ficheiros com nomes idênticos</a:t>
             </a:r>
-          </a:p>
-        </p:txBody>
-      </p:sp>
-      <p:sp>
-        <p:nvSpPr>
-          <p:cNvPr id="3" name="Marcador de Posição de Conteúdo 2">
-            <a:extLst>
-              <a:ext uri="{FF2B5EF4-FFF2-40B4-BE49-F238E27FC236}">
-                <a16:creationId xmlns:a16="http://schemas.microsoft.com/office/drawing/2014/main" id="{2A7EF0AB-D3E5-46F0-8CB1-13B86A015100}"/>
-              </a:ext>
-            </a:extLst>
-          </p:cNvPr>
+            <a:endParaRPr lang="pt-PT" dirty="0"/>
+          </a:p>
+        </p:txBody>
+      </p:sp>
+      <p:sp>
+        <p:nvSpPr>
+          <p:cNvPr id="3" name="Marcador de Posição de Conteúdo 2"/>
           <p:cNvSpPr>
             <a:spLocks noGrp="1"/>
           </p:cNvSpPr>
@@ -5464,15 +5152,11 @@
               <a:rPr lang="pt-PT" dirty="0"/>
               <a:t>Para que cada ficheiro enviado para o servidor possa ter nomes iguais decidimos utilizar um identificador único universal (UUID).</a:t>
             </a:r>
+            <a:endParaRPr lang="pt-PT" dirty="0"/>
           </a:p>
         </p:txBody>
       </p:sp>
     </p:spTree>
-    <p:extLst>
-      <p:ext uri="{BB962C8B-B14F-4D97-AF65-F5344CB8AC3E}">
-        <p14:creationId xmlns:p14="http://schemas.microsoft.com/office/powerpoint/2010/main" val="1333527632"/>
-      </p:ext>
-    </p:extLst>
   </p:cSld>
   <p:clrMapOvr>
     <a:masterClrMapping/>
@@ -5499,13 +5183,7 @@
       </p:grpSpPr>
       <p:sp>
         <p:nvSpPr>
-          <p:cNvPr id="2" name="Título 1">
-            <a:extLst>
-              <a:ext uri="{FF2B5EF4-FFF2-40B4-BE49-F238E27FC236}">
-                <a16:creationId xmlns:a16="http://schemas.microsoft.com/office/drawing/2014/main" id="{9DEDDC68-1A4A-4706-9167-ABF25F9E3180}"/>
-              </a:ext>
-            </a:extLst>
-          </p:cNvPr>
+          <p:cNvPr id="2" name="Título 1"/>
           <p:cNvSpPr>
             <a:spLocks noGrp="1"/>
           </p:cNvSpPr>
@@ -5522,18 +5200,13 @@
               <a:rPr lang="pt-PT" dirty="0"/>
               <a:t>Upload de ficheiros</a:t>
             </a:r>
-          </a:p>
-        </p:txBody>
-      </p:sp>
-      <p:sp>
-        <p:nvSpPr>
-          <p:cNvPr id="3" name="Marcador de Posição de Conteúdo 2">
-            <a:extLst>
-              <a:ext uri="{FF2B5EF4-FFF2-40B4-BE49-F238E27FC236}">
-                <a16:creationId xmlns:a16="http://schemas.microsoft.com/office/drawing/2014/main" id="{0090F5BC-94C8-48BB-B120-9CB6F75DCAC0}"/>
-              </a:ext>
-            </a:extLst>
-          </p:cNvPr>
+            <a:endParaRPr lang="pt-PT" dirty="0"/>
+          </a:p>
+        </p:txBody>
+      </p:sp>
+      <p:sp>
+        <p:nvSpPr>
+          <p:cNvPr id="3" name="Marcador de Posição de Conteúdo 2"/>
           <p:cNvSpPr>
             <a:spLocks noGrp="1"/>
           </p:cNvSpPr>
@@ -5550,25 +5223,20 @@
               <a:rPr lang="pt-PT" dirty="0"/>
               <a:t>Upload de ficheiros pelos clientes nos respetivos servidores (individual e grupo).</a:t>
             </a:r>
+            <a:endParaRPr lang="pt-PT" dirty="0"/>
           </a:p>
         </p:txBody>
       </p:sp>
       <p:pic>
         <p:nvPicPr>
-          <p:cNvPr id="5" name="Imagem 4">
-            <a:extLst>
-              <a:ext uri="{FF2B5EF4-FFF2-40B4-BE49-F238E27FC236}">
-                <a16:creationId xmlns:a16="http://schemas.microsoft.com/office/drawing/2014/main" id="{CD9B8C36-5A2A-4AE8-9FC9-AE5D1056205F}"/>
-              </a:ext>
-            </a:extLst>
-          </p:cNvPr>
+          <p:cNvPr id="5" name="Imagem 4"/>
           <p:cNvPicPr>
             <a:picLocks noChangeAspect="1"/>
           </p:cNvPicPr>
           <p:nvPr/>
         </p:nvPicPr>
         <p:blipFill>
-          <a:blip r:embed="rId2"/>
+          <a:blip r:embed="rId1"/>
           <a:stretch>
             <a:fillRect/>
           </a:stretch>
@@ -5584,11 +5252,6 @@
         </p:spPr>
       </p:pic>
     </p:spTree>
-    <p:extLst>
-      <p:ext uri="{BB962C8B-B14F-4D97-AF65-F5344CB8AC3E}">
-        <p14:creationId xmlns:p14="http://schemas.microsoft.com/office/powerpoint/2010/main" val="1873544667"/>
-      </p:ext>
-    </p:extLst>
   </p:cSld>
   <p:clrMapOvr>
     <a:masterClrMapping/>
@@ -5615,13 +5278,7 @@
       </p:grpSpPr>
       <p:sp>
         <p:nvSpPr>
-          <p:cNvPr id="2" name="Título 1">
-            <a:extLst>
-              <a:ext uri="{FF2B5EF4-FFF2-40B4-BE49-F238E27FC236}">
-                <a16:creationId xmlns:a16="http://schemas.microsoft.com/office/drawing/2014/main" id="{D2233FA1-F5F4-4A0C-B85D-696FFB9695DB}"/>
-              </a:ext>
-            </a:extLst>
-          </p:cNvPr>
+          <p:cNvPr id="2" name="Título 1"/>
           <p:cNvSpPr>
             <a:spLocks noGrp="1"/>
           </p:cNvSpPr>
@@ -5638,18 +5295,13 @@
               <a:rPr lang="pt-PT" dirty="0"/>
               <a:t>Download de ficheiros</a:t>
             </a:r>
-          </a:p>
-        </p:txBody>
-      </p:sp>
-      <p:sp>
-        <p:nvSpPr>
-          <p:cNvPr id="3" name="Marcador de Posição de Conteúdo 2">
-            <a:extLst>
-              <a:ext uri="{FF2B5EF4-FFF2-40B4-BE49-F238E27FC236}">
-                <a16:creationId xmlns:a16="http://schemas.microsoft.com/office/drawing/2014/main" id="{AD72DDB5-9689-4609-B652-7A0E965DF9FC}"/>
-              </a:ext>
-            </a:extLst>
-          </p:cNvPr>
+            <a:endParaRPr lang="pt-PT" dirty="0"/>
+          </a:p>
+        </p:txBody>
+      </p:sp>
+      <p:sp>
+        <p:nvSpPr>
+          <p:cNvPr id="3" name="Marcador de Posição de Conteúdo 2"/>
           <p:cNvSpPr>
             <a:spLocks noGrp="1"/>
           </p:cNvSpPr>
@@ -5671,25 +5323,20 @@
               <a:rPr lang="pt-PT" dirty="0"/>
               <a:t>Download de ficheiros pelos clientes (individual ou de um grupo a que pertence).</a:t>
             </a:r>
+            <a:endParaRPr lang="pt-PT" dirty="0"/>
           </a:p>
         </p:txBody>
       </p:sp>
       <p:pic>
         <p:nvPicPr>
-          <p:cNvPr id="5" name="Imagem 4">
-            <a:extLst>
-              <a:ext uri="{FF2B5EF4-FFF2-40B4-BE49-F238E27FC236}">
-                <a16:creationId xmlns:a16="http://schemas.microsoft.com/office/drawing/2014/main" id="{6930DBF8-5843-486D-B724-257F2ED6CD30}"/>
-              </a:ext>
-            </a:extLst>
-          </p:cNvPr>
+          <p:cNvPr id="5" name="Imagem 4"/>
           <p:cNvPicPr>
             <a:picLocks noChangeAspect="1"/>
           </p:cNvPicPr>
           <p:nvPr/>
         </p:nvPicPr>
         <p:blipFill>
-          <a:blip r:embed="rId2"/>
+          <a:blip r:embed="rId1"/>
           <a:stretch>
             <a:fillRect/>
           </a:stretch>
@@ -5705,11 +5352,6 @@
         </p:spPr>
       </p:pic>
     </p:spTree>
-    <p:extLst>
-      <p:ext uri="{BB962C8B-B14F-4D97-AF65-F5344CB8AC3E}">
-        <p14:creationId xmlns:p14="http://schemas.microsoft.com/office/powerpoint/2010/main" val="3000881421"/>
-      </p:ext>
-    </p:extLst>
   </p:cSld>
   <p:clrMapOvr>
     <a:masterClrMapping/>
@@ -5736,13 +5378,7 @@
       </p:grpSpPr>
       <p:sp>
         <p:nvSpPr>
-          <p:cNvPr id="2" name="Título 1">
-            <a:extLst>
-              <a:ext uri="{FF2B5EF4-FFF2-40B4-BE49-F238E27FC236}">
-                <a16:creationId xmlns:a16="http://schemas.microsoft.com/office/drawing/2014/main" id="{773A07E0-0419-4307-AD87-E9220D507BC5}"/>
-              </a:ext>
-            </a:extLst>
-          </p:cNvPr>
+          <p:cNvPr id="2" name="Título 1"/>
           <p:cNvSpPr>
             <a:spLocks noGrp="1"/>
           </p:cNvSpPr>
@@ -5759,18 +5395,13 @@
               <a:rPr lang="pt-PT" dirty="0"/>
               <a:t>Modelo lógico da base de dados</a:t>
             </a:r>
+            <a:endParaRPr lang="pt-PT" dirty="0"/>
           </a:p>
         </p:txBody>
       </p:sp>
       <p:pic>
         <p:nvPicPr>
-          <p:cNvPr id="4" name="Marcador de Posição de Conteúdo 3">
-            <a:extLst>
-              <a:ext uri="{FF2B5EF4-FFF2-40B4-BE49-F238E27FC236}">
-                <a16:creationId xmlns:a16="http://schemas.microsoft.com/office/drawing/2014/main" id="{585E7C08-E32A-49CE-B1BF-69CC163C9CE9}"/>
-              </a:ext>
-            </a:extLst>
-          </p:cNvPr>
+          <p:cNvPr id="4" name="Marcador de Posição de Conteúdo 3"/>
           <p:cNvPicPr>
             <a:picLocks noGrp="1" noChangeAspect="1"/>
           </p:cNvPicPr>
@@ -5779,7 +5410,7 @@
           </p:nvPr>
         </p:nvPicPr>
         <p:blipFill>
-          <a:blip r:embed="rId2"/>
+          <a:blip r:embed="rId1"/>
           <a:stretch>
             <a:fillRect/>
           </a:stretch>
@@ -5795,11 +5426,6 @@
         </p:spPr>
       </p:pic>
     </p:spTree>
-    <p:extLst>
-      <p:ext uri="{BB962C8B-B14F-4D97-AF65-F5344CB8AC3E}">
-        <p14:creationId xmlns:p14="http://schemas.microsoft.com/office/powerpoint/2010/main" val="3430908574"/>
-      </p:ext>
-    </p:extLst>
   </p:cSld>
   <p:clrMapOvr>
     <a:masterClrMapping/>
@@ -5826,13 +5452,7 @@
       </p:grpSpPr>
       <p:sp>
         <p:nvSpPr>
-          <p:cNvPr id="2" name="Título 1">
-            <a:extLst>
-              <a:ext uri="{FF2B5EF4-FFF2-40B4-BE49-F238E27FC236}">
-                <a16:creationId xmlns:a16="http://schemas.microsoft.com/office/drawing/2014/main" id="{9F28E7DB-E685-4054-B250-D7E946B11B30}"/>
-              </a:ext>
-            </a:extLst>
-          </p:cNvPr>
+          <p:cNvPr id="2" name="Título 1"/>
           <p:cNvSpPr>
             <a:spLocks noGrp="1"/>
           </p:cNvSpPr>
@@ -5849,18 +5469,13 @@
               <a:rPr lang="pt-PT" dirty="0"/>
               <a:t>Modelo físico da base de dados</a:t>
             </a:r>
+            <a:endParaRPr lang="pt-PT" dirty="0"/>
           </a:p>
         </p:txBody>
       </p:sp>
       <p:pic>
         <p:nvPicPr>
-          <p:cNvPr id="4" name="Marcador de Posição de Conteúdo 3">
-            <a:extLst>
-              <a:ext uri="{FF2B5EF4-FFF2-40B4-BE49-F238E27FC236}">
-                <a16:creationId xmlns:a16="http://schemas.microsoft.com/office/drawing/2014/main" id="{CF7B91FC-FC75-4C01-A182-18F54A82CF8A}"/>
-              </a:ext>
-            </a:extLst>
-          </p:cNvPr>
+          <p:cNvPr id="4" name="Marcador de Posição de Conteúdo 3"/>
           <p:cNvPicPr>
             <a:picLocks noGrp="1" noChangeAspect="1"/>
           </p:cNvPicPr>
@@ -5869,7 +5484,7 @@
           </p:nvPr>
         </p:nvPicPr>
         <p:blipFill>
-          <a:blip r:embed="rId2"/>
+          <a:blip r:embed="rId1"/>
           <a:stretch>
             <a:fillRect/>
           </a:stretch>
@@ -5885,11 +5500,6 @@
         </p:spPr>
       </p:pic>
     </p:spTree>
-    <p:extLst>
-      <p:ext uri="{BB962C8B-B14F-4D97-AF65-F5344CB8AC3E}">
-        <p14:creationId xmlns:p14="http://schemas.microsoft.com/office/powerpoint/2010/main" val="423488093"/>
-      </p:ext>
-    </p:extLst>
   </p:cSld>
   <p:clrMapOvr>
     <a:masterClrMapping/>
@@ -5906,6 +5516,64 @@
         <p:cNvGrpSpPr/>
         <p:nvPr/>
       </p:nvGrpSpPr>
+      <p:grpSpPr/>
+      <p:sp>
+        <p:nvSpPr>
+          <p:cNvPr id="2" name="Title 1"/>
+          <p:cNvSpPr>
+            <a:spLocks noGrp="1"/>
+          </p:cNvSpPr>
+          <p:nvPr>
+            <p:ph type="ctrTitle"/>
+          </p:nvPr>
+        </p:nvSpPr>
+        <p:spPr/>
+        <p:txBody>
+          <a:bodyPr/>
+          <a:p>
+            <a:r>
+              <a:rPr lang="pt-PT" altLang="en-US"/>
+              <a:t>Manual de utilizador</a:t>
+            </a:r>
+            <a:endParaRPr lang="pt-PT" altLang="en-US"/>
+          </a:p>
+        </p:txBody>
+      </p:sp>
+      <p:sp>
+        <p:nvSpPr>
+          <p:cNvPr id="4" name="Subtitle 3"/>
+          <p:cNvSpPr>
+            <a:spLocks noGrp="1"/>
+          </p:cNvSpPr>
+          <p:nvPr>
+            <p:ph type="subTitle" idx="1"/>
+          </p:nvPr>
+        </p:nvSpPr>
+        <p:spPr/>
+        <p:txBody>
+          <a:bodyPr/>
+          <a:p>
+            <a:endParaRPr lang="en-US"/>
+          </a:p>
+        </p:txBody>
+      </p:sp>
+    </p:spTree>
+  </p:cSld>
+  <p:clrMapOvr>
+    <a:masterClrMapping/>
+  </p:clrMapOvr>
+</p:sld>
+</file>
+
+<file path=ppt/slides/slide26.xml><?xml version="1.0" encoding="utf-8"?>
+<p:sld xmlns:a="http://schemas.openxmlformats.org/drawingml/2006/main" xmlns:r="http://schemas.openxmlformats.org/officeDocument/2006/relationships" xmlns:p="http://schemas.openxmlformats.org/presentationml/2006/main">
+  <p:cSld>
+    <p:spTree>
+      <p:nvGrpSpPr>
+        <p:cNvPr id="1" name=""/>
+        <p:cNvGrpSpPr/>
+        <p:nvPr/>
+      </p:nvGrpSpPr>
       <p:grpSpPr>
         <a:xfrm>
           <a:off x="0" y="0"/>
@@ -5916,13 +5584,7 @@
       </p:grpSpPr>
       <p:sp>
         <p:nvSpPr>
-          <p:cNvPr id="2" name="Título 1">
-            <a:extLst>
-              <a:ext uri="{FF2B5EF4-FFF2-40B4-BE49-F238E27FC236}">
-                <a16:creationId xmlns:a16="http://schemas.microsoft.com/office/drawing/2014/main" id="{6B97BAEA-35F5-4BDF-B2F5-E92FCF1BD55F}"/>
-              </a:ext>
-            </a:extLst>
-          </p:cNvPr>
+          <p:cNvPr id="2" name="Título 1"/>
           <p:cNvSpPr>
             <a:spLocks noGrp="1"/>
           </p:cNvSpPr>
@@ -5937,42 +5599,885 @@
           <a:p>
             <a:r>
               <a:rPr lang="pt-PT" dirty="0"/>
-              <a:t>Manual de utilizador</a:t>
-            </a:r>
-          </a:p>
-        </p:txBody>
-      </p:sp>
-      <p:sp>
-        <p:nvSpPr>
-          <p:cNvPr id="3" name="Marcador de Posição de Conteúdo 2">
-            <a:extLst>
-              <a:ext uri="{FF2B5EF4-FFF2-40B4-BE49-F238E27FC236}">
-                <a16:creationId xmlns:a16="http://schemas.microsoft.com/office/drawing/2014/main" id="{B64A6539-4485-4534-9F15-86BED41F8376}"/>
-              </a:ext>
-            </a:extLst>
-          </p:cNvPr>
-          <p:cNvSpPr>
-            <a:spLocks noGrp="1"/>
-          </p:cNvSpPr>
+              <a:t>Login</a:t>
+            </a:r>
+            <a:endParaRPr lang="pt-PT" dirty="0"/>
+          </a:p>
+        </p:txBody>
+      </p:sp>
+      <p:pic>
+        <p:nvPicPr>
+          <p:cNvPr id="4" name="Content Placeholder 3"/>
+          <p:cNvPicPr>
+            <a:picLocks noChangeAspect="1"/>
+          </p:cNvPicPr>
           <p:nvPr>
             <p:ph idx="1"/>
           </p:nvPr>
-        </p:nvSpPr>
-        <p:spPr/>
-        <p:txBody>
-          <a:bodyPr/>
-          <a:lstStyle/>
-          <a:p>
-            <a:endParaRPr lang="pt-PT" dirty="0"/>
+        </p:nvPicPr>
+        <p:blipFill>
+          <a:blip r:embed="rId1"/>
+          <a:stretch>
+            <a:fillRect/>
+          </a:stretch>
+        </p:blipFill>
+        <p:spPr>
+          <a:xfrm>
+            <a:off x="1534795" y="2123440"/>
+            <a:ext cx="3630930" cy="3450590"/>
+          </a:xfrm>
+          <a:prstGeom prst="rect">
+            <a:avLst/>
+          </a:prstGeom>
+        </p:spPr>
+      </p:pic>
+      <p:sp>
+        <p:nvSpPr>
+          <p:cNvPr id="5" name="Text Box 4"/>
+          <p:cNvSpPr txBox="1"/>
+          <p:nvPr/>
+        </p:nvSpPr>
+        <p:spPr>
+          <a:xfrm>
+            <a:off x="5534025" y="2123440"/>
+            <a:ext cx="6283960" cy="2861310"/>
+          </a:xfrm>
+          <a:prstGeom prst="rect">
+            <a:avLst/>
+          </a:prstGeom>
+          <a:noFill/>
+        </p:spPr>
+        <p:txBody>
+          <a:bodyPr wrap="square" rtlCol="0">
+            <a:spAutoFit/>
+          </a:bodyPr>
+          <a:p>
+            <a:pPr marL="342900" indent="-342900">
+              <a:buAutoNum type="arabicPeriod"/>
+            </a:pPr>
+            <a:r>
+              <a:rPr lang="pt-PT" altLang="en-US"/>
+              <a:t>Caixa de texto do username</a:t>
+            </a:r>
+            <a:endParaRPr lang="pt-PT" altLang="en-US"/>
+          </a:p>
+          <a:p>
+            <a:pPr marL="800100" lvl="1" indent="-342900">
+              <a:buFont typeface="Arial" panose="020B0604020202020204" pitchFamily="34" charset="0"/>
+              <a:buChar char="•"/>
+            </a:pPr>
+            <a:r>
+              <a:rPr lang="pt-PT" altLang="en-US"/>
+              <a:t>O utilizador introduz o seu username</a:t>
+            </a:r>
+            <a:endParaRPr lang="pt-PT" altLang="en-US"/>
+          </a:p>
+          <a:p>
+            <a:pPr marL="342900" indent="-342900">
+              <a:buAutoNum type="arabicPeriod"/>
+            </a:pPr>
+            <a:r>
+              <a:rPr lang="pt-PT" altLang="en-US"/>
+              <a:t>Caixa de texto da password</a:t>
+            </a:r>
+            <a:endParaRPr lang="pt-PT" altLang="en-US"/>
+          </a:p>
+          <a:p>
+            <a:pPr marL="800100" lvl="1" indent="-342900">
+              <a:buFont typeface="Arial" panose="020B0604020202020204" pitchFamily="34" charset="0"/>
+              <a:buChar char="•"/>
+            </a:pPr>
+            <a:r>
+              <a:rPr lang="pt-PT" altLang="en-US"/>
+              <a:t>O utilizador introduz a sua password</a:t>
+            </a:r>
+            <a:endParaRPr lang="pt-PT" altLang="en-US"/>
+          </a:p>
+          <a:p>
+            <a:pPr marL="342900" indent="-342900">
+              <a:buAutoNum type="arabicPeriod"/>
+            </a:pPr>
+            <a:r>
+              <a:rPr lang="pt-PT" altLang="en-US"/>
+              <a:t>Botão de login</a:t>
+            </a:r>
+            <a:endParaRPr lang="pt-PT" altLang="en-US"/>
+          </a:p>
+          <a:p>
+            <a:pPr marL="800100" lvl="1" indent="-342900">
+              <a:buFont typeface="Arial" panose="020B0604020202020204" pitchFamily="34" charset="0"/>
+              <a:buChar char="•"/>
+            </a:pPr>
+            <a:r>
+              <a:rPr lang="pt-PT" altLang="en-US"/>
+              <a:t>Após a introdução de ambos, o username e a password, o utilizador poderá efetuar o login</a:t>
+            </a:r>
+            <a:endParaRPr lang="pt-PT" altLang="en-US"/>
+          </a:p>
+          <a:p>
+            <a:pPr marL="342900" indent="-342900">
+              <a:buAutoNum type="arabicPeriod"/>
+            </a:pPr>
+            <a:r>
+              <a:rPr lang="pt-PT" altLang="en-US"/>
+              <a:t>Botão de registo</a:t>
+            </a:r>
+            <a:endParaRPr lang="pt-PT" altLang="en-US"/>
+          </a:p>
+          <a:p>
+            <a:pPr marL="800100" lvl="1" indent="-342900">
+              <a:buFont typeface="Arial" panose="020B0604020202020204" pitchFamily="34" charset="0"/>
+              <a:buChar char="•"/>
+            </a:pPr>
+            <a:r>
+              <a:rPr lang="pt-PT" altLang="en-US"/>
+              <a:t>Se o utilizador não estiver ainda registado, poderá faze-lo através desta opção</a:t>
+            </a:r>
+            <a:endParaRPr lang="pt-PT" altLang="en-US"/>
+          </a:p>
+        </p:txBody>
+      </p:sp>
+      <p:sp>
+        <p:nvSpPr>
+          <p:cNvPr id="6" name="Oval 5"/>
+          <p:cNvSpPr/>
+          <p:nvPr/>
+        </p:nvSpPr>
+        <p:spPr>
+          <a:xfrm>
+            <a:off x="4166870" y="3576320"/>
+            <a:ext cx="295910" cy="295910"/>
+          </a:xfrm>
+          <a:prstGeom prst="ellipse">
+            <a:avLst/>
+          </a:prstGeom>
+        </p:spPr>
+        <p:style>
+          <a:lnRef idx="2">
+            <a:schemeClr val="accent6"/>
+          </a:lnRef>
+          <a:fillRef idx="1">
+            <a:schemeClr val="lt1"/>
+          </a:fillRef>
+          <a:effectRef idx="0">
+            <a:schemeClr val="accent6"/>
+          </a:effectRef>
+          <a:fontRef idx="minor">
+            <a:schemeClr val="dk1"/>
+          </a:fontRef>
+        </p:style>
+        <p:txBody>
+          <a:bodyPr rtlCol="0" anchor="ctr"/>
+          <a:p>
+            <a:pPr algn="ctr"/>
+            <a:r>
+              <a:rPr lang="pt-PT" altLang="en-US"/>
+              <a:t>1</a:t>
+            </a:r>
+            <a:endParaRPr lang="pt-PT" altLang="en-US"/>
+          </a:p>
+        </p:txBody>
+      </p:sp>
+      <p:sp>
+        <p:nvSpPr>
+          <p:cNvPr id="7" name="Oval 6"/>
+          <p:cNvSpPr/>
+          <p:nvPr/>
+        </p:nvSpPr>
+        <p:spPr>
+          <a:xfrm>
+            <a:off x="4166870" y="4147185"/>
+            <a:ext cx="295910" cy="295910"/>
+          </a:xfrm>
+          <a:prstGeom prst="ellipse">
+            <a:avLst/>
+          </a:prstGeom>
+        </p:spPr>
+        <p:style>
+          <a:lnRef idx="2">
+            <a:schemeClr val="accent6"/>
+          </a:lnRef>
+          <a:fillRef idx="1">
+            <a:schemeClr val="lt1"/>
+          </a:fillRef>
+          <a:effectRef idx="0">
+            <a:schemeClr val="accent6"/>
+          </a:effectRef>
+          <a:fontRef idx="minor">
+            <a:schemeClr val="dk1"/>
+          </a:fontRef>
+        </p:style>
+        <p:txBody>
+          <a:bodyPr rtlCol="0" anchor="ctr"/>
+          <a:p>
+            <a:pPr algn="ctr"/>
+            <a:r>
+              <a:rPr lang="pt-PT" altLang="en-US"/>
+              <a:t>2</a:t>
+            </a:r>
+            <a:endParaRPr lang="pt-PT" altLang="en-US"/>
+          </a:p>
+        </p:txBody>
+      </p:sp>
+      <p:sp>
+        <p:nvSpPr>
+          <p:cNvPr id="8" name="Oval 7"/>
+          <p:cNvSpPr/>
+          <p:nvPr/>
+        </p:nvSpPr>
+        <p:spPr>
+          <a:xfrm>
+            <a:off x="4166870" y="4613275"/>
+            <a:ext cx="295910" cy="295910"/>
+          </a:xfrm>
+          <a:prstGeom prst="ellipse">
+            <a:avLst/>
+          </a:prstGeom>
+        </p:spPr>
+        <p:style>
+          <a:lnRef idx="2">
+            <a:schemeClr val="accent6"/>
+          </a:lnRef>
+          <a:fillRef idx="1">
+            <a:schemeClr val="lt1"/>
+          </a:fillRef>
+          <a:effectRef idx="0">
+            <a:schemeClr val="accent6"/>
+          </a:effectRef>
+          <a:fontRef idx="minor">
+            <a:schemeClr val="dk1"/>
+          </a:fontRef>
+        </p:style>
+        <p:txBody>
+          <a:bodyPr rtlCol="0" anchor="ctr"/>
+          <a:p>
+            <a:pPr algn="ctr"/>
+            <a:r>
+              <a:rPr lang="pt-PT" altLang="en-US"/>
+              <a:t>3</a:t>
+            </a:r>
+            <a:endParaRPr lang="pt-PT" altLang="en-US"/>
+          </a:p>
+        </p:txBody>
+      </p:sp>
+      <p:sp>
+        <p:nvSpPr>
+          <p:cNvPr id="9" name="Oval 8"/>
+          <p:cNvSpPr/>
+          <p:nvPr/>
+        </p:nvSpPr>
+        <p:spPr>
+          <a:xfrm>
+            <a:off x="4166870" y="5123180"/>
+            <a:ext cx="295910" cy="295910"/>
+          </a:xfrm>
+          <a:prstGeom prst="ellipse">
+            <a:avLst/>
+          </a:prstGeom>
+        </p:spPr>
+        <p:style>
+          <a:lnRef idx="2">
+            <a:schemeClr val="accent6"/>
+          </a:lnRef>
+          <a:fillRef idx="1">
+            <a:schemeClr val="lt1"/>
+          </a:fillRef>
+          <a:effectRef idx="0">
+            <a:schemeClr val="accent6"/>
+          </a:effectRef>
+          <a:fontRef idx="minor">
+            <a:schemeClr val="dk1"/>
+          </a:fontRef>
+        </p:style>
+        <p:txBody>
+          <a:bodyPr rtlCol="0" anchor="ctr"/>
+          <a:p>
+            <a:pPr algn="ctr"/>
+            <a:r>
+              <a:rPr lang="pt-PT" altLang="en-US"/>
+              <a:t>4</a:t>
+            </a:r>
+            <a:endParaRPr lang="pt-PT" altLang="en-US"/>
           </a:p>
         </p:txBody>
       </p:sp>
     </p:spTree>
-    <p:extLst>
-      <p:ext uri="{BB962C8B-B14F-4D97-AF65-F5344CB8AC3E}">
-        <p14:creationId xmlns:p14="http://schemas.microsoft.com/office/powerpoint/2010/main" val="4009965058"/>
-      </p:ext>
-    </p:extLst>
+  </p:cSld>
+  <p:clrMapOvr>
+    <a:masterClrMapping/>
+  </p:clrMapOvr>
+</p:sld>
+</file>
+
+<file path=ppt/slides/slide27.xml><?xml version="1.0" encoding="utf-8"?>
+<p:sld xmlns:a="http://schemas.openxmlformats.org/drawingml/2006/main" xmlns:r="http://schemas.openxmlformats.org/officeDocument/2006/relationships" xmlns:p="http://schemas.openxmlformats.org/presentationml/2006/main">
+  <p:cSld>
+    <p:spTree>
+      <p:nvGrpSpPr>
+        <p:cNvPr id="1" name=""/>
+        <p:cNvGrpSpPr/>
+        <p:nvPr/>
+      </p:nvGrpSpPr>
+      <p:grpSpPr/>
+      <p:sp>
+        <p:nvSpPr>
+          <p:cNvPr id="2" name="Title 1"/>
+          <p:cNvSpPr>
+            <a:spLocks noGrp="1"/>
+          </p:cNvSpPr>
+          <p:nvPr>
+            <p:ph type="title"/>
+          </p:nvPr>
+        </p:nvSpPr>
+        <p:spPr/>
+        <p:txBody>
+          <a:bodyPr/>
+          <a:p>
+            <a:r>
+              <a:rPr lang="pt-PT" altLang="en-US"/>
+              <a:t>Registo</a:t>
+            </a:r>
+            <a:endParaRPr lang="pt-PT" altLang="en-US"/>
+          </a:p>
+        </p:txBody>
+      </p:sp>
+      <p:pic>
+        <p:nvPicPr>
+          <p:cNvPr id="4" name="Content Placeholder 3"/>
+          <p:cNvPicPr>
+            <a:picLocks noChangeAspect="1"/>
+          </p:cNvPicPr>
+          <p:nvPr>
+            <p:ph idx="1"/>
+          </p:nvPr>
+        </p:nvPicPr>
+        <p:blipFill>
+          <a:blip r:embed="rId1"/>
+          <a:stretch>
+            <a:fillRect/>
+          </a:stretch>
+        </p:blipFill>
+        <p:spPr>
+          <a:xfrm>
+            <a:off x="1534795" y="1985645"/>
+            <a:ext cx="2962275" cy="4029075"/>
+          </a:xfrm>
+          <a:prstGeom prst="rect">
+            <a:avLst/>
+          </a:prstGeom>
+        </p:spPr>
+      </p:pic>
+      <p:sp>
+        <p:nvSpPr>
+          <p:cNvPr id="5" name="Text Box 4"/>
+          <p:cNvSpPr txBox="1"/>
+          <p:nvPr/>
+        </p:nvSpPr>
+        <p:spPr>
+          <a:xfrm>
+            <a:off x="4977130" y="1877060"/>
+            <a:ext cx="7023735" cy="4246245"/>
+          </a:xfrm>
+          <a:prstGeom prst="rect">
+            <a:avLst/>
+          </a:prstGeom>
+          <a:noFill/>
+        </p:spPr>
+        <p:txBody>
+          <a:bodyPr wrap="square" rtlCol="0">
+            <a:spAutoFit/>
+          </a:bodyPr>
+          <a:p>
+            <a:pPr marL="342900" indent="-342900">
+              <a:buAutoNum type="arabicPeriod"/>
+            </a:pPr>
+            <a:r>
+              <a:rPr lang="pt-PT" altLang="en-US"/>
+              <a:t>Caixa de texto do nome do utilizador</a:t>
+            </a:r>
+            <a:endParaRPr lang="pt-PT" altLang="en-US"/>
+          </a:p>
+          <a:p>
+            <a:pPr marL="800100" lvl="1" indent="-342900">
+              <a:buFont typeface="Arial" panose="020B0604020202020204" pitchFamily="34" charset="0"/>
+              <a:buChar char="•"/>
+            </a:pPr>
+            <a:r>
+              <a:rPr lang="pt-PT" altLang="en-US"/>
+              <a:t>O utilizador introduz o seu nome</a:t>
+            </a:r>
+            <a:endParaRPr lang="pt-PT" altLang="en-US"/>
+          </a:p>
+          <a:p>
+            <a:pPr marL="342900" indent="-342900">
+              <a:buAutoNum type="arabicPeriod"/>
+            </a:pPr>
+            <a:r>
+              <a:rPr lang="pt-PT" altLang="en-US"/>
+              <a:t>Caixa de texto do username</a:t>
+            </a:r>
+            <a:endParaRPr lang="pt-PT" altLang="en-US"/>
+          </a:p>
+          <a:p>
+            <a:pPr marL="800100" lvl="1" indent="-342900">
+              <a:buFont typeface="Arial" panose="020B0604020202020204" pitchFamily="34" charset="0"/>
+              <a:buChar char="•"/>
+            </a:pPr>
+            <a:r>
+              <a:rPr lang="pt-PT" altLang="en-US"/>
+              <a:t>O utilizador introduz o seu username</a:t>
+            </a:r>
+            <a:endParaRPr lang="pt-PT" altLang="en-US"/>
+          </a:p>
+          <a:p>
+            <a:pPr marL="342900" indent="-342900">
+              <a:buAutoNum type="arabicPeriod"/>
+            </a:pPr>
+            <a:r>
+              <a:rPr lang="pt-PT" altLang="en-US"/>
+              <a:t>Caixa de texto da password</a:t>
+            </a:r>
+            <a:endParaRPr lang="pt-PT" altLang="en-US"/>
+          </a:p>
+          <a:p>
+            <a:pPr marL="800100" lvl="1" indent="-342900">
+              <a:buFont typeface="Arial" panose="020B0604020202020204" pitchFamily="34" charset="0"/>
+              <a:buChar char="•"/>
+            </a:pPr>
+            <a:r>
+              <a:rPr lang="pt-PT" altLang="en-US"/>
+              <a:t>O utilizador introduz a sua password</a:t>
+            </a:r>
+            <a:endParaRPr lang="pt-PT" altLang="en-US"/>
+          </a:p>
+          <a:p>
+            <a:pPr marL="342900" indent="-342900">
+              <a:buAutoNum type="arabicPeriod"/>
+            </a:pPr>
+            <a:r>
+              <a:rPr lang="pt-PT" altLang="en-US"/>
+              <a:t>Caixa de texto da confirmação da password</a:t>
+            </a:r>
+            <a:endParaRPr lang="pt-PT" altLang="en-US"/>
+          </a:p>
+          <a:p>
+            <a:pPr marL="800100" lvl="1" indent="-342900">
+              <a:buFont typeface="Arial" panose="020B0604020202020204" pitchFamily="34" charset="0"/>
+              <a:buChar char="•"/>
+            </a:pPr>
+            <a:r>
+              <a:rPr lang="pt-PT" altLang="en-US"/>
+              <a:t>O utilizador confirma a sua password</a:t>
+            </a:r>
+            <a:endParaRPr lang="pt-PT" altLang="en-US"/>
+          </a:p>
+          <a:p>
+            <a:pPr marL="342900" indent="-342900">
+              <a:buAutoNum type="arabicPeriod"/>
+            </a:pPr>
+            <a:r>
+              <a:rPr lang="pt-PT" altLang="en-US"/>
+              <a:t>Botão de seleção de fotografia</a:t>
+            </a:r>
+            <a:endParaRPr lang="pt-PT" altLang="en-US"/>
+          </a:p>
+          <a:p>
+            <a:pPr marL="800100" lvl="1" indent="-342900">
+              <a:buFont typeface="Arial" panose="020B0604020202020204" pitchFamily="34" charset="0"/>
+              <a:buChar char="•"/>
+            </a:pPr>
+            <a:r>
+              <a:rPr lang="pt-PT" altLang="en-US"/>
+              <a:t>O utilizador seleciona uma fotografia (jpg, jpeg ou png)</a:t>
+            </a:r>
+            <a:endParaRPr lang="pt-PT" altLang="en-US"/>
+          </a:p>
+          <a:p>
+            <a:pPr marL="342900" indent="-342900">
+              <a:buAutoNum type="arabicPeriod"/>
+            </a:pPr>
+            <a:r>
+              <a:rPr lang="pt-PT" altLang="en-US"/>
+              <a:t>Botão de registo</a:t>
+            </a:r>
+            <a:endParaRPr lang="pt-PT" altLang="en-US"/>
+          </a:p>
+          <a:p>
+            <a:pPr marL="800100" lvl="1" indent="-342900">
+              <a:buFont typeface="Arial" panose="020B0604020202020204" pitchFamily="34" charset="0"/>
+              <a:buChar char="•"/>
+            </a:pPr>
+            <a:r>
+              <a:rPr lang="pt-PT" altLang="en-US"/>
+              <a:t>Após preencher os campos todos, o utilizador poderá registar-se</a:t>
+            </a:r>
+            <a:endParaRPr lang="pt-PT" altLang="en-US"/>
+          </a:p>
+          <a:p>
+            <a:pPr marL="342900" indent="-342900">
+              <a:buAutoNum type="arabicPeriod"/>
+            </a:pPr>
+            <a:r>
+              <a:rPr lang="pt-PT" altLang="en-US"/>
+              <a:t>Botão de cancelar</a:t>
+            </a:r>
+            <a:endParaRPr lang="pt-PT" altLang="en-US"/>
+          </a:p>
+          <a:p>
+            <a:pPr marL="800100" lvl="1" indent="-342900">
+              <a:buFont typeface="Arial" panose="020B0604020202020204" pitchFamily="34" charset="0"/>
+              <a:buChar char="•"/>
+            </a:pPr>
+            <a:r>
+              <a:rPr lang="pt-PT" altLang="en-US"/>
+              <a:t>O utilizador poderá cancelar o seu registo</a:t>
+            </a:r>
+            <a:endParaRPr lang="pt-PT" altLang="en-US"/>
+          </a:p>
+        </p:txBody>
+      </p:sp>
+      <p:sp>
+        <p:nvSpPr>
+          <p:cNvPr id="7" name="Oval 6"/>
+          <p:cNvSpPr/>
+          <p:nvPr/>
+        </p:nvSpPr>
+        <p:spPr>
+          <a:xfrm>
+            <a:off x="3869690" y="3082290"/>
+            <a:ext cx="295910" cy="295910"/>
+          </a:xfrm>
+          <a:prstGeom prst="ellipse">
+            <a:avLst/>
+          </a:prstGeom>
+        </p:spPr>
+        <p:style>
+          <a:lnRef idx="2">
+            <a:schemeClr val="accent6"/>
+          </a:lnRef>
+          <a:fillRef idx="1">
+            <a:schemeClr val="lt1"/>
+          </a:fillRef>
+          <a:effectRef idx="0">
+            <a:schemeClr val="accent6"/>
+          </a:effectRef>
+          <a:fontRef idx="minor">
+            <a:schemeClr val="dk1"/>
+          </a:fontRef>
+        </p:style>
+        <p:txBody>
+          <a:bodyPr rtlCol="0" anchor="ctr"/>
+          <a:p>
+            <a:pPr algn="ctr"/>
+            <a:r>
+              <a:rPr lang="pt-PT" altLang="en-US"/>
+              <a:t>1</a:t>
+            </a:r>
+            <a:endParaRPr lang="pt-PT" altLang="en-US"/>
+          </a:p>
+        </p:txBody>
+      </p:sp>
+      <p:sp>
+        <p:nvSpPr>
+          <p:cNvPr id="8" name="Oval 7"/>
+          <p:cNvSpPr/>
+          <p:nvPr/>
+        </p:nvSpPr>
+        <p:spPr>
+          <a:xfrm>
+            <a:off x="3869690" y="3509010"/>
+            <a:ext cx="295910" cy="295910"/>
+          </a:xfrm>
+          <a:prstGeom prst="ellipse">
+            <a:avLst/>
+          </a:prstGeom>
+        </p:spPr>
+        <p:style>
+          <a:lnRef idx="2">
+            <a:schemeClr val="accent6"/>
+          </a:lnRef>
+          <a:fillRef idx="1">
+            <a:schemeClr val="lt1"/>
+          </a:fillRef>
+          <a:effectRef idx="0">
+            <a:schemeClr val="accent6"/>
+          </a:effectRef>
+          <a:fontRef idx="minor">
+            <a:schemeClr val="dk1"/>
+          </a:fontRef>
+        </p:style>
+        <p:txBody>
+          <a:bodyPr rtlCol="0" anchor="ctr"/>
+          <a:p>
+            <a:pPr algn="ctr"/>
+            <a:r>
+              <a:rPr lang="pt-PT" altLang="en-US"/>
+              <a:t>2</a:t>
+            </a:r>
+            <a:endParaRPr lang="pt-PT" altLang="en-US"/>
+          </a:p>
+        </p:txBody>
+      </p:sp>
+      <p:sp>
+        <p:nvSpPr>
+          <p:cNvPr id="9" name="Oval 8"/>
+          <p:cNvSpPr/>
+          <p:nvPr/>
+        </p:nvSpPr>
+        <p:spPr>
+          <a:xfrm>
+            <a:off x="3869690" y="3935095"/>
+            <a:ext cx="295910" cy="295910"/>
+          </a:xfrm>
+          <a:prstGeom prst="ellipse">
+            <a:avLst/>
+          </a:prstGeom>
+        </p:spPr>
+        <p:style>
+          <a:lnRef idx="2">
+            <a:schemeClr val="accent6"/>
+          </a:lnRef>
+          <a:fillRef idx="1">
+            <a:schemeClr val="lt1"/>
+          </a:fillRef>
+          <a:effectRef idx="0">
+            <a:schemeClr val="accent6"/>
+          </a:effectRef>
+          <a:fontRef idx="minor">
+            <a:schemeClr val="dk1"/>
+          </a:fontRef>
+        </p:style>
+        <p:txBody>
+          <a:bodyPr rtlCol="0" anchor="ctr"/>
+          <a:p>
+            <a:pPr algn="ctr"/>
+            <a:r>
+              <a:rPr lang="pt-PT" altLang="en-US"/>
+              <a:t>3</a:t>
+            </a:r>
+            <a:endParaRPr lang="pt-PT" altLang="en-US"/>
+          </a:p>
+        </p:txBody>
+      </p:sp>
+      <p:sp>
+        <p:nvSpPr>
+          <p:cNvPr id="10" name="Oval 9"/>
+          <p:cNvSpPr/>
+          <p:nvPr/>
+        </p:nvSpPr>
+        <p:spPr>
+          <a:xfrm>
+            <a:off x="3869690" y="4361815"/>
+            <a:ext cx="295910" cy="295910"/>
+          </a:xfrm>
+          <a:prstGeom prst="ellipse">
+            <a:avLst/>
+          </a:prstGeom>
+        </p:spPr>
+        <p:style>
+          <a:lnRef idx="2">
+            <a:schemeClr val="accent6"/>
+          </a:lnRef>
+          <a:fillRef idx="1">
+            <a:schemeClr val="lt1"/>
+          </a:fillRef>
+          <a:effectRef idx="0">
+            <a:schemeClr val="accent6"/>
+          </a:effectRef>
+          <a:fontRef idx="minor">
+            <a:schemeClr val="dk1"/>
+          </a:fontRef>
+        </p:style>
+        <p:txBody>
+          <a:bodyPr rtlCol="0" anchor="ctr"/>
+          <a:p>
+            <a:pPr algn="ctr"/>
+            <a:r>
+              <a:rPr lang="pt-PT" altLang="en-US"/>
+              <a:t>4</a:t>
+            </a:r>
+            <a:endParaRPr lang="pt-PT" altLang="en-US"/>
+          </a:p>
+        </p:txBody>
+      </p:sp>
+      <p:sp>
+        <p:nvSpPr>
+          <p:cNvPr id="11" name="Oval 10"/>
+          <p:cNvSpPr/>
+          <p:nvPr/>
+        </p:nvSpPr>
+        <p:spPr>
+          <a:xfrm>
+            <a:off x="1911985" y="5074920"/>
+            <a:ext cx="295910" cy="295910"/>
+          </a:xfrm>
+          <a:prstGeom prst="ellipse">
+            <a:avLst/>
+          </a:prstGeom>
+        </p:spPr>
+        <p:style>
+          <a:lnRef idx="2">
+            <a:schemeClr val="accent6"/>
+          </a:lnRef>
+          <a:fillRef idx="1">
+            <a:schemeClr val="lt1"/>
+          </a:fillRef>
+          <a:effectRef idx="0">
+            <a:schemeClr val="accent6"/>
+          </a:effectRef>
+          <a:fontRef idx="minor">
+            <a:schemeClr val="dk1"/>
+          </a:fontRef>
+        </p:style>
+        <p:txBody>
+          <a:bodyPr rtlCol="0" anchor="ctr"/>
+          <a:p>
+            <a:pPr algn="ctr"/>
+            <a:r>
+              <a:rPr lang="pt-PT" altLang="en-US"/>
+              <a:t>5</a:t>
+            </a:r>
+            <a:endParaRPr lang="pt-PT" altLang="en-US"/>
+          </a:p>
+        </p:txBody>
+      </p:sp>
+      <p:sp>
+        <p:nvSpPr>
+          <p:cNvPr id="12" name="Oval 11"/>
+          <p:cNvSpPr/>
+          <p:nvPr/>
+        </p:nvSpPr>
+        <p:spPr>
+          <a:xfrm>
+            <a:off x="3792220" y="5429885"/>
+            <a:ext cx="295910" cy="295910"/>
+          </a:xfrm>
+          <a:prstGeom prst="ellipse">
+            <a:avLst/>
+          </a:prstGeom>
+        </p:spPr>
+        <p:style>
+          <a:lnRef idx="2">
+            <a:schemeClr val="accent6"/>
+          </a:lnRef>
+          <a:fillRef idx="1">
+            <a:schemeClr val="lt1"/>
+          </a:fillRef>
+          <a:effectRef idx="0">
+            <a:schemeClr val="accent6"/>
+          </a:effectRef>
+          <a:fontRef idx="minor">
+            <a:schemeClr val="dk1"/>
+          </a:fontRef>
+        </p:style>
+        <p:txBody>
+          <a:bodyPr rtlCol="0" anchor="ctr"/>
+          <a:p>
+            <a:pPr algn="ctr"/>
+            <a:r>
+              <a:rPr lang="pt-PT" altLang="en-US"/>
+              <a:t>6</a:t>
+            </a:r>
+            <a:endParaRPr lang="pt-PT" altLang="en-US"/>
+          </a:p>
+        </p:txBody>
+      </p:sp>
+      <p:sp>
+        <p:nvSpPr>
+          <p:cNvPr id="13" name="Oval 12"/>
+          <p:cNvSpPr/>
+          <p:nvPr/>
+        </p:nvSpPr>
+        <p:spPr>
+          <a:xfrm>
+            <a:off x="2582545" y="5429885"/>
+            <a:ext cx="295910" cy="295910"/>
+          </a:xfrm>
+          <a:prstGeom prst="ellipse">
+            <a:avLst/>
+          </a:prstGeom>
+        </p:spPr>
+        <p:style>
+          <a:lnRef idx="2">
+            <a:schemeClr val="accent6"/>
+          </a:lnRef>
+          <a:fillRef idx="1">
+            <a:schemeClr val="lt1"/>
+          </a:fillRef>
+          <a:effectRef idx="0">
+            <a:schemeClr val="accent6"/>
+          </a:effectRef>
+          <a:fontRef idx="minor">
+            <a:schemeClr val="dk1"/>
+          </a:fontRef>
+        </p:style>
+        <p:txBody>
+          <a:bodyPr rtlCol="0" anchor="ctr"/>
+          <a:p>
+            <a:pPr algn="ctr"/>
+            <a:r>
+              <a:rPr lang="pt-PT" altLang="en-US"/>
+              <a:t>7</a:t>
+            </a:r>
+            <a:endParaRPr lang="pt-PT" altLang="en-US"/>
+          </a:p>
+        </p:txBody>
+      </p:sp>
+    </p:spTree>
+  </p:cSld>
+  <p:clrMapOvr>
+    <a:masterClrMapping/>
+  </p:clrMapOvr>
+</p:sld>
+</file>
+
+<file path=ppt/slides/slide28.xml><?xml version="1.0" encoding="utf-8"?>
+<p:sld xmlns:a="http://schemas.openxmlformats.org/drawingml/2006/main" xmlns:r="http://schemas.openxmlformats.org/officeDocument/2006/relationships" xmlns:p="http://schemas.openxmlformats.org/presentationml/2006/main">
+  <p:cSld>
+    <p:spTree>
+      <p:nvGrpSpPr>
+        <p:cNvPr id="1" name=""/>
+        <p:cNvGrpSpPr/>
+        <p:nvPr/>
+      </p:nvGrpSpPr>
+      <p:grpSpPr/>
+      <p:sp>
+        <p:nvSpPr>
+          <p:cNvPr id="2" name="Title 1"/>
+          <p:cNvSpPr>
+            <a:spLocks noGrp="1"/>
+          </p:cNvSpPr>
+          <p:nvPr>
+            <p:ph type="title"/>
+          </p:nvPr>
+        </p:nvSpPr>
+        <p:spPr/>
+        <p:txBody>
+          <a:bodyPr/>
+          <a:p>
+            <a:endParaRPr lang="en-US"/>
+          </a:p>
+        </p:txBody>
+      </p:sp>
+      <p:sp>
+        <p:nvSpPr>
+          <p:cNvPr id="3" name="Content Placeholder 2"/>
+          <p:cNvSpPr>
+            <a:spLocks noGrp="1"/>
+          </p:cNvSpPr>
+          <p:nvPr>
+            <p:ph idx="1"/>
+          </p:nvPr>
+        </p:nvSpPr>
+        <p:spPr/>
+        <p:txBody>
+          <a:bodyPr/>
+          <a:p>
+            <a:endParaRPr lang="en-US"/>
+          </a:p>
+        </p:txBody>
+      </p:sp>
+    </p:spTree>
   </p:cSld>
   <p:clrMapOvr>
     <a:masterClrMapping/>
@@ -5999,13 +6504,7 @@
       </p:grpSpPr>
       <p:sp>
         <p:nvSpPr>
-          <p:cNvPr id="2" name="Título 1">
-            <a:extLst>
-              <a:ext uri="{FF2B5EF4-FFF2-40B4-BE49-F238E27FC236}">
-                <a16:creationId xmlns:a16="http://schemas.microsoft.com/office/drawing/2014/main" id="{8D36EAF8-772A-4772-85BC-71E884281565}"/>
-              </a:ext>
-            </a:extLst>
-          </p:cNvPr>
+          <p:cNvPr id="2" name="Título 1"/>
           <p:cNvSpPr>
             <a:spLocks noGrp="1"/>
           </p:cNvSpPr>
@@ -6022,18 +6521,13 @@
               <a:rPr lang="pt-PT" dirty="0"/>
               <a:t>Índice</a:t>
             </a:r>
-          </a:p>
-        </p:txBody>
-      </p:sp>
-      <p:sp>
-        <p:nvSpPr>
-          <p:cNvPr id="3" name="Marcador de Posição de Conteúdo 2">
-            <a:extLst>
-              <a:ext uri="{FF2B5EF4-FFF2-40B4-BE49-F238E27FC236}">
-                <a16:creationId xmlns:a16="http://schemas.microsoft.com/office/drawing/2014/main" id="{B1ED622E-E5D0-4DFE-8988-7BCD1B2FBB4F}"/>
-              </a:ext>
-            </a:extLst>
-          </p:cNvPr>
+            <a:endParaRPr lang="pt-PT" dirty="0"/>
+          </a:p>
+        </p:txBody>
+      </p:sp>
+      <p:sp>
+        <p:nvSpPr>
+          <p:cNvPr id="3" name="Marcador de Posição de Conteúdo 2"/>
           <p:cNvSpPr>
             <a:spLocks noGrp="1"/>
           </p:cNvSpPr>
@@ -6060,6 +6554,7 @@
               <a:rPr lang="pt-PT" sz="1700" dirty="0"/>
               <a:t>Autenticação;</a:t>
             </a:r>
+            <a:endParaRPr lang="pt-PT" sz="1700" dirty="0"/>
           </a:p>
           <a:p>
             <a:pPr>
@@ -6074,6 +6569,7 @@
               <a:rPr lang="pt-PT" sz="1700" dirty="0"/>
               <a:t>Canais;</a:t>
             </a:r>
+            <a:endParaRPr lang="pt-PT" sz="1700" dirty="0"/>
           </a:p>
           <a:p>
             <a:pPr>
@@ -6088,6 +6584,7 @@
               <a:rPr lang="pt-PT" sz="1700" dirty="0"/>
               <a:t>Aderir a um canal ;</a:t>
             </a:r>
+            <a:endParaRPr lang="pt-PT" sz="1700" dirty="0"/>
           </a:p>
           <a:p>
             <a:pPr>
@@ -6102,6 +6599,7 @@
               <a:rPr lang="pt-PT" sz="1700" dirty="0"/>
               <a:t>Envio e receção de mensagens;</a:t>
             </a:r>
+            <a:endParaRPr lang="pt-PT" sz="1700" dirty="0"/>
           </a:p>
           <a:p>
             <a:pPr>
@@ -6116,6 +6614,7 @@
               <a:rPr lang="pt-PT" sz="1700" dirty="0"/>
               <a:t>Consultar mensagens;</a:t>
             </a:r>
+            <a:endParaRPr lang="pt-PT" sz="1700" dirty="0"/>
           </a:p>
           <a:p>
             <a:pPr>
@@ -6130,6 +6629,7 @@
               <a:rPr lang="pt-PT" sz="1700" dirty="0"/>
               <a:t>Gestão de ficheiros com nomes idênticos;</a:t>
             </a:r>
+            <a:endParaRPr lang="pt-PT" sz="1700" dirty="0"/>
           </a:p>
           <a:p>
             <a:pPr>
@@ -6144,6 +6644,7 @@
               <a:rPr lang="pt-PT" sz="1700" dirty="0"/>
               <a:t>Upload de ficheiros;</a:t>
             </a:r>
+            <a:endParaRPr lang="pt-PT" sz="1700" dirty="0"/>
           </a:p>
           <a:p>
             <a:pPr>
@@ -6158,6 +6659,7 @@
               <a:rPr lang="pt-PT" sz="1700" dirty="0"/>
               <a:t>Download de ficheiros;</a:t>
             </a:r>
+            <a:endParaRPr lang="pt-PT" sz="1700" dirty="0"/>
           </a:p>
           <a:p>
             <a:pPr>
@@ -6172,6 +6674,7 @@
               <a:rPr lang="pt-PT" sz="1700" dirty="0"/>
               <a:t>Modelo lógico da base de dados;</a:t>
             </a:r>
+            <a:endParaRPr lang="pt-PT" sz="1700" dirty="0"/>
           </a:p>
           <a:p>
             <a:pPr>
@@ -6186,6 +6689,7 @@
               <a:rPr lang="pt-PT" sz="1700" dirty="0"/>
               <a:t>Modelo físico da base de dados;</a:t>
             </a:r>
+            <a:endParaRPr lang="pt-PT" sz="1700" dirty="0"/>
           </a:p>
           <a:p>
             <a:pPr>
@@ -6200,15 +6704,11 @@
               <a:rPr lang="pt-PT" sz="1700" dirty="0"/>
               <a:t>Manual de utilização.</a:t>
             </a:r>
+            <a:endParaRPr lang="pt-PT" sz="1700" dirty="0"/>
           </a:p>
         </p:txBody>
       </p:sp>
     </p:spTree>
-    <p:extLst>
-      <p:ext uri="{BB962C8B-B14F-4D97-AF65-F5344CB8AC3E}">
-        <p14:creationId xmlns:p14="http://schemas.microsoft.com/office/powerpoint/2010/main" val="4285011652"/>
-      </p:ext>
-    </p:extLst>
   </p:cSld>
   <p:clrMapOvr>
     <a:masterClrMapping/>
@@ -6235,13 +6735,7 @@
       </p:grpSpPr>
       <p:sp>
         <p:nvSpPr>
-          <p:cNvPr id="2" name="Título 1">
-            <a:extLst>
-              <a:ext uri="{FF2B5EF4-FFF2-40B4-BE49-F238E27FC236}">
-                <a16:creationId xmlns:a16="http://schemas.microsoft.com/office/drawing/2014/main" id="{29388662-36CC-4392-A956-32E8D4D369B3}"/>
-              </a:ext>
-            </a:extLst>
-          </p:cNvPr>
+          <p:cNvPr id="2" name="Título 1"/>
           <p:cNvSpPr>
             <a:spLocks noGrp="1"/>
           </p:cNvSpPr>
@@ -6258,18 +6752,13 @@
               <a:rPr lang="pt-PT" dirty="0"/>
               <a:t>Aspetos não especificados no enunciado</a:t>
             </a:r>
-          </a:p>
-        </p:txBody>
-      </p:sp>
-      <p:sp>
-        <p:nvSpPr>
-          <p:cNvPr id="3" name="Marcador de Posição de Conteúdo 2">
-            <a:extLst>
-              <a:ext uri="{FF2B5EF4-FFF2-40B4-BE49-F238E27FC236}">
-                <a16:creationId xmlns:a16="http://schemas.microsoft.com/office/drawing/2014/main" id="{43BC0A49-397A-4478-B8F4-26B045E49A6A}"/>
-              </a:ext>
-            </a:extLst>
-          </p:cNvPr>
+            <a:endParaRPr lang="pt-PT" dirty="0"/>
+          </a:p>
+        </p:txBody>
+      </p:sp>
+      <p:sp>
+        <p:nvSpPr>
+          <p:cNvPr id="3" name="Marcador de Posição de Conteúdo 2"/>
           <p:cNvSpPr>
             <a:spLocks noGrp="1"/>
           </p:cNvSpPr>
@@ -6286,6 +6775,7 @@
               <a:rPr lang="pt-PT" dirty="0"/>
               <a:t>Projeto comum onde as classes são partilhadas entre o servidor e o cliente (biblioteca).</a:t>
             </a:r>
+            <a:endParaRPr lang="pt-PT" dirty="0"/>
           </a:p>
           <a:p>
             <a:pPr lvl="1"/>
@@ -6293,18 +6783,14 @@
               <a:rPr lang="pt-PT" dirty="0"/>
               <a:t>Foram criados comandos para auxiliar os pedidos entre cliente-servidor e servidor-servidor.</a:t>
             </a:r>
-          </a:p>
-          <a:p>
             <a:endParaRPr lang="pt-PT" dirty="0"/>
           </a:p>
+          <a:p>
+            <a:endParaRPr lang="pt-PT" dirty="0"/>
+          </a:p>
         </p:txBody>
       </p:sp>
     </p:spTree>
-    <p:extLst>
-      <p:ext uri="{BB962C8B-B14F-4D97-AF65-F5344CB8AC3E}">
-        <p14:creationId xmlns:p14="http://schemas.microsoft.com/office/powerpoint/2010/main" val="54847469"/>
-      </p:ext>
-    </p:extLst>
   </p:cSld>
   <p:clrMapOvr>
     <a:masterClrMapping/>
@@ -6331,13 +6817,7 @@
       </p:grpSpPr>
       <p:sp>
         <p:nvSpPr>
-          <p:cNvPr id="2" name="Título 1">
-            <a:extLst>
-              <a:ext uri="{FF2B5EF4-FFF2-40B4-BE49-F238E27FC236}">
-                <a16:creationId xmlns:a16="http://schemas.microsoft.com/office/drawing/2014/main" id="{2927C9BF-FB38-4296-86C9-07FD2946D0DF}"/>
-              </a:ext>
-            </a:extLst>
-          </p:cNvPr>
+          <p:cNvPr id="2" name="Título 1"/>
           <p:cNvSpPr>
             <a:spLocks noGrp="1"/>
           </p:cNvSpPr>
@@ -6354,18 +6834,13 @@
               <a:rPr lang="pt-PT" dirty="0"/>
               <a:t>Tratamento de erros</a:t>
             </a:r>
-          </a:p>
-        </p:txBody>
-      </p:sp>
-      <p:sp>
-        <p:nvSpPr>
-          <p:cNvPr id="3" name="Marcador de Posição de Conteúdo 2">
-            <a:extLst>
-              <a:ext uri="{FF2B5EF4-FFF2-40B4-BE49-F238E27FC236}">
-                <a16:creationId xmlns:a16="http://schemas.microsoft.com/office/drawing/2014/main" id="{CDED65F5-843A-401B-8ED9-35E784B5AC45}"/>
-              </a:ext>
-            </a:extLst>
-          </p:cNvPr>
+            <a:endParaRPr lang="pt-PT" dirty="0"/>
+          </a:p>
+        </p:txBody>
+      </p:sp>
+      <p:sp>
+        <p:nvSpPr>
+          <p:cNvPr id="3" name="Marcador de Posição de Conteúdo 2"/>
           <p:cNvSpPr>
             <a:spLocks noGrp="1"/>
           </p:cNvSpPr>
@@ -6390,12 +6865,14 @@
               <a:rPr lang="pt-PT" dirty="0"/>
               <a:t>.</a:t>
             </a:r>
+            <a:endParaRPr lang="pt-PT" dirty="0"/>
           </a:p>
           <a:p>
             <a:r>
               <a:rPr lang="pt-PT" dirty="0"/>
               <a:t>A maioria dos erros do servidor são demonstrados na consola.</a:t>
             </a:r>
+            <a:endParaRPr lang="pt-PT" dirty="0"/>
           </a:p>
           <a:p>
             <a:r>
@@ -6410,6 +6887,7 @@
               <a:rPr lang="pt-PT" dirty="0"/>
               <a:t>.</a:t>
             </a:r>
+            <a:endParaRPr lang="pt-PT" dirty="0"/>
           </a:p>
           <a:p>
             <a:pPr lvl="1"/>
@@ -6419,20 +6897,14 @@
       </p:sp>
       <p:pic>
         <p:nvPicPr>
-          <p:cNvPr id="5" name="Imagem 4">
-            <a:extLst>
-              <a:ext uri="{FF2B5EF4-FFF2-40B4-BE49-F238E27FC236}">
-                <a16:creationId xmlns:a16="http://schemas.microsoft.com/office/drawing/2014/main" id="{449916A9-5F8A-4B52-80DC-DDACA106767D}"/>
-              </a:ext>
-            </a:extLst>
-          </p:cNvPr>
+          <p:cNvPr id="5" name="Imagem 4"/>
           <p:cNvPicPr>
             <a:picLocks noChangeAspect="1"/>
           </p:cNvPicPr>
           <p:nvPr/>
         </p:nvPicPr>
         <p:blipFill>
-          <a:blip r:embed="rId2"/>
+          <a:blip r:embed="rId1"/>
           <a:stretch>
             <a:fillRect/>
           </a:stretch>
@@ -6448,11 +6920,6 @@
         </p:spPr>
       </p:pic>
     </p:spTree>
-    <p:extLst>
-      <p:ext uri="{BB962C8B-B14F-4D97-AF65-F5344CB8AC3E}">
-        <p14:creationId xmlns:p14="http://schemas.microsoft.com/office/powerpoint/2010/main" val="228970069"/>
-      </p:ext>
-    </p:extLst>
   </p:cSld>
   <p:clrMapOvr>
     <a:masterClrMapping/>
@@ -6479,13 +6946,7 @@
       </p:grpSpPr>
       <p:sp>
         <p:nvSpPr>
-          <p:cNvPr id="2" name="Título 1">
-            <a:extLst>
-              <a:ext uri="{FF2B5EF4-FFF2-40B4-BE49-F238E27FC236}">
-                <a16:creationId xmlns:a16="http://schemas.microsoft.com/office/drawing/2014/main" id="{3B9B7FC2-BA82-47C7-8EE5-884F3F51AB47}"/>
-              </a:ext>
-            </a:extLst>
-          </p:cNvPr>
+          <p:cNvPr id="2" name="Título 1"/>
           <p:cNvSpPr>
             <a:spLocks noGrp="1"/>
           </p:cNvSpPr>
@@ -6502,18 +6963,13 @@
               <a:rPr lang="pt-PT" dirty="0"/>
               <a:t>Tratamento de erros</a:t>
             </a:r>
-          </a:p>
-        </p:txBody>
-      </p:sp>
-      <p:sp>
-        <p:nvSpPr>
-          <p:cNvPr id="3" name="Marcador de Posição de Conteúdo 2">
-            <a:extLst>
-              <a:ext uri="{FF2B5EF4-FFF2-40B4-BE49-F238E27FC236}">
-                <a16:creationId xmlns:a16="http://schemas.microsoft.com/office/drawing/2014/main" id="{3DE07055-2D7B-487A-946A-D315CD9F5D5F}"/>
-              </a:ext>
-            </a:extLst>
-          </p:cNvPr>
+            <a:endParaRPr lang="pt-PT" dirty="0"/>
+          </a:p>
+        </p:txBody>
+      </p:sp>
+      <p:sp>
+        <p:nvSpPr>
+          <p:cNvPr id="3" name="Marcador de Posição de Conteúdo 2"/>
           <p:cNvSpPr>
             <a:spLocks noGrp="1"/>
           </p:cNvSpPr>
@@ -6546,18 +7002,37 @@
               <a:rPr lang="pt-PT" dirty="0"/>
               <a:t>).</a:t>
             </a:r>
+            <a:endParaRPr lang="pt-PT" dirty="0"/>
           </a:p>
         </p:txBody>
       </p:sp>
       <p:pic>
         <p:nvPicPr>
-          <p:cNvPr id="5" name="Imagem 4">
-            <a:extLst>
-              <a:ext uri="{FF2B5EF4-FFF2-40B4-BE49-F238E27FC236}">
-                <a16:creationId xmlns:a16="http://schemas.microsoft.com/office/drawing/2014/main" id="{1A968DE7-D241-4811-A490-7A35F167AC0B}"/>
-              </a:ext>
-            </a:extLst>
-          </p:cNvPr>
+          <p:cNvPr id="5" name="Imagem 4"/>
+          <p:cNvPicPr>
+            <a:picLocks noChangeAspect="1"/>
+          </p:cNvPicPr>
+          <p:nvPr/>
+        </p:nvPicPr>
+        <p:blipFill>
+          <a:blip r:embed="rId1"/>
+          <a:stretch>
+            <a:fillRect/>
+          </a:stretch>
+        </p:blipFill>
+        <p:spPr>
+          <a:xfrm>
+            <a:off x="981511" y="2401844"/>
+            <a:ext cx="3948431" cy="3651637"/>
+          </a:xfrm>
+          <a:prstGeom prst="rect">
+            <a:avLst/>
+          </a:prstGeom>
+        </p:spPr>
+      </p:pic>
+      <p:pic>
+        <p:nvPicPr>
+          <p:cNvPr id="7" name="Imagem 6"/>
           <p:cNvPicPr>
             <a:picLocks noChangeAspect="1"/>
           </p:cNvPicPr>
@@ -6571,8 +7046,8 @@
         </p:blipFill>
         <p:spPr>
           <a:xfrm>
-            <a:off x="981511" y="2401844"/>
-            <a:ext cx="3948431" cy="3651637"/>
+            <a:off x="5198928" y="2559773"/>
+            <a:ext cx="6525536" cy="1181265"/>
           </a:xfrm>
           <a:prstGeom prst="rect">
             <a:avLst/>
@@ -6581,13 +7056,7 @@
       </p:pic>
       <p:pic>
         <p:nvPicPr>
-          <p:cNvPr id="7" name="Imagem 6">
-            <a:extLst>
-              <a:ext uri="{FF2B5EF4-FFF2-40B4-BE49-F238E27FC236}">
-                <a16:creationId xmlns:a16="http://schemas.microsoft.com/office/drawing/2014/main" id="{3333CB62-12C9-4D43-AAE5-36552CA94F41}"/>
-              </a:ext>
-            </a:extLst>
-          </p:cNvPr>
+          <p:cNvPr id="9" name="Imagem 8"/>
           <p:cNvPicPr>
             <a:picLocks noChangeAspect="1"/>
           </p:cNvPicPr>
@@ -6601,50 +7070,15 @@
         </p:blipFill>
         <p:spPr>
           <a:xfrm>
-            <a:off x="5198928" y="2559773"/>
-            <a:ext cx="6525536" cy="1181265"/>
+            <a:off x="5737020" y="4004087"/>
+            <a:ext cx="5029902" cy="1819529"/>
           </a:xfrm>
           <a:prstGeom prst="rect">
             <a:avLst/>
           </a:prstGeom>
         </p:spPr>
       </p:pic>
-      <p:pic>
-        <p:nvPicPr>
-          <p:cNvPr id="9" name="Imagem 8">
-            <a:extLst>
-              <a:ext uri="{FF2B5EF4-FFF2-40B4-BE49-F238E27FC236}">
-                <a16:creationId xmlns:a16="http://schemas.microsoft.com/office/drawing/2014/main" id="{CE63C514-DC04-47E4-9FBE-7F9A8C002183}"/>
-              </a:ext>
-            </a:extLst>
-          </p:cNvPr>
-          <p:cNvPicPr>
-            <a:picLocks noChangeAspect="1"/>
-          </p:cNvPicPr>
-          <p:nvPr/>
-        </p:nvPicPr>
-        <p:blipFill>
-          <a:blip r:embed="rId4"/>
-          <a:stretch>
-            <a:fillRect/>
-          </a:stretch>
-        </p:blipFill>
-        <p:spPr>
-          <a:xfrm>
-            <a:off x="5737020" y="4004087"/>
-            <a:ext cx="5029902" cy="1819529"/>
-          </a:xfrm>
-          <a:prstGeom prst="rect">
-            <a:avLst/>
-          </a:prstGeom>
-        </p:spPr>
-      </p:pic>
     </p:spTree>
-    <p:extLst>
-      <p:ext uri="{BB962C8B-B14F-4D97-AF65-F5344CB8AC3E}">
-        <p14:creationId xmlns:p14="http://schemas.microsoft.com/office/powerpoint/2010/main" val="1312715941"/>
-      </p:ext>
-    </p:extLst>
   </p:cSld>
   <p:clrMapOvr>
     <a:masterClrMapping/>
@@ -6671,13 +7105,7 @@
       </p:grpSpPr>
       <p:sp>
         <p:nvSpPr>
-          <p:cNvPr id="2" name="Título 1">
-            <a:extLst>
-              <a:ext uri="{FF2B5EF4-FFF2-40B4-BE49-F238E27FC236}">
-                <a16:creationId xmlns:a16="http://schemas.microsoft.com/office/drawing/2014/main" id="{1B73B415-B697-4402-A9AC-39FDCCD6E1AD}"/>
-              </a:ext>
-            </a:extLst>
-          </p:cNvPr>
+          <p:cNvPr id="2" name="Título 1"/>
           <p:cNvSpPr>
             <a:spLocks noGrp="1"/>
           </p:cNvSpPr>
@@ -6694,18 +7122,13 @@
               <a:rPr lang="pt-PT" dirty="0"/>
               <a:t>Consistência entre servidores</a:t>
             </a:r>
-          </a:p>
-        </p:txBody>
-      </p:sp>
-      <p:sp>
-        <p:nvSpPr>
-          <p:cNvPr id="3" name="Marcador de Posição de Conteúdo 2">
-            <a:extLst>
-              <a:ext uri="{FF2B5EF4-FFF2-40B4-BE49-F238E27FC236}">
-                <a16:creationId xmlns:a16="http://schemas.microsoft.com/office/drawing/2014/main" id="{213F184F-28E2-42E5-AB92-C0181C3D0E3D}"/>
-              </a:ext>
-            </a:extLst>
-          </p:cNvPr>
+            <a:endParaRPr lang="pt-PT" dirty="0"/>
+          </a:p>
+        </p:txBody>
+      </p:sp>
+      <p:sp>
+        <p:nvSpPr>
+          <p:cNvPr id="3" name="Marcador de Posição de Conteúdo 2"/>
           <p:cNvSpPr>
             <a:spLocks noGrp="1"/>
           </p:cNvSpPr>
@@ -6731,25 +7154,20 @@
               <a:rPr lang="pt-PT" dirty="0"/>
               <a:t> as alterações efetuadas para manter as bases de dados atualizadas e consistentes, assim como os ficheiros.</a:t>
             </a:r>
+            <a:endParaRPr lang="pt-PT" dirty="0"/>
           </a:p>
         </p:txBody>
       </p:sp>
       <p:pic>
         <p:nvPicPr>
-          <p:cNvPr id="5" name="Imagem 4">
-            <a:extLst>
-              <a:ext uri="{FF2B5EF4-FFF2-40B4-BE49-F238E27FC236}">
-                <a16:creationId xmlns:a16="http://schemas.microsoft.com/office/drawing/2014/main" id="{AF0E57F3-E266-4631-854F-9EE906CD32F2}"/>
-              </a:ext>
-            </a:extLst>
-          </p:cNvPr>
+          <p:cNvPr id="5" name="Imagem 4"/>
           <p:cNvPicPr>
             <a:picLocks noChangeAspect="1"/>
           </p:cNvPicPr>
           <p:nvPr/>
         </p:nvPicPr>
         <p:blipFill>
-          <a:blip r:embed="rId2"/>
+          <a:blip r:embed="rId1"/>
           <a:stretch>
             <a:fillRect/>
           </a:stretch>
@@ -6765,11 +7183,6 @@
         </p:spPr>
       </p:pic>
     </p:spTree>
-    <p:extLst>
-      <p:ext uri="{BB962C8B-B14F-4D97-AF65-F5344CB8AC3E}">
-        <p14:creationId xmlns:p14="http://schemas.microsoft.com/office/powerpoint/2010/main" val="3525998449"/>
-      </p:ext>
-    </p:extLst>
   </p:cSld>
   <p:clrMapOvr>
     <a:masterClrMapping/>
@@ -6796,13 +7209,7 @@
       </p:grpSpPr>
       <p:sp>
         <p:nvSpPr>
-          <p:cNvPr id="2" name="Título 1">
-            <a:extLst>
-              <a:ext uri="{FF2B5EF4-FFF2-40B4-BE49-F238E27FC236}">
-                <a16:creationId xmlns:a16="http://schemas.microsoft.com/office/drawing/2014/main" id="{16CDB45D-1E22-4B14-9C43-EA99A5AF5AE7}"/>
-              </a:ext>
-            </a:extLst>
-          </p:cNvPr>
+          <p:cNvPr id="2" name="Título 1"/>
           <p:cNvSpPr>
             <a:spLocks noGrp="1"/>
           </p:cNvSpPr>
@@ -6819,18 +7226,13 @@
               <a:rPr lang="pt-PT" dirty="0"/>
               <a:t>Sincronização de BD e ficheiros</a:t>
             </a:r>
-          </a:p>
-        </p:txBody>
-      </p:sp>
-      <p:sp>
-        <p:nvSpPr>
-          <p:cNvPr id="3" name="Marcador de Posição de Conteúdo 2">
-            <a:extLst>
-              <a:ext uri="{FF2B5EF4-FFF2-40B4-BE49-F238E27FC236}">
-                <a16:creationId xmlns:a16="http://schemas.microsoft.com/office/drawing/2014/main" id="{AF67126A-6293-4FF1-B0B1-36DCF79945B9}"/>
-              </a:ext>
-            </a:extLst>
-          </p:cNvPr>
+            <a:endParaRPr lang="pt-PT" dirty="0"/>
+          </a:p>
+        </p:txBody>
+      </p:sp>
+      <p:sp>
+        <p:nvSpPr>
+          <p:cNvPr id="3" name="Marcador de Posição de Conteúdo 2"/>
           <p:cNvSpPr>
             <a:spLocks noGrp="1"/>
           </p:cNvSpPr>
@@ -6848,25 +7250,20 @@
               <a:rPr lang="pt-PT" dirty="0"/>
               <a:t>A sincronização de um servidor que arranca e deteta a presença de outro(s) já operacional(ais).</a:t>
             </a:r>
+            <a:endParaRPr lang="pt-PT" dirty="0"/>
           </a:p>
         </p:txBody>
       </p:sp>
       <p:pic>
         <p:nvPicPr>
-          <p:cNvPr id="7" name="Imagem 6">
-            <a:extLst>
-              <a:ext uri="{FF2B5EF4-FFF2-40B4-BE49-F238E27FC236}">
-                <a16:creationId xmlns:a16="http://schemas.microsoft.com/office/drawing/2014/main" id="{34DAEC74-8573-4DEB-A95D-FB4F7E8B4C46}"/>
-              </a:ext>
-            </a:extLst>
-          </p:cNvPr>
+          <p:cNvPr id="7" name="Imagem 6"/>
           <p:cNvPicPr>
             <a:picLocks noChangeAspect="1"/>
           </p:cNvPicPr>
           <p:nvPr/>
         </p:nvPicPr>
         <p:blipFill>
-          <a:blip r:embed="rId2"/>
+          <a:blip r:embed="rId1"/>
           <a:stretch>
             <a:fillRect/>
           </a:stretch>
@@ -6882,11 +7279,6 @@
         </p:spPr>
       </p:pic>
     </p:spTree>
-    <p:extLst>
-      <p:ext uri="{BB962C8B-B14F-4D97-AF65-F5344CB8AC3E}">
-        <p14:creationId xmlns:p14="http://schemas.microsoft.com/office/powerpoint/2010/main" val="3954397881"/>
-      </p:ext>
-    </p:extLst>
   </p:cSld>
   <p:clrMapOvr>
     <a:masterClrMapping/>
@@ -6913,13 +7305,7 @@
       </p:grpSpPr>
       <p:sp>
         <p:nvSpPr>
-          <p:cNvPr id="2" name="Título 1">
-            <a:extLst>
-              <a:ext uri="{FF2B5EF4-FFF2-40B4-BE49-F238E27FC236}">
-                <a16:creationId xmlns:a16="http://schemas.microsoft.com/office/drawing/2014/main" id="{B28D3FF8-2EDD-4891-9355-890648883CFF}"/>
-              </a:ext>
-            </a:extLst>
-          </p:cNvPr>
+          <p:cNvPr id="2" name="Título 1"/>
           <p:cNvSpPr>
             <a:spLocks noGrp="1"/>
           </p:cNvSpPr>
@@ -6936,18 +7322,13 @@
               <a:rPr lang="pt-PT" dirty="0"/>
               <a:t>Receção de vários ficheiros disseminados</a:t>
             </a:r>
-          </a:p>
-        </p:txBody>
-      </p:sp>
-      <p:sp>
-        <p:nvSpPr>
-          <p:cNvPr id="3" name="Marcador de Posição de Conteúdo 2">
-            <a:extLst>
-              <a:ext uri="{FF2B5EF4-FFF2-40B4-BE49-F238E27FC236}">
-                <a16:creationId xmlns:a16="http://schemas.microsoft.com/office/drawing/2014/main" id="{DC3F82AE-7819-4E58-BEAA-BC5E459668F5}"/>
-              </a:ext>
-            </a:extLst>
-          </p:cNvPr>
+            <a:endParaRPr lang="pt-PT" dirty="0"/>
+          </a:p>
+        </p:txBody>
+      </p:sp>
+      <p:sp>
+        <p:nvSpPr>
+          <p:cNvPr id="3" name="Marcador de Posição de Conteúdo 2"/>
           <p:cNvSpPr>
             <a:spLocks noGrp="1"/>
           </p:cNvSpPr>
@@ -6965,18 +7346,37 @@
               <a:rPr lang="pt-PT" dirty="0"/>
               <a:t>Capacidade em processar a receção de vários ficheiros disseminados via UDP nos servidores.</a:t>
             </a:r>
+            <a:endParaRPr lang="pt-PT" dirty="0"/>
           </a:p>
         </p:txBody>
       </p:sp>
       <p:pic>
         <p:nvPicPr>
-          <p:cNvPr id="5" name="Imagem 4">
-            <a:extLst>
-              <a:ext uri="{FF2B5EF4-FFF2-40B4-BE49-F238E27FC236}">
-                <a16:creationId xmlns:a16="http://schemas.microsoft.com/office/drawing/2014/main" id="{167ED0A1-5FBC-487A-8B85-05B25D62A9C5}"/>
-              </a:ext>
-            </a:extLst>
-          </p:cNvPr>
+          <p:cNvPr id="5" name="Imagem 4"/>
+          <p:cNvPicPr>
+            <a:picLocks noChangeAspect="1"/>
+          </p:cNvPicPr>
+          <p:nvPr/>
+        </p:nvPicPr>
+        <p:blipFill>
+          <a:blip r:embed="rId1"/>
+          <a:stretch>
+            <a:fillRect/>
+          </a:stretch>
+        </p:blipFill>
+        <p:spPr>
+          <a:xfrm>
+            <a:off x="1534696" y="2905510"/>
+            <a:ext cx="6335515" cy="1653653"/>
+          </a:xfrm>
+          <a:prstGeom prst="rect">
+            <a:avLst/>
+          </a:prstGeom>
+        </p:spPr>
+      </p:pic>
+      <p:pic>
+        <p:nvPicPr>
+          <p:cNvPr id="9" name="Imagem 8"/>
           <p:cNvPicPr>
             <a:picLocks noChangeAspect="1"/>
           </p:cNvPicPr>
@@ -6990,50 +7390,15 @@
         </p:blipFill>
         <p:spPr>
           <a:xfrm>
-            <a:off x="1534696" y="2905510"/>
-            <a:ext cx="6335515" cy="1653653"/>
+            <a:off x="5068138" y="4622334"/>
+            <a:ext cx="5978328" cy="2061271"/>
           </a:xfrm>
           <a:prstGeom prst="rect">
             <a:avLst/>
           </a:prstGeom>
         </p:spPr>
       </p:pic>
-      <p:pic>
-        <p:nvPicPr>
-          <p:cNvPr id="9" name="Imagem 8">
-            <a:extLst>
-              <a:ext uri="{FF2B5EF4-FFF2-40B4-BE49-F238E27FC236}">
-                <a16:creationId xmlns:a16="http://schemas.microsoft.com/office/drawing/2014/main" id="{4B92A627-C6CE-4AB6-8385-66E9CBE3E04E}"/>
-              </a:ext>
-            </a:extLst>
-          </p:cNvPr>
-          <p:cNvPicPr>
-            <a:picLocks noChangeAspect="1"/>
-          </p:cNvPicPr>
-          <p:nvPr/>
-        </p:nvPicPr>
-        <p:blipFill>
-          <a:blip r:embed="rId3"/>
-          <a:stretch>
-            <a:fillRect/>
-          </a:stretch>
-        </p:blipFill>
-        <p:spPr>
-          <a:xfrm>
-            <a:off x="5068138" y="4622334"/>
-            <a:ext cx="5978328" cy="2061271"/>
-          </a:xfrm>
-          <a:prstGeom prst="rect">
-            <a:avLst/>
-          </a:prstGeom>
-        </p:spPr>
-      </p:pic>
     </p:spTree>
-    <p:extLst>
-      <p:ext uri="{BB962C8B-B14F-4D97-AF65-F5344CB8AC3E}">
-        <p14:creationId xmlns:p14="http://schemas.microsoft.com/office/powerpoint/2010/main" val="2850081683"/>
-      </p:ext>
-    </p:extLst>
   </p:cSld>
   <p:clrMapOvr>
     <a:masterClrMapping/>
@@ -7084,7 +7449,7 @@
     </a:clrScheme>
     <a:fontScheme name="Galeria">
       <a:majorFont>
-        <a:latin typeface="Palatino Linotype" panose="02040502050505030304"/>
+        <a:latin typeface="Palatino Linotype"/>
         <a:ea typeface=""/>
         <a:cs typeface=""/>
         <a:font script="Jpan" typeface="游ゴシック Light"/>
@@ -7119,7 +7484,7 @@
         <a:font script="Geor" typeface="Sylfaen"/>
       </a:majorFont>
       <a:minorFont>
-        <a:latin typeface="Palatino Linotype" panose="02040502050505030304"/>
+        <a:latin typeface="Palatino Linotype"/>
         <a:ea typeface=""/>
         <a:cs typeface=""/>
         <a:font script="Jpan" typeface="游ゴシック"/>
@@ -7284,11 +7649,9 @@
       </a:bgFillStyleLst>
     </a:fmtScheme>
   </a:themeElements>
-  <a:objectDefaults/>
-  <a:extraClrSchemeLst/>
   <a:extLst>
     <a:ext uri="{05A4C25C-085E-4340-85A3-A5531E510DB2}">
-      <thm15:themeFamily xmlns:thm15="http://schemas.microsoft.com/office/thememl/2012/main" name="Gallery" id="{BBFCD31E-59A1-489D-B089-A3EAD7CAE12E}" vid="{AC464412-510E-4F2B-8947-A0DDBD028997}"/>
+      <thm15:themeFamily xmlns:thm15="http://schemas.microsoft.com/office/thememl/2012/main" name="Office Theme" id="{62F939B6-93AF-4DB8-9C6B-D6C7DFDC589F}" vid="{4A3C46E8-61CC-4603-A589-7422A47A8E4A}"/>
     </a:ext>
   </a:extLst>
 </a:theme>

--- a/Relatório/Apresentação.pptx
+++ b/Relatório/Apresentação.pptx
@@ -33,6 +33,12 @@
     <p:sldId id="264" r:id="rId28"/>
     <p:sldId id="312" r:id="rId29"/>
     <p:sldId id="314" r:id="rId30"/>
+    <p:sldId id="317" r:id="rId31"/>
+    <p:sldId id="318" r:id="rId32"/>
+    <p:sldId id="319" r:id="rId33"/>
+    <p:sldId id="323" r:id="rId34"/>
+    <p:sldId id="320" r:id="rId35"/>
+    <p:sldId id="321" r:id="rId36"/>
   </p:sldIdLst>
   <p:sldSz cx="12192000" cy="6858000"/>
   <p:notesSz cx="6858000" cy="9144000"/>
@@ -6443,7 +6449,7 @@
       <p:grpSpPr/>
       <p:sp>
         <p:nvSpPr>
-          <p:cNvPr id="2" name="Title 1"/>
+          <p:cNvPr id="5" name="Title 4"/>
           <p:cNvSpPr>
             <a:spLocks noGrp="1"/>
           </p:cNvSpPr>
@@ -6455,7 +6461,11 @@
         <p:txBody>
           <a:bodyPr/>
           <a:p>
-            <a:endParaRPr lang="en-US"/>
+            <a:r>
+              <a:rPr lang="pt-PT" altLang="en-US"/>
+              <a:t>Janela principal</a:t>
+            </a:r>
+            <a:endParaRPr lang="pt-PT" altLang="en-US"/>
           </a:p>
         </p:txBody>
       </p:sp>
@@ -6466,14 +6476,1049 @@
             <a:spLocks noGrp="1"/>
           </p:cNvSpPr>
           <p:nvPr>
-            <p:ph idx="1"/>
+            <p:ph sz="half" idx="1"/>
+          </p:nvPr>
+        </p:nvSpPr>
+        <p:spPr>
+          <a:xfrm>
+            <a:off x="7252970" y="1750060"/>
+            <a:ext cx="4608830" cy="4466590"/>
+          </a:xfrm>
+        </p:spPr>
+        <p:txBody>
+          <a:bodyPr>
+            <a:normAutofit fontScale="70000"/>
+          </a:bodyPr>
+          <a:p>
+            <a:pPr marL="457200" indent="-457200">
+              <a:buAutoNum type="arabicPeriod"/>
+            </a:pPr>
+            <a:r>
+              <a:rPr lang="pt-PT" altLang="en-US"/>
+              <a:t>Menu principal</a:t>
+            </a:r>
+            <a:endParaRPr lang="pt-PT" altLang="en-US"/>
+          </a:p>
+          <a:p>
+            <a:pPr lvl="1"/>
+            <a:r>
+              <a:rPr lang="pt-PT" altLang="en-US" sz="1800"/>
+              <a:t>Várias opções serão dispostas ao utilizador</a:t>
+            </a:r>
+            <a:endParaRPr lang="pt-PT" altLang="en-US"/>
+          </a:p>
+          <a:p>
+            <a:pPr marL="457200" indent="-457200">
+              <a:buAutoNum type="arabicPeriod"/>
+            </a:pPr>
+            <a:r>
+              <a:rPr lang="pt-PT" altLang="en-US"/>
+              <a:t>Lista de canais</a:t>
+            </a:r>
+            <a:endParaRPr lang="pt-PT" altLang="en-US"/>
+          </a:p>
+          <a:p>
+            <a:pPr lvl="1"/>
+            <a:r>
+              <a:rPr lang="pt-PT" altLang="en-US"/>
+              <a:t>Todos os canais disponíveis no servidor</a:t>
+            </a:r>
+            <a:endParaRPr lang="pt-PT" altLang="en-US"/>
+          </a:p>
+          <a:p>
+            <a:pPr marL="457200" indent="-457200">
+              <a:buAutoNum type="arabicPeriod"/>
+            </a:pPr>
+            <a:r>
+              <a:rPr lang="pt-PT" altLang="en-US"/>
+              <a:t>Lista de mensagens diretas</a:t>
+            </a:r>
+            <a:endParaRPr lang="pt-PT" altLang="en-US"/>
+          </a:p>
+          <a:p>
+            <a:pPr lvl="1"/>
+            <a:r>
+              <a:rPr lang="pt-PT" altLang="en-US"/>
+              <a:t>Todas as mensagens trocadas com outros utilizadores</a:t>
+            </a:r>
+            <a:endParaRPr lang="pt-PT" altLang="en-US"/>
+          </a:p>
+          <a:p>
+            <a:pPr marL="457200" indent="-457200">
+              <a:buAutoNum type="arabicPeriod"/>
+            </a:pPr>
+            <a:r>
+              <a:rPr lang="pt-PT" altLang="en-US"/>
+              <a:t>Chat</a:t>
+            </a:r>
+            <a:endParaRPr lang="pt-PT" altLang="en-US"/>
+          </a:p>
+          <a:p>
+            <a:pPr lvl="1"/>
+            <a:r>
+              <a:rPr lang="pt-PT" altLang="en-US"/>
+              <a:t>Área de texto e ficheiros partilhados</a:t>
+            </a:r>
+            <a:endParaRPr lang="pt-PT" altLang="en-US"/>
+          </a:p>
+          <a:p>
+            <a:pPr lvl="1"/>
+            <a:r>
+              <a:rPr lang="pt-PT" altLang="en-US"/>
+              <a:t>Também poderá ser arrastado um ficheiro para o enviar</a:t>
+            </a:r>
+            <a:endParaRPr lang="pt-PT" altLang="en-US"/>
+          </a:p>
+          <a:p>
+            <a:pPr marL="457200" indent="-457200">
+              <a:buAutoNum type="arabicPeriod"/>
+            </a:pPr>
+            <a:r>
+              <a:rPr lang="pt-PT" altLang="en-US"/>
+              <a:t>Link de download de ficheiro</a:t>
+            </a:r>
+            <a:endParaRPr lang="pt-PT" altLang="en-US"/>
+          </a:p>
+          <a:p>
+            <a:pPr lvl="1"/>
+            <a:r>
+              <a:rPr lang="pt-PT" altLang="en-US" sz="1800"/>
+              <a:t>Ao clicar nesse botão, irá fazer download do ficheiro</a:t>
+            </a:r>
+            <a:endParaRPr lang="pt-PT" altLang="en-US"/>
+          </a:p>
+        </p:txBody>
+      </p:sp>
+      <p:pic>
+        <p:nvPicPr>
+          <p:cNvPr id="4" name="Content Placeholder 3"/>
+          <p:cNvPicPr>
+            <a:picLocks noChangeAspect="1"/>
+          </p:cNvPicPr>
+          <p:nvPr>
+            <p:ph sz="half" idx="2"/>
+          </p:nvPr>
+        </p:nvPicPr>
+        <p:blipFill>
+          <a:blip r:embed="rId1"/>
+          <a:stretch>
+            <a:fillRect/>
+          </a:stretch>
+        </p:blipFill>
+        <p:spPr>
+          <a:xfrm>
+            <a:off x="316865" y="2087880"/>
+            <a:ext cx="6475095" cy="3790950"/>
+          </a:xfrm>
+          <a:prstGeom prst="rect">
+            <a:avLst/>
+          </a:prstGeom>
+        </p:spPr>
+      </p:pic>
+      <p:sp>
+        <p:nvSpPr>
+          <p:cNvPr id="7" name="Oval 6"/>
+          <p:cNvSpPr/>
+          <p:nvPr/>
+        </p:nvSpPr>
+        <p:spPr>
+          <a:xfrm>
+            <a:off x="1648460" y="2087880"/>
+            <a:ext cx="295910" cy="295910"/>
+          </a:xfrm>
+          <a:prstGeom prst="ellipse">
+            <a:avLst/>
+          </a:prstGeom>
+        </p:spPr>
+        <p:style>
+          <a:lnRef idx="2">
+            <a:schemeClr val="accent6"/>
+          </a:lnRef>
+          <a:fillRef idx="1">
+            <a:schemeClr val="lt1"/>
+          </a:fillRef>
+          <a:effectRef idx="0">
+            <a:schemeClr val="accent6"/>
+          </a:effectRef>
+          <a:fontRef idx="minor">
+            <a:schemeClr val="dk1"/>
+          </a:fontRef>
+        </p:style>
+        <p:txBody>
+          <a:bodyPr rtlCol="0" anchor="ctr"/>
+          <a:p>
+            <a:pPr algn="ctr"/>
+            <a:r>
+              <a:rPr lang="pt-PT" altLang="en-US"/>
+              <a:t>1</a:t>
+            </a:r>
+            <a:endParaRPr lang="pt-PT" altLang="en-US"/>
+          </a:p>
+        </p:txBody>
+      </p:sp>
+      <p:sp>
+        <p:nvSpPr>
+          <p:cNvPr id="8" name="Oval 7"/>
+          <p:cNvSpPr/>
+          <p:nvPr/>
+        </p:nvSpPr>
+        <p:spPr>
+          <a:xfrm>
+            <a:off x="202565" y="3168015"/>
+            <a:ext cx="295910" cy="295910"/>
+          </a:xfrm>
+          <a:prstGeom prst="ellipse">
+            <a:avLst/>
+          </a:prstGeom>
+        </p:spPr>
+        <p:style>
+          <a:lnRef idx="2">
+            <a:schemeClr val="accent6"/>
+          </a:lnRef>
+          <a:fillRef idx="1">
+            <a:schemeClr val="lt1"/>
+          </a:fillRef>
+          <a:effectRef idx="0">
+            <a:schemeClr val="accent6"/>
+          </a:effectRef>
+          <a:fontRef idx="minor">
+            <a:schemeClr val="dk1"/>
+          </a:fontRef>
+        </p:style>
+        <p:txBody>
+          <a:bodyPr rtlCol="0" anchor="ctr"/>
+          <a:p>
+            <a:pPr algn="ctr"/>
+            <a:r>
+              <a:rPr lang="pt-PT" altLang="en-US"/>
+              <a:t>2</a:t>
+            </a:r>
+            <a:endParaRPr lang="pt-PT" altLang="en-US"/>
+          </a:p>
+        </p:txBody>
+      </p:sp>
+      <p:sp>
+        <p:nvSpPr>
+          <p:cNvPr id="9" name="Oval 8"/>
+          <p:cNvSpPr/>
+          <p:nvPr/>
+        </p:nvSpPr>
+        <p:spPr>
+          <a:xfrm>
+            <a:off x="202565" y="4758690"/>
+            <a:ext cx="295910" cy="295910"/>
+          </a:xfrm>
+          <a:prstGeom prst="ellipse">
+            <a:avLst/>
+          </a:prstGeom>
+        </p:spPr>
+        <p:style>
+          <a:lnRef idx="2">
+            <a:schemeClr val="accent6"/>
+          </a:lnRef>
+          <a:fillRef idx="1">
+            <a:schemeClr val="lt1"/>
+          </a:fillRef>
+          <a:effectRef idx="0">
+            <a:schemeClr val="accent6"/>
+          </a:effectRef>
+          <a:fontRef idx="minor">
+            <a:schemeClr val="dk1"/>
+          </a:fontRef>
+        </p:style>
+        <p:txBody>
+          <a:bodyPr rtlCol="0" anchor="ctr"/>
+          <a:p>
+            <a:pPr algn="ctr"/>
+            <a:r>
+              <a:rPr lang="pt-PT" altLang="en-US"/>
+              <a:t>3</a:t>
+            </a:r>
+            <a:endParaRPr lang="pt-PT" altLang="en-US"/>
+          </a:p>
+        </p:txBody>
+      </p:sp>
+      <p:sp>
+        <p:nvSpPr>
+          <p:cNvPr id="10" name="Oval 9"/>
+          <p:cNvSpPr/>
+          <p:nvPr/>
+        </p:nvSpPr>
+        <p:spPr>
+          <a:xfrm>
+            <a:off x="3793490" y="2929890"/>
+            <a:ext cx="295910" cy="295910"/>
+          </a:xfrm>
+          <a:prstGeom prst="ellipse">
+            <a:avLst/>
+          </a:prstGeom>
+        </p:spPr>
+        <p:style>
+          <a:lnRef idx="2">
+            <a:schemeClr val="accent6"/>
+          </a:lnRef>
+          <a:fillRef idx="1">
+            <a:schemeClr val="lt1"/>
+          </a:fillRef>
+          <a:effectRef idx="0">
+            <a:schemeClr val="accent6"/>
+          </a:effectRef>
+          <a:fontRef idx="minor">
+            <a:schemeClr val="dk1"/>
+          </a:fontRef>
+        </p:style>
+        <p:txBody>
+          <a:bodyPr rtlCol="0" anchor="ctr"/>
+          <a:p>
+            <a:pPr algn="ctr"/>
+            <a:r>
+              <a:rPr lang="pt-PT" altLang="en-US"/>
+              <a:t>4</a:t>
+            </a:r>
+            <a:endParaRPr lang="pt-PT" altLang="en-US"/>
+          </a:p>
+        </p:txBody>
+      </p:sp>
+      <p:sp>
+        <p:nvSpPr>
+          <p:cNvPr id="11" name="Oval 10"/>
+          <p:cNvSpPr/>
+          <p:nvPr/>
+        </p:nvSpPr>
+        <p:spPr>
+          <a:xfrm>
+            <a:off x="2421890" y="4882515"/>
+            <a:ext cx="295910" cy="295910"/>
+          </a:xfrm>
+          <a:prstGeom prst="ellipse">
+            <a:avLst/>
+          </a:prstGeom>
+        </p:spPr>
+        <p:style>
+          <a:lnRef idx="2">
+            <a:schemeClr val="accent6"/>
+          </a:lnRef>
+          <a:fillRef idx="1">
+            <a:schemeClr val="lt1"/>
+          </a:fillRef>
+          <a:effectRef idx="0">
+            <a:schemeClr val="accent6"/>
+          </a:effectRef>
+          <a:fontRef idx="minor">
+            <a:schemeClr val="dk1"/>
+          </a:fontRef>
+        </p:style>
+        <p:txBody>
+          <a:bodyPr rtlCol="0" anchor="ctr"/>
+          <a:p>
+            <a:pPr algn="ctr"/>
+            <a:r>
+              <a:rPr lang="pt-PT" altLang="en-US"/>
+              <a:t>5</a:t>
+            </a:r>
+            <a:endParaRPr lang="pt-PT" altLang="en-US"/>
+          </a:p>
+        </p:txBody>
+      </p:sp>
+      <p:sp>
+        <p:nvSpPr>
+          <p:cNvPr id="12" name="Oval 11"/>
+          <p:cNvSpPr/>
+          <p:nvPr/>
+        </p:nvSpPr>
+        <p:spPr>
+          <a:xfrm>
+            <a:off x="6308090" y="2872105"/>
+            <a:ext cx="295910" cy="295910"/>
+          </a:xfrm>
+          <a:prstGeom prst="ellipse">
+            <a:avLst/>
+          </a:prstGeom>
+        </p:spPr>
+        <p:style>
+          <a:lnRef idx="2">
+            <a:schemeClr val="accent6"/>
+          </a:lnRef>
+          <a:fillRef idx="1">
+            <a:schemeClr val="lt1"/>
+          </a:fillRef>
+          <a:effectRef idx="0">
+            <a:schemeClr val="accent6"/>
+          </a:effectRef>
+          <a:fontRef idx="minor">
+            <a:schemeClr val="dk1"/>
+          </a:fontRef>
+        </p:style>
+        <p:txBody>
+          <a:bodyPr rtlCol="0" anchor="ctr"/>
+          <a:p>
+            <a:pPr algn="ctr"/>
+            <a:r>
+              <a:rPr lang="pt-PT" altLang="en-US"/>
+              <a:t>6</a:t>
+            </a:r>
+            <a:endParaRPr lang="pt-PT" altLang="en-US"/>
+          </a:p>
+        </p:txBody>
+      </p:sp>
+      <p:sp>
+        <p:nvSpPr>
+          <p:cNvPr id="13" name="Oval 12"/>
+          <p:cNvSpPr/>
+          <p:nvPr/>
+        </p:nvSpPr>
+        <p:spPr>
+          <a:xfrm>
+            <a:off x="6308090" y="3835400"/>
+            <a:ext cx="295910" cy="295910"/>
+          </a:xfrm>
+          <a:prstGeom prst="ellipse">
+            <a:avLst/>
+          </a:prstGeom>
+        </p:spPr>
+        <p:style>
+          <a:lnRef idx="2">
+            <a:schemeClr val="accent6"/>
+          </a:lnRef>
+          <a:fillRef idx="1">
+            <a:schemeClr val="lt1"/>
+          </a:fillRef>
+          <a:effectRef idx="0">
+            <a:schemeClr val="accent6"/>
+          </a:effectRef>
+          <a:fontRef idx="minor">
+            <a:schemeClr val="dk1"/>
+          </a:fontRef>
+        </p:style>
+        <p:txBody>
+          <a:bodyPr rtlCol="0" anchor="ctr"/>
+          <a:p>
+            <a:pPr algn="ctr"/>
+            <a:r>
+              <a:rPr lang="pt-PT" altLang="en-US"/>
+              <a:t>7</a:t>
+            </a:r>
+            <a:endParaRPr lang="pt-PT" altLang="en-US"/>
+          </a:p>
+        </p:txBody>
+      </p:sp>
+      <p:sp>
+        <p:nvSpPr>
+          <p:cNvPr id="14" name="Oval 13"/>
+          <p:cNvSpPr/>
+          <p:nvPr/>
+        </p:nvSpPr>
+        <p:spPr>
+          <a:xfrm>
+            <a:off x="1859915" y="5687695"/>
+            <a:ext cx="295910" cy="295910"/>
+          </a:xfrm>
+          <a:prstGeom prst="ellipse">
+            <a:avLst/>
+          </a:prstGeom>
+        </p:spPr>
+        <p:style>
+          <a:lnRef idx="2">
+            <a:schemeClr val="accent6"/>
+          </a:lnRef>
+          <a:fillRef idx="1">
+            <a:schemeClr val="lt1"/>
+          </a:fillRef>
+          <a:effectRef idx="0">
+            <a:schemeClr val="accent6"/>
+          </a:effectRef>
+          <a:fontRef idx="minor">
+            <a:schemeClr val="dk1"/>
+          </a:fontRef>
+        </p:style>
+        <p:txBody>
+          <a:bodyPr rtlCol="0" anchor="ctr"/>
+          <a:p>
+            <a:pPr algn="ctr"/>
+            <a:r>
+              <a:rPr lang="pt-PT" altLang="en-US"/>
+              <a:t>8</a:t>
+            </a:r>
+            <a:endParaRPr lang="pt-PT" altLang="en-US"/>
+          </a:p>
+        </p:txBody>
+      </p:sp>
+      <p:sp>
+        <p:nvSpPr>
+          <p:cNvPr id="15" name="Oval 14"/>
+          <p:cNvSpPr/>
+          <p:nvPr/>
+        </p:nvSpPr>
+        <p:spPr>
+          <a:xfrm>
+            <a:off x="5269865" y="5878830"/>
+            <a:ext cx="295910" cy="295910"/>
+          </a:xfrm>
+          <a:prstGeom prst="ellipse">
+            <a:avLst/>
+          </a:prstGeom>
+        </p:spPr>
+        <p:style>
+          <a:lnRef idx="2">
+            <a:schemeClr val="accent6"/>
+          </a:lnRef>
+          <a:fillRef idx="1">
+            <a:schemeClr val="lt1"/>
+          </a:fillRef>
+          <a:effectRef idx="0">
+            <a:schemeClr val="accent6"/>
+          </a:effectRef>
+          <a:fontRef idx="minor">
+            <a:schemeClr val="dk1"/>
+          </a:fontRef>
+        </p:style>
+        <p:txBody>
+          <a:bodyPr rtlCol="0" anchor="ctr"/>
+          <a:p>
+            <a:pPr algn="ctr"/>
+            <a:r>
+              <a:rPr lang="pt-PT" altLang="en-US"/>
+              <a:t>9</a:t>
+            </a:r>
+            <a:endParaRPr lang="pt-PT" altLang="en-US"/>
+          </a:p>
+        </p:txBody>
+      </p:sp>
+    </p:spTree>
+  </p:cSld>
+  <p:clrMapOvr>
+    <a:masterClrMapping/>
+  </p:clrMapOvr>
+</p:sld>
+</file>
+
+<file path=ppt/slides/slide29.xml><?xml version="1.0" encoding="utf-8"?>
+<p:sld xmlns:a="http://schemas.openxmlformats.org/drawingml/2006/main" xmlns:r="http://schemas.openxmlformats.org/officeDocument/2006/relationships" xmlns:p="http://schemas.openxmlformats.org/presentationml/2006/main">
+  <p:cSld>
+    <p:spTree>
+      <p:nvGrpSpPr>
+        <p:cNvPr id="1" name=""/>
+        <p:cNvGrpSpPr/>
+        <p:nvPr/>
+      </p:nvGrpSpPr>
+      <p:grpSpPr/>
+      <p:sp>
+        <p:nvSpPr>
+          <p:cNvPr id="5" name="Title 4"/>
+          <p:cNvSpPr>
+            <a:spLocks noGrp="1"/>
+          </p:cNvSpPr>
+          <p:nvPr>
+            <p:ph type="title"/>
           </p:nvPr>
         </p:nvSpPr>
         <p:spPr/>
         <p:txBody>
           <a:bodyPr/>
           <a:p>
-            <a:endParaRPr lang="en-US"/>
+            <a:r>
+              <a:rPr lang="pt-PT" altLang="en-US"/>
+              <a:t>Janela principal</a:t>
+            </a:r>
+            <a:endParaRPr lang="pt-PT" altLang="en-US"/>
+          </a:p>
+        </p:txBody>
+      </p:sp>
+      <p:sp>
+        <p:nvSpPr>
+          <p:cNvPr id="3" name="Content Placeholder 2"/>
+          <p:cNvSpPr>
+            <a:spLocks noGrp="1"/>
+          </p:cNvSpPr>
+          <p:nvPr>
+            <p:ph sz="half" idx="1"/>
+          </p:nvPr>
+        </p:nvSpPr>
+        <p:spPr>
+          <a:xfrm>
+            <a:off x="7281545" y="1640205"/>
+            <a:ext cx="4608830" cy="4772025"/>
+          </a:xfrm>
+        </p:spPr>
+        <p:txBody>
+          <a:bodyPr>
+            <a:normAutofit fontScale="80000"/>
+          </a:bodyPr>
+          <a:p>
+            <a:pPr marL="457200" indent="-457200">
+              <a:buFont typeface="+mj-lt"/>
+              <a:buAutoNum type="arabicPeriod" startAt="6"/>
+            </a:pPr>
+            <a:r>
+              <a:rPr lang="pt-PT" altLang="en-US"/>
+              <a:t>Informação sobre o canal ou mensagem direta</a:t>
+            </a:r>
+            <a:endParaRPr lang="pt-PT" altLang="en-US"/>
+          </a:p>
+          <a:p>
+            <a:pPr lvl="1"/>
+            <a:r>
+              <a:rPr lang="pt-PT" altLang="en-US" sz="1800"/>
+              <a:t>Disponibiliza as informações acerca do determinado canal ou mensagem direta</a:t>
+            </a:r>
+            <a:endParaRPr lang="pt-PT" altLang="en-US"/>
+          </a:p>
+          <a:p>
+            <a:pPr marL="457200" indent="-457200">
+              <a:buAutoNum type="arabicPeriod" startAt="6"/>
+            </a:pPr>
+            <a:r>
+              <a:rPr lang="pt-PT" altLang="en-US"/>
+              <a:t>Utilizadores online</a:t>
+            </a:r>
+            <a:endParaRPr lang="pt-PT" altLang="en-US"/>
+          </a:p>
+          <a:p>
+            <a:pPr lvl="1"/>
+            <a:r>
+              <a:rPr lang="pt-PT" altLang="en-US"/>
+              <a:t>Todos os utilizadores que tiverem efetuado o login, através dos multiplos servidores</a:t>
+            </a:r>
+            <a:endParaRPr lang="pt-PT" altLang="en-US"/>
+          </a:p>
+          <a:p>
+            <a:pPr marL="457200" indent="-457200">
+              <a:buAutoNum type="arabicPeriod" startAt="6"/>
+            </a:pPr>
+            <a:r>
+              <a:rPr lang="pt-PT" altLang="en-US"/>
+              <a:t>Caixa de texto para escrever mensagens</a:t>
+            </a:r>
+            <a:endParaRPr lang="pt-PT" altLang="en-US"/>
+          </a:p>
+          <a:p>
+            <a:pPr lvl="1"/>
+            <a:r>
+              <a:rPr lang="pt-PT" altLang="en-US"/>
+              <a:t>Poderá ser inserido texto para ser enviado</a:t>
+            </a:r>
+            <a:endParaRPr lang="pt-PT" altLang="en-US"/>
+          </a:p>
+          <a:p>
+            <a:pPr marL="457200" indent="-457200">
+              <a:buAutoNum type="arabicPeriod" startAt="6"/>
+            </a:pPr>
+            <a:r>
+              <a:rPr lang="pt-PT" altLang="en-US"/>
+              <a:t>Botões de envio</a:t>
+            </a:r>
+            <a:endParaRPr lang="pt-PT" altLang="en-US"/>
+          </a:p>
+          <a:p>
+            <a:pPr lvl="1"/>
+            <a:r>
+              <a:rPr lang="pt-PT" altLang="en-US"/>
+              <a:t>O botão da esquerda serve para enviar ficheiros</a:t>
+            </a:r>
+            <a:endParaRPr lang="pt-PT" altLang="en-US"/>
+          </a:p>
+          <a:p>
+            <a:pPr lvl="1"/>
+            <a:r>
+              <a:rPr lang="pt-PT" altLang="en-US"/>
+              <a:t>O botão da direita serve para enviar o texto introduzido na caixa de texto</a:t>
+            </a:r>
+            <a:endParaRPr lang="pt-PT" altLang="en-US"/>
+          </a:p>
+        </p:txBody>
+      </p:sp>
+      <p:pic>
+        <p:nvPicPr>
+          <p:cNvPr id="4" name="Content Placeholder 3"/>
+          <p:cNvPicPr>
+            <a:picLocks noChangeAspect="1"/>
+          </p:cNvPicPr>
+          <p:nvPr>
+            <p:ph sz="half" idx="2"/>
+          </p:nvPr>
+        </p:nvPicPr>
+        <p:blipFill>
+          <a:blip r:embed="rId1"/>
+          <a:stretch>
+            <a:fillRect/>
+          </a:stretch>
+        </p:blipFill>
+        <p:spPr>
+          <a:xfrm>
+            <a:off x="316865" y="2087880"/>
+            <a:ext cx="6475095" cy="3790950"/>
+          </a:xfrm>
+          <a:prstGeom prst="rect">
+            <a:avLst/>
+          </a:prstGeom>
+        </p:spPr>
+      </p:pic>
+      <p:sp>
+        <p:nvSpPr>
+          <p:cNvPr id="7" name="Oval 6"/>
+          <p:cNvSpPr/>
+          <p:nvPr/>
+        </p:nvSpPr>
+        <p:spPr>
+          <a:xfrm>
+            <a:off x="1648460" y="2087880"/>
+            <a:ext cx="295910" cy="295910"/>
+          </a:xfrm>
+          <a:prstGeom prst="ellipse">
+            <a:avLst/>
+          </a:prstGeom>
+        </p:spPr>
+        <p:style>
+          <a:lnRef idx="2">
+            <a:schemeClr val="accent6"/>
+          </a:lnRef>
+          <a:fillRef idx="1">
+            <a:schemeClr val="lt1"/>
+          </a:fillRef>
+          <a:effectRef idx="0">
+            <a:schemeClr val="accent6"/>
+          </a:effectRef>
+          <a:fontRef idx="minor">
+            <a:schemeClr val="dk1"/>
+          </a:fontRef>
+        </p:style>
+        <p:txBody>
+          <a:bodyPr rtlCol="0" anchor="ctr"/>
+          <a:p>
+            <a:pPr algn="ctr"/>
+            <a:r>
+              <a:rPr lang="pt-PT" altLang="en-US"/>
+              <a:t>1</a:t>
+            </a:r>
+            <a:endParaRPr lang="pt-PT" altLang="en-US"/>
+          </a:p>
+        </p:txBody>
+      </p:sp>
+      <p:sp>
+        <p:nvSpPr>
+          <p:cNvPr id="8" name="Oval 7"/>
+          <p:cNvSpPr/>
+          <p:nvPr/>
+        </p:nvSpPr>
+        <p:spPr>
+          <a:xfrm>
+            <a:off x="202565" y="3168015"/>
+            <a:ext cx="295910" cy="295910"/>
+          </a:xfrm>
+          <a:prstGeom prst="ellipse">
+            <a:avLst/>
+          </a:prstGeom>
+        </p:spPr>
+        <p:style>
+          <a:lnRef idx="2">
+            <a:schemeClr val="accent6"/>
+          </a:lnRef>
+          <a:fillRef idx="1">
+            <a:schemeClr val="lt1"/>
+          </a:fillRef>
+          <a:effectRef idx="0">
+            <a:schemeClr val="accent6"/>
+          </a:effectRef>
+          <a:fontRef idx="minor">
+            <a:schemeClr val="dk1"/>
+          </a:fontRef>
+        </p:style>
+        <p:txBody>
+          <a:bodyPr rtlCol="0" anchor="ctr"/>
+          <a:p>
+            <a:pPr algn="ctr"/>
+            <a:r>
+              <a:rPr lang="pt-PT" altLang="en-US"/>
+              <a:t>2</a:t>
+            </a:r>
+            <a:endParaRPr lang="pt-PT" altLang="en-US"/>
+          </a:p>
+        </p:txBody>
+      </p:sp>
+      <p:sp>
+        <p:nvSpPr>
+          <p:cNvPr id="9" name="Oval 8"/>
+          <p:cNvSpPr/>
+          <p:nvPr/>
+        </p:nvSpPr>
+        <p:spPr>
+          <a:xfrm>
+            <a:off x="202565" y="4758690"/>
+            <a:ext cx="295910" cy="295910"/>
+          </a:xfrm>
+          <a:prstGeom prst="ellipse">
+            <a:avLst/>
+          </a:prstGeom>
+        </p:spPr>
+        <p:style>
+          <a:lnRef idx="2">
+            <a:schemeClr val="accent6"/>
+          </a:lnRef>
+          <a:fillRef idx="1">
+            <a:schemeClr val="lt1"/>
+          </a:fillRef>
+          <a:effectRef idx="0">
+            <a:schemeClr val="accent6"/>
+          </a:effectRef>
+          <a:fontRef idx="minor">
+            <a:schemeClr val="dk1"/>
+          </a:fontRef>
+        </p:style>
+        <p:txBody>
+          <a:bodyPr rtlCol="0" anchor="ctr"/>
+          <a:p>
+            <a:pPr algn="ctr"/>
+            <a:r>
+              <a:rPr lang="pt-PT" altLang="en-US"/>
+              <a:t>3</a:t>
+            </a:r>
+            <a:endParaRPr lang="pt-PT" altLang="en-US"/>
+          </a:p>
+        </p:txBody>
+      </p:sp>
+      <p:sp>
+        <p:nvSpPr>
+          <p:cNvPr id="10" name="Oval 9"/>
+          <p:cNvSpPr/>
+          <p:nvPr/>
+        </p:nvSpPr>
+        <p:spPr>
+          <a:xfrm>
+            <a:off x="3793490" y="2929890"/>
+            <a:ext cx="295910" cy="295910"/>
+          </a:xfrm>
+          <a:prstGeom prst="ellipse">
+            <a:avLst/>
+          </a:prstGeom>
+        </p:spPr>
+        <p:style>
+          <a:lnRef idx="2">
+            <a:schemeClr val="accent6"/>
+          </a:lnRef>
+          <a:fillRef idx="1">
+            <a:schemeClr val="lt1"/>
+          </a:fillRef>
+          <a:effectRef idx="0">
+            <a:schemeClr val="accent6"/>
+          </a:effectRef>
+          <a:fontRef idx="minor">
+            <a:schemeClr val="dk1"/>
+          </a:fontRef>
+        </p:style>
+        <p:txBody>
+          <a:bodyPr rtlCol="0" anchor="ctr"/>
+          <a:p>
+            <a:pPr algn="ctr"/>
+            <a:r>
+              <a:rPr lang="pt-PT" altLang="en-US"/>
+              <a:t>4</a:t>
+            </a:r>
+            <a:endParaRPr lang="pt-PT" altLang="en-US"/>
+          </a:p>
+        </p:txBody>
+      </p:sp>
+      <p:sp>
+        <p:nvSpPr>
+          <p:cNvPr id="11" name="Oval 10"/>
+          <p:cNvSpPr/>
+          <p:nvPr/>
+        </p:nvSpPr>
+        <p:spPr>
+          <a:xfrm>
+            <a:off x="2421890" y="4882515"/>
+            <a:ext cx="295910" cy="295910"/>
+          </a:xfrm>
+          <a:prstGeom prst="ellipse">
+            <a:avLst/>
+          </a:prstGeom>
+        </p:spPr>
+        <p:style>
+          <a:lnRef idx="2">
+            <a:schemeClr val="accent6"/>
+          </a:lnRef>
+          <a:fillRef idx="1">
+            <a:schemeClr val="lt1"/>
+          </a:fillRef>
+          <a:effectRef idx="0">
+            <a:schemeClr val="accent6"/>
+          </a:effectRef>
+          <a:fontRef idx="minor">
+            <a:schemeClr val="dk1"/>
+          </a:fontRef>
+        </p:style>
+        <p:txBody>
+          <a:bodyPr rtlCol="0" anchor="ctr"/>
+          <a:p>
+            <a:pPr algn="ctr"/>
+            <a:r>
+              <a:rPr lang="pt-PT" altLang="en-US"/>
+              <a:t>5</a:t>
+            </a:r>
+            <a:endParaRPr lang="pt-PT" altLang="en-US"/>
+          </a:p>
+        </p:txBody>
+      </p:sp>
+      <p:sp>
+        <p:nvSpPr>
+          <p:cNvPr id="12" name="Oval 11"/>
+          <p:cNvSpPr/>
+          <p:nvPr/>
+        </p:nvSpPr>
+        <p:spPr>
+          <a:xfrm>
+            <a:off x="6308090" y="2872105"/>
+            <a:ext cx="295910" cy="295910"/>
+          </a:xfrm>
+          <a:prstGeom prst="ellipse">
+            <a:avLst/>
+          </a:prstGeom>
+        </p:spPr>
+        <p:style>
+          <a:lnRef idx="2">
+            <a:schemeClr val="accent6"/>
+          </a:lnRef>
+          <a:fillRef idx="1">
+            <a:schemeClr val="lt1"/>
+          </a:fillRef>
+          <a:effectRef idx="0">
+            <a:schemeClr val="accent6"/>
+          </a:effectRef>
+          <a:fontRef idx="minor">
+            <a:schemeClr val="dk1"/>
+          </a:fontRef>
+        </p:style>
+        <p:txBody>
+          <a:bodyPr rtlCol="0" anchor="ctr"/>
+          <a:p>
+            <a:pPr algn="ctr"/>
+            <a:r>
+              <a:rPr lang="pt-PT" altLang="en-US"/>
+              <a:t>6</a:t>
+            </a:r>
+            <a:endParaRPr lang="pt-PT" altLang="en-US"/>
+          </a:p>
+        </p:txBody>
+      </p:sp>
+      <p:sp>
+        <p:nvSpPr>
+          <p:cNvPr id="13" name="Oval 12"/>
+          <p:cNvSpPr/>
+          <p:nvPr/>
+        </p:nvSpPr>
+        <p:spPr>
+          <a:xfrm>
+            <a:off x="6308090" y="3835400"/>
+            <a:ext cx="295910" cy="295910"/>
+          </a:xfrm>
+          <a:prstGeom prst="ellipse">
+            <a:avLst/>
+          </a:prstGeom>
+        </p:spPr>
+        <p:style>
+          <a:lnRef idx="2">
+            <a:schemeClr val="accent6"/>
+          </a:lnRef>
+          <a:fillRef idx="1">
+            <a:schemeClr val="lt1"/>
+          </a:fillRef>
+          <a:effectRef idx="0">
+            <a:schemeClr val="accent6"/>
+          </a:effectRef>
+          <a:fontRef idx="minor">
+            <a:schemeClr val="dk1"/>
+          </a:fontRef>
+        </p:style>
+        <p:txBody>
+          <a:bodyPr rtlCol="0" anchor="ctr"/>
+          <a:p>
+            <a:pPr algn="ctr"/>
+            <a:r>
+              <a:rPr lang="pt-PT" altLang="en-US"/>
+              <a:t>7</a:t>
+            </a:r>
+            <a:endParaRPr lang="pt-PT" altLang="en-US"/>
+          </a:p>
+        </p:txBody>
+      </p:sp>
+      <p:sp>
+        <p:nvSpPr>
+          <p:cNvPr id="14" name="Oval 13"/>
+          <p:cNvSpPr/>
+          <p:nvPr/>
+        </p:nvSpPr>
+        <p:spPr>
+          <a:xfrm>
+            <a:off x="1859915" y="5687695"/>
+            <a:ext cx="295910" cy="295910"/>
+          </a:xfrm>
+          <a:prstGeom prst="ellipse">
+            <a:avLst/>
+          </a:prstGeom>
+        </p:spPr>
+        <p:style>
+          <a:lnRef idx="2">
+            <a:schemeClr val="accent6"/>
+          </a:lnRef>
+          <a:fillRef idx="1">
+            <a:schemeClr val="lt1"/>
+          </a:fillRef>
+          <a:effectRef idx="0">
+            <a:schemeClr val="accent6"/>
+          </a:effectRef>
+          <a:fontRef idx="minor">
+            <a:schemeClr val="dk1"/>
+          </a:fontRef>
+        </p:style>
+        <p:txBody>
+          <a:bodyPr rtlCol="0" anchor="ctr"/>
+          <a:p>
+            <a:pPr algn="ctr"/>
+            <a:r>
+              <a:rPr lang="pt-PT" altLang="en-US"/>
+              <a:t>8</a:t>
+            </a:r>
+            <a:endParaRPr lang="pt-PT" altLang="en-US"/>
+          </a:p>
+        </p:txBody>
+      </p:sp>
+      <p:sp>
+        <p:nvSpPr>
+          <p:cNvPr id="15" name="Oval 14"/>
+          <p:cNvSpPr/>
+          <p:nvPr/>
+        </p:nvSpPr>
+        <p:spPr>
+          <a:xfrm>
+            <a:off x="5269865" y="5878830"/>
+            <a:ext cx="295910" cy="295910"/>
+          </a:xfrm>
+          <a:prstGeom prst="ellipse">
+            <a:avLst/>
+          </a:prstGeom>
+        </p:spPr>
+        <p:style>
+          <a:lnRef idx="2">
+            <a:schemeClr val="accent6"/>
+          </a:lnRef>
+          <a:fillRef idx="1">
+            <a:schemeClr val="lt1"/>
+          </a:fillRef>
+          <a:effectRef idx="0">
+            <a:schemeClr val="accent6"/>
+          </a:effectRef>
+          <a:fontRef idx="minor">
+            <a:schemeClr val="dk1"/>
+          </a:fontRef>
+        </p:style>
+        <p:txBody>
+          <a:bodyPr rtlCol="0" anchor="ctr"/>
+          <a:p>
+            <a:pPr algn="ctr"/>
+            <a:r>
+              <a:rPr lang="pt-PT" altLang="en-US"/>
+              <a:t>9</a:t>
+            </a:r>
+            <a:endParaRPr lang="pt-PT" altLang="en-US"/>
           </a:p>
         </p:txBody>
       </p:sp>
@@ -6705,6 +7750,1829 @@
               <a:t>Manual de utilização.</a:t>
             </a:r>
             <a:endParaRPr lang="pt-PT" sz="1700" dirty="0"/>
+          </a:p>
+        </p:txBody>
+      </p:sp>
+    </p:spTree>
+  </p:cSld>
+  <p:clrMapOvr>
+    <a:masterClrMapping/>
+  </p:clrMapOvr>
+</p:sld>
+</file>
+
+<file path=ppt/slides/slide30.xml><?xml version="1.0" encoding="utf-8"?>
+<p:sld xmlns:a="http://schemas.openxmlformats.org/drawingml/2006/main" xmlns:r="http://schemas.openxmlformats.org/officeDocument/2006/relationships" xmlns:p="http://schemas.openxmlformats.org/presentationml/2006/main">
+  <p:cSld>
+    <p:spTree>
+      <p:nvGrpSpPr>
+        <p:cNvPr id="1" name=""/>
+        <p:cNvGrpSpPr/>
+        <p:nvPr/>
+      </p:nvGrpSpPr>
+      <p:grpSpPr/>
+      <p:sp>
+        <p:nvSpPr>
+          <p:cNvPr id="2" name="Title 1"/>
+          <p:cNvSpPr>
+            <a:spLocks noGrp="1"/>
+          </p:cNvSpPr>
+          <p:nvPr>
+            <p:ph type="title"/>
+          </p:nvPr>
+        </p:nvSpPr>
+        <p:spPr/>
+        <p:txBody>
+          <a:bodyPr/>
+          <a:p>
+            <a:r>
+              <a:rPr lang="pt-PT" altLang="en-US"/>
+              <a:t>Menu principal</a:t>
+            </a:r>
+            <a:endParaRPr lang="pt-PT" altLang="en-US"/>
+          </a:p>
+        </p:txBody>
+      </p:sp>
+      <p:sp>
+        <p:nvSpPr>
+          <p:cNvPr id="5" name="Content Placeholder 4"/>
+          <p:cNvSpPr>
+            <a:spLocks noGrp="1"/>
+          </p:cNvSpPr>
+          <p:nvPr>
+            <p:ph sz="half" idx="1"/>
+          </p:nvPr>
+        </p:nvSpPr>
+        <p:spPr>
+          <a:xfrm>
+            <a:off x="4564380" y="2018665"/>
+            <a:ext cx="7065645" cy="4295140"/>
+          </a:xfrm>
+        </p:spPr>
+        <p:txBody>
+          <a:bodyPr>
+            <a:normAutofit fontScale="80000"/>
+          </a:bodyPr>
+          <a:p>
+            <a:pPr marL="457200" indent="-457200">
+              <a:buAutoNum type="arabicPeriod"/>
+            </a:pPr>
+            <a:r>
+              <a:rPr lang="pt-PT" altLang="en-US"/>
+              <a:t>Message</a:t>
+            </a:r>
+            <a:endParaRPr lang="pt-PT" altLang="en-US"/>
+          </a:p>
+          <a:p>
+            <a:pPr marL="914400" lvl="1" indent="-457200">
+              <a:buAutoNum type="arabicPeriod"/>
+            </a:pPr>
+            <a:r>
+              <a:rPr lang="pt-PT" altLang="en-US"/>
+              <a:t>Send Message: Envia uma mensagem direta a um utilizador especificado</a:t>
+            </a:r>
+            <a:endParaRPr lang="pt-PT" altLang="en-US"/>
+          </a:p>
+          <a:p>
+            <a:pPr marL="914400" lvl="1" indent="-457200">
+              <a:buAutoNum type="arabicPeriod"/>
+            </a:pPr>
+            <a:r>
+              <a:rPr lang="pt-PT" altLang="en-US"/>
+              <a:t>Send File: Envia um ficheiro a um utilizador especificado, por mensagem direta</a:t>
+            </a:r>
+            <a:endParaRPr lang="pt-PT" altLang="en-US"/>
+          </a:p>
+          <a:p>
+            <a:pPr marL="457200" lvl="0" indent="-457200">
+              <a:buAutoNum type="arabicPeriod"/>
+            </a:pPr>
+            <a:r>
+              <a:rPr lang="pt-PT" altLang="en-US"/>
+              <a:t>Channel</a:t>
+            </a:r>
+            <a:endParaRPr lang="pt-PT" altLang="en-US"/>
+          </a:p>
+          <a:p>
+            <a:pPr marL="914400" lvl="1" indent="-457200">
+              <a:buAutoNum type="arabicPeriod"/>
+            </a:pPr>
+            <a:r>
+              <a:rPr lang="pt-PT" altLang="en-US" sz="1800"/>
+              <a:t>Add: Adiciona um canal com um nome, descrição e password</a:t>
+            </a:r>
+            <a:endParaRPr lang="pt-PT" altLang="en-US"/>
+          </a:p>
+          <a:p>
+            <a:pPr marL="457200" lvl="0" indent="-457200">
+              <a:buAutoNum type="arabicPeriod"/>
+            </a:pPr>
+            <a:r>
+              <a:rPr lang="pt-PT" altLang="en-US"/>
+              <a:t>Search</a:t>
+            </a:r>
+            <a:endParaRPr lang="pt-PT" altLang="en-US"/>
+          </a:p>
+          <a:p>
+            <a:pPr marL="914400" lvl="1" indent="-457200">
+              <a:buAutoNum type="arabicPeriod"/>
+            </a:pPr>
+            <a:r>
+              <a:rPr lang="pt-PT" altLang="en-US" sz="1800"/>
+              <a:t>Search Users: Procura por um utilizador que tenha um nome ou username idêntico ao introduzido</a:t>
+            </a:r>
+            <a:endParaRPr lang="pt-PT" altLang="en-US"/>
+          </a:p>
+          <a:p>
+            <a:pPr marL="457200" lvl="0" indent="-457200">
+              <a:buAutoNum type="arabicPeriod"/>
+            </a:pPr>
+            <a:r>
+              <a:rPr lang="pt-PT" altLang="en-US"/>
+              <a:t>Help</a:t>
+            </a:r>
+            <a:endParaRPr lang="pt-PT" altLang="en-US"/>
+          </a:p>
+          <a:p>
+            <a:pPr marL="914400" lvl="1" indent="-457200">
+              <a:buAutoNum type="arabicPeriod"/>
+            </a:pPr>
+            <a:r>
+              <a:rPr lang="pt-PT" altLang="en-US"/>
+              <a:t>About: Apresenta informação sobre o programa (quem o fez, para que disciplina)</a:t>
+            </a:r>
+            <a:endParaRPr lang="pt-PT" altLang="en-US"/>
+          </a:p>
+        </p:txBody>
+      </p:sp>
+      <p:pic>
+        <p:nvPicPr>
+          <p:cNvPr id="6" name="Content Placeholder 5"/>
+          <p:cNvPicPr>
+            <a:picLocks noChangeAspect="1"/>
+          </p:cNvPicPr>
+          <p:nvPr>
+            <p:ph sz="half" idx="2"/>
+          </p:nvPr>
+        </p:nvPicPr>
+        <p:blipFill>
+          <a:blip r:embed="rId1"/>
+          <a:stretch>
+            <a:fillRect/>
+          </a:stretch>
+        </p:blipFill>
+        <p:spPr>
+          <a:xfrm>
+            <a:off x="1534795" y="2356485"/>
+            <a:ext cx="2286000" cy="838200"/>
+          </a:xfrm>
+          <a:prstGeom prst="rect">
+            <a:avLst/>
+          </a:prstGeom>
+        </p:spPr>
+      </p:pic>
+      <p:pic>
+        <p:nvPicPr>
+          <p:cNvPr id="7" name="Picture 6"/>
+          <p:cNvPicPr>
+            <a:picLocks noChangeAspect="1"/>
+          </p:cNvPicPr>
+          <p:nvPr/>
+        </p:nvPicPr>
+        <p:blipFill>
+          <a:blip r:embed="rId2"/>
+          <a:stretch>
+            <a:fillRect/>
+          </a:stretch>
+        </p:blipFill>
+        <p:spPr>
+          <a:xfrm>
+            <a:off x="1534795" y="3404235"/>
+            <a:ext cx="2228850" cy="666750"/>
+          </a:xfrm>
+          <a:prstGeom prst="rect">
+            <a:avLst/>
+          </a:prstGeom>
+        </p:spPr>
+      </p:pic>
+      <p:pic>
+        <p:nvPicPr>
+          <p:cNvPr id="8" name="Picture 7"/>
+          <p:cNvPicPr>
+            <a:picLocks noChangeAspect="1"/>
+          </p:cNvPicPr>
+          <p:nvPr/>
+        </p:nvPicPr>
+        <p:blipFill>
+          <a:blip r:embed="rId3"/>
+          <a:stretch>
+            <a:fillRect/>
+          </a:stretch>
+        </p:blipFill>
+        <p:spPr>
+          <a:xfrm>
+            <a:off x="1515745" y="4276725"/>
+            <a:ext cx="2247900" cy="590550"/>
+          </a:xfrm>
+          <a:prstGeom prst="rect">
+            <a:avLst/>
+          </a:prstGeom>
+        </p:spPr>
+      </p:pic>
+      <p:pic>
+        <p:nvPicPr>
+          <p:cNvPr id="9" name="Picture 8"/>
+          <p:cNvPicPr>
+            <a:picLocks noChangeAspect="1"/>
+          </p:cNvPicPr>
+          <p:nvPr/>
+        </p:nvPicPr>
+        <p:blipFill>
+          <a:blip r:embed="rId4"/>
+          <a:stretch>
+            <a:fillRect/>
+          </a:stretch>
+        </p:blipFill>
+        <p:spPr>
+          <a:xfrm>
+            <a:off x="1515745" y="5081270"/>
+            <a:ext cx="2390775" cy="638175"/>
+          </a:xfrm>
+          <a:prstGeom prst="rect">
+            <a:avLst/>
+          </a:prstGeom>
+        </p:spPr>
+      </p:pic>
+      <p:sp>
+        <p:nvSpPr>
+          <p:cNvPr id="10" name="Oval 9"/>
+          <p:cNvSpPr/>
+          <p:nvPr/>
+        </p:nvSpPr>
+        <p:spPr>
+          <a:xfrm>
+            <a:off x="1238885" y="2716530"/>
+            <a:ext cx="295910" cy="295910"/>
+          </a:xfrm>
+          <a:prstGeom prst="ellipse">
+            <a:avLst/>
+          </a:prstGeom>
+        </p:spPr>
+        <p:style>
+          <a:lnRef idx="2">
+            <a:schemeClr val="accent6"/>
+          </a:lnRef>
+          <a:fillRef idx="1">
+            <a:schemeClr val="lt1"/>
+          </a:fillRef>
+          <a:effectRef idx="0">
+            <a:schemeClr val="accent6"/>
+          </a:effectRef>
+          <a:fontRef idx="minor">
+            <a:schemeClr val="dk1"/>
+          </a:fontRef>
+        </p:style>
+        <p:txBody>
+          <a:bodyPr rtlCol="0" anchor="ctr"/>
+          <a:p>
+            <a:pPr algn="ctr"/>
+            <a:r>
+              <a:rPr lang="pt-PT" altLang="en-US"/>
+              <a:t>1</a:t>
+            </a:r>
+            <a:endParaRPr lang="pt-PT" altLang="en-US"/>
+          </a:p>
+        </p:txBody>
+      </p:sp>
+      <p:sp>
+        <p:nvSpPr>
+          <p:cNvPr id="11" name="Oval 10"/>
+          <p:cNvSpPr/>
+          <p:nvPr/>
+        </p:nvSpPr>
+        <p:spPr>
+          <a:xfrm>
+            <a:off x="1238885" y="3589655"/>
+            <a:ext cx="295910" cy="295910"/>
+          </a:xfrm>
+          <a:prstGeom prst="ellipse">
+            <a:avLst/>
+          </a:prstGeom>
+        </p:spPr>
+        <p:style>
+          <a:lnRef idx="2">
+            <a:schemeClr val="accent6"/>
+          </a:lnRef>
+          <a:fillRef idx="1">
+            <a:schemeClr val="lt1"/>
+          </a:fillRef>
+          <a:effectRef idx="0">
+            <a:schemeClr val="accent6"/>
+          </a:effectRef>
+          <a:fontRef idx="minor">
+            <a:schemeClr val="dk1"/>
+          </a:fontRef>
+        </p:style>
+        <p:txBody>
+          <a:bodyPr rtlCol="0" anchor="ctr"/>
+          <a:p>
+            <a:pPr algn="ctr"/>
+            <a:r>
+              <a:rPr lang="pt-PT" altLang="en-US"/>
+              <a:t>2</a:t>
+            </a:r>
+            <a:endParaRPr lang="pt-PT" altLang="en-US"/>
+          </a:p>
+        </p:txBody>
+      </p:sp>
+      <p:sp>
+        <p:nvSpPr>
+          <p:cNvPr id="12" name="Oval 11"/>
+          <p:cNvSpPr/>
+          <p:nvPr/>
+        </p:nvSpPr>
+        <p:spPr>
+          <a:xfrm>
+            <a:off x="1238885" y="4424045"/>
+            <a:ext cx="295910" cy="295910"/>
+          </a:xfrm>
+          <a:prstGeom prst="ellipse">
+            <a:avLst/>
+          </a:prstGeom>
+        </p:spPr>
+        <p:style>
+          <a:lnRef idx="2">
+            <a:schemeClr val="accent6"/>
+          </a:lnRef>
+          <a:fillRef idx="1">
+            <a:schemeClr val="lt1"/>
+          </a:fillRef>
+          <a:effectRef idx="0">
+            <a:schemeClr val="accent6"/>
+          </a:effectRef>
+          <a:fontRef idx="minor">
+            <a:schemeClr val="dk1"/>
+          </a:fontRef>
+        </p:style>
+        <p:txBody>
+          <a:bodyPr rtlCol="0" anchor="ctr"/>
+          <a:p>
+            <a:pPr algn="ctr"/>
+            <a:r>
+              <a:rPr lang="pt-PT" altLang="en-US"/>
+              <a:t>3</a:t>
+            </a:r>
+            <a:endParaRPr lang="pt-PT" altLang="en-US"/>
+          </a:p>
+        </p:txBody>
+      </p:sp>
+      <p:sp>
+        <p:nvSpPr>
+          <p:cNvPr id="13" name="Oval 12"/>
+          <p:cNvSpPr/>
+          <p:nvPr/>
+        </p:nvSpPr>
+        <p:spPr>
+          <a:xfrm>
+            <a:off x="1238885" y="5252720"/>
+            <a:ext cx="295910" cy="295910"/>
+          </a:xfrm>
+          <a:prstGeom prst="ellipse">
+            <a:avLst/>
+          </a:prstGeom>
+        </p:spPr>
+        <p:style>
+          <a:lnRef idx="2">
+            <a:schemeClr val="accent6"/>
+          </a:lnRef>
+          <a:fillRef idx="1">
+            <a:schemeClr val="lt1"/>
+          </a:fillRef>
+          <a:effectRef idx="0">
+            <a:schemeClr val="accent6"/>
+          </a:effectRef>
+          <a:fontRef idx="minor">
+            <a:schemeClr val="dk1"/>
+          </a:fontRef>
+        </p:style>
+        <p:txBody>
+          <a:bodyPr rtlCol="0" anchor="ctr"/>
+          <a:p>
+            <a:pPr algn="ctr"/>
+            <a:r>
+              <a:rPr lang="pt-PT" altLang="en-US"/>
+              <a:t>4</a:t>
+            </a:r>
+            <a:endParaRPr lang="pt-PT" altLang="en-US"/>
+          </a:p>
+        </p:txBody>
+      </p:sp>
+    </p:spTree>
+  </p:cSld>
+  <p:clrMapOvr>
+    <a:masterClrMapping/>
+  </p:clrMapOvr>
+</p:sld>
+</file>
+
+<file path=ppt/slides/slide31.xml><?xml version="1.0" encoding="utf-8"?>
+<p:sld xmlns:a="http://schemas.openxmlformats.org/drawingml/2006/main" xmlns:r="http://schemas.openxmlformats.org/officeDocument/2006/relationships" xmlns:p="http://schemas.openxmlformats.org/presentationml/2006/main">
+  <p:cSld>
+    <p:spTree>
+      <p:nvGrpSpPr>
+        <p:cNvPr id="1" name=""/>
+        <p:cNvGrpSpPr/>
+        <p:nvPr/>
+      </p:nvGrpSpPr>
+      <p:grpSpPr/>
+      <p:sp>
+        <p:nvSpPr>
+          <p:cNvPr id="2" name="Title 1"/>
+          <p:cNvSpPr>
+            <a:spLocks noGrp="1"/>
+          </p:cNvSpPr>
+          <p:nvPr>
+            <p:ph type="title"/>
+          </p:nvPr>
+        </p:nvSpPr>
+        <p:spPr/>
+        <p:txBody>
+          <a:bodyPr/>
+          <a:p>
+            <a:r>
+              <a:rPr lang="pt-PT" altLang="en-US"/>
+              <a:t>Enviar mensagem direta</a:t>
+            </a:r>
+            <a:endParaRPr lang="pt-PT" altLang="en-US"/>
+          </a:p>
+        </p:txBody>
+      </p:sp>
+      <p:sp>
+        <p:nvSpPr>
+          <p:cNvPr id="4" name="Content Placeholder 3"/>
+          <p:cNvSpPr>
+            <a:spLocks noGrp="1"/>
+          </p:cNvSpPr>
+          <p:nvPr>
+            <p:ph sz="half" idx="2"/>
+          </p:nvPr>
+        </p:nvSpPr>
+        <p:spPr>
+          <a:xfrm>
+            <a:off x="6454775" y="2017395"/>
+            <a:ext cx="4604385" cy="3680460"/>
+          </a:xfrm>
+        </p:spPr>
+        <p:txBody>
+          <a:bodyPr>
+            <a:normAutofit fontScale="90000" lnSpcReduction="10000"/>
+          </a:bodyPr>
+          <a:p>
+            <a:pPr marL="457200" indent="-457200">
+              <a:buAutoNum type="arabicPeriod"/>
+            </a:pPr>
+            <a:r>
+              <a:rPr lang="pt-PT" altLang="en-US"/>
+              <a:t>Caixa de texto do destinatário</a:t>
+            </a:r>
+            <a:endParaRPr lang="pt-PT" altLang="en-US"/>
+          </a:p>
+          <a:p>
+            <a:pPr lvl="1"/>
+            <a:r>
+              <a:rPr lang="pt-PT" altLang="en-US"/>
+              <a:t>O utilizador introduz o nome ou username do </a:t>
+            </a:r>
+            <a:r>
+              <a:rPr lang="pt-PT" altLang="en-US">
+                <a:sym typeface="+mn-ea"/>
+              </a:rPr>
+              <a:t>destinatário</a:t>
+            </a:r>
+            <a:endParaRPr lang="pt-PT" altLang="en-US"/>
+          </a:p>
+          <a:p>
+            <a:pPr marL="457200" indent="-457200">
+              <a:buAutoNum type="arabicPeriod"/>
+            </a:pPr>
+            <a:r>
+              <a:rPr lang="pt-PT" altLang="en-US"/>
+              <a:t>Caixa de texto da mensagem</a:t>
+            </a:r>
+            <a:endParaRPr lang="pt-PT" altLang="en-US"/>
+          </a:p>
+          <a:p>
+            <a:pPr lvl="1"/>
+            <a:r>
+              <a:rPr lang="pt-PT" altLang="en-US" sz="1800"/>
+              <a:t>O utilizador introduz o texto a ser enviado ao </a:t>
+            </a:r>
+            <a:r>
+              <a:rPr lang="pt-PT" altLang="en-US">
+                <a:sym typeface="+mn-ea"/>
+              </a:rPr>
+              <a:t>destinatário</a:t>
+            </a:r>
+            <a:endParaRPr lang="pt-PT" altLang="en-US"/>
+          </a:p>
+          <a:p>
+            <a:pPr marL="457200" indent="-457200">
+              <a:buAutoNum type="arabicPeriod"/>
+            </a:pPr>
+            <a:r>
+              <a:rPr lang="pt-PT" altLang="en-US"/>
+              <a:t>Botão de envio</a:t>
+            </a:r>
+            <a:endParaRPr lang="pt-PT" altLang="en-US"/>
+          </a:p>
+          <a:p>
+            <a:pPr lvl="1"/>
+            <a:r>
+              <a:rPr lang="pt-PT" altLang="en-US" sz="1800"/>
+              <a:t>Envia a mensagem</a:t>
+            </a:r>
+            <a:endParaRPr lang="pt-PT" altLang="en-US"/>
+          </a:p>
+          <a:p>
+            <a:pPr marL="457200" indent="-457200">
+              <a:buAutoNum type="arabicPeriod"/>
+            </a:pPr>
+            <a:r>
+              <a:rPr lang="pt-PT" altLang="en-US"/>
+              <a:t>Botão de cancelar</a:t>
+            </a:r>
+            <a:endParaRPr lang="pt-PT" altLang="en-US"/>
+          </a:p>
+          <a:p>
+            <a:pPr lvl="1"/>
+            <a:r>
+              <a:rPr lang="pt-PT" altLang="en-US"/>
+              <a:t>Cancela o envio</a:t>
+            </a:r>
+            <a:endParaRPr lang="pt-PT" altLang="en-US"/>
+          </a:p>
+        </p:txBody>
+      </p:sp>
+      <p:pic>
+        <p:nvPicPr>
+          <p:cNvPr id="5" name="Content Placeholder 4"/>
+          <p:cNvPicPr>
+            <a:picLocks noChangeAspect="1"/>
+          </p:cNvPicPr>
+          <p:nvPr>
+            <p:ph sz="half" idx="1"/>
+          </p:nvPr>
+        </p:nvPicPr>
+        <p:blipFill>
+          <a:blip r:embed="rId1"/>
+          <a:stretch>
+            <a:fillRect/>
+          </a:stretch>
+        </p:blipFill>
+        <p:spPr>
+          <a:xfrm>
+            <a:off x="1962150" y="2743835"/>
+            <a:ext cx="3752850" cy="1971675"/>
+          </a:xfrm>
+          <a:prstGeom prst="rect">
+            <a:avLst/>
+          </a:prstGeom>
+        </p:spPr>
+      </p:pic>
+      <p:sp>
+        <p:nvSpPr>
+          <p:cNvPr id="10" name="Oval 9"/>
+          <p:cNvSpPr/>
+          <p:nvPr/>
+        </p:nvSpPr>
+        <p:spPr>
+          <a:xfrm>
+            <a:off x="4296410" y="3590290"/>
+            <a:ext cx="295910" cy="295910"/>
+          </a:xfrm>
+          <a:prstGeom prst="ellipse">
+            <a:avLst/>
+          </a:prstGeom>
+        </p:spPr>
+        <p:style>
+          <a:lnRef idx="2">
+            <a:schemeClr val="accent6"/>
+          </a:lnRef>
+          <a:fillRef idx="1">
+            <a:schemeClr val="lt1"/>
+          </a:fillRef>
+          <a:effectRef idx="0">
+            <a:schemeClr val="accent6"/>
+          </a:effectRef>
+          <a:fontRef idx="minor">
+            <a:schemeClr val="dk1"/>
+          </a:fontRef>
+        </p:style>
+        <p:txBody>
+          <a:bodyPr rtlCol="0" anchor="ctr"/>
+          <a:p>
+            <a:pPr algn="ctr"/>
+            <a:r>
+              <a:rPr lang="pt-PT" altLang="en-US"/>
+              <a:t>1</a:t>
+            </a:r>
+            <a:endParaRPr lang="pt-PT" altLang="en-US"/>
+          </a:p>
+        </p:txBody>
+      </p:sp>
+      <p:sp>
+        <p:nvSpPr>
+          <p:cNvPr id="6" name="Oval 5"/>
+          <p:cNvSpPr/>
+          <p:nvPr/>
+        </p:nvSpPr>
+        <p:spPr>
+          <a:xfrm>
+            <a:off x="4296410" y="3945255"/>
+            <a:ext cx="295910" cy="295910"/>
+          </a:xfrm>
+          <a:prstGeom prst="ellipse">
+            <a:avLst/>
+          </a:prstGeom>
+        </p:spPr>
+        <p:style>
+          <a:lnRef idx="2">
+            <a:schemeClr val="accent6"/>
+          </a:lnRef>
+          <a:fillRef idx="1">
+            <a:schemeClr val="lt1"/>
+          </a:fillRef>
+          <a:effectRef idx="0">
+            <a:schemeClr val="accent6"/>
+          </a:effectRef>
+          <a:fontRef idx="minor">
+            <a:schemeClr val="dk1"/>
+          </a:fontRef>
+        </p:style>
+        <p:txBody>
+          <a:bodyPr rtlCol="0" anchor="ctr"/>
+          <a:p>
+            <a:pPr algn="ctr"/>
+            <a:r>
+              <a:rPr lang="pt-PT" altLang="en-US"/>
+              <a:t>2</a:t>
+            </a:r>
+            <a:endParaRPr lang="pt-PT" altLang="en-US"/>
+          </a:p>
+        </p:txBody>
+      </p:sp>
+      <p:sp>
+        <p:nvSpPr>
+          <p:cNvPr id="7" name="Oval 6"/>
+          <p:cNvSpPr/>
+          <p:nvPr/>
+        </p:nvSpPr>
+        <p:spPr>
+          <a:xfrm>
+            <a:off x="3562985" y="4545330"/>
+            <a:ext cx="295910" cy="295910"/>
+          </a:xfrm>
+          <a:prstGeom prst="ellipse">
+            <a:avLst/>
+          </a:prstGeom>
+        </p:spPr>
+        <p:style>
+          <a:lnRef idx="2">
+            <a:schemeClr val="accent6"/>
+          </a:lnRef>
+          <a:fillRef idx="1">
+            <a:schemeClr val="lt1"/>
+          </a:fillRef>
+          <a:effectRef idx="0">
+            <a:schemeClr val="accent6"/>
+          </a:effectRef>
+          <a:fontRef idx="minor">
+            <a:schemeClr val="dk1"/>
+          </a:fontRef>
+        </p:style>
+        <p:txBody>
+          <a:bodyPr rtlCol="0" anchor="ctr"/>
+          <a:p>
+            <a:pPr algn="ctr"/>
+            <a:r>
+              <a:rPr lang="pt-PT" altLang="en-US"/>
+              <a:t>3</a:t>
+            </a:r>
+            <a:endParaRPr lang="pt-PT" altLang="en-US"/>
+          </a:p>
+        </p:txBody>
+      </p:sp>
+      <p:sp>
+        <p:nvSpPr>
+          <p:cNvPr id="8" name="Oval 7"/>
+          <p:cNvSpPr/>
+          <p:nvPr/>
+        </p:nvSpPr>
+        <p:spPr>
+          <a:xfrm>
+            <a:off x="5419090" y="4545330"/>
+            <a:ext cx="295910" cy="295910"/>
+          </a:xfrm>
+          <a:prstGeom prst="ellipse">
+            <a:avLst/>
+          </a:prstGeom>
+        </p:spPr>
+        <p:style>
+          <a:lnRef idx="2">
+            <a:schemeClr val="accent6"/>
+          </a:lnRef>
+          <a:fillRef idx="1">
+            <a:schemeClr val="lt1"/>
+          </a:fillRef>
+          <a:effectRef idx="0">
+            <a:schemeClr val="accent6"/>
+          </a:effectRef>
+          <a:fontRef idx="minor">
+            <a:schemeClr val="dk1"/>
+          </a:fontRef>
+        </p:style>
+        <p:txBody>
+          <a:bodyPr rtlCol="0" anchor="ctr"/>
+          <a:p>
+            <a:pPr algn="ctr"/>
+            <a:r>
+              <a:rPr lang="pt-PT" altLang="en-US"/>
+              <a:t>4</a:t>
+            </a:r>
+            <a:endParaRPr lang="pt-PT" altLang="en-US"/>
+          </a:p>
+        </p:txBody>
+      </p:sp>
+    </p:spTree>
+  </p:cSld>
+  <p:clrMapOvr>
+    <a:masterClrMapping/>
+  </p:clrMapOvr>
+</p:sld>
+</file>
+
+<file path=ppt/slides/slide32.xml><?xml version="1.0" encoding="utf-8"?>
+<p:sld xmlns:a="http://schemas.openxmlformats.org/drawingml/2006/main" xmlns:r="http://schemas.openxmlformats.org/officeDocument/2006/relationships" xmlns:p="http://schemas.openxmlformats.org/presentationml/2006/main">
+  <p:cSld>
+    <p:spTree>
+      <p:nvGrpSpPr>
+        <p:cNvPr id="1" name=""/>
+        <p:cNvGrpSpPr/>
+        <p:nvPr/>
+      </p:nvGrpSpPr>
+      <p:grpSpPr/>
+      <p:sp>
+        <p:nvSpPr>
+          <p:cNvPr id="2" name="Title 1"/>
+          <p:cNvSpPr>
+            <a:spLocks noGrp="1"/>
+          </p:cNvSpPr>
+          <p:nvPr>
+            <p:ph type="title"/>
+          </p:nvPr>
+        </p:nvSpPr>
+        <p:spPr/>
+        <p:txBody>
+          <a:bodyPr/>
+          <a:p>
+            <a:r>
+              <a:rPr lang="pt-PT" altLang="en-US"/>
+              <a:t>Enviar ficheiro apenas a um utilizador</a:t>
+            </a:r>
+            <a:endParaRPr lang="pt-PT" altLang="en-US"/>
+          </a:p>
+        </p:txBody>
+      </p:sp>
+      <p:sp>
+        <p:nvSpPr>
+          <p:cNvPr id="4" name="Content Placeholder 3"/>
+          <p:cNvSpPr>
+            <a:spLocks noGrp="1"/>
+          </p:cNvSpPr>
+          <p:nvPr>
+            <p:ph sz="half" idx="2"/>
+          </p:nvPr>
+        </p:nvSpPr>
+        <p:spPr>
+          <a:xfrm>
+            <a:off x="6454775" y="2017395"/>
+            <a:ext cx="4604385" cy="4078605"/>
+          </a:xfrm>
+        </p:spPr>
+        <p:txBody>
+          <a:bodyPr>
+            <a:normAutofit fontScale="90000"/>
+          </a:bodyPr>
+          <a:p>
+            <a:pPr marL="457200" indent="-457200">
+              <a:buAutoNum type="arabicPeriod"/>
+            </a:pPr>
+            <a:r>
+              <a:rPr lang="pt-PT" altLang="en-US" sz="2000">
+                <a:sym typeface="+mn-ea"/>
+              </a:rPr>
+              <a:t>Caixa de texto do </a:t>
+            </a:r>
+            <a:r>
+              <a:rPr lang="pt-PT" altLang="en-US">
+                <a:sym typeface="+mn-ea"/>
+              </a:rPr>
+              <a:t>destinatário</a:t>
+            </a:r>
+            <a:endParaRPr lang="pt-PT" altLang="en-US" sz="2000"/>
+          </a:p>
+          <a:p>
+            <a:pPr lvl="1"/>
+            <a:r>
+              <a:rPr lang="pt-PT" altLang="en-US" sz="2000">
+                <a:sym typeface="+mn-ea"/>
+              </a:rPr>
+              <a:t>O utilizador introduz o nome ou username do destinatário</a:t>
+            </a:r>
+            <a:endParaRPr lang="pt-PT" altLang="en-US" sz="2000">
+              <a:sym typeface="+mn-ea"/>
+            </a:endParaRPr>
+          </a:p>
+          <a:p>
+            <a:pPr marL="457200" lvl="0" indent="-457200">
+              <a:buAutoNum type="arabicPeriod"/>
+            </a:pPr>
+            <a:r>
+              <a:rPr lang="pt-PT" altLang="en-US"/>
+              <a:t>Botão de seleção do ficheiro</a:t>
+            </a:r>
+            <a:endParaRPr lang="pt-PT" altLang="en-US"/>
+          </a:p>
+          <a:p>
+            <a:pPr lvl="1"/>
+            <a:r>
+              <a:rPr lang="pt-PT" altLang="en-US" sz="1800"/>
+              <a:t>O utilizador seleciona um ficheiro a enviar ao </a:t>
+            </a:r>
+            <a:r>
+              <a:rPr lang="pt-PT" altLang="en-US">
+                <a:sym typeface="+mn-ea"/>
+              </a:rPr>
+              <a:t>destinatário</a:t>
+            </a:r>
+            <a:endParaRPr lang="pt-PT" altLang="en-US"/>
+          </a:p>
+          <a:p>
+            <a:pPr marL="457200" lvl="0" indent="-457200">
+              <a:buAutoNum type="arabicPeriod"/>
+            </a:pPr>
+            <a:r>
+              <a:rPr lang="pt-PT" altLang="en-US"/>
+              <a:t>Botão de envio</a:t>
+            </a:r>
+            <a:endParaRPr lang="pt-PT" altLang="en-US"/>
+          </a:p>
+          <a:p>
+            <a:pPr lvl="1"/>
+            <a:r>
+              <a:rPr lang="pt-PT" altLang="en-US" sz="1800"/>
+              <a:t>Envia o ficheiro</a:t>
+            </a:r>
+            <a:endParaRPr lang="pt-PT" altLang="en-US"/>
+          </a:p>
+          <a:p>
+            <a:pPr marL="457200" lvl="0" indent="-457200">
+              <a:buAutoNum type="arabicPeriod"/>
+            </a:pPr>
+            <a:r>
+              <a:rPr lang="pt-PT" altLang="en-US"/>
+              <a:t>Botão de cancelar</a:t>
+            </a:r>
+            <a:endParaRPr lang="pt-PT" altLang="en-US"/>
+          </a:p>
+          <a:p>
+            <a:pPr lvl="1"/>
+            <a:r>
+              <a:rPr lang="pt-PT" altLang="en-US"/>
+              <a:t>Cancela o envio</a:t>
+            </a:r>
+            <a:endParaRPr lang="pt-PT" altLang="en-US"/>
+          </a:p>
+        </p:txBody>
+      </p:sp>
+      <p:pic>
+        <p:nvPicPr>
+          <p:cNvPr id="5" name="Content Placeholder 4"/>
+          <p:cNvPicPr>
+            <a:picLocks noChangeAspect="1"/>
+          </p:cNvPicPr>
+          <p:nvPr>
+            <p:ph sz="half" idx="1"/>
+          </p:nvPr>
+        </p:nvPicPr>
+        <p:blipFill>
+          <a:blip r:embed="rId1"/>
+          <a:stretch>
+            <a:fillRect/>
+          </a:stretch>
+        </p:blipFill>
+        <p:spPr>
+          <a:xfrm>
+            <a:off x="2005330" y="2576830"/>
+            <a:ext cx="3667125" cy="2305050"/>
+          </a:xfrm>
+          <a:prstGeom prst="rect">
+            <a:avLst/>
+          </a:prstGeom>
+        </p:spPr>
+      </p:pic>
+      <p:sp>
+        <p:nvSpPr>
+          <p:cNvPr id="10" name="Oval 9"/>
+          <p:cNvSpPr/>
+          <p:nvPr/>
+        </p:nvSpPr>
+        <p:spPr>
+          <a:xfrm>
+            <a:off x="4258310" y="3399790"/>
+            <a:ext cx="295910" cy="295910"/>
+          </a:xfrm>
+          <a:prstGeom prst="ellipse">
+            <a:avLst/>
+          </a:prstGeom>
+        </p:spPr>
+        <p:style>
+          <a:lnRef idx="2">
+            <a:schemeClr val="accent6"/>
+          </a:lnRef>
+          <a:fillRef idx="1">
+            <a:schemeClr val="lt1"/>
+          </a:fillRef>
+          <a:effectRef idx="0">
+            <a:schemeClr val="accent6"/>
+          </a:effectRef>
+          <a:fontRef idx="minor">
+            <a:schemeClr val="dk1"/>
+          </a:fontRef>
+        </p:style>
+        <p:txBody>
+          <a:bodyPr rtlCol="0" anchor="ctr"/>
+          <a:p>
+            <a:pPr algn="ctr"/>
+            <a:r>
+              <a:rPr lang="pt-PT" altLang="en-US"/>
+              <a:t>1</a:t>
+            </a:r>
+            <a:endParaRPr lang="pt-PT" altLang="en-US"/>
+          </a:p>
+        </p:txBody>
+      </p:sp>
+      <p:sp>
+        <p:nvSpPr>
+          <p:cNvPr id="6" name="Oval 5"/>
+          <p:cNvSpPr/>
+          <p:nvPr/>
+        </p:nvSpPr>
+        <p:spPr>
+          <a:xfrm>
+            <a:off x="3382010" y="4142740"/>
+            <a:ext cx="295910" cy="295910"/>
+          </a:xfrm>
+          <a:prstGeom prst="ellipse">
+            <a:avLst/>
+          </a:prstGeom>
+        </p:spPr>
+        <p:style>
+          <a:lnRef idx="2">
+            <a:schemeClr val="accent6"/>
+          </a:lnRef>
+          <a:fillRef idx="1">
+            <a:schemeClr val="lt1"/>
+          </a:fillRef>
+          <a:effectRef idx="0">
+            <a:schemeClr val="accent6"/>
+          </a:effectRef>
+          <a:fontRef idx="minor">
+            <a:schemeClr val="dk1"/>
+          </a:fontRef>
+        </p:style>
+        <p:txBody>
+          <a:bodyPr rtlCol="0" anchor="ctr"/>
+          <a:p>
+            <a:pPr algn="ctr"/>
+            <a:r>
+              <a:rPr lang="pt-PT" altLang="en-US"/>
+              <a:t>2</a:t>
+            </a:r>
+            <a:endParaRPr lang="pt-PT" altLang="en-US"/>
+          </a:p>
+        </p:txBody>
+      </p:sp>
+      <p:sp>
+        <p:nvSpPr>
+          <p:cNvPr id="7" name="Oval 6"/>
+          <p:cNvSpPr/>
+          <p:nvPr/>
+        </p:nvSpPr>
+        <p:spPr>
+          <a:xfrm>
+            <a:off x="3962400" y="4714240"/>
+            <a:ext cx="295910" cy="295910"/>
+          </a:xfrm>
+          <a:prstGeom prst="ellipse">
+            <a:avLst/>
+          </a:prstGeom>
+        </p:spPr>
+        <p:style>
+          <a:lnRef idx="2">
+            <a:schemeClr val="accent6"/>
+          </a:lnRef>
+          <a:fillRef idx="1">
+            <a:schemeClr val="lt1"/>
+          </a:fillRef>
+          <a:effectRef idx="0">
+            <a:schemeClr val="accent6"/>
+          </a:effectRef>
+          <a:fontRef idx="minor">
+            <a:schemeClr val="dk1"/>
+          </a:fontRef>
+        </p:style>
+        <p:txBody>
+          <a:bodyPr rtlCol="0" anchor="ctr"/>
+          <a:p>
+            <a:pPr algn="ctr"/>
+            <a:r>
+              <a:rPr lang="pt-PT" altLang="en-US"/>
+              <a:t>3</a:t>
+            </a:r>
+            <a:endParaRPr lang="pt-PT" altLang="en-US"/>
+          </a:p>
+        </p:txBody>
+      </p:sp>
+      <p:sp>
+        <p:nvSpPr>
+          <p:cNvPr id="8" name="Oval 7"/>
+          <p:cNvSpPr/>
+          <p:nvPr/>
+        </p:nvSpPr>
+        <p:spPr>
+          <a:xfrm>
+            <a:off x="5376545" y="4714240"/>
+            <a:ext cx="295910" cy="295910"/>
+          </a:xfrm>
+          <a:prstGeom prst="ellipse">
+            <a:avLst/>
+          </a:prstGeom>
+        </p:spPr>
+        <p:style>
+          <a:lnRef idx="2">
+            <a:schemeClr val="accent6"/>
+          </a:lnRef>
+          <a:fillRef idx="1">
+            <a:schemeClr val="lt1"/>
+          </a:fillRef>
+          <a:effectRef idx="0">
+            <a:schemeClr val="accent6"/>
+          </a:effectRef>
+          <a:fontRef idx="minor">
+            <a:schemeClr val="dk1"/>
+          </a:fontRef>
+        </p:style>
+        <p:txBody>
+          <a:bodyPr rtlCol="0" anchor="ctr"/>
+          <a:p>
+            <a:pPr algn="ctr"/>
+            <a:r>
+              <a:rPr lang="pt-PT" altLang="en-US"/>
+              <a:t>4</a:t>
+            </a:r>
+            <a:endParaRPr lang="pt-PT" altLang="en-US"/>
+          </a:p>
+        </p:txBody>
+      </p:sp>
+    </p:spTree>
+  </p:cSld>
+  <p:clrMapOvr>
+    <a:masterClrMapping/>
+  </p:clrMapOvr>
+</p:sld>
+</file>
+
+<file path=ppt/slides/slide33.xml><?xml version="1.0" encoding="utf-8"?>
+<p:sld xmlns:a="http://schemas.openxmlformats.org/drawingml/2006/main" xmlns:r="http://schemas.openxmlformats.org/officeDocument/2006/relationships" xmlns:p="http://schemas.openxmlformats.org/presentationml/2006/main">
+  <p:cSld>
+    <p:spTree>
+      <p:nvGrpSpPr>
+        <p:cNvPr id="1" name=""/>
+        <p:cNvGrpSpPr/>
+        <p:nvPr/>
+      </p:nvGrpSpPr>
+      <p:grpSpPr/>
+      <p:sp>
+        <p:nvSpPr>
+          <p:cNvPr id="2" name="Title 1"/>
+          <p:cNvSpPr>
+            <a:spLocks noGrp="1"/>
+          </p:cNvSpPr>
+          <p:nvPr>
+            <p:ph type="title"/>
+          </p:nvPr>
+        </p:nvSpPr>
+        <p:spPr/>
+        <p:txBody>
+          <a:bodyPr/>
+          <a:p>
+            <a:r>
+              <a:rPr lang="pt-PT" altLang="en-US"/>
+              <a:t>Adicionar canal</a:t>
+            </a:r>
+            <a:endParaRPr lang="pt-PT" altLang="en-US"/>
+          </a:p>
+        </p:txBody>
+      </p:sp>
+      <p:sp>
+        <p:nvSpPr>
+          <p:cNvPr id="4" name="Content Placeholder 3"/>
+          <p:cNvSpPr>
+            <a:spLocks noGrp="1"/>
+          </p:cNvSpPr>
+          <p:nvPr>
+            <p:ph sz="half" idx="2"/>
+          </p:nvPr>
+        </p:nvSpPr>
+        <p:spPr>
+          <a:xfrm>
+            <a:off x="6454775" y="2017395"/>
+            <a:ext cx="4604385" cy="4184650"/>
+          </a:xfrm>
+        </p:spPr>
+        <p:txBody>
+          <a:bodyPr>
+            <a:normAutofit fontScale="70000"/>
+          </a:bodyPr>
+          <a:p>
+            <a:pPr marL="457200" indent="-457200">
+              <a:buAutoNum type="arabicPeriod"/>
+            </a:pPr>
+            <a:r>
+              <a:rPr lang="pt-PT" altLang="en-US"/>
+              <a:t>Caixa de texto do nome do canal</a:t>
+            </a:r>
+            <a:endParaRPr lang="pt-PT" altLang="en-US"/>
+          </a:p>
+          <a:p>
+            <a:pPr lvl="1"/>
+            <a:r>
+              <a:rPr lang="pt-PT" altLang="en-US"/>
+              <a:t>O utilizador introduz um nome para o canal a ser criado</a:t>
+            </a:r>
+            <a:endParaRPr lang="pt-PT" altLang="en-US"/>
+          </a:p>
+          <a:p>
+            <a:pPr marL="457200" indent="-457200">
+              <a:buAutoNum type="arabicPeriod"/>
+            </a:pPr>
+            <a:r>
+              <a:rPr lang="pt-PT" altLang="en-US"/>
+              <a:t>Caixa de texto da descrição do canal</a:t>
+            </a:r>
+            <a:endParaRPr lang="pt-PT" altLang="en-US"/>
+          </a:p>
+          <a:p>
+            <a:pPr lvl="1"/>
+            <a:r>
+              <a:rPr lang="pt-PT" altLang="en-US" sz="1800"/>
+              <a:t>O utilizador introduz uma descrição para o canal a ser criado</a:t>
+            </a:r>
+            <a:endParaRPr lang="pt-PT" altLang="en-US"/>
+          </a:p>
+          <a:p>
+            <a:pPr marL="457200" indent="-457200">
+              <a:buAutoNum type="arabicPeriod"/>
+            </a:pPr>
+            <a:r>
+              <a:rPr lang="pt-PT" altLang="en-US"/>
+              <a:t>Caixa de texto da password do canal</a:t>
+            </a:r>
+            <a:endParaRPr lang="pt-PT" altLang="en-US"/>
+          </a:p>
+          <a:p>
+            <a:pPr lvl="1"/>
+            <a:r>
+              <a:rPr lang="pt-PT" altLang="en-US" sz="1800"/>
+              <a:t>O utilizador poderá ou não introduzir uma password para o canal a ser criado</a:t>
+            </a:r>
+            <a:endParaRPr lang="pt-PT" altLang="en-US"/>
+          </a:p>
+          <a:p>
+            <a:pPr marL="457200" indent="-457200">
+              <a:buAutoNum type="arabicPeriod"/>
+            </a:pPr>
+            <a:r>
+              <a:rPr lang="pt-PT" altLang="en-US"/>
+              <a:t>Botão de criação de canal</a:t>
+            </a:r>
+            <a:endParaRPr lang="pt-PT" altLang="en-US"/>
+          </a:p>
+          <a:p>
+            <a:pPr lvl="1"/>
+            <a:r>
+              <a:rPr lang="pt-PT" altLang="en-US" sz="1800"/>
+              <a:t>Cria o canal consoante os dados introduzidos</a:t>
+            </a:r>
+            <a:endParaRPr lang="pt-PT" altLang="en-US"/>
+          </a:p>
+          <a:p>
+            <a:pPr marL="457200" indent="-457200">
+              <a:buAutoNum type="arabicPeriod"/>
+            </a:pPr>
+            <a:r>
+              <a:rPr lang="pt-PT" altLang="en-US"/>
+              <a:t>Botão de cancelar</a:t>
+            </a:r>
+            <a:endParaRPr lang="pt-PT" altLang="en-US"/>
+          </a:p>
+          <a:p>
+            <a:pPr lvl="1"/>
+            <a:r>
+              <a:rPr lang="pt-PT" altLang="en-US"/>
+              <a:t>Cancela a criação do canal</a:t>
+            </a:r>
+            <a:endParaRPr lang="pt-PT" altLang="en-US"/>
+          </a:p>
+        </p:txBody>
+      </p:sp>
+      <p:pic>
+        <p:nvPicPr>
+          <p:cNvPr id="5" name="Content Placeholder 4"/>
+          <p:cNvPicPr>
+            <a:picLocks noChangeAspect="1"/>
+          </p:cNvPicPr>
+          <p:nvPr>
+            <p:ph sz="half" idx="1"/>
+          </p:nvPr>
+        </p:nvPicPr>
+        <p:blipFill>
+          <a:blip r:embed="rId1"/>
+          <a:stretch>
+            <a:fillRect/>
+          </a:stretch>
+        </p:blipFill>
+        <p:spPr>
+          <a:xfrm>
+            <a:off x="1795780" y="2576830"/>
+            <a:ext cx="4086225" cy="2305050"/>
+          </a:xfrm>
+          <a:prstGeom prst="rect">
+            <a:avLst/>
+          </a:prstGeom>
+        </p:spPr>
+      </p:pic>
+      <p:sp>
+        <p:nvSpPr>
+          <p:cNvPr id="10" name="Oval 9"/>
+          <p:cNvSpPr/>
+          <p:nvPr/>
+        </p:nvSpPr>
+        <p:spPr>
+          <a:xfrm>
+            <a:off x="4458335" y="3409315"/>
+            <a:ext cx="295910" cy="295910"/>
+          </a:xfrm>
+          <a:prstGeom prst="ellipse">
+            <a:avLst/>
+          </a:prstGeom>
+        </p:spPr>
+        <p:style>
+          <a:lnRef idx="2">
+            <a:schemeClr val="accent6"/>
+          </a:lnRef>
+          <a:fillRef idx="1">
+            <a:schemeClr val="lt1"/>
+          </a:fillRef>
+          <a:effectRef idx="0">
+            <a:schemeClr val="accent6"/>
+          </a:effectRef>
+          <a:fontRef idx="minor">
+            <a:schemeClr val="dk1"/>
+          </a:fontRef>
+        </p:style>
+        <p:txBody>
+          <a:bodyPr rtlCol="0" anchor="ctr"/>
+          <a:p>
+            <a:pPr algn="ctr"/>
+            <a:r>
+              <a:rPr lang="pt-PT" altLang="en-US"/>
+              <a:t>1</a:t>
+            </a:r>
+            <a:endParaRPr lang="pt-PT" altLang="en-US"/>
+          </a:p>
+        </p:txBody>
+      </p:sp>
+      <p:sp>
+        <p:nvSpPr>
+          <p:cNvPr id="6" name="Oval 5"/>
+          <p:cNvSpPr/>
+          <p:nvPr/>
+        </p:nvSpPr>
+        <p:spPr>
+          <a:xfrm>
+            <a:off x="4458335" y="3752850"/>
+            <a:ext cx="295910" cy="295910"/>
+          </a:xfrm>
+          <a:prstGeom prst="ellipse">
+            <a:avLst/>
+          </a:prstGeom>
+        </p:spPr>
+        <p:style>
+          <a:lnRef idx="2">
+            <a:schemeClr val="accent6"/>
+          </a:lnRef>
+          <a:fillRef idx="1">
+            <a:schemeClr val="lt1"/>
+          </a:fillRef>
+          <a:effectRef idx="0">
+            <a:schemeClr val="accent6"/>
+          </a:effectRef>
+          <a:fontRef idx="minor">
+            <a:schemeClr val="dk1"/>
+          </a:fontRef>
+        </p:style>
+        <p:txBody>
+          <a:bodyPr rtlCol="0" anchor="ctr"/>
+          <a:p>
+            <a:pPr algn="ctr"/>
+            <a:r>
+              <a:rPr lang="pt-PT" altLang="en-US"/>
+              <a:t>2</a:t>
+            </a:r>
+            <a:endParaRPr lang="pt-PT" altLang="en-US"/>
+          </a:p>
+        </p:txBody>
+      </p:sp>
+      <p:sp>
+        <p:nvSpPr>
+          <p:cNvPr id="7" name="Oval 6"/>
+          <p:cNvSpPr/>
+          <p:nvPr/>
+        </p:nvSpPr>
+        <p:spPr>
+          <a:xfrm>
+            <a:off x="4458335" y="4105910"/>
+            <a:ext cx="295910" cy="295910"/>
+          </a:xfrm>
+          <a:prstGeom prst="ellipse">
+            <a:avLst/>
+          </a:prstGeom>
+        </p:spPr>
+        <p:style>
+          <a:lnRef idx="2">
+            <a:schemeClr val="accent6"/>
+          </a:lnRef>
+          <a:fillRef idx="1">
+            <a:schemeClr val="lt1"/>
+          </a:fillRef>
+          <a:effectRef idx="0">
+            <a:schemeClr val="accent6"/>
+          </a:effectRef>
+          <a:fontRef idx="minor">
+            <a:schemeClr val="dk1"/>
+          </a:fontRef>
+        </p:style>
+        <p:txBody>
+          <a:bodyPr rtlCol="0" anchor="ctr"/>
+          <a:p>
+            <a:pPr algn="ctr"/>
+            <a:r>
+              <a:rPr lang="pt-PT" altLang="en-US"/>
+              <a:t>3</a:t>
+            </a:r>
+            <a:endParaRPr lang="pt-PT" altLang="en-US"/>
+          </a:p>
+        </p:txBody>
+      </p:sp>
+      <p:sp>
+        <p:nvSpPr>
+          <p:cNvPr id="8" name="Oval 7"/>
+          <p:cNvSpPr/>
+          <p:nvPr/>
+        </p:nvSpPr>
+        <p:spPr>
+          <a:xfrm>
+            <a:off x="4162425" y="4714240"/>
+            <a:ext cx="295910" cy="295910"/>
+          </a:xfrm>
+          <a:prstGeom prst="ellipse">
+            <a:avLst/>
+          </a:prstGeom>
+        </p:spPr>
+        <p:style>
+          <a:lnRef idx="2">
+            <a:schemeClr val="accent6"/>
+          </a:lnRef>
+          <a:fillRef idx="1">
+            <a:schemeClr val="lt1"/>
+          </a:fillRef>
+          <a:effectRef idx="0">
+            <a:schemeClr val="accent6"/>
+          </a:effectRef>
+          <a:fontRef idx="minor">
+            <a:schemeClr val="dk1"/>
+          </a:fontRef>
+        </p:style>
+        <p:txBody>
+          <a:bodyPr rtlCol="0" anchor="ctr"/>
+          <a:p>
+            <a:pPr algn="ctr"/>
+            <a:r>
+              <a:rPr lang="pt-PT" altLang="en-US"/>
+              <a:t>4</a:t>
+            </a:r>
+            <a:endParaRPr lang="pt-PT" altLang="en-US"/>
+          </a:p>
+        </p:txBody>
+      </p:sp>
+      <p:sp>
+        <p:nvSpPr>
+          <p:cNvPr id="9" name="Oval 8"/>
+          <p:cNvSpPr/>
+          <p:nvPr/>
+        </p:nvSpPr>
+        <p:spPr>
+          <a:xfrm>
+            <a:off x="5586095" y="4714240"/>
+            <a:ext cx="295910" cy="295910"/>
+          </a:xfrm>
+          <a:prstGeom prst="ellipse">
+            <a:avLst/>
+          </a:prstGeom>
+        </p:spPr>
+        <p:style>
+          <a:lnRef idx="2">
+            <a:schemeClr val="accent6"/>
+          </a:lnRef>
+          <a:fillRef idx="1">
+            <a:schemeClr val="lt1"/>
+          </a:fillRef>
+          <a:effectRef idx="0">
+            <a:schemeClr val="accent6"/>
+          </a:effectRef>
+          <a:fontRef idx="minor">
+            <a:schemeClr val="dk1"/>
+          </a:fontRef>
+        </p:style>
+        <p:txBody>
+          <a:bodyPr rtlCol="0" anchor="ctr"/>
+          <a:p>
+            <a:pPr algn="ctr"/>
+            <a:r>
+              <a:rPr lang="pt-PT" altLang="en-US"/>
+              <a:t>5</a:t>
+            </a:r>
+            <a:endParaRPr lang="pt-PT" altLang="en-US"/>
+          </a:p>
+        </p:txBody>
+      </p:sp>
+    </p:spTree>
+  </p:cSld>
+  <p:clrMapOvr>
+    <a:masterClrMapping/>
+  </p:clrMapOvr>
+</p:sld>
+</file>
+
+<file path=ppt/slides/slide34.xml><?xml version="1.0" encoding="utf-8"?>
+<p:sld xmlns:a="http://schemas.openxmlformats.org/drawingml/2006/main" xmlns:r="http://schemas.openxmlformats.org/officeDocument/2006/relationships" xmlns:p="http://schemas.openxmlformats.org/presentationml/2006/main">
+  <p:cSld>
+    <p:spTree>
+      <p:nvGrpSpPr>
+        <p:cNvPr id="1" name=""/>
+        <p:cNvGrpSpPr/>
+        <p:nvPr/>
+      </p:nvGrpSpPr>
+      <p:grpSpPr/>
+      <p:sp>
+        <p:nvSpPr>
+          <p:cNvPr id="2" name="Title 1"/>
+          <p:cNvSpPr>
+            <a:spLocks noGrp="1"/>
+          </p:cNvSpPr>
+          <p:nvPr>
+            <p:ph type="title"/>
+          </p:nvPr>
+        </p:nvSpPr>
+        <p:spPr/>
+        <p:txBody>
+          <a:bodyPr/>
+          <a:p>
+            <a:r>
+              <a:rPr lang="pt-PT" altLang="en-US"/>
+              <a:t>Procurar utilizadores</a:t>
+            </a:r>
+            <a:endParaRPr lang="pt-PT" altLang="en-US"/>
+          </a:p>
+        </p:txBody>
+      </p:sp>
+      <p:sp>
+        <p:nvSpPr>
+          <p:cNvPr id="4" name="Content Placeholder 3"/>
+          <p:cNvSpPr>
+            <a:spLocks noGrp="1"/>
+          </p:cNvSpPr>
+          <p:nvPr>
+            <p:ph sz="half" idx="2"/>
+          </p:nvPr>
+        </p:nvSpPr>
+        <p:spPr>
+          <a:xfrm>
+            <a:off x="6454775" y="2017395"/>
+            <a:ext cx="4604385" cy="4279265"/>
+          </a:xfrm>
+        </p:spPr>
+        <p:txBody>
+          <a:bodyPr>
+            <a:normAutofit fontScale="90000" lnSpcReduction="20000"/>
+          </a:bodyPr>
+          <a:p>
+            <a:pPr marL="457200" indent="-457200">
+              <a:buAutoNum type="arabicPeriod"/>
+            </a:pPr>
+            <a:r>
+              <a:rPr lang="pt-PT" altLang="en-US"/>
+              <a:t>Caixa de texto de nome ou username</a:t>
+            </a:r>
+            <a:endParaRPr lang="pt-PT" altLang="en-US"/>
+          </a:p>
+          <a:p>
+            <a:pPr lvl="1"/>
+            <a:r>
+              <a:rPr lang="pt-PT" altLang="en-US" sz="1800"/>
+              <a:t>O utilizador introduz parte de um nome ou username</a:t>
+            </a:r>
+            <a:endParaRPr lang="pt-PT" altLang="en-US"/>
+          </a:p>
+          <a:p>
+            <a:pPr marL="457200" indent="-457200">
+              <a:buAutoNum type="arabicPeriod"/>
+            </a:pPr>
+            <a:r>
+              <a:rPr lang="pt-PT" altLang="en-US"/>
+              <a:t>Botão de procura</a:t>
+            </a:r>
+            <a:endParaRPr lang="pt-PT" altLang="en-US"/>
+          </a:p>
+          <a:p>
+            <a:pPr lvl="1"/>
+            <a:r>
+              <a:rPr lang="pt-PT" altLang="en-US" sz="1800"/>
+              <a:t>Efetua a procura de todos os utilizadores consoante o texto introduzido</a:t>
+            </a:r>
+            <a:endParaRPr lang="pt-PT" altLang="en-US"/>
+          </a:p>
+          <a:p>
+            <a:pPr marL="457200" indent="-457200">
+              <a:buAutoNum type="arabicPeriod"/>
+            </a:pPr>
+            <a:r>
+              <a:rPr lang="pt-PT" altLang="en-US"/>
+              <a:t>Botão de cancelar</a:t>
+            </a:r>
+            <a:endParaRPr lang="pt-PT" altLang="en-US"/>
+          </a:p>
+          <a:p>
+            <a:pPr lvl="1"/>
+            <a:r>
+              <a:rPr lang="pt-PT" altLang="en-US" sz="1800"/>
+              <a:t>Cancela a procura</a:t>
+            </a:r>
+            <a:endParaRPr lang="pt-PT" altLang="en-US"/>
+          </a:p>
+          <a:p>
+            <a:pPr marL="457200" indent="-457200">
+              <a:buAutoNum type="arabicPeriod"/>
+            </a:pPr>
+            <a:r>
+              <a:rPr lang="pt-PT" altLang="en-US"/>
+              <a:t>Lista de utilizadores encontrados</a:t>
+            </a:r>
+            <a:endParaRPr lang="pt-PT" altLang="en-US"/>
+          </a:p>
+          <a:p>
+            <a:pPr lvl="1"/>
+            <a:r>
+              <a:rPr lang="pt-PT" altLang="en-US"/>
+              <a:t>Listagem de todos os utilizadores encontrados na base de dados (ex.: todos os utilizadores com “m” no nome ou username)</a:t>
+            </a:r>
+            <a:endParaRPr lang="pt-PT" altLang="en-US"/>
+          </a:p>
+        </p:txBody>
+      </p:sp>
+      <p:pic>
+        <p:nvPicPr>
+          <p:cNvPr id="5" name="Content Placeholder 4"/>
+          <p:cNvPicPr>
+            <a:picLocks noChangeAspect="1"/>
+          </p:cNvPicPr>
+          <p:nvPr>
+            <p:ph sz="half" idx="1"/>
+          </p:nvPr>
+        </p:nvPicPr>
+        <p:blipFill>
+          <a:blip r:embed="rId1"/>
+          <a:stretch>
+            <a:fillRect/>
+          </a:stretch>
+        </p:blipFill>
+        <p:spPr>
+          <a:xfrm>
+            <a:off x="690880" y="2832735"/>
+            <a:ext cx="3076575" cy="1809750"/>
+          </a:xfrm>
+          <a:prstGeom prst="rect">
+            <a:avLst/>
+          </a:prstGeom>
+        </p:spPr>
+      </p:pic>
+      <p:pic>
+        <p:nvPicPr>
+          <p:cNvPr id="7" name="Picture 6"/>
+          <p:cNvPicPr>
+            <a:picLocks noChangeAspect="1"/>
+          </p:cNvPicPr>
+          <p:nvPr/>
+        </p:nvPicPr>
+        <p:blipFill>
+          <a:blip r:embed="rId2"/>
+          <a:stretch>
+            <a:fillRect/>
+          </a:stretch>
+        </p:blipFill>
+        <p:spPr>
+          <a:xfrm>
+            <a:off x="4000500" y="2104390"/>
+            <a:ext cx="2247900" cy="3267075"/>
+          </a:xfrm>
+          <a:prstGeom prst="rect">
+            <a:avLst/>
+          </a:prstGeom>
+        </p:spPr>
+      </p:pic>
+      <p:sp>
+        <p:nvSpPr>
+          <p:cNvPr id="10" name="Oval 9"/>
+          <p:cNvSpPr/>
+          <p:nvPr/>
+        </p:nvSpPr>
+        <p:spPr>
+          <a:xfrm>
+            <a:off x="3534410" y="3885565"/>
+            <a:ext cx="295910" cy="295910"/>
+          </a:xfrm>
+          <a:prstGeom prst="ellipse">
+            <a:avLst/>
+          </a:prstGeom>
+        </p:spPr>
+        <p:style>
+          <a:lnRef idx="2">
+            <a:schemeClr val="accent6"/>
+          </a:lnRef>
+          <a:fillRef idx="1">
+            <a:schemeClr val="lt1"/>
+          </a:fillRef>
+          <a:effectRef idx="0">
+            <a:schemeClr val="accent6"/>
+          </a:effectRef>
+          <a:fontRef idx="minor">
+            <a:schemeClr val="dk1"/>
+          </a:fontRef>
+        </p:style>
+        <p:txBody>
+          <a:bodyPr rtlCol="0" anchor="ctr"/>
+          <a:p>
+            <a:pPr algn="ctr"/>
+            <a:r>
+              <a:rPr lang="pt-PT" altLang="en-US"/>
+              <a:t>1</a:t>
+            </a:r>
+            <a:endParaRPr lang="pt-PT" altLang="en-US"/>
+          </a:p>
+        </p:txBody>
+      </p:sp>
+      <p:sp>
+        <p:nvSpPr>
+          <p:cNvPr id="8" name="Oval 7"/>
+          <p:cNvSpPr/>
+          <p:nvPr/>
+        </p:nvSpPr>
+        <p:spPr>
+          <a:xfrm>
+            <a:off x="1953260" y="4457065"/>
+            <a:ext cx="295910" cy="295910"/>
+          </a:xfrm>
+          <a:prstGeom prst="ellipse">
+            <a:avLst/>
+          </a:prstGeom>
+        </p:spPr>
+        <p:style>
+          <a:lnRef idx="2">
+            <a:schemeClr val="accent6"/>
+          </a:lnRef>
+          <a:fillRef idx="1">
+            <a:schemeClr val="lt1"/>
+          </a:fillRef>
+          <a:effectRef idx="0">
+            <a:schemeClr val="accent6"/>
+          </a:effectRef>
+          <a:fontRef idx="minor">
+            <a:schemeClr val="dk1"/>
+          </a:fontRef>
+        </p:style>
+        <p:txBody>
+          <a:bodyPr rtlCol="0" anchor="ctr"/>
+          <a:p>
+            <a:pPr algn="ctr"/>
+            <a:r>
+              <a:rPr lang="pt-PT" altLang="en-US"/>
+              <a:t>2</a:t>
+            </a:r>
+            <a:endParaRPr lang="pt-PT" altLang="en-US"/>
+          </a:p>
+        </p:txBody>
+      </p:sp>
+      <p:sp>
+        <p:nvSpPr>
+          <p:cNvPr id="9" name="Oval 8"/>
+          <p:cNvSpPr/>
+          <p:nvPr/>
+        </p:nvSpPr>
+        <p:spPr>
+          <a:xfrm>
+            <a:off x="3471545" y="4457065"/>
+            <a:ext cx="295910" cy="295910"/>
+          </a:xfrm>
+          <a:prstGeom prst="ellipse">
+            <a:avLst/>
+          </a:prstGeom>
+        </p:spPr>
+        <p:style>
+          <a:lnRef idx="2">
+            <a:schemeClr val="accent6"/>
+          </a:lnRef>
+          <a:fillRef idx="1">
+            <a:schemeClr val="lt1"/>
+          </a:fillRef>
+          <a:effectRef idx="0">
+            <a:schemeClr val="accent6"/>
+          </a:effectRef>
+          <a:fontRef idx="minor">
+            <a:schemeClr val="dk1"/>
+          </a:fontRef>
+        </p:style>
+        <p:txBody>
+          <a:bodyPr rtlCol="0" anchor="ctr"/>
+          <a:p>
+            <a:pPr algn="ctr"/>
+            <a:r>
+              <a:rPr lang="pt-PT" altLang="en-US"/>
+              <a:t>3</a:t>
+            </a:r>
+            <a:endParaRPr lang="pt-PT" altLang="en-US"/>
+          </a:p>
+        </p:txBody>
+      </p:sp>
+      <p:sp>
+        <p:nvSpPr>
+          <p:cNvPr id="11" name="Oval 10"/>
+          <p:cNvSpPr/>
+          <p:nvPr/>
+        </p:nvSpPr>
+        <p:spPr>
+          <a:xfrm>
+            <a:off x="5858510" y="3418840"/>
+            <a:ext cx="295910" cy="295910"/>
+          </a:xfrm>
+          <a:prstGeom prst="ellipse">
+            <a:avLst/>
+          </a:prstGeom>
+        </p:spPr>
+        <p:style>
+          <a:lnRef idx="2">
+            <a:schemeClr val="accent6"/>
+          </a:lnRef>
+          <a:fillRef idx="1">
+            <a:schemeClr val="lt1"/>
+          </a:fillRef>
+          <a:effectRef idx="0">
+            <a:schemeClr val="accent6"/>
+          </a:effectRef>
+          <a:fontRef idx="minor">
+            <a:schemeClr val="dk1"/>
+          </a:fontRef>
+        </p:style>
+        <p:txBody>
+          <a:bodyPr rtlCol="0" anchor="ctr"/>
+          <a:p>
+            <a:pPr algn="ctr"/>
+            <a:r>
+              <a:rPr lang="pt-PT" altLang="en-US"/>
+              <a:t>4</a:t>
+            </a:r>
+            <a:endParaRPr lang="pt-PT" altLang="en-US"/>
           </a:p>
         </p:txBody>
       </p:sp>
